--- a/Building the Real-time Web with SignalR.pptx
+++ b/Building the Real-time Web with SignalR.pptx
@@ -16761,7 +16761,7 @@
             </a:r>
             <a:r>
               <a:rPr lang="en-US" dirty="0"/>
-              <a:t> overview</a:t>
+              <a:t>: The what</a:t>
             </a:r>
           </a:p>
         </p:txBody>
@@ -16790,7 +16790,7 @@
             </a:avLst>
           </a:prstGeom>
           <a:solidFill>
-            <a:schemeClr val="lt2"/>
+            <a:schemeClr val="accent3"/>
           </a:solidFill>
           <a:ln w="9525" cap="flat" cmpd="sng">
             <a:solidFill>
@@ -17659,8 +17659,16 @@
           <a:lstStyle/>
           <a:p>
             <a:r>
+              <a:rPr lang="en-US" dirty="0">
+                <a:solidFill>
+                  <a:schemeClr val="accent4"/>
+                </a:solidFill>
+              </a:rPr>
+              <a:t>Client:</a:t>
+            </a:r>
+            <a:r>
               <a:rPr lang="en-US" dirty="0"/>
-              <a:t>Client: “Do you have anything for me yet?”</a:t>
+              <a:t> “Do you have anything for me yet?”</a:t>
             </a:r>
           </a:p>
           <a:p>
@@ -17671,8 +17679,16 @@
           </a:p>
           <a:p>
             <a:r>
+              <a:rPr lang="en-US" dirty="0">
+                <a:solidFill>
+                  <a:schemeClr val="accent4"/>
+                </a:solidFill>
+              </a:rPr>
+              <a:t>Client:</a:t>
+            </a:r>
+            <a:r>
               <a:rPr lang="en-US" dirty="0"/>
-              <a:t>Client: “Do you have anything for me yet?”</a:t>
+              <a:t> “Do you have anything for me yet?”</a:t>
             </a:r>
           </a:p>
           <a:p>
@@ -17683,8 +17699,16 @@
           </a:p>
           <a:p>
             <a:r>
+              <a:rPr lang="en-US" dirty="0">
+                <a:solidFill>
+                  <a:schemeClr val="accent4"/>
+                </a:solidFill>
+              </a:rPr>
+              <a:t>Client:</a:t>
+            </a:r>
+            <a:r>
               <a:rPr lang="en-US" dirty="0"/>
-              <a:t>Client: “Do you have anything for me yet?”</a:t>
+              <a:t> “Do you have anything for me yet?”</a:t>
             </a:r>
           </a:p>
           <a:p>
@@ -18213,53 +18237,6 @@
             <a:r>
               <a:rPr lang="en-US" dirty="0"/>
               <a:t>[]</a:t>
-            </a:r>
-          </a:p>
-        </p:txBody>
-      </p:sp>
-      <p:sp>
-        <p:nvSpPr>
-          <p:cNvPr id="18" name="TextBox 17">
-            <a:extLst>
-              <a:ext uri="{FF2B5EF4-FFF2-40B4-BE49-F238E27FC236}">
-                <a16:creationId xmlns:a16="http://schemas.microsoft.com/office/drawing/2014/main" id="{606ED7A3-88D7-4ED8-A86C-62F7B5D7D630}"/>
-              </a:ext>
-            </a:extLst>
-          </p:cNvPr>
-          <p:cNvSpPr txBox="1"/>
-          <p:nvPr/>
-        </p:nvSpPr>
-        <p:spPr>
-          <a:xfrm>
-            <a:off x="1233031" y="4640452"/>
-            <a:ext cx="1863037" cy="627864"/>
-          </a:xfrm>
-          <a:prstGeom prst="rect">
-            <a:avLst/>
-          </a:prstGeom>
-          <a:noFill/>
-        </p:spPr>
-        <p:txBody>
-          <a:bodyPr wrap="square" lIns="182880" tIns="146304" rIns="182880" bIns="146304" rtlCol="0">
-            <a:spAutoFit/>
-          </a:bodyPr>
-          <a:lstStyle/>
-          <a:p>
-            <a:pPr>
-              <a:lnSpc>
-                <a:spcPct val="90000"/>
-              </a:lnSpc>
-              <a:spcAft>
-                <a:spcPts val="600"/>
-              </a:spcAft>
-            </a:pPr>
-            <a:r>
-              <a:rPr lang="en-US" sz="2400" dirty="0">
-                <a:solidFill>
-                  <a:schemeClr val="bg1"/>
-                </a:solidFill>
-              </a:rPr>
-              <a:t> JavaScript</a:t>
             </a:r>
           </a:p>
         </p:txBody>
@@ -19143,41 +19120,6 @@
           </a:p>
         </p:txBody>
       </p:sp>
-      <p:pic>
-        <p:nvPicPr>
-          <p:cNvPr id="6" name="Picture 5">
-            <a:extLst>
-              <a:ext uri="{FF2B5EF4-FFF2-40B4-BE49-F238E27FC236}">
-                <a16:creationId xmlns:a16="http://schemas.microsoft.com/office/drawing/2014/main" id="{9F9ECF62-82B3-4FDF-94E0-DCAB43D66E26}"/>
-              </a:ext>
-            </a:extLst>
-          </p:cNvPr>
-          <p:cNvPicPr>
-            <a:picLocks noChangeAspect="1"/>
-          </p:cNvPicPr>
-          <p:nvPr/>
-        </p:nvPicPr>
-        <p:blipFill rotWithShape="1">
-          <a:blip r:embed="rId3" cstate="print">
-            <a:extLst>
-              <a:ext uri="{28A0092B-C50C-407E-A947-70E740481C1C}">
-                <a14:useLocalDpi xmlns:a14="http://schemas.microsoft.com/office/drawing/2010/main" val="0"/>
-              </a:ext>
-            </a:extLst>
-          </a:blip>
-          <a:srcRect/>
-          <a:stretch/>
-        </p:blipFill>
-        <p:spPr>
-          <a:xfrm>
-            <a:off x="4434840" y="0"/>
-            <a:ext cx="8001635" cy="6994525"/>
-          </a:xfrm>
-          <a:prstGeom prst="rect">
-            <a:avLst/>
-          </a:prstGeom>
-        </p:spPr>
-      </p:pic>
       <p:graphicFrame>
         <p:nvGraphicFramePr>
           <p:cNvPr id="7" name="Table 6">
@@ -19193,7 +19135,7 @@
           <p:nvPr>
             <p:extLst>
               <p:ext uri="{D42A27DB-BD31-4B8C-83A1-F6EECF244321}">
-                <p14:modId xmlns:p14="http://schemas.microsoft.com/office/powerpoint/2010/main" val="2723358938"/>
+                <p14:modId xmlns:p14="http://schemas.microsoft.com/office/powerpoint/2010/main" val="2577864572"/>
               </p:ext>
             </p:extLst>
           </p:nvPr>
@@ -19877,6 +19819,713 @@
           </a:p>
         </p:txBody>
       </p:sp>
+      <p:graphicFrame>
+        <p:nvGraphicFramePr>
+          <p:cNvPr id="10" name="Table 9">
+            <a:extLst>
+              <a:ext uri="{FF2B5EF4-FFF2-40B4-BE49-F238E27FC236}">
+                <a16:creationId xmlns:a16="http://schemas.microsoft.com/office/drawing/2014/main" id="{53F7C56A-C40C-4612-99A5-9F4A7BE5DEF1}"/>
+              </a:ext>
+            </a:extLst>
+          </p:cNvPr>
+          <p:cNvGraphicFramePr>
+            <a:graphicFrameLocks noGrp="1"/>
+          </p:cNvGraphicFramePr>
+          <p:nvPr>
+            <p:extLst>
+              <p:ext uri="{D42A27DB-BD31-4B8C-83A1-F6EECF244321}">
+                <p14:modId xmlns:p14="http://schemas.microsoft.com/office/powerpoint/2010/main" val="1148189334"/>
+              </p:ext>
+            </p:extLst>
+          </p:nvPr>
+        </p:nvGraphicFramePr>
+        <p:xfrm>
+          <a:off x="393256" y="4013272"/>
+          <a:ext cx="5729454" cy="2651760"/>
+        </p:xfrm>
+        <a:graphic>
+          <a:graphicData uri="http://schemas.openxmlformats.org/drawingml/2006/table">
+            <a:tbl>
+              <a:tblPr firstRow="1" bandRow="1">
+                <a:effectLst/>
+              </a:tblPr>
+              <a:tblGrid>
+                <a:gridCol w="5729454">
+                  <a:extLst>
+                    <a:ext uri="{9D8B030D-6E8A-4147-A177-3AD203B41FA5}">
+                      <a16:colId xmlns:a16="http://schemas.microsoft.com/office/drawing/2014/main" val="1057070397"/>
+                    </a:ext>
+                  </a:extLst>
+                </a:gridCol>
+              </a:tblGrid>
+              <a:tr h="1998136">
+                <a:tc>
+                  <a:txBody>
+                    <a:bodyPr/>
+                    <a:lstStyle>
+                      <a:lvl1pPr marL="0" algn="l" defTabSz="914400" rtl="0" eaLnBrk="1" latinLnBrk="0" hangingPunct="1">
+                        <a:defRPr sz="1800" b="1" kern="1200">
+                          <a:solidFill>
+                            <a:schemeClr val="lt1"/>
+                          </a:solidFill>
+                          <a:latin typeface="Segoe UI Light"/>
+                        </a:defRPr>
+                      </a:lvl1pPr>
+                      <a:lvl2pPr marL="457200" algn="l" defTabSz="914400" rtl="0" eaLnBrk="1" latinLnBrk="0" hangingPunct="1">
+                        <a:defRPr sz="1800" b="1" kern="1200">
+                          <a:solidFill>
+                            <a:schemeClr val="lt1"/>
+                          </a:solidFill>
+                          <a:latin typeface="Segoe UI Light"/>
+                        </a:defRPr>
+                      </a:lvl2pPr>
+                      <a:lvl3pPr marL="914400" algn="l" defTabSz="914400" rtl="0" eaLnBrk="1" latinLnBrk="0" hangingPunct="1">
+                        <a:defRPr sz="1800" b="1" kern="1200">
+                          <a:solidFill>
+                            <a:schemeClr val="lt1"/>
+                          </a:solidFill>
+                          <a:latin typeface="Segoe UI Light"/>
+                        </a:defRPr>
+                      </a:lvl3pPr>
+                      <a:lvl4pPr marL="1371600" algn="l" defTabSz="914400" rtl="0" eaLnBrk="1" latinLnBrk="0" hangingPunct="1">
+                        <a:defRPr sz="1800" b="1" kern="1200">
+                          <a:solidFill>
+                            <a:schemeClr val="lt1"/>
+                          </a:solidFill>
+                          <a:latin typeface="Segoe UI Light"/>
+                        </a:defRPr>
+                      </a:lvl4pPr>
+                      <a:lvl5pPr marL="1828800" algn="l" defTabSz="914400" rtl="0" eaLnBrk="1" latinLnBrk="0" hangingPunct="1">
+                        <a:defRPr sz="1800" b="1" kern="1200">
+                          <a:solidFill>
+                            <a:schemeClr val="lt1"/>
+                          </a:solidFill>
+                          <a:latin typeface="Segoe UI Light"/>
+                        </a:defRPr>
+                      </a:lvl5pPr>
+                      <a:lvl6pPr marL="2286000" algn="l" defTabSz="914400" rtl="0" eaLnBrk="1" latinLnBrk="0" hangingPunct="1">
+                        <a:defRPr sz="1800" b="1" kern="1200">
+                          <a:solidFill>
+                            <a:schemeClr val="lt1"/>
+                          </a:solidFill>
+                          <a:latin typeface="Segoe UI Light"/>
+                        </a:defRPr>
+                      </a:lvl6pPr>
+                      <a:lvl7pPr marL="2743200" algn="l" defTabSz="914400" rtl="0" eaLnBrk="1" latinLnBrk="0" hangingPunct="1">
+                        <a:defRPr sz="1800" b="1" kern="1200">
+                          <a:solidFill>
+                            <a:schemeClr val="lt1"/>
+                          </a:solidFill>
+                          <a:latin typeface="Segoe UI Light"/>
+                        </a:defRPr>
+                      </a:lvl7pPr>
+                      <a:lvl8pPr marL="3200400" algn="l" defTabSz="914400" rtl="0" eaLnBrk="1" latinLnBrk="0" hangingPunct="1">
+                        <a:defRPr sz="1800" b="1" kern="1200">
+                          <a:solidFill>
+                            <a:schemeClr val="lt1"/>
+                          </a:solidFill>
+                          <a:latin typeface="Segoe UI Light"/>
+                        </a:defRPr>
+                      </a:lvl8pPr>
+                      <a:lvl9pPr marL="3657600" algn="l" defTabSz="914400" rtl="0" eaLnBrk="1" latinLnBrk="0" hangingPunct="1">
+                        <a:defRPr sz="1800" b="1" kern="1200">
+                          <a:solidFill>
+                            <a:schemeClr val="lt1"/>
+                          </a:solidFill>
+                          <a:latin typeface="Segoe UI Light"/>
+                        </a:defRPr>
+                      </a:lvl9pPr>
+                    </a:lstStyle>
+                    <a:p>
+                      <a:r>
+                        <a:rPr lang="en-US" sz="1800" dirty="0">
+                          <a:solidFill>
+                            <a:srgbClr val="0000FF"/>
+                          </a:solidFill>
+                          <a:latin typeface="Consolas" panose="020B0609020204030204" pitchFamily="49" charset="0"/>
+                        </a:rPr>
+                        <a:t>public</a:t>
+                      </a:r>
+                      <a:r>
+                        <a:rPr lang="en-US" sz="1800" dirty="0">
+                          <a:solidFill>
+                            <a:srgbClr val="000000"/>
+                          </a:solidFill>
+                          <a:latin typeface="Consolas" panose="020B0609020204030204" pitchFamily="49" charset="0"/>
+                        </a:rPr>
+                        <a:t> </a:t>
+                      </a:r>
+                      <a:r>
+                        <a:rPr lang="en-US" sz="1800" dirty="0">
+                          <a:solidFill>
+                            <a:srgbClr val="0000FF"/>
+                          </a:solidFill>
+                          <a:latin typeface="Consolas" panose="020B0609020204030204" pitchFamily="49" charset="0"/>
+                        </a:rPr>
+                        <a:t>void</a:t>
+                      </a:r>
+                      <a:r>
+                        <a:rPr lang="en-US" sz="1800" dirty="0">
+                          <a:solidFill>
+                            <a:srgbClr val="000000"/>
+                          </a:solidFill>
+                          <a:latin typeface="Consolas" panose="020B0609020204030204" pitchFamily="49" charset="0"/>
+                        </a:rPr>
+                        <a:t> Configure(</a:t>
+                      </a:r>
+                    </a:p>
+                    <a:p>
+                      <a:r>
+                        <a:rPr lang="en-US" sz="1800" dirty="0">
+                          <a:solidFill>
+                            <a:srgbClr val="000000"/>
+                          </a:solidFill>
+                          <a:latin typeface="Consolas" panose="020B0609020204030204" pitchFamily="49" charset="0"/>
+                        </a:rPr>
+                        <a:t>    </a:t>
+                      </a:r>
+                      <a:r>
+                        <a:rPr lang="en-US" sz="1800" dirty="0" err="1">
+                          <a:solidFill>
+                            <a:srgbClr val="000000"/>
+                          </a:solidFill>
+                          <a:latin typeface="Consolas" panose="020B0609020204030204" pitchFamily="49" charset="0"/>
+                        </a:rPr>
+                        <a:t>IApplicationBuilder</a:t>
+                      </a:r>
+                      <a:r>
+                        <a:rPr lang="en-US" sz="1800" dirty="0">
+                          <a:solidFill>
+                            <a:srgbClr val="000000"/>
+                          </a:solidFill>
+                          <a:latin typeface="Consolas" panose="020B0609020204030204" pitchFamily="49" charset="0"/>
+                        </a:rPr>
+                        <a:t> app)</a:t>
+                      </a:r>
+                    </a:p>
+                    <a:p>
+                      <a:r>
+                        <a:rPr lang="en-US" sz="1800" dirty="0">
+                          <a:solidFill>
+                            <a:srgbClr val="000000"/>
+                          </a:solidFill>
+                          <a:latin typeface="Consolas" panose="020B0609020204030204" pitchFamily="49" charset="0"/>
+                        </a:rPr>
+                        <a:t>{</a:t>
+                      </a:r>
+                    </a:p>
+                    <a:p>
+                      <a:r>
+                        <a:rPr lang="en-US" sz="1800" dirty="0">
+                          <a:solidFill>
+                            <a:srgbClr val="000000"/>
+                          </a:solidFill>
+                          <a:latin typeface="Consolas" panose="020B0609020204030204" pitchFamily="49" charset="0"/>
+                        </a:rPr>
+                        <a:t>    </a:t>
+                      </a:r>
+                      <a:r>
+                        <a:rPr lang="en-US" sz="1800" dirty="0" err="1">
+                          <a:solidFill>
+                            <a:srgbClr val="000000"/>
+                          </a:solidFill>
+                          <a:latin typeface="Consolas" panose="020B0609020204030204" pitchFamily="49" charset="0"/>
+                        </a:rPr>
+                        <a:t>app.UseSignalR</a:t>
+                      </a:r>
+                      <a:r>
+                        <a:rPr lang="en-US" sz="1800" dirty="0">
+                          <a:solidFill>
+                            <a:srgbClr val="000000"/>
+                          </a:solidFill>
+                          <a:latin typeface="Consolas" panose="020B0609020204030204" pitchFamily="49" charset="0"/>
+                        </a:rPr>
+                        <a:t>(routes =&gt;</a:t>
+                      </a:r>
+                    </a:p>
+                    <a:p>
+                      <a:r>
+                        <a:rPr lang="en-US" sz="1800" dirty="0">
+                          <a:solidFill>
+                            <a:srgbClr val="000000"/>
+                          </a:solidFill>
+                          <a:latin typeface="Consolas" panose="020B0609020204030204" pitchFamily="49" charset="0"/>
+                        </a:rPr>
+                        <a:t>    {</a:t>
+                      </a:r>
+                    </a:p>
+                    <a:p>
+                      <a:r>
+                        <a:rPr lang="en-US" sz="1800" dirty="0">
+                          <a:solidFill>
+                            <a:srgbClr val="000000"/>
+                          </a:solidFill>
+                          <a:latin typeface="Consolas" panose="020B0609020204030204" pitchFamily="49" charset="0"/>
+                        </a:rPr>
+                        <a:t>        </a:t>
+                      </a:r>
+                      <a:r>
+                        <a:rPr lang="en-US" sz="1800" dirty="0" err="1">
+                          <a:solidFill>
+                            <a:srgbClr val="000000"/>
+                          </a:solidFill>
+                          <a:latin typeface="Consolas" panose="020B0609020204030204" pitchFamily="49" charset="0"/>
+                        </a:rPr>
+                        <a:t>routes.MapHub</a:t>
+                      </a:r>
+                      <a:r>
+                        <a:rPr lang="en-US" sz="1800" dirty="0">
+                          <a:solidFill>
+                            <a:srgbClr val="000000"/>
+                          </a:solidFill>
+                          <a:latin typeface="Consolas" panose="020B0609020204030204" pitchFamily="49" charset="0"/>
+                        </a:rPr>
+                        <a:t>&lt;</a:t>
+                      </a:r>
+                      <a:r>
+                        <a:rPr lang="en-US" sz="1800" dirty="0" err="1">
+                          <a:solidFill>
+                            <a:srgbClr val="000000"/>
+                          </a:solidFill>
+                          <a:latin typeface="Consolas" panose="020B0609020204030204" pitchFamily="49" charset="0"/>
+                        </a:rPr>
+                        <a:t>ChatHub</a:t>
+                      </a:r>
+                      <a:r>
+                        <a:rPr lang="en-US" sz="1800" dirty="0">
+                          <a:solidFill>
+                            <a:srgbClr val="000000"/>
+                          </a:solidFill>
+                          <a:latin typeface="Consolas" panose="020B0609020204030204" pitchFamily="49" charset="0"/>
+                        </a:rPr>
+                        <a:t>&gt;(</a:t>
+                      </a:r>
+                      <a:r>
+                        <a:rPr lang="en-US" sz="1800" dirty="0">
+                          <a:solidFill>
+                            <a:srgbClr val="A31515"/>
+                          </a:solidFill>
+                          <a:latin typeface="Consolas" panose="020B0609020204030204" pitchFamily="49" charset="0"/>
+                        </a:rPr>
+                        <a:t>"/</a:t>
+                      </a:r>
+                      <a:r>
+                        <a:rPr lang="en-US" sz="1800" dirty="0" err="1">
+                          <a:solidFill>
+                            <a:srgbClr val="A31515"/>
+                          </a:solidFill>
+                          <a:latin typeface="Consolas" panose="020B0609020204030204" pitchFamily="49" charset="0"/>
+                        </a:rPr>
+                        <a:t>chatHub</a:t>
+                      </a:r>
+                      <a:r>
+                        <a:rPr lang="en-US" sz="1800" dirty="0">
+                          <a:solidFill>
+                            <a:srgbClr val="A31515"/>
+                          </a:solidFill>
+                          <a:latin typeface="Consolas" panose="020B0609020204030204" pitchFamily="49" charset="0"/>
+                        </a:rPr>
+                        <a:t>"</a:t>
+                      </a:r>
+                      <a:r>
+                        <a:rPr lang="en-US" sz="1800" dirty="0">
+                          <a:solidFill>
+                            <a:srgbClr val="000000"/>
+                          </a:solidFill>
+                          <a:latin typeface="Consolas" panose="020B0609020204030204" pitchFamily="49" charset="0"/>
+                        </a:rPr>
+                        <a:t>);</a:t>
+                      </a:r>
+                    </a:p>
+                    <a:p>
+                      <a:r>
+                        <a:rPr lang="en-US" sz="1800" dirty="0">
+                          <a:solidFill>
+                            <a:srgbClr val="000000"/>
+                          </a:solidFill>
+                          <a:latin typeface="Consolas" panose="020B0609020204030204" pitchFamily="49" charset="0"/>
+                        </a:rPr>
+                        <a:t>    });</a:t>
+                      </a:r>
+                    </a:p>
+                    <a:p>
+                      <a:r>
+                        <a:rPr lang="en-US" sz="1800" dirty="0">
+                          <a:solidFill>
+                            <a:srgbClr val="000000"/>
+                          </a:solidFill>
+                          <a:latin typeface="Consolas" panose="020B0609020204030204" pitchFamily="49" charset="0"/>
+                        </a:rPr>
+                        <a:t>}</a:t>
+                      </a:r>
+                    </a:p>
+                  </a:txBody>
+                  <a:tcPr>
+                    <a:lnL w="12700" cap="flat" cmpd="sng" algn="ctr">
+                      <a:solidFill>
+                        <a:sysClr val="window" lastClr="FFFFFF"/>
+                      </a:solidFill>
+                      <a:prstDash val="solid"/>
+                      <a:round/>
+                      <a:headEnd type="none" w="med" len="med"/>
+                      <a:tailEnd type="none" w="med" len="med"/>
+                    </a:lnL>
+                    <a:lnR w="12700" cap="flat" cmpd="sng" algn="ctr">
+                      <a:solidFill>
+                        <a:sysClr val="window" lastClr="FFFFFF"/>
+                      </a:solidFill>
+                      <a:prstDash val="solid"/>
+                      <a:round/>
+                      <a:headEnd type="none" w="med" len="med"/>
+                      <a:tailEnd type="none" w="med" len="med"/>
+                    </a:lnR>
+                    <a:lnT w="12700" cap="flat" cmpd="sng" algn="ctr">
+                      <a:solidFill>
+                        <a:schemeClr val="tx1"/>
+                      </a:solidFill>
+                      <a:prstDash val="solid"/>
+                      <a:round/>
+                      <a:headEnd type="none" w="med" len="med"/>
+                      <a:tailEnd type="none" w="med" len="med"/>
+                    </a:lnT>
+                    <a:lnB w="12700" cap="flat" cmpd="sng" algn="ctr">
+                      <a:solidFill>
+                        <a:sysClr val="window" lastClr="FFFFFF"/>
+                      </a:solidFill>
+                      <a:prstDash val="solid"/>
+                      <a:round/>
+                      <a:headEnd type="none" w="med" len="med"/>
+                      <a:tailEnd type="none" w="med" len="med"/>
+                    </a:lnB>
+                    <a:lnTlToBr w="12700" cmpd="sng">
+                      <a:noFill/>
+                      <a:prstDash val="solid"/>
+                    </a:lnTlToBr>
+                    <a:lnBlToTr w="12700" cmpd="sng">
+                      <a:noFill/>
+                      <a:prstDash val="solid"/>
+                    </a:lnBlToTr>
+                    <a:solidFill>
+                      <a:sysClr val="window" lastClr="FFFFFF"/>
+                    </a:solidFill>
+                  </a:tcPr>
+                </a:tc>
+                <a:extLst>
+                  <a:ext uri="{0D108BD9-81ED-4DB2-BD59-A6C34878D82A}">
+                    <a16:rowId xmlns:a16="http://schemas.microsoft.com/office/drawing/2014/main" val="3473222697"/>
+                  </a:ext>
+                </a:extLst>
+              </a:tr>
+              <a:tr h="307506">
+                <a:tc>
+                  <a:txBody>
+                    <a:bodyPr/>
+                    <a:lstStyle/>
+                    <a:p>
+                      <a:endParaRPr lang="en-US" sz="1800" dirty="0">
+                        <a:solidFill>
+                          <a:srgbClr val="000000"/>
+                        </a:solidFill>
+                        <a:latin typeface="Consolas" panose="020B0609020204030204" pitchFamily="49" charset="0"/>
+                      </a:endParaRPr>
+                    </a:p>
+                  </a:txBody>
+                  <a:tcPr>
+                    <a:lnL w="12700" cap="flat" cmpd="sng" algn="ctr">
+                      <a:solidFill>
+                        <a:sysClr val="window" lastClr="FFFFFF"/>
+                      </a:solidFill>
+                      <a:prstDash val="solid"/>
+                      <a:round/>
+                      <a:headEnd type="none" w="med" len="med"/>
+                      <a:tailEnd type="none" w="med" len="med"/>
+                    </a:lnL>
+                    <a:lnR w="12700" cap="flat" cmpd="sng" algn="ctr">
+                      <a:solidFill>
+                        <a:sysClr val="window" lastClr="FFFFFF"/>
+                      </a:solidFill>
+                      <a:prstDash val="solid"/>
+                      <a:round/>
+                      <a:headEnd type="none" w="med" len="med"/>
+                      <a:tailEnd type="none" w="med" len="med"/>
+                    </a:lnR>
+                    <a:lnT w="12700" cap="flat" cmpd="sng" algn="ctr">
+                      <a:solidFill>
+                        <a:sysClr val="window" lastClr="FFFFFF"/>
+                      </a:solidFill>
+                      <a:prstDash val="solid"/>
+                      <a:round/>
+                      <a:headEnd type="none" w="med" len="med"/>
+                      <a:tailEnd type="none" w="med" len="med"/>
+                    </a:lnT>
+                    <a:lnB w="12700" cap="flat" cmpd="sng" algn="ctr">
+                      <a:solidFill>
+                        <a:sysClr val="window" lastClr="FFFFFF"/>
+                      </a:solidFill>
+                      <a:prstDash val="solid"/>
+                      <a:round/>
+                      <a:headEnd type="none" w="med" len="med"/>
+                      <a:tailEnd type="none" w="med" len="med"/>
+                    </a:lnB>
+                    <a:lnTlToBr w="12700" cmpd="sng">
+                      <a:noFill/>
+                      <a:prstDash val="solid"/>
+                    </a:lnTlToBr>
+                    <a:lnBlToTr w="12700" cmpd="sng">
+                      <a:noFill/>
+                      <a:prstDash val="solid"/>
+                    </a:lnBlToTr>
+                    <a:solidFill>
+                      <a:sysClr val="window" lastClr="FFFFFF"/>
+                    </a:solidFill>
+                  </a:tcPr>
+                </a:tc>
+                <a:extLst>
+                  <a:ext uri="{0D108BD9-81ED-4DB2-BD59-A6C34878D82A}">
+                    <a16:rowId xmlns:a16="http://schemas.microsoft.com/office/drawing/2014/main" val="97062865"/>
+                  </a:ext>
+                </a:extLst>
+              </a:tr>
+            </a:tbl>
+          </a:graphicData>
+        </a:graphic>
+      </p:graphicFrame>
+      <p:sp>
+        <p:nvSpPr>
+          <p:cNvPr id="11" name="Rectangle 10">
+            <a:extLst>
+              <a:ext uri="{FF2B5EF4-FFF2-40B4-BE49-F238E27FC236}">
+                <a16:creationId xmlns:a16="http://schemas.microsoft.com/office/drawing/2014/main" id="{7DBF0117-658B-4227-8D20-B3BD3972E24D}"/>
+              </a:ext>
+            </a:extLst>
+          </p:cNvPr>
+          <p:cNvSpPr/>
+          <p:nvPr/>
+        </p:nvSpPr>
+        <p:spPr>
+          <a:xfrm>
+            <a:off x="381223" y="3562751"/>
+            <a:ext cx="1978891" cy="446567"/>
+          </a:xfrm>
+          <a:prstGeom prst="rect">
+            <a:avLst/>
+          </a:prstGeom>
+          <a:gradFill rotWithShape="1">
+            <a:gsLst>
+              <a:gs pos="0">
+                <a:srgbClr val="5B9BD5">
+                  <a:lumMod val="110000"/>
+                  <a:satMod val="105000"/>
+                  <a:tint val="67000"/>
+                </a:srgbClr>
+              </a:gs>
+              <a:gs pos="50000">
+                <a:srgbClr val="5B9BD5">
+                  <a:lumMod val="105000"/>
+                  <a:satMod val="103000"/>
+                  <a:tint val="73000"/>
+                </a:srgbClr>
+              </a:gs>
+              <a:gs pos="100000">
+                <a:srgbClr val="5B9BD5">
+                  <a:lumMod val="105000"/>
+                  <a:satMod val="109000"/>
+                  <a:tint val="81000"/>
+                </a:srgbClr>
+              </a:gs>
+            </a:gsLst>
+            <a:lin ang="5400000" scaled="0"/>
+          </a:gradFill>
+          <a:ln w="6350" cap="flat" cmpd="sng" algn="ctr">
+            <a:solidFill>
+              <a:srgbClr val="5B9BD5"/>
+            </a:solidFill>
+            <a:prstDash val="solid"/>
+            <a:miter lim="800000"/>
+          </a:ln>
+          <a:effectLst/>
+        </p:spPr>
+        <p:txBody>
+          <a:bodyPr rtlCol="0" anchor="ctr"/>
+          <a:lstStyle/>
+          <a:p>
+            <a:pPr marL="0" marR="0" lvl="0" indent="0" defTabSz="914400" eaLnBrk="1" fontAlgn="auto" latinLnBrk="0" hangingPunct="1">
+              <a:lnSpc>
+                <a:spcPct val="100000"/>
+              </a:lnSpc>
+              <a:spcBef>
+                <a:spcPts val="0"/>
+              </a:spcBef>
+              <a:spcAft>
+                <a:spcPts val="0"/>
+              </a:spcAft>
+              <a:buClrTx/>
+              <a:buSzTx/>
+              <a:buFontTx/>
+              <a:buNone/>
+              <a:tabLst/>
+              <a:defRPr/>
+            </a:pPr>
+            <a:r>
+              <a:rPr lang="en-US" b="1" kern="0" dirty="0" err="1">
+                <a:solidFill>
+                  <a:prstClr val="black"/>
+                </a:solidFill>
+                <a:latin typeface="Segoe UI Light"/>
+              </a:rPr>
+              <a:t>Startup.cs</a:t>
+            </a:r>
+            <a:endParaRPr kumimoji="0" lang="en-US" sz="1800" b="1" i="0" u="none" strike="noStrike" kern="0" cap="none" spc="0" normalizeH="0" baseline="0" noProof="0" dirty="0">
+              <a:ln>
+                <a:noFill/>
+              </a:ln>
+              <a:solidFill>
+                <a:prstClr val="black"/>
+              </a:solidFill>
+              <a:effectLst/>
+              <a:uLnTx/>
+              <a:uFillTx/>
+              <a:latin typeface="Segoe UI Light"/>
+              <a:ea typeface="+mn-ea"/>
+              <a:cs typeface="+mn-cs"/>
+            </a:endParaRPr>
+          </a:p>
+        </p:txBody>
+      </p:sp>
+      <p:pic>
+        <p:nvPicPr>
+          <p:cNvPr id="6" name="Picture 5">
+            <a:extLst>
+              <a:ext uri="{FF2B5EF4-FFF2-40B4-BE49-F238E27FC236}">
+                <a16:creationId xmlns:a16="http://schemas.microsoft.com/office/drawing/2014/main" id="{9F9ECF62-82B3-4FDF-94E0-DCAB43D66E26}"/>
+              </a:ext>
+            </a:extLst>
+          </p:cNvPr>
+          <p:cNvPicPr>
+            <a:picLocks noChangeAspect="1"/>
+          </p:cNvPicPr>
+          <p:nvPr/>
+        </p:nvPicPr>
+        <p:blipFill rotWithShape="1">
+          <a:blip r:embed="rId3" cstate="print">
+            <a:extLst>
+              <a:ext uri="{28A0092B-C50C-407E-A947-70E740481C1C}">
+                <a14:useLocalDpi xmlns:a14="http://schemas.microsoft.com/office/drawing/2010/main" val="0"/>
+              </a:ext>
+            </a:extLst>
+          </a:blip>
+          <a:srcRect/>
+          <a:stretch/>
+        </p:blipFill>
+        <p:spPr>
+          <a:xfrm>
+            <a:off x="4434840" y="0"/>
+            <a:ext cx="8001635" cy="6994525"/>
+          </a:xfrm>
+          <a:prstGeom prst="rect">
+            <a:avLst/>
+          </a:prstGeom>
+        </p:spPr>
+      </p:pic>
+      <p:grpSp>
+        <p:nvGrpSpPr>
+          <p:cNvPr id="13" name="Group 12">
+            <a:extLst>
+              <a:ext uri="{FF2B5EF4-FFF2-40B4-BE49-F238E27FC236}">
+                <a16:creationId xmlns:a16="http://schemas.microsoft.com/office/drawing/2014/main" id="{0D133280-5537-4203-B06D-2CB795982FCE}"/>
+              </a:ext>
+            </a:extLst>
+          </p:cNvPr>
+          <p:cNvGrpSpPr/>
+          <p:nvPr/>
+        </p:nvGrpSpPr>
+        <p:grpSpPr>
+          <a:xfrm>
+            <a:off x="-1342563" y="2110970"/>
+            <a:ext cx="8603173" cy="6691837"/>
+            <a:chOff x="-1342563" y="2110970"/>
+            <a:chExt cx="8603173" cy="6691837"/>
+          </a:xfrm>
+        </p:grpSpPr>
+        <p:pic>
+          <p:nvPicPr>
+            <p:cNvPr id="9" name="Picture 8">
+              <a:extLst>
+                <a:ext uri="{FF2B5EF4-FFF2-40B4-BE49-F238E27FC236}">
+                  <a16:creationId xmlns:a16="http://schemas.microsoft.com/office/drawing/2014/main" id="{82439160-5E65-47C4-A790-671EC82ED73B}"/>
+                </a:ext>
+              </a:extLst>
+            </p:cNvPr>
+            <p:cNvPicPr>
+              <a:picLocks noChangeAspect="1"/>
+            </p:cNvPicPr>
+            <p:nvPr/>
+          </p:nvPicPr>
+          <p:blipFill rotWithShape="1">
+            <a:blip r:embed="rId4" cstate="print">
+              <a:extLst>
+                <a:ext uri="{28A0092B-C50C-407E-A947-70E740481C1C}">
+                  <a14:useLocalDpi xmlns:a14="http://schemas.microsoft.com/office/drawing/2010/main" val="0"/>
+                </a:ext>
+              </a:extLst>
+            </a:blip>
+            <a:srcRect/>
+            <a:stretch/>
+          </p:blipFill>
+          <p:spPr>
+            <a:xfrm>
+              <a:off x="-1342563" y="2110970"/>
+              <a:ext cx="7499086" cy="6691837"/>
+            </a:xfrm>
+            <a:prstGeom prst="rect">
+              <a:avLst/>
+            </a:prstGeom>
+          </p:spPr>
+        </p:pic>
+        <p:cxnSp>
+          <p:nvCxnSpPr>
+            <p:cNvPr id="12" name="Straight Connector 11">
+              <a:extLst>
+                <a:ext uri="{FF2B5EF4-FFF2-40B4-BE49-F238E27FC236}">
+                  <a16:creationId xmlns:a16="http://schemas.microsoft.com/office/drawing/2014/main" id="{46F82DEE-BAC1-4F0A-BD0A-D3B174646019}"/>
+                </a:ext>
+              </a:extLst>
+            </p:cNvPr>
+            <p:cNvCxnSpPr/>
+            <p:nvPr/>
+          </p:nvCxnSpPr>
+          <p:spPr>
+            <a:xfrm>
+              <a:off x="7260610" y="6093679"/>
+              <a:ext cx="0" cy="915867"/>
+            </a:xfrm>
+            <a:prstGeom prst="line">
+              <a:avLst/>
+            </a:prstGeom>
+            <a:ln w="304800">
+              <a:solidFill>
+                <a:schemeClr val="tx1"/>
+              </a:solidFill>
+              <a:headEnd type="none"/>
+              <a:tailEnd type="none"/>
+            </a:ln>
+          </p:spPr>
+          <p:style>
+            <a:lnRef idx="1">
+              <a:schemeClr val="accent1"/>
+            </a:lnRef>
+            <a:fillRef idx="0">
+              <a:schemeClr val="accent1"/>
+            </a:fillRef>
+            <a:effectRef idx="0">
+              <a:schemeClr val="accent1"/>
+            </a:effectRef>
+            <a:fontRef idx="minor">
+              <a:schemeClr val="tx1"/>
+            </a:fontRef>
+          </p:style>
+        </p:cxnSp>
+      </p:grpSp>
     </p:spTree>
     <p:extLst>
       <p:ext uri="{BB962C8B-B14F-4D97-AF65-F5344CB8AC3E}">
@@ -20018,7 +20667,7 @@
           <p:nvPr>
             <p:extLst>
               <p:ext uri="{D42A27DB-BD31-4B8C-83A1-F6EECF244321}">
-                <p14:modId xmlns:p14="http://schemas.microsoft.com/office/powerpoint/2010/main" val="3480963468"/>
+                <p14:modId xmlns:p14="http://schemas.microsoft.com/office/powerpoint/2010/main" val="1397188717"/>
               </p:ext>
             </p:extLst>
           </p:nvPr>
@@ -20139,7 +20788,7 @@
                           </a:solidFill>
                           <a:latin typeface="Consolas" panose="020B0609020204030204" pitchFamily="49" charset="0"/>
                         </a:rPr>
-                        <a:t>var</a:t>
+                        <a:t>const</a:t>
                       </a:r>
                       <a:r>
                         <a:rPr lang="en-US" sz="1800" dirty="0">
@@ -21039,7 +21688,7 @@
         <p:spPr>
           <a:xfrm>
             <a:off x="6334127" y="1137076"/>
-            <a:ext cx="5659119" cy="3031599"/>
+            <a:ext cx="5659119" cy="3944670"/>
           </a:xfrm>
         </p:spPr>
         <p:txBody>
@@ -21069,10 +21718,10 @@
             </a:r>
           </a:p>
           <a:p>
-            <a:pPr marL="285750" indent="-285750">
-              <a:buFont typeface="Arial" panose="020B0604020202020204" pitchFamily="34" charset="0"/>
-              <a:buChar char="•"/>
-            </a:pPr>
+            <a:r>
+              <a:rPr lang="en-US" sz="1800" dirty="0"/>
+              <a:t>&gt; </a:t>
+            </a:r>
             <a:r>
               <a:rPr lang="en-US" sz="1800" dirty="0" err="1"/>
               <a:t>npm</a:t>
@@ -21105,10 +21754,10 @@
             </a:r>
           </a:p>
           <a:p>
-            <a:pPr marL="285750" indent="-285750">
-              <a:buFont typeface="Arial" panose="020B0604020202020204" pitchFamily="34" charset="0"/>
-              <a:buChar char="•"/>
-            </a:pPr>
+            <a:r>
+              <a:rPr lang="en-US" sz="1800" dirty="0"/>
+              <a:t>&gt; </a:t>
+            </a:r>
             <a:r>
               <a:rPr lang="en-US" sz="1800" dirty="0" err="1"/>
               <a:t>libman</a:t>
@@ -21129,9 +21778,12 @@
               <a:rPr lang="en-US" sz="1800" dirty="0" err="1"/>
               <a:t>signalr</a:t>
             </a:r>
+            <a:endParaRPr lang="en-US" sz="1800" dirty="0"/>
+          </a:p>
+          <a:p>
             <a:r>
               <a:rPr lang="en-US" sz="1800" dirty="0"/>
-              <a:t> -p </a:t>
+              <a:t>        -p </a:t>
             </a:r>
             <a:r>
               <a:rPr lang="en-US" sz="1800" dirty="0" err="1"/>
@@ -21139,7 +21791,13 @@
             </a:r>
             <a:r>
               <a:rPr lang="en-US" sz="1800" dirty="0"/>
-              <a:t> -d </a:t>
+              <a:t> </a:t>
+            </a:r>
+          </a:p>
+          <a:p>
+            <a:r>
+              <a:rPr lang="en-US" sz="1800" dirty="0"/>
+              <a:t>        -d </a:t>
             </a:r>
             <a:r>
               <a:rPr lang="en-US" sz="1800" dirty="0" err="1"/>
@@ -21155,7 +21813,13 @@
             </a:r>
             <a:r>
               <a:rPr lang="en-US" sz="1800" dirty="0"/>
-              <a:t> --files </a:t>
+              <a:t> </a:t>
+            </a:r>
+          </a:p>
+          <a:p>
+            <a:r>
+              <a:rPr lang="en-US" sz="1800" dirty="0"/>
+              <a:t>        --files </a:t>
             </a:r>
             <a:r>
               <a:rPr lang="en-US" sz="1800" dirty="0" err="1"/>
@@ -21163,7 +21827,13 @@
             </a:r>
             <a:r>
               <a:rPr lang="en-US" sz="1800" dirty="0"/>
-              <a:t>/browser/signalr.js --files </a:t>
+              <a:t>/browser/signalr.js</a:t>
+            </a:r>
+          </a:p>
+          <a:p>
+            <a:r>
+              <a:rPr lang="en-US" sz="1800" dirty="0"/>
+              <a:t>        --files </a:t>
             </a:r>
             <a:r>
               <a:rPr lang="en-US" sz="1800" dirty="0" err="1"/>
@@ -22127,7 +22797,7 @@
           <a:p>
             <a:r>
               <a:rPr lang="en-GB" sz="4800" dirty="0"/>
-              <a:t>Create an ASP.NET Core </a:t>
+              <a:t>Create your first ASP.NET Core </a:t>
             </a:r>
             <a:r>
               <a:rPr lang="en-GB" sz="4800" dirty="0" err="1"/>
@@ -25125,6 +25795,15 @@
 </file>
 
 <file path=customXml/item1.xml><?xml version="1.0" encoding="utf-8"?>
+<?mso-contentType ?>
+<FormTemplates xmlns="http://schemas.microsoft.com/sharepoint/v3/contenttype/forms">
+  <Display>DocumentLibraryForm</Display>
+  <Edit>DocumentLibraryForm</Edit>
+  <New>DocumentLibraryForm</New>
+</FormTemplates>
+</file>
+
+<file path=customXml/item2.xml><?xml version="1.0" encoding="utf-8"?>
 <p:properties xmlns:p="http://schemas.microsoft.com/office/2006/metadata/properties" xmlns:xsi="http://www.w3.org/2001/XMLSchema-instance" xmlns:pc="http://schemas.microsoft.com/office/infopath/2007/PartnerControls">
   <documentManagement>
     <_ip_UnifiedCompliancePolicyUIAction xmlns="http://schemas.microsoft.com/sharepoint/v3" xsi:nil="true"/>
@@ -25153,15 +25832,6 @@
     </SharedWithUsers>
   </documentManagement>
 </p:properties>
-</file>
-
-<file path=customXml/item2.xml><?xml version="1.0" encoding="utf-8"?>
-<?mso-contentType ?>
-<FormTemplates xmlns="http://schemas.microsoft.com/sharepoint/v3/contenttype/forms">
-  <Display>DocumentLibraryForm</Display>
-  <Edit>DocumentLibraryForm</Edit>
-  <New>DocumentLibraryForm</New>
-</FormTemplates>
 </file>
 
 <file path=customXml/item3.xml><?xml version="1.0" encoding="utf-8"?>
@@ -25429,6 +26099,14 @@
 </file>
 
 <file path=customXml/itemProps1.xml><?xml version="1.0" encoding="utf-8"?>
+<ds:datastoreItem xmlns:ds="http://schemas.openxmlformats.org/officeDocument/2006/customXml" ds:itemID="{A0CFF515-FEE6-4B9C-8B96-C300A0063377}">
+  <ds:schemaRefs>
+    <ds:schemaRef ds:uri="http://schemas.microsoft.com/sharepoint/v3/contenttype/forms"/>
+  </ds:schemaRefs>
+</ds:datastoreItem>
+</file>
+
+<file path=customXml/itemProps2.xml><?xml version="1.0" encoding="utf-8"?>
 <ds:datastoreItem xmlns:ds="http://schemas.openxmlformats.org/officeDocument/2006/customXml" ds:itemID="{32A15399-885A-441B-A114-CB6E80EBF6A5}">
   <ds:schemaRefs>
     <ds:schemaRef ds:uri="http://purl.org/dc/terms/"/>
@@ -25443,14 +26121,6 @@
     <ds:schemaRef ds:uri="af610f50-4aee-43ff-9d65-64420adb70d2"/>
     <ds:schemaRef ds:uri="http://www.w3.org/XML/1998/namespace"/>
     <ds:schemaRef ds:uri="http://purl.org/dc/dcmitype/"/>
-  </ds:schemaRefs>
-</ds:datastoreItem>
-</file>
-
-<file path=customXml/itemProps2.xml><?xml version="1.0" encoding="utf-8"?>
-<ds:datastoreItem xmlns:ds="http://schemas.openxmlformats.org/officeDocument/2006/customXml" ds:itemID="{A0CFF515-FEE6-4B9C-8B96-C300A0063377}">
-  <ds:schemaRefs>
-    <ds:schemaRef ds:uri="http://schemas.microsoft.com/sharepoint/v3/contenttype/forms"/>
   </ds:schemaRefs>
 </ds:datastoreItem>
 </file>

--- a/Building the Real-time Web with SignalR.pptx
+++ b/Building the Real-time Web with SignalR.pptx
@@ -926,7 +926,11 @@
             </a:r>
             <a:r>
               <a:rPr lang="en-US" dirty="0"/>
-              <a:t>, there’s no way for a server to send an unsolicited message.</a:t>
+              <a:t>, there’s no way for a server to send an unsolicited </a:t>
+            </a:r>
+            <a:r>
+              <a:rPr lang="en-US"/>
+              <a:t>message.</a:t>
             </a:r>
           </a:p>
         </p:txBody>
@@ -16685,7 +16689,7 @@
       </p:grpSpPr>
       <p:sp>
         <p:nvSpPr>
-          <p:cNvPr id="5" name="Text Placeholder 4">
+          <p:cNvPr id="5" name="Slide bullets">
             <a:extLst>
               <a:ext uri="{FF2B5EF4-FFF2-40B4-BE49-F238E27FC236}">
                 <a16:creationId xmlns:a16="http://schemas.microsoft.com/office/drawing/2014/main" id="{7CCA4CB6-36EB-4852-9C20-63AAE2617517}"/>
@@ -16736,7 +16740,7 @@
       </p:sp>
       <p:sp>
         <p:nvSpPr>
-          <p:cNvPr id="4" name="Title 3">
+          <p:cNvPr id="4" name="Slide title">
             <a:extLst>
               <a:ext uri="{FF2B5EF4-FFF2-40B4-BE49-F238E27FC236}">
                 <a16:creationId xmlns:a16="http://schemas.microsoft.com/office/drawing/2014/main" id="{03A0A74D-6624-4F55-8260-9DCDB3925A88}"/>
@@ -16768,7 +16772,7 @@
       </p:sp>
       <p:sp>
         <p:nvSpPr>
-          <p:cNvPr id="6" name="Google Shape;143;p22">
+          <p:cNvPr id="6" name="Connection arrow">
             <a:extLst>
               <a:ext uri="{FF2B5EF4-FFF2-40B4-BE49-F238E27FC236}">
                 <a16:creationId xmlns:a16="http://schemas.microsoft.com/office/drawing/2014/main" id="{AD25B51F-BEC3-4E37-9041-4CCCB52FE0FC}"/>
@@ -16780,7 +16784,7 @@
         </p:nvSpPr>
         <p:spPr>
           <a:xfrm>
-            <a:off x="2415578" y="5118195"/>
+            <a:off x="2415578" y="4543768"/>
             <a:ext cx="2111249" cy="403800"/>
           </a:xfrm>
           <a:prstGeom prst="leftRightArrow">
@@ -16823,7 +16827,7 @@
       </p:sp>
       <p:pic>
         <p:nvPicPr>
-          <p:cNvPr id="7" name="Google Shape;144;p22">
+          <p:cNvPr id="7" name="Client icon">
             <a:extLst>
               <a:ext uri="{FF2B5EF4-FFF2-40B4-BE49-F238E27FC236}">
                 <a16:creationId xmlns:a16="http://schemas.microsoft.com/office/drawing/2014/main" id="{EFE324FB-55B6-4020-B8C3-79BAB9D21A47}"/>
@@ -16843,7 +16847,7 @@
         </p:blipFill>
         <p:spPr>
           <a:xfrm>
-            <a:off x="518415" y="4315956"/>
+            <a:off x="518415" y="3741529"/>
             <a:ext cx="2211030" cy="2008275"/>
           </a:xfrm>
           <a:prstGeom prst="rect">
@@ -16857,7 +16861,7 @@
       </p:pic>
       <p:sp>
         <p:nvSpPr>
-          <p:cNvPr id="8" name="Google Shape;145;p22">
+          <p:cNvPr id="8" name="Connection text">
             <a:extLst>
               <a:ext uri="{FF2B5EF4-FFF2-40B4-BE49-F238E27FC236}">
                 <a16:creationId xmlns:a16="http://schemas.microsoft.com/office/drawing/2014/main" id="{7A860042-41A5-4EEC-A7DF-B4B197DB14F9}"/>
@@ -16869,7 +16873,7 @@
         </p:nvSpPr>
         <p:spPr>
           <a:xfrm>
-            <a:off x="2513137" y="3967545"/>
+            <a:off x="2513137" y="3393118"/>
             <a:ext cx="1777325" cy="767100"/>
           </a:xfrm>
           <a:prstGeom prst="rect">
@@ -16915,7 +16919,7 @@
       </p:sp>
       <p:pic>
         <p:nvPicPr>
-          <p:cNvPr id="9" name="Google Shape;146;p22">
+          <p:cNvPr id="9" name="Server icon">
             <a:extLst>
               <a:ext uri="{FF2B5EF4-FFF2-40B4-BE49-F238E27FC236}">
                 <a16:creationId xmlns:a16="http://schemas.microsoft.com/office/drawing/2014/main" id="{03C07870-543E-426C-9981-20FE450ABA7C}"/>
@@ -16935,7 +16939,7 @@
         </p:blipFill>
         <p:spPr>
           <a:xfrm>
-            <a:off x="4536353" y="4460270"/>
+            <a:off x="4536353" y="3885843"/>
             <a:ext cx="1719652" cy="1719648"/>
           </a:xfrm>
           <a:prstGeom prst="rect">
@@ -16949,7 +16953,7 @@
       </p:pic>
       <p:sp>
         <p:nvSpPr>
-          <p:cNvPr id="10" name="Google Shape;147;p22">
+          <p:cNvPr id="10" name="Client text">
             <a:extLst>
               <a:ext uri="{FF2B5EF4-FFF2-40B4-BE49-F238E27FC236}">
                 <a16:creationId xmlns:a16="http://schemas.microsoft.com/office/drawing/2014/main" id="{CDE323E7-7870-4383-908A-C4350D9B6D29}"/>
@@ -16961,7 +16965,7 @@
         </p:nvSpPr>
         <p:spPr>
           <a:xfrm>
-            <a:off x="924503" y="3967545"/>
+            <a:off x="924503" y="3393118"/>
             <a:ext cx="1405500" cy="767100"/>
           </a:xfrm>
           <a:prstGeom prst="rect">
@@ -17007,7 +17011,7 @@
       </p:sp>
       <p:sp>
         <p:nvSpPr>
-          <p:cNvPr id="11" name="Google Shape;148;p22">
+          <p:cNvPr id="11" name="Server text">
             <a:extLst>
               <a:ext uri="{FF2B5EF4-FFF2-40B4-BE49-F238E27FC236}">
                 <a16:creationId xmlns:a16="http://schemas.microsoft.com/office/drawing/2014/main" id="{E4D3263A-02A3-42D6-8FB4-737973976AB0}"/>
@@ -17019,7 +17023,7 @@
         </p:nvSpPr>
         <p:spPr>
           <a:xfrm>
-            <a:off x="6006037" y="3967545"/>
+            <a:off x="6006037" y="3393118"/>
             <a:ext cx="2056876" cy="767100"/>
           </a:xfrm>
           <a:prstGeom prst="rect">
@@ -17074,7 +17078,7 @@
       </p:sp>
       <p:sp>
         <p:nvSpPr>
-          <p:cNvPr id="12" name="TextBox 11">
+          <p:cNvPr id="12" name="Client text - supported">
             <a:extLst>
               <a:ext uri="{FF2B5EF4-FFF2-40B4-BE49-F238E27FC236}">
                 <a16:creationId xmlns:a16="http://schemas.microsoft.com/office/drawing/2014/main" id="{ED0F812E-224B-4B06-AD36-807874904659}"/>
@@ -17086,7 +17090,7 @@
         </p:nvSpPr>
         <p:spPr>
           <a:xfrm>
-            <a:off x="854560" y="4830520"/>
+            <a:off x="854560" y="4256093"/>
             <a:ext cx="1551491" cy="960263"/>
           </a:xfrm>
           <a:prstGeom prst="rect">
@@ -17116,6 +17120,87 @@
               </a:rPr>
               <a:t>.NET, JS, Java</a:t>
             </a:r>
+          </a:p>
+        </p:txBody>
+      </p:sp>
+      <p:sp>
+        <p:nvSpPr>
+          <p:cNvPr id="13" name="Client text - unofficial">
+            <a:extLst>
+              <a:ext uri="{FF2B5EF4-FFF2-40B4-BE49-F238E27FC236}">
+                <a16:creationId xmlns:a16="http://schemas.microsoft.com/office/drawing/2014/main" id="{D7C7E4A6-2CBB-445B-8D72-6A8B7D473A4E}"/>
+              </a:ext>
+            </a:extLst>
+          </p:cNvPr>
+          <p:cNvSpPr txBox="1"/>
+          <p:nvPr/>
+        </p:nvSpPr>
+        <p:spPr>
+          <a:xfrm>
+            <a:off x="921180" y="5283149"/>
+            <a:ext cx="1405500" cy="767100"/>
+          </a:xfrm>
+          <a:prstGeom prst="rect">
+            <a:avLst/>
+          </a:prstGeom>
+          <a:noFill/>
+          <a:ln>
+            <a:noFill/>
+          </a:ln>
+        </p:spPr>
+        <p:txBody>
+          <a:bodyPr spcFirstLastPara="1" wrap="square" lIns="91425" tIns="91425" rIns="91425" bIns="91425" anchor="t" anchorCtr="0">
+            <a:noAutofit/>
+          </a:bodyPr>
+          <a:lstStyle/>
+          <a:p>
+            <a:pPr marL="0" lvl="0" indent="0" algn="ctr" rtl="0">
+              <a:spcBef>
+                <a:spcPts val="0"/>
+              </a:spcBef>
+              <a:spcAft>
+                <a:spcPts val="0"/>
+              </a:spcAft>
+              <a:buNone/>
+            </a:pPr>
+            <a:r>
+              <a:rPr lang="en" sz="1800" b="1" dirty="0">
+                <a:solidFill>
+                  <a:schemeClr val="accent4"/>
+                </a:solidFill>
+                <a:latin typeface="Roboto"/>
+                <a:ea typeface="Roboto"/>
+                <a:cs typeface="Roboto"/>
+                <a:sym typeface="Roboto"/>
+              </a:rPr>
+              <a:t>Unofficial:</a:t>
+            </a:r>
+          </a:p>
+          <a:p>
+            <a:pPr marL="0" lvl="0" indent="0" algn="ctr" rtl="0">
+              <a:spcBef>
+                <a:spcPts val="0"/>
+              </a:spcBef>
+              <a:spcAft>
+                <a:spcPts val="0"/>
+              </a:spcAft>
+              <a:buNone/>
+            </a:pPr>
+            <a:r>
+              <a:rPr lang="en" sz="1800" b="1" dirty="0">
+                <a:latin typeface="Roboto"/>
+                <a:ea typeface="Roboto"/>
+                <a:cs typeface="Roboto"/>
+                <a:sym typeface="Roboto"/>
+              </a:rPr>
+              <a:t>C++, Swift</a:t>
+            </a:r>
+            <a:endParaRPr sz="1800" b="1" dirty="0">
+              <a:latin typeface="Roboto"/>
+              <a:ea typeface="Roboto"/>
+              <a:cs typeface="Roboto"/>
+              <a:sym typeface="Roboto"/>
+            </a:endParaRPr>
           </a:p>
         </p:txBody>
       </p:sp>
@@ -17416,7 +17501,7 @@
                                           </p:stCondLst>
                                         </p:cTn>
                                         <p:tgtEl>
-                                          <p:spTgt spid="8"/>
+                                          <p:spTgt spid="13"/>
                                         </p:tgtEl>
                                         <p:attrNameLst>
                                           <p:attrName>style.visibility</p:attrName>
@@ -17430,7 +17515,7 @@
                                 </p:cTn>
                               </p:par>
                               <p:par>
-                                <p:cTn id="27" presetID="1" presetClass="entr" presetSubtype="0" fill="hold" grpId="0" nodeType="withEffect">
+                                <p:cTn id="27" presetID="1" presetClass="entr" presetSubtype="0" fill="hold" nodeType="withEffect">
                                   <p:stCondLst>
                                     <p:cond delay="0"/>
                                   </p:stCondLst>
@@ -17438,33 +17523,6 @@
                                     <p:set>
                                       <p:cBhvr>
                                         <p:cTn id="28" dur="1" fill="hold">
-                                          <p:stCondLst>
-                                            <p:cond delay="0"/>
-                                          </p:stCondLst>
-                                        </p:cTn>
-                                        <p:tgtEl>
-                                          <p:spTgt spid="6"/>
-                                        </p:tgtEl>
-                                        <p:attrNameLst>
-                                          <p:attrName>style.visibility</p:attrName>
-                                        </p:attrNameLst>
-                                      </p:cBhvr>
-                                      <p:to>
-                                        <p:strVal val="visible"/>
-                                      </p:to>
-                                    </p:set>
-                                  </p:childTnLst>
-                                </p:cTn>
-                              </p:par>
-                              <p:par>
-                                <p:cTn id="29" presetID="1" presetClass="entr" presetSubtype="0" fill="hold" nodeType="withEffect">
-                                  <p:stCondLst>
-                                    <p:cond delay="0"/>
-                                  </p:stCondLst>
-                                  <p:childTnLst>
-                                    <p:set>
-                                      <p:cBhvr>
-                                        <p:cTn id="30" dur="1" fill="hold">
                                           <p:stCondLst>
                                             <p:cond delay="0"/>
                                           </p:stCondLst>
@@ -17484,14 +17542,14 @@
                                 </p:cTn>
                               </p:par>
                               <p:par>
-                                <p:cTn id="31" presetID="1" presetClass="entr" presetSubtype="0" fill="hold" grpId="0" nodeType="withEffect">
+                                <p:cTn id="29" presetID="1" presetClass="entr" presetSubtype="0" fill="hold" grpId="0" nodeType="withEffect">
                                   <p:stCondLst>
                                     <p:cond delay="0"/>
                                   </p:stCondLst>
                                   <p:childTnLst>
                                     <p:set>
                                       <p:cBhvr>
-                                        <p:cTn id="32" dur="1" fill="hold">
+                                        <p:cTn id="30" dur="1" fill="hold">
                                           <p:stCondLst>
                                             <p:cond delay="0"/>
                                           </p:stCondLst>
@@ -17507,6 +17565,170 @@
                                         <p:strVal val="visible"/>
                                       </p:to>
                                     </p:set>
+                                  </p:childTnLst>
+                                </p:cTn>
+                              </p:par>
+                            </p:childTnLst>
+                          </p:cTn>
+                        </p:par>
+                      </p:childTnLst>
+                    </p:cTn>
+                  </p:par>
+                  <p:par>
+                    <p:cTn id="31" fill="hold">
+                      <p:stCondLst>
+                        <p:cond delay="indefinite"/>
+                      </p:stCondLst>
+                      <p:childTnLst>
+                        <p:par>
+                          <p:cTn id="32" fill="hold">
+                            <p:stCondLst>
+                              <p:cond delay="0"/>
+                            </p:stCondLst>
+                            <p:childTnLst>
+                              <p:par>
+                                <p:cTn id="33" presetID="23" presetClass="entr" presetSubtype="16" fill="hold" grpId="0" nodeType="clickEffect">
+                                  <p:stCondLst>
+                                    <p:cond delay="0"/>
+                                  </p:stCondLst>
+                                  <p:childTnLst>
+                                    <p:set>
+                                      <p:cBhvr>
+                                        <p:cTn id="34" dur="1" fill="hold">
+                                          <p:stCondLst>
+                                            <p:cond delay="0"/>
+                                          </p:stCondLst>
+                                        </p:cTn>
+                                        <p:tgtEl>
+                                          <p:spTgt spid="8"/>
+                                        </p:tgtEl>
+                                        <p:attrNameLst>
+                                          <p:attrName>style.visibility</p:attrName>
+                                        </p:attrNameLst>
+                                      </p:cBhvr>
+                                      <p:to>
+                                        <p:strVal val="visible"/>
+                                      </p:to>
+                                    </p:set>
+                                    <p:anim calcmode="lin" valueType="num">
+                                      <p:cBhvr>
+                                        <p:cTn id="35" dur="500" fill="hold"/>
+                                        <p:tgtEl>
+                                          <p:spTgt spid="8"/>
+                                        </p:tgtEl>
+                                        <p:attrNameLst>
+                                          <p:attrName>ppt_w</p:attrName>
+                                        </p:attrNameLst>
+                                      </p:cBhvr>
+                                      <p:tavLst>
+                                        <p:tav tm="0">
+                                          <p:val>
+                                            <p:fltVal val="0"/>
+                                          </p:val>
+                                        </p:tav>
+                                        <p:tav tm="100000">
+                                          <p:val>
+                                            <p:strVal val="#ppt_w"/>
+                                          </p:val>
+                                        </p:tav>
+                                      </p:tavLst>
+                                    </p:anim>
+                                    <p:anim calcmode="lin" valueType="num">
+                                      <p:cBhvr>
+                                        <p:cTn id="36" dur="500" fill="hold"/>
+                                        <p:tgtEl>
+                                          <p:spTgt spid="8"/>
+                                        </p:tgtEl>
+                                        <p:attrNameLst>
+                                          <p:attrName>ppt_h</p:attrName>
+                                        </p:attrNameLst>
+                                      </p:cBhvr>
+                                      <p:tavLst>
+                                        <p:tav tm="0">
+                                          <p:val>
+                                            <p:fltVal val="0"/>
+                                          </p:val>
+                                        </p:tav>
+                                        <p:tav tm="100000">
+                                          <p:val>
+                                            <p:strVal val="#ppt_h"/>
+                                          </p:val>
+                                        </p:tav>
+                                      </p:tavLst>
+                                    </p:anim>
+                                  </p:childTnLst>
+                                </p:cTn>
+                              </p:par>
+                              <p:par>
+                                <p:cTn id="37" presetID="23" presetClass="entr" presetSubtype="16" fill="hold" grpId="0" nodeType="withEffect">
+                                  <p:stCondLst>
+                                    <p:cond delay="0"/>
+                                  </p:stCondLst>
+                                  <p:childTnLst>
+                                    <p:set>
+                                      <p:cBhvr>
+                                        <p:cTn id="38" dur="1" fill="hold">
+                                          <p:stCondLst>
+                                            <p:cond delay="0"/>
+                                          </p:stCondLst>
+                                        </p:cTn>
+                                        <p:tgtEl>
+                                          <p:spTgt spid="6"/>
+                                        </p:tgtEl>
+                                        <p:attrNameLst>
+                                          <p:attrName>style.visibility</p:attrName>
+                                        </p:attrNameLst>
+                                      </p:cBhvr>
+                                      <p:to>
+                                        <p:strVal val="visible"/>
+                                      </p:to>
+                                    </p:set>
+                                    <p:anim calcmode="lin" valueType="num">
+                                      <p:cBhvr>
+                                        <p:cTn id="39" dur="500" fill="hold"/>
+                                        <p:tgtEl>
+                                          <p:spTgt spid="6"/>
+                                        </p:tgtEl>
+                                        <p:attrNameLst>
+                                          <p:attrName>ppt_w</p:attrName>
+                                        </p:attrNameLst>
+                                      </p:cBhvr>
+                                      <p:tavLst>
+                                        <p:tav tm="0">
+                                          <p:val>
+                                            <p:fltVal val="0"/>
+                                          </p:val>
+                                        </p:tav>
+                                        <p:tav tm="100000">
+                                          <p:val>
+                                            <p:strVal val="#ppt_w"/>
+                                          </p:val>
+                                        </p:tav>
+                                      </p:tavLst>
+                                    </p:anim>
+                                    <p:anim calcmode="lin" valueType="num">
+                                      <p:cBhvr>
+                                        <p:cTn id="40" dur="500" fill="hold"/>
+                                        <p:tgtEl>
+                                          <p:spTgt spid="6"/>
+                                        </p:tgtEl>
+                                        <p:attrNameLst>
+                                          <p:attrName>ppt_h</p:attrName>
+                                        </p:attrNameLst>
+                                      </p:cBhvr>
+                                      <p:tavLst>
+                                        <p:tav tm="0">
+                                          <p:val>
+                                            <p:fltVal val="0"/>
+                                          </p:val>
+                                        </p:tav>
+                                        <p:tav tm="100000">
+                                          <p:val>
+                                            <p:strVal val="#ppt_h"/>
+                                          </p:val>
+                                        </p:tav>
+                                      </p:tavLst>
+                                    </p:anim>
                                   </p:childTnLst>
                                 </p:cTn>
                               </p:par>
@@ -17542,6 +17764,7 @@
       <p:bldP spid="8" grpId="0"/>
       <p:bldP spid="10" grpId="0"/>
       <p:bldP spid="11" grpId="0"/>
+      <p:bldP spid="13" grpId="0"/>
     </p:bldLst>
   </p:timing>
 </p:sld>
@@ -19033,96 +19256,582 @@
           <a:chExt cx="0" cy="0"/>
         </a:xfrm>
       </p:grpSpPr>
-      <p:sp>
-        <p:nvSpPr>
-          <p:cNvPr id="2" name="Text Placeholder 1">
+      <p:graphicFrame>
+        <p:nvGraphicFramePr>
+          <p:cNvPr id="10" name="Startup.Configure">
             <a:extLst>
               <a:ext uri="{FF2B5EF4-FFF2-40B4-BE49-F238E27FC236}">
-                <a16:creationId xmlns:a16="http://schemas.microsoft.com/office/drawing/2014/main" id="{454C82DC-81A3-4DB5-8EA7-F972F2E05F7D}"/>
+                <a16:creationId xmlns:a16="http://schemas.microsoft.com/office/drawing/2014/main" id="{53F7C56A-C40C-4612-99A5-9F4A7BE5DEF1}"/>
               </a:ext>
             </a:extLst>
           </p:cNvPr>
-          <p:cNvSpPr>
-            <a:spLocks noGrp="1"/>
-          </p:cNvSpPr>
+          <p:cNvGraphicFramePr>
+            <a:graphicFrameLocks noGrp="1"/>
+          </p:cNvGraphicFramePr>
           <p:nvPr>
-            <p:ph type="body" sz="quarter" idx="10"/>
+            <p:extLst>
+              <p:ext uri="{D42A27DB-BD31-4B8C-83A1-F6EECF244321}">
+                <p14:modId xmlns:p14="http://schemas.microsoft.com/office/powerpoint/2010/main" val="3396168435"/>
+              </p:ext>
+            </p:extLst>
           </p:nvPr>
+        </p:nvGraphicFramePr>
+        <p:xfrm>
+          <a:off x="393256" y="4013272"/>
+          <a:ext cx="5608959" cy="2651760"/>
+        </p:xfrm>
+        <a:graphic>
+          <a:graphicData uri="http://schemas.openxmlformats.org/drawingml/2006/table">
+            <a:tbl>
+              <a:tblPr firstRow="1" bandRow="1">
+                <a:effectLst/>
+              </a:tblPr>
+              <a:tblGrid>
+                <a:gridCol w="5608959">
+                  <a:extLst>
+                    <a:ext uri="{9D8B030D-6E8A-4147-A177-3AD203B41FA5}">
+                      <a16:colId xmlns:a16="http://schemas.microsoft.com/office/drawing/2014/main" val="1057070397"/>
+                    </a:ext>
+                  </a:extLst>
+                </a:gridCol>
+              </a:tblGrid>
+              <a:tr h="1998136">
+                <a:tc>
+                  <a:txBody>
+                    <a:bodyPr/>
+                    <a:lstStyle>
+                      <a:lvl1pPr marL="0" algn="l" defTabSz="914400" rtl="0" eaLnBrk="1" latinLnBrk="0" hangingPunct="1">
+                        <a:defRPr sz="1800" b="1" kern="1200">
+                          <a:solidFill>
+                            <a:schemeClr val="lt1"/>
+                          </a:solidFill>
+                          <a:latin typeface="Segoe UI Light"/>
+                        </a:defRPr>
+                      </a:lvl1pPr>
+                      <a:lvl2pPr marL="457200" algn="l" defTabSz="914400" rtl="0" eaLnBrk="1" latinLnBrk="0" hangingPunct="1">
+                        <a:defRPr sz="1800" b="1" kern="1200">
+                          <a:solidFill>
+                            <a:schemeClr val="lt1"/>
+                          </a:solidFill>
+                          <a:latin typeface="Segoe UI Light"/>
+                        </a:defRPr>
+                      </a:lvl2pPr>
+                      <a:lvl3pPr marL="914400" algn="l" defTabSz="914400" rtl="0" eaLnBrk="1" latinLnBrk="0" hangingPunct="1">
+                        <a:defRPr sz="1800" b="1" kern="1200">
+                          <a:solidFill>
+                            <a:schemeClr val="lt1"/>
+                          </a:solidFill>
+                          <a:latin typeface="Segoe UI Light"/>
+                        </a:defRPr>
+                      </a:lvl3pPr>
+                      <a:lvl4pPr marL="1371600" algn="l" defTabSz="914400" rtl="0" eaLnBrk="1" latinLnBrk="0" hangingPunct="1">
+                        <a:defRPr sz="1800" b="1" kern="1200">
+                          <a:solidFill>
+                            <a:schemeClr val="lt1"/>
+                          </a:solidFill>
+                          <a:latin typeface="Segoe UI Light"/>
+                        </a:defRPr>
+                      </a:lvl4pPr>
+                      <a:lvl5pPr marL="1828800" algn="l" defTabSz="914400" rtl="0" eaLnBrk="1" latinLnBrk="0" hangingPunct="1">
+                        <a:defRPr sz="1800" b="1" kern="1200">
+                          <a:solidFill>
+                            <a:schemeClr val="lt1"/>
+                          </a:solidFill>
+                          <a:latin typeface="Segoe UI Light"/>
+                        </a:defRPr>
+                      </a:lvl5pPr>
+                      <a:lvl6pPr marL="2286000" algn="l" defTabSz="914400" rtl="0" eaLnBrk="1" latinLnBrk="0" hangingPunct="1">
+                        <a:defRPr sz="1800" b="1" kern="1200">
+                          <a:solidFill>
+                            <a:schemeClr val="lt1"/>
+                          </a:solidFill>
+                          <a:latin typeface="Segoe UI Light"/>
+                        </a:defRPr>
+                      </a:lvl6pPr>
+                      <a:lvl7pPr marL="2743200" algn="l" defTabSz="914400" rtl="0" eaLnBrk="1" latinLnBrk="0" hangingPunct="1">
+                        <a:defRPr sz="1800" b="1" kern="1200">
+                          <a:solidFill>
+                            <a:schemeClr val="lt1"/>
+                          </a:solidFill>
+                          <a:latin typeface="Segoe UI Light"/>
+                        </a:defRPr>
+                      </a:lvl7pPr>
+                      <a:lvl8pPr marL="3200400" algn="l" defTabSz="914400" rtl="0" eaLnBrk="1" latinLnBrk="0" hangingPunct="1">
+                        <a:defRPr sz="1800" b="1" kern="1200">
+                          <a:solidFill>
+                            <a:schemeClr val="lt1"/>
+                          </a:solidFill>
+                          <a:latin typeface="Segoe UI Light"/>
+                        </a:defRPr>
+                      </a:lvl8pPr>
+                      <a:lvl9pPr marL="3657600" algn="l" defTabSz="914400" rtl="0" eaLnBrk="1" latinLnBrk="0" hangingPunct="1">
+                        <a:defRPr sz="1800" b="1" kern="1200">
+                          <a:solidFill>
+                            <a:schemeClr val="lt1"/>
+                          </a:solidFill>
+                          <a:latin typeface="Segoe UI Light"/>
+                        </a:defRPr>
+                      </a:lvl9pPr>
+                    </a:lstStyle>
+                    <a:p>
+                      <a:r>
+                        <a:rPr lang="en-US" sz="1800" dirty="0">
+                          <a:solidFill>
+                            <a:srgbClr val="0000FF"/>
+                          </a:solidFill>
+                          <a:latin typeface="Consolas" panose="020B0609020204030204" pitchFamily="49" charset="0"/>
+                        </a:rPr>
+                        <a:t>public</a:t>
+                      </a:r>
+                      <a:r>
+                        <a:rPr lang="en-US" sz="1800" dirty="0">
+                          <a:solidFill>
+                            <a:srgbClr val="000000"/>
+                          </a:solidFill>
+                          <a:latin typeface="Consolas" panose="020B0609020204030204" pitchFamily="49" charset="0"/>
+                        </a:rPr>
+                        <a:t> </a:t>
+                      </a:r>
+                      <a:r>
+                        <a:rPr lang="en-US" sz="1800" dirty="0">
+                          <a:solidFill>
+                            <a:srgbClr val="0000FF"/>
+                          </a:solidFill>
+                          <a:latin typeface="Consolas" panose="020B0609020204030204" pitchFamily="49" charset="0"/>
+                        </a:rPr>
+                        <a:t>void</a:t>
+                      </a:r>
+                      <a:r>
+                        <a:rPr lang="en-US" sz="1800" dirty="0">
+                          <a:solidFill>
+                            <a:srgbClr val="000000"/>
+                          </a:solidFill>
+                          <a:latin typeface="Consolas" panose="020B0609020204030204" pitchFamily="49" charset="0"/>
+                        </a:rPr>
+                        <a:t> Configure(</a:t>
+                      </a:r>
+                    </a:p>
+                    <a:p>
+                      <a:r>
+                        <a:rPr lang="en-US" sz="1800" dirty="0">
+                          <a:solidFill>
+                            <a:srgbClr val="000000"/>
+                          </a:solidFill>
+                          <a:latin typeface="Consolas" panose="020B0609020204030204" pitchFamily="49" charset="0"/>
+                        </a:rPr>
+                        <a:t>    </a:t>
+                      </a:r>
+                      <a:r>
+                        <a:rPr lang="en-US" sz="1800" dirty="0" err="1">
+                          <a:solidFill>
+                            <a:srgbClr val="000000"/>
+                          </a:solidFill>
+                          <a:latin typeface="Consolas" panose="020B0609020204030204" pitchFamily="49" charset="0"/>
+                        </a:rPr>
+                        <a:t>IApplicationBuilder</a:t>
+                      </a:r>
+                      <a:r>
+                        <a:rPr lang="en-US" sz="1800" dirty="0">
+                          <a:solidFill>
+                            <a:srgbClr val="000000"/>
+                          </a:solidFill>
+                          <a:latin typeface="Consolas" panose="020B0609020204030204" pitchFamily="49" charset="0"/>
+                        </a:rPr>
+                        <a:t> app)</a:t>
+                      </a:r>
+                    </a:p>
+                    <a:p>
+                      <a:r>
+                        <a:rPr lang="en-US" sz="1800" dirty="0">
+                          <a:solidFill>
+                            <a:srgbClr val="000000"/>
+                          </a:solidFill>
+                          <a:latin typeface="Consolas" panose="020B0609020204030204" pitchFamily="49" charset="0"/>
+                        </a:rPr>
+                        <a:t>{</a:t>
+                      </a:r>
+                    </a:p>
+                    <a:p>
+                      <a:r>
+                        <a:rPr lang="en-US" sz="1800" dirty="0">
+                          <a:solidFill>
+                            <a:srgbClr val="000000"/>
+                          </a:solidFill>
+                          <a:latin typeface="Consolas" panose="020B0609020204030204" pitchFamily="49" charset="0"/>
+                        </a:rPr>
+                        <a:t>    </a:t>
+                      </a:r>
+                      <a:r>
+                        <a:rPr lang="en-US" sz="1800" dirty="0" err="1">
+                          <a:solidFill>
+                            <a:srgbClr val="000000"/>
+                          </a:solidFill>
+                          <a:latin typeface="Consolas" panose="020B0609020204030204" pitchFamily="49" charset="0"/>
+                        </a:rPr>
+                        <a:t>app.UseSignalR</a:t>
+                      </a:r>
+                      <a:r>
+                        <a:rPr lang="en-US" sz="1800" dirty="0">
+                          <a:solidFill>
+                            <a:srgbClr val="000000"/>
+                          </a:solidFill>
+                          <a:latin typeface="Consolas" panose="020B0609020204030204" pitchFamily="49" charset="0"/>
+                        </a:rPr>
+                        <a:t>(routes =&gt;</a:t>
+                      </a:r>
+                    </a:p>
+                    <a:p>
+                      <a:r>
+                        <a:rPr lang="en-US" sz="1800" dirty="0">
+                          <a:solidFill>
+                            <a:srgbClr val="000000"/>
+                          </a:solidFill>
+                          <a:latin typeface="Consolas" panose="020B0609020204030204" pitchFamily="49" charset="0"/>
+                        </a:rPr>
+                        <a:t>    {</a:t>
+                      </a:r>
+                    </a:p>
+                    <a:p>
+                      <a:r>
+                        <a:rPr lang="en-US" sz="1800" dirty="0">
+                          <a:solidFill>
+                            <a:srgbClr val="000000"/>
+                          </a:solidFill>
+                          <a:latin typeface="Consolas" panose="020B0609020204030204" pitchFamily="49" charset="0"/>
+                        </a:rPr>
+                        <a:t>        </a:t>
+                      </a:r>
+                      <a:r>
+                        <a:rPr lang="en-US" sz="1800" dirty="0" err="1">
+                          <a:solidFill>
+                            <a:srgbClr val="000000"/>
+                          </a:solidFill>
+                          <a:latin typeface="Consolas" panose="020B0609020204030204" pitchFamily="49" charset="0"/>
+                        </a:rPr>
+                        <a:t>routes.MapHub</a:t>
+                      </a:r>
+                      <a:r>
+                        <a:rPr lang="en-US" sz="1800" dirty="0">
+                          <a:solidFill>
+                            <a:srgbClr val="000000"/>
+                          </a:solidFill>
+                          <a:latin typeface="Consolas" panose="020B0609020204030204" pitchFamily="49" charset="0"/>
+                        </a:rPr>
+                        <a:t>&lt;</a:t>
+                      </a:r>
+                      <a:r>
+                        <a:rPr lang="en-US" sz="1800" dirty="0" err="1">
+                          <a:solidFill>
+                            <a:srgbClr val="000000"/>
+                          </a:solidFill>
+                          <a:latin typeface="Consolas" panose="020B0609020204030204" pitchFamily="49" charset="0"/>
+                        </a:rPr>
+                        <a:t>ChatHub</a:t>
+                      </a:r>
+                      <a:r>
+                        <a:rPr lang="en-US" sz="1800" dirty="0">
+                          <a:solidFill>
+                            <a:srgbClr val="000000"/>
+                          </a:solidFill>
+                          <a:latin typeface="Consolas" panose="020B0609020204030204" pitchFamily="49" charset="0"/>
+                        </a:rPr>
+                        <a:t>&gt;(</a:t>
+                      </a:r>
+                      <a:r>
+                        <a:rPr lang="en-US" sz="1800" dirty="0">
+                          <a:solidFill>
+                            <a:srgbClr val="A31515"/>
+                          </a:solidFill>
+                          <a:latin typeface="Consolas" panose="020B0609020204030204" pitchFamily="49" charset="0"/>
+                        </a:rPr>
+                        <a:t>"/</a:t>
+                      </a:r>
+                      <a:r>
+                        <a:rPr lang="en-US" sz="1800" dirty="0" err="1">
+                          <a:solidFill>
+                            <a:srgbClr val="A31515"/>
+                          </a:solidFill>
+                          <a:latin typeface="Consolas" panose="020B0609020204030204" pitchFamily="49" charset="0"/>
+                        </a:rPr>
+                        <a:t>chatHub</a:t>
+                      </a:r>
+                      <a:r>
+                        <a:rPr lang="en-US" sz="1800" dirty="0">
+                          <a:solidFill>
+                            <a:srgbClr val="A31515"/>
+                          </a:solidFill>
+                          <a:latin typeface="Consolas" panose="020B0609020204030204" pitchFamily="49" charset="0"/>
+                        </a:rPr>
+                        <a:t>"</a:t>
+                      </a:r>
+                      <a:r>
+                        <a:rPr lang="en-US" sz="1800" dirty="0">
+                          <a:solidFill>
+                            <a:srgbClr val="000000"/>
+                          </a:solidFill>
+                          <a:latin typeface="Consolas" panose="020B0609020204030204" pitchFamily="49" charset="0"/>
+                        </a:rPr>
+                        <a:t>);</a:t>
+                      </a:r>
+                    </a:p>
+                    <a:p>
+                      <a:r>
+                        <a:rPr lang="en-US" sz="1800" dirty="0">
+                          <a:solidFill>
+                            <a:srgbClr val="000000"/>
+                          </a:solidFill>
+                          <a:latin typeface="Consolas" panose="020B0609020204030204" pitchFamily="49" charset="0"/>
+                        </a:rPr>
+                        <a:t>    });</a:t>
+                      </a:r>
+                    </a:p>
+                    <a:p>
+                      <a:r>
+                        <a:rPr lang="en-US" sz="1800" dirty="0">
+                          <a:solidFill>
+                            <a:srgbClr val="000000"/>
+                          </a:solidFill>
+                          <a:latin typeface="Consolas" panose="020B0609020204030204" pitchFamily="49" charset="0"/>
+                        </a:rPr>
+                        <a:t>}</a:t>
+                      </a:r>
+                    </a:p>
+                  </a:txBody>
+                  <a:tcPr>
+                    <a:lnL w="12700" cap="flat" cmpd="sng" algn="ctr">
+                      <a:solidFill>
+                        <a:sysClr val="window" lastClr="FFFFFF"/>
+                      </a:solidFill>
+                      <a:prstDash val="solid"/>
+                      <a:round/>
+                      <a:headEnd type="none" w="med" len="med"/>
+                      <a:tailEnd type="none" w="med" len="med"/>
+                    </a:lnL>
+                    <a:lnR w="12700" cap="flat" cmpd="sng" algn="ctr">
+                      <a:solidFill>
+                        <a:sysClr val="window" lastClr="FFFFFF"/>
+                      </a:solidFill>
+                      <a:prstDash val="solid"/>
+                      <a:round/>
+                      <a:headEnd type="none" w="med" len="med"/>
+                      <a:tailEnd type="none" w="med" len="med"/>
+                    </a:lnR>
+                    <a:lnT w="12700" cap="flat" cmpd="sng" algn="ctr">
+                      <a:solidFill>
+                        <a:schemeClr val="tx1"/>
+                      </a:solidFill>
+                      <a:prstDash val="solid"/>
+                      <a:round/>
+                      <a:headEnd type="none" w="med" len="med"/>
+                      <a:tailEnd type="none" w="med" len="med"/>
+                    </a:lnT>
+                    <a:lnB w="12700" cap="flat" cmpd="sng" algn="ctr">
+                      <a:solidFill>
+                        <a:sysClr val="window" lastClr="FFFFFF"/>
+                      </a:solidFill>
+                      <a:prstDash val="solid"/>
+                      <a:round/>
+                      <a:headEnd type="none" w="med" len="med"/>
+                      <a:tailEnd type="none" w="med" len="med"/>
+                    </a:lnB>
+                    <a:lnTlToBr w="12700" cmpd="sng">
+                      <a:noFill/>
+                      <a:prstDash val="solid"/>
+                    </a:lnTlToBr>
+                    <a:lnBlToTr w="12700" cmpd="sng">
+                      <a:noFill/>
+                      <a:prstDash val="solid"/>
+                    </a:lnBlToTr>
+                    <a:solidFill>
+                      <a:sysClr val="window" lastClr="FFFFFF"/>
+                    </a:solidFill>
+                  </a:tcPr>
+                </a:tc>
+                <a:extLst>
+                  <a:ext uri="{0D108BD9-81ED-4DB2-BD59-A6C34878D82A}">
+                    <a16:rowId xmlns:a16="http://schemas.microsoft.com/office/drawing/2014/main" val="3473222697"/>
+                  </a:ext>
+                </a:extLst>
+              </a:tr>
+              <a:tr h="307506">
+                <a:tc>
+                  <a:txBody>
+                    <a:bodyPr/>
+                    <a:lstStyle/>
+                    <a:p>
+                      <a:endParaRPr lang="en-US" sz="1800" dirty="0">
+                        <a:solidFill>
+                          <a:srgbClr val="000000"/>
+                        </a:solidFill>
+                        <a:latin typeface="Consolas" panose="020B0609020204030204" pitchFamily="49" charset="0"/>
+                      </a:endParaRPr>
+                    </a:p>
+                  </a:txBody>
+                  <a:tcPr>
+                    <a:lnL w="12700" cap="flat" cmpd="sng" algn="ctr">
+                      <a:solidFill>
+                        <a:sysClr val="window" lastClr="FFFFFF"/>
+                      </a:solidFill>
+                      <a:prstDash val="solid"/>
+                      <a:round/>
+                      <a:headEnd type="none" w="med" len="med"/>
+                      <a:tailEnd type="none" w="med" len="med"/>
+                    </a:lnL>
+                    <a:lnR w="12700" cap="flat" cmpd="sng" algn="ctr">
+                      <a:solidFill>
+                        <a:sysClr val="window" lastClr="FFFFFF"/>
+                      </a:solidFill>
+                      <a:prstDash val="solid"/>
+                      <a:round/>
+                      <a:headEnd type="none" w="med" len="med"/>
+                      <a:tailEnd type="none" w="med" len="med"/>
+                    </a:lnR>
+                    <a:lnT w="12700" cap="flat" cmpd="sng" algn="ctr">
+                      <a:solidFill>
+                        <a:sysClr val="window" lastClr="FFFFFF"/>
+                      </a:solidFill>
+                      <a:prstDash val="solid"/>
+                      <a:round/>
+                      <a:headEnd type="none" w="med" len="med"/>
+                      <a:tailEnd type="none" w="med" len="med"/>
+                    </a:lnT>
+                    <a:lnB w="12700" cap="flat" cmpd="sng" algn="ctr">
+                      <a:solidFill>
+                        <a:sysClr val="window" lastClr="FFFFFF"/>
+                      </a:solidFill>
+                      <a:prstDash val="solid"/>
+                      <a:round/>
+                      <a:headEnd type="none" w="med" len="med"/>
+                      <a:tailEnd type="none" w="med" len="med"/>
+                    </a:lnB>
+                    <a:lnTlToBr w="12700" cmpd="sng">
+                      <a:noFill/>
+                      <a:prstDash val="solid"/>
+                    </a:lnTlToBr>
+                    <a:lnBlToTr w="12700" cmpd="sng">
+                      <a:noFill/>
+                      <a:prstDash val="solid"/>
+                    </a:lnBlToTr>
+                    <a:solidFill>
+                      <a:sysClr val="window" lastClr="FFFFFF"/>
+                    </a:solidFill>
+                  </a:tcPr>
+                </a:tc>
+                <a:extLst>
+                  <a:ext uri="{0D108BD9-81ED-4DB2-BD59-A6C34878D82A}">
+                    <a16:rowId xmlns:a16="http://schemas.microsoft.com/office/drawing/2014/main" val="97062865"/>
+                  </a:ext>
+                </a:extLst>
+              </a:tr>
+            </a:tbl>
+          </a:graphicData>
+        </a:graphic>
+      </p:graphicFrame>
+      <p:sp>
+        <p:nvSpPr>
+          <p:cNvPr id="11" name="Startup.cs label">
+            <a:extLst>
+              <a:ext uri="{FF2B5EF4-FFF2-40B4-BE49-F238E27FC236}">
+                <a16:creationId xmlns:a16="http://schemas.microsoft.com/office/drawing/2014/main" id="{7DBF0117-658B-4227-8D20-B3BD3972E24D}"/>
+              </a:ext>
+            </a:extLst>
+          </p:cNvPr>
+          <p:cNvSpPr/>
+          <p:nvPr/>
         </p:nvSpPr>
         <p:spPr>
           <a:xfrm>
-            <a:off x="434975" y="1142881"/>
-            <a:ext cx="5481731" cy="2103140"/>
+            <a:off x="381223" y="3562751"/>
+            <a:ext cx="1937273" cy="446567"/>
           </a:xfrm>
+          <a:prstGeom prst="rect">
+            <a:avLst/>
+          </a:prstGeom>
+          <a:gradFill rotWithShape="1">
+            <a:gsLst>
+              <a:gs pos="0">
+                <a:srgbClr val="5B9BD5">
+                  <a:lumMod val="110000"/>
+                  <a:satMod val="105000"/>
+                  <a:tint val="67000"/>
+                </a:srgbClr>
+              </a:gs>
+              <a:gs pos="50000">
+                <a:srgbClr val="5B9BD5">
+                  <a:lumMod val="105000"/>
+                  <a:satMod val="103000"/>
+                  <a:tint val="73000"/>
+                </a:srgbClr>
+              </a:gs>
+              <a:gs pos="100000">
+                <a:srgbClr val="5B9BD5">
+                  <a:lumMod val="105000"/>
+                  <a:satMod val="109000"/>
+                  <a:tint val="81000"/>
+                </a:srgbClr>
+              </a:gs>
+            </a:gsLst>
+            <a:lin ang="5400000" scaled="0"/>
+          </a:gradFill>
+          <a:ln w="6350" cap="flat" cmpd="sng" algn="ctr">
+            <a:solidFill>
+              <a:srgbClr val="5B9BD5"/>
+            </a:solidFill>
+            <a:prstDash val="solid"/>
+            <a:miter lim="800000"/>
+          </a:ln>
+          <a:effectLst/>
         </p:spPr>
         <p:txBody>
-          <a:bodyPr/>
+          <a:bodyPr rtlCol="0" anchor="ctr"/>
           <a:lstStyle/>
           <a:p>
-            <a:r>
-              <a:rPr lang="en-US" dirty="0"/>
-              <a:t>C# class containing public methods the client can invoke</a:t>
-            </a:r>
-          </a:p>
-          <a:p>
-            <a:r>
-              <a:rPr lang="en-US" dirty="0"/>
-              <a:t>Each Hub is mapped to a URL (e.g., “/hub”)</a:t>
-            </a:r>
-          </a:p>
-          <a:p>
-            <a:r>
-              <a:rPr lang="en-US" dirty="0"/>
-              <a:t>Client connects to Hub URL to invoke methods</a:t>
-            </a:r>
-          </a:p>
-          <a:p>
-            <a:r>
-              <a:rPr lang="en-US" dirty="0"/>
-              <a:t>Every Hub is a separate “copy” of </a:t>
-            </a:r>
-            <a:r>
-              <a:rPr lang="en-US" dirty="0" err="1"/>
-              <a:t>SignalR</a:t>
-            </a:r>
-            <a:endParaRPr lang="en-US" dirty="0"/>
-          </a:p>
-          <a:p>
-            <a:endParaRPr lang="en-US" dirty="0"/>
-          </a:p>
-        </p:txBody>
-      </p:sp>
-      <p:sp>
-        <p:nvSpPr>
-          <p:cNvPr id="3" name="Title 2">
-            <a:extLst>
-              <a:ext uri="{FF2B5EF4-FFF2-40B4-BE49-F238E27FC236}">
-                <a16:creationId xmlns:a16="http://schemas.microsoft.com/office/drawing/2014/main" id="{5DA6696A-721A-4226-A4F7-935233FCE6E2}"/>
-              </a:ext>
-            </a:extLst>
-          </p:cNvPr>
-          <p:cNvSpPr>
-            <a:spLocks noGrp="1"/>
-          </p:cNvSpPr>
-          <p:nvPr>
-            <p:ph type="title"/>
-          </p:nvPr>
-        </p:nvSpPr>
-        <p:spPr/>
-        <p:txBody>
-          <a:bodyPr/>
-          <a:lstStyle/>
-          <a:p>
-            <a:r>
-              <a:rPr lang="en-US" dirty="0"/>
-              <a:t>Architectural components: Hubs</a:t>
-            </a:r>
+            <a:pPr marL="0" marR="0" lvl="0" indent="0" defTabSz="914400" eaLnBrk="1" fontAlgn="auto" latinLnBrk="0" hangingPunct="1">
+              <a:lnSpc>
+                <a:spcPct val="100000"/>
+              </a:lnSpc>
+              <a:spcBef>
+                <a:spcPts val="0"/>
+              </a:spcBef>
+              <a:spcAft>
+                <a:spcPts val="0"/>
+              </a:spcAft>
+              <a:buClrTx/>
+              <a:buSzTx/>
+              <a:buFontTx/>
+              <a:buNone/>
+              <a:tabLst/>
+              <a:defRPr/>
+            </a:pPr>
+            <a:r>
+              <a:rPr lang="en-US" b="1" kern="0" dirty="0" err="1">
+                <a:solidFill>
+                  <a:prstClr val="black"/>
+                </a:solidFill>
+                <a:latin typeface="Segoe UI Light"/>
+              </a:rPr>
+              <a:t>Startup.cs</a:t>
+            </a:r>
+            <a:endParaRPr kumimoji="0" lang="en-US" sz="1800" b="1" i="0" u="none" strike="noStrike" kern="0" cap="none" spc="0" normalizeH="0" baseline="0" noProof="0" dirty="0">
+              <a:ln>
+                <a:noFill/>
+              </a:ln>
+              <a:solidFill>
+                <a:prstClr val="black"/>
+              </a:solidFill>
+              <a:effectLst/>
+              <a:uLnTx/>
+              <a:uFillTx/>
+              <a:latin typeface="Segoe UI Light"/>
+              <a:ea typeface="+mn-ea"/>
+              <a:cs typeface="+mn-cs"/>
+            </a:endParaRPr>
           </a:p>
         </p:txBody>
       </p:sp>
       <p:graphicFrame>
         <p:nvGraphicFramePr>
-          <p:cNvPr id="7" name="Table 6">
+          <p:cNvPr id="7" name="ChatHub class">
             <a:extLst>
               <a:ext uri="{FF2B5EF4-FFF2-40B4-BE49-F238E27FC236}">
                 <a16:creationId xmlns:a16="http://schemas.microsoft.com/office/drawing/2014/main" id="{52068594-5DDF-4894-A46E-03BF2ADCB046}"/>
@@ -19135,7 +19844,7 @@
           <p:nvPr>
             <p:extLst>
               <p:ext uri="{D42A27DB-BD31-4B8C-83A1-F6EECF244321}">
-                <p14:modId xmlns:p14="http://schemas.microsoft.com/office/powerpoint/2010/main" val="2577864572"/>
+                <p14:modId xmlns:p14="http://schemas.microsoft.com/office/powerpoint/2010/main" val="2784447196"/>
               </p:ext>
             </p:extLst>
           </p:nvPr>
@@ -19719,7 +20428,7 @@
       </p:graphicFrame>
       <p:sp>
         <p:nvSpPr>
-          <p:cNvPr id="8" name="Rectangle 7">
+          <p:cNvPr id="8" name="ChatHub.cs label">
             <a:extLst>
               <a:ext uri="{FF2B5EF4-FFF2-40B4-BE49-F238E27FC236}">
                 <a16:creationId xmlns:a16="http://schemas.microsoft.com/office/drawing/2014/main" id="{F830D997-A3EE-4EA0-94DA-42A342C3117D}"/>
@@ -19819,582 +20528,9 @@
           </a:p>
         </p:txBody>
       </p:sp>
-      <p:graphicFrame>
-        <p:nvGraphicFramePr>
-          <p:cNvPr id="10" name="Table 9">
-            <a:extLst>
-              <a:ext uri="{FF2B5EF4-FFF2-40B4-BE49-F238E27FC236}">
-                <a16:creationId xmlns:a16="http://schemas.microsoft.com/office/drawing/2014/main" id="{53F7C56A-C40C-4612-99A5-9F4A7BE5DEF1}"/>
-              </a:ext>
-            </a:extLst>
-          </p:cNvPr>
-          <p:cNvGraphicFramePr>
-            <a:graphicFrameLocks noGrp="1"/>
-          </p:cNvGraphicFramePr>
-          <p:nvPr>
-            <p:extLst>
-              <p:ext uri="{D42A27DB-BD31-4B8C-83A1-F6EECF244321}">
-                <p14:modId xmlns:p14="http://schemas.microsoft.com/office/powerpoint/2010/main" val="1148189334"/>
-              </p:ext>
-            </p:extLst>
-          </p:nvPr>
-        </p:nvGraphicFramePr>
-        <p:xfrm>
-          <a:off x="393256" y="4013272"/>
-          <a:ext cx="5729454" cy="2651760"/>
-        </p:xfrm>
-        <a:graphic>
-          <a:graphicData uri="http://schemas.openxmlformats.org/drawingml/2006/table">
-            <a:tbl>
-              <a:tblPr firstRow="1" bandRow="1">
-                <a:effectLst/>
-              </a:tblPr>
-              <a:tblGrid>
-                <a:gridCol w="5729454">
-                  <a:extLst>
-                    <a:ext uri="{9D8B030D-6E8A-4147-A177-3AD203B41FA5}">
-                      <a16:colId xmlns:a16="http://schemas.microsoft.com/office/drawing/2014/main" val="1057070397"/>
-                    </a:ext>
-                  </a:extLst>
-                </a:gridCol>
-              </a:tblGrid>
-              <a:tr h="1998136">
-                <a:tc>
-                  <a:txBody>
-                    <a:bodyPr/>
-                    <a:lstStyle>
-                      <a:lvl1pPr marL="0" algn="l" defTabSz="914400" rtl="0" eaLnBrk="1" latinLnBrk="0" hangingPunct="1">
-                        <a:defRPr sz="1800" b="1" kern="1200">
-                          <a:solidFill>
-                            <a:schemeClr val="lt1"/>
-                          </a:solidFill>
-                          <a:latin typeface="Segoe UI Light"/>
-                        </a:defRPr>
-                      </a:lvl1pPr>
-                      <a:lvl2pPr marL="457200" algn="l" defTabSz="914400" rtl="0" eaLnBrk="1" latinLnBrk="0" hangingPunct="1">
-                        <a:defRPr sz="1800" b="1" kern="1200">
-                          <a:solidFill>
-                            <a:schemeClr val="lt1"/>
-                          </a:solidFill>
-                          <a:latin typeface="Segoe UI Light"/>
-                        </a:defRPr>
-                      </a:lvl2pPr>
-                      <a:lvl3pPr marL="914400" algn="l" defTabSz="914400" rtl="0" eaLnBrk="1" latinLnBrk="0" hangingPunct="1">
-                        <a:defRPr sz="1800" b="1" kern="1200">
-                          <a:solidFill>
-                            <a:schemeClr val="lt1"/>
-                          </a:solidFill>
-                          <a:latin typeface="Segoe UI Light"/>
-                        </a:defRPr>
-                      </a:lvl3pPr>
-                      <a:lvl4pPr marL="1371600" algn="l" defTabSz="914400" rtl="0" eaLnBrk="1" latinLnBrk="0" hangingPunct="1">
-                        <a:defRPr sz="1800" b="1" kern="1200">
-                          <a:solidFill>
-                            <a:schemeClr val="lt1"/>
-                          </a:solidFill>
-                          <a:latin typeface="Segoe UI Light"/>
-                        </a:defRPr>
-                      </a:lvl4pPr>
-                      <a:lvl5pPr marL="1828800" algn="l" defTabSz="914400" rtl="0" eaLnBrk="1" latinLnBrk="0" hangingPunct="1">
-                        <a:defRPr sz="1800" b="1" kern="1200">
-                          <a:solidFill>
-                            <a:schemeClr val="lt1"/>
-                          </a:solidFill>
-                          <a:latin typeface="Segoe UI Light"/>
-                        </a:defRPr>
-                      </a:lvl5pPr>
-                      <a:lvl6pPr marL="2286000" algn="l" defTabSz="914400" rtl="0" eaLnBrk="1" latinLnBrk="0" hangingPunct="1">
-                        <a:defRPr sz="1800" b="1" kern="1200">
-                          <a:solidFill>
-                            <a:schemeClr val="lt1"/>
-                          </a:solidFill>
-                          <a:latin typeface="Segoe UI Light"/>
-                        </a:defRPr>
-                      </a:lvl6pPr>
-                      <a:lvl7pPr marL="2743200" algn="l" defTabSz="914400" rtl="0" eaLnBrk="1" latinLnBrk="0" hangingPunct="1">
-                        <a:defRPr sz="1800" b="1" kern="1200">
-                          <a:solidFill>
-                            <a:schemeClr val="lt1"/>
-                          </a:solidFill>
-                          <a:latin typeface="Segoe UI Light"/>
-                        </a:defRPr>
-                      </a:lvl7pPr>
-                      <a:lvl8pPr marL="3200400" algn="l" defTabSz="914400" rtl="0" eaLnBrk="1" latinLnBrk="0" hangingPunct="1">
-                        <a:defRPr sz="1800" b="1" kern="1200">
-                          <a:solidFill>
-                            <a:schemeClr val="lt1"/>
-                          </a:solidFill>
-                          <a:latin typeface="Segoe UI Light"/>
-                        </a:defRPr>
-                      </a:lvl8pPr>
-                      <a:lvl9pPr marL="3657600" algn="l" defTabSz="914400" rtl="0" eaLnBrk="1" latinLnBrk="0" hangingPunct="1">
-                        <a:defRPr sz="1800" b="1" kern="1200">
-                          <a:solidFill>
-                            <a:schemeClr val="lt1"/>
-                          </a:solidFill>
-                          <a:latin typeface="Segoe UI Light"/>
-                        </a:defRPr>
-                      </a:lvl9pPr>
-                    </a:lstStyle>
-                    <a:p>
-                      <a:r>
-                        <a:rPr lang="en-US" sz="1800" dirty="0">
-                          <a:solidFill>
-                            <a:srgbClr val="0000FF"/>
-                          </a:solidFill>
-                          <a:latin typeface="Consolas" panose="020B0609020204030204" pitchFamily="49" charset="0"/>
-                        </a:rPr>
-                        <a:t>public</a:t>
-                      </a:r>
-                      <a:r>
-                        <a:rPr lang="en-US" sz="1800" dirty="0">
-                          <a:solidFill>
-                            <a:srgbClr val="000000"/>
-                          </a:solidFill>
-                          <a:latin typeface="Consolas" panose="020B0609020204030204" pitchFamily="49" charset="0"/>
-                        </a:rPr>
-                        <a:t> </a:t>
-                      </a:r>
-                      <a:r>
-                        <a:rPr lang="en-US" sz="1800" dirty="0">
-                          <a:solidFill>
-                            <a:srgbClr val="0000FF"/>
-                          </a:solidFill>
-                          <a:latin typeface="Consolas" panose="020B0609020204030204" pitchFamily="49" charset="0"/>
-                        </a:rPr>
-                        <a:t>void</a:t>
-                      </a:r>
-                      <a:r>
-                        <a:rPr lang="en-US" sz="1800" dirty="0">
-                          <a:solidFill>
-                            <a:srgbClr val="000000"/>
-                          </a:solidFill>
-                          <a:latin typeface="Consolas" panose="020B0609020204030204" pitchFamily="49" charset="0"/>
-                        </a:rPr>
-                        <a:t> Configure(</a:t>
-                      </a:r>
-                    </a:p>
-                    <a:p>
-                      <a:r>
-                        <a:rPr lang="en-US" sz="1800" dirty="0">
-                          <a:solidFill>
-                            <a:srgbClr val="000000"/>
-                          </a:solidFill>
-                          <a:latin typeface="Consolas" panose="020B0609020204030204" pitchFamily="49" charset="0"/>
-                        </a:rPr>
-                        <a:t>    </a:t>
-                      </a:r>
-                      <a:r>
-                        <a:rPr lang="en-US" sz="1800" dirty="0" err="1">
-                          <a:solidFill>
-                            <a:srgbClr val="000000"/>
-                          </a:solidFill>
-                          <a:latin typeface="Consolas" panose="020B0609020204030204" pitchFamily="49" charset="0"/>
-                        </a:rPr>
-                        <a:t>IApplicationBuilder</a:t>
-                      </a:r>
-                      <a:r>
-                        <a:rPr lang="en-US" sz="1800" dirty="0">
-                          <a:solidFill>
-                            <a:srgbClr val="000000"/>
-                          </a:solidFill>
-                          <a:latin typeface="Consolas" panose="020B0609020204030204" pitchFamily="49" charset="0"/>
-                        </a:rPr>
-                        <a:t> app)</a:t>
-                      </a:r>
-                    </a:p>
-                    <a:p>
-                      <a:r>
-                        <a:rPr lang="en-US" sz="1800" dirty="0">
-                          <a:solidFill>
-                            <a:srgbClr val="000000"/>
-                          </a:solidFill>
-                          <a:latin typeface="Consolas" panose="020B0609020204030204" pitchFamily="49" charset="0"/>
-                        </a:rPr>
-                        <a:t>{</a:t>
-                      </a:r>
-                    </a:p>
-                    <a:p>
-                      <a:r>
-                        <a:rPr lang="en-US" sz="1800" dirty="0">
-                          <a:solidFill>
-                            <a:srgbClr val="000000"/>
-                          </a:solidFill>
-                          <a:latin typeface="Consolas" panose="020B0609020204030204" pitchFamily="49" charset="0"/>
-                        </a:rPr>
-                        <a:t>    </a:t>
-                      </a:r>
-                      <a:r>
-                        <a:rPr lang="en-US" sz="1800" dirty="0" err="1">
-                          <a:solidFill>
-                            <a:srgbClr val="000000"/>
-                          </a:solidFill>
-                          <a:latin typeface="Consolas" panose="020B0609020204030204" pitchFamily="49" charset="0"/>
-                        </a:rPr>
-                        <a:t>app.UseSignalR</a:t>
-                      </a:r>
-                      <a:r>
-                        <a:rPr lang="en-US" sz="1800" dirty="0">
-                          <a:solidFill>
-                            <a:srgbClr val="000000"/>
-                          </a:solidFill>
-                          <a:latin typeface="Consolas" panose="020B0609020204030204" pitchFamily="49" charset="0"/>
-                        </a:rPr>
-                        <a:t>(routes =&gt;</a:t>
-                      </a:r>
-                    </a:p>
-                    <a:p>
-                      <a:r>
-                        <a:rPr lang="en-US" sz="1800" dirty="0">
-                          <a:solidFill>
-                            <a:srgbClr val="000000"/>
-                          </a:solidFill>
-                          <a:latin typeface="Consolas" panose="020B0609020204030204" pitchFamily="49" charset="0"/>
-                        </a:rPr>
-                        <a:t>    {</a:t>
-                      </a:r>
-                    </a:p>
-                    <a:p>
-                      <a:r>
-                        <a:rPr lang="en-US" sz="1800" dirty="0">
-                          <a:solidFill>
-                            <a:srgbClr val="000000"/>
-                          </a:solidFill>
-                          <a:latin typeface="Consolas" panose="020B0609020204030204" pitchFamily="49" charset="0"/>
-                        </a:rPr>
-                        <a:t>        </a:t>
-                      </a:r>
-                      <a:r>
-                        <a:rPr lang="en-US" sz="1800" dirty="0" err="1">
-                          <a:solidFill>
-                            <a:srgbClr val="000000"/>
-                          </a:solidFill>
-                          <a:latin typeface="Consolas" panose="020B0609020204030204" pitchFamily="49" charset="0"/>
-                        </a:rPr>
-                        <a:t>routes.MapHub</a:t>
-                      </a:r>
-                      <a:r>
-                        <a:rPr lang="en-US" sz="1800" dirty="0">
-                          <a:solidFill>
-                            <a:srgbClr val="000000"/>
-                          </a:solidFill>
-                          <a:latin typeface="Consolas" panose="020B0609020204030204" pitchFamily="49" charset="0"/>
-                        </a:rPr>
-                        <a:t>&lt;</a:t>
-                      </a:r>
-                      <a:r>
-                        <a:rPr lang="en-US" sz="1800" dirty="0" err="1">
-                          <a:solidFill>
-                            <a:srgbClr val="000000"/>
-                          </a:solidFill>
-                          <a:latin typeface="Consolas" panose="020B0609020204030204" pitchFamily="49" charset="0"/>
-                        </a:rPr>
-                        <a:t>ChatHub</a:t>
-                      </a:r>
-                      <a:r>
-                        <a:rPr lang="en-US" sz="1800" dirty="0">
-                          <a:solidFill>
-                            <a:srgbClr val="000000"/>
-                          </a:solidFill>
-                          <a:latin typeface="Consolas" panose="020B0609020204030204" pitchFamily="49" charset="0"/>
-                        </a:rPr>
-                        <a:t>&gt;(</a:t>
-                      </a:r>
-                      <a:r>
-                        <a:rPr lang="en-US" sz="1800" dirty="0">
-                          <a:solidFill>
-                            <a:srgbClr val="A31515"/>
-                          </a:solidFill>
-                          <a:latin typeface="Consolas" panose="020B0609020204030204" pitchFamily="49" charset="0"/>
-                        </a:rPr>
-                        <a:t>"/</a:t>
-                      </a:r>
-                      <a:r>
-                        <a:rPr lang="en-US" sz="1800" dirty="0" err="1">
-                          <a:solidFill>
-                            <a:srgbClr val="A31515"/>
-                          </a:solidFill>
-                          <a:latin typeface="Consolas" panose="020B0609020204030204" pitchFamily="49" charset="0"/>
-                        </a:rPr>
-                        <a:t>chatHub</a:t>
-                      </a:r>
-                      <a:r>
-                        <a:rPr lang="en-US" sz="1800" dirty="0">
-                          <a:solidFill>
-                            <a:srgbClr val="A31515"/>
-                          </a:solidFill>
-                          <a:latin typeface="Consolas" panose="020B0609020204030204" pitchFamily="49" charset="0"/>
-                        </a:rPr>
-                        <a:t>"</a:t>
-                      </a:r>
-                      <a:r>
-                        <a:rPr lang="en-US" sz="1800" dirty="0">
-                          <a:solidFill>
-                            <a:srgbClr val="000000"/>
-                          </a:solidFill>
-                          <a:latin typeface="Consolas" panose="020B0609020204030204" pitchFamily="49" charset="0"/>
-                        </a:rPr>
-                        <a:t>);</a:t>
-                      </a:r>
-                    </a:p>
-                    <a:p>
-                      <a:r>
-                        <a:rPr lang="en-US" sz="1800" dirty="0">
-                          <a:solidFill>
-                            <a:srgbClr val="000000"/>
-                          </a:solidFill>
-                          <a:latin typeface="Consolas" panose="020B0609020204030204" pitchFamily="49" charset="0"/>
-                        </a:rPr>
-                        <a:t>    });</a:t>
-                      </a:r>
-                    </a:p>
-                    <a:p>
-                      <a:r>
-                        <a:rPr lang="en-US" sz="1800" dirty="0">
-                          <a:solidFill>
-                            <a:srgbClr val="000000"/>
-                          </a:solidFill>
-                          <a:latin typeface="Consolas" panose="020B0609020204030204" pitchFamily="49" charset="0"/>
-                        </a:rPr>
-                        <a:t>}</a:t>
-                      </a:r>
-                    </a:p>
-                  </a:txBody>
-                  <a:tcPr>
-                    <a:lnL w="12700" cap="flat" cmpd="sng" algn="ctr">
-                      <a:solidFill>
-                        <a:sysClr val="window" lastClr="FFFFFF"/>
-                      </a:solidFill>
-                      <a:prstDash val="solid"/>
-                      <a:round/>
-                      <a:headEnd type="none" w="med" len="med"/>
-                      <a:tailEnd type="none" w="med" len="med"/>
-                    </a:lnL>
-                    <a:lnR w="12700" cap="flat" cmpd="sng" algn="ctr">
-                      <a:solidFill>
-                        <a:sysClr val="window" lastClr="FFFFFF"/>
-                      </a:solidFill>
-                      <a:prstDash val="solid"/>
-                      <a:round/>
-                      <a:headEnd type="none" w="med" len="med"/>
-                      <a:tailEnd type="none" w="med" len="med"/>
-                    </a:lnR>
-                    <a:lnT w="12700" cap="flat" cmpd="sng" algn="ctr">
-                      <a:solidFill>
-                        <a:schemeClr val="tx1"/>
-                      </a:solidFill>
-                      <a:prstDash val="solid"/>
-                      <a:round/>
-                      <a:headEnd type="none" w="med" len="med"/>
-                      <a:tailEnd type="none" w="med" len="med"/>
-                    </a:lnT>
-                    <a:lnB w="12700" cap="flat" cmpd="sng" algn="ctr">
-                      <a:solidFill>
-                        <a:sysClr val="window" lastClr="FFFFFF"/>
-                      </a:solidFill>
-                      <a:prstDash val="solid"/>
-                      <a:round/>
-                      <a:headEnd type="none" w="med" len="med"/>
-                      <a:tailEnd type="none" w="med" len="med"/>
-                    </a:lnB>
-                    <a:lnTlToBr w="12700" cmpd="sng">
-                      <a:noFill/>
-                      <a:prstDash val="solid"/>
-                    </a:lnTlToBr>
-                    <a:lnBlToTr w="12700" cmpd="sng">
-                      <a:noFill/>
-                      <a:prstDash val="solid"/>
-                    </a:lnBlToTr>
-                    <a:solidFill>
-                      <a:sysClr val="window" lastClr="FFFFFF"/>
-                    </a:solidFill>
-                  </a:tcPr>
-                </a:tc>
-                <a:extLst>
-                  <a:ext uri="{0D108BD9-81ED-4DB2-BD59-A6C34878D82A}">
-                    <a16:rowId xmlns:a16="http://schemas.microsoft.com/office/drawing/2014/main" val="3473222697"/>
-                  </a:ext>
-                </a:extLst>
-              </a:tr>
-              <a:tr h="307506">
-                <a:tc>
-                  <a:txBody>
-                    <a:bodyPr/>
-                    <a:lstStyle/>
-                    <a:p>
-                      <a:endParaRPr lang="en-US" sz="1800" dirty="0">
-                        <a:solidFill>
-                          <a:srgbClr val="000000"/>
-                        </a:solidFill>
-                        <a:latin typeface="Consolas" panose="020B0609020204030204" pitchFamily="49" charset="0"/>
-                      </a:endParaRPr>
-                    </a:p>
-                  </a:txBody>
-                  <a:tcPr>
-                    <a:lnL w="12700" cap="flat" cmpd="sng" algn="ctr">
-                      <a:solidFill>
-                        <a:sysClr val="window" lastClr="FFFFFF"/>
-                      </a:solidFill>
-                      <a:prstDash val="solid"/>
-                      <a:round/>
-                      <a:headEnd type="none" w="med" len="med"/>
-                      <a:tailEnd type="none" w="med" len="med"/>
-                    </a:lnL>
-                    <a:lnR w="12700" cap="flat" cmpd="sng" algn="ctr">
-                      <a:solidFill>
-                        <a:sysClr val="window" lastClr="FFFFFF"/>
-                      </a:solidFill>
-                      <a:prstDash val="solid"/>
-                      <a:round/>
-                      <a:headEnd type="none" w="med" len="med"/>
-                      <a:tailEnd type="none" w="med" len="med"/>
-                    </a:lnR>
-                    <a:lnT w="12700" cap="flat" cmpd="sng" algn="ctr">
-                      <a:solidFill>
-                        <a:sysClr val="window" lastClr="FFFFFF"/>
-                      </a:solidFill>
-                      <a:prstDash val="solid"/>
-                      <a:round/>
-                      <a:headEnd type="none" w="med" len="med"/>
-                      <a:tailEnd type="none" w="med" len="med"/>
-                    </a:lnT>
-                    <a:lnB w="12700" cap="flat" cmpd="sng" algn="ctr">
-                      <a:solidFill>
-                        <a:sysClr val="window" lastClr="FFFFFF"/>
-                      </a:solidFill>
-                      <a:prstDash val="solid"/>
-                      <a:round/>
-                      <a:headEnd type="none" w="med" len="med"/>
-                      <a:tailEnd type="none" w="med" len="med"/>
-                    </a:lnB>
-                    <a:lnTlToBr w="12700" cmpd="sng">
-                      <a:noFill/>
-                      <a:prstDash val="solid"/>
-                    </a:lnTlToBr>
-                    <a:lnBlToTr w="12700" cmpd="sng">
-                      <a:noFill/>
-                      <a:prstDash val="solid"/>
-                    </a:lnBlToTr>
-                    <a:solidFill>
-                      <a:sysClr val="window" lastClr="FFFFFF"/>
-                    </a:solidFill>
-                  </a:tcPr>
-                </a:tc>
-                <a:extLst>
-                  <a:ext uri="{0D108BD9-81ED-4DB2-BD59-A6C34878D82A}">
-                    <a16:rowId xmlns:a16="http://schemas.microsoft.com/office/drawing/2014/main" val="97062865"/>
-                  </a:ext>
-                </a:extLst>
-              </a:tr>
-            </a:tbl>
-          </a:graphicData>
-        </a:graphic>
-      </p:graphicFrame>
-      <p:sp>
-        <p:nvSpPr>
-          <p:cNvPr id="11" name="Rectangle 10">
-            <a:extLst>
-              <a:ext uri="{FF2B5EF4-FFF2-40B4-BE49-F238E27FC236}">
-                <a16:creationId xmlns:a16="http://schemas.microsoft.com/office/drawing/2014/main" id="{7DBF0117-658B-4227-8D20-B3BD3972E24D}"/>
-              </a:ext>
-            </a:extLst>
-          </p:cNvPr>
-          <p:cNvSpPr/>
-          <p:nvPr/>
-        </p:nvSpPr>
-        <p:spPr>
-          <a:xfrm>
-            <a:off x="381223" y="3562751"/>
-            <a:ext cx="1978891" cy="446567"/>
-          </a:xfrm>
-          <a:prstGeom prst="rect">
-            <a:avLst/>
-          </a:prstGeom>
-          <a:gradFill rotWithShape="1">
-            <a:gsLst>
-              <a:gs pos="0">
-                <a:srgbClr val="5B9BD5">
-                  <a:lumMod val="110000"/>
-                  <a:satMod val="105000"/>
-                  <a:tint val="67000"/>
-                </a:srgbClr>
-              </a:gs>
-              <a:gs pos="50000">
-                <a:srgbClr val="5B9BD5">
-                  <a:lumMod val="105000"/>
-                  <a:satMod val="103000"/>
-                  <a:tint val="73000"/>
-                </a:srgbClr>
-              </a:gs>
-              <a:gs pos="100000">
-                <a:srgbClr val="5B9BD5">
-                  <a:lumMod val="105000"/>
-                  <a:satMod val="109000"/>
-                  <a:tint val="81000"/>
-                </a:srgbClr>
-              </a:gs>
-            </a:gsLst>
-            <a:lin ang="5400000" scaled="0"/>
-          </a:gradFill>
-          <a:ln w="6350" cap="flat" cmpd="sng" algn="ctr">
-            <a:solidFill>
-              <a:srgbClr val="5B9BD5"/>
-            </a:solidFill>
-            <a:prstDash val="solid"/>
-            <a:miter lim="800000"/>
-          </a:ln>
-          <a:effectLst/>
-        </p:spPr>
-        <p:txBody>
-          <a:bodyPr rtlCol="0" anchor="ctr"/>
-          <a:lstStyle/>
-          <a:p>
-            <a:pPr marL="0" marR="0" lvl="0" indent="0" defTabSz="914400" eaLnBrk="1" fontAlgn="auto" latinLnBrk="0" hangingPunct="1">
-              <a:lnSpc>
-                <a:spcPct val="100000"/>
-              </a:lnSpc>
-              <a:spcBef>
-                <a:spcPts val="0"/>
-              </a:spcBef>
-              <a:spcAft>
-                <a:spcPts val="0"/>
-              </a:spcAft>
-              <a:buClrTx/>
-              <a:buSzTx/>
-              <a:buFontTx/>
-              <a:buNone/>
-              <a:tabLst/>
-              <a:defRPr/>
-            </a:pPr>
-            <a:r>
-              <a:rPr lang="en-US" b="1" kern="0" dirty="0" err="1">
-                <a:solidFill>
-                  <a:prstClr val="black"/>
-                </a:solidFill>
-                <a:latin typeface="Segoe UI Light"/>
-              </a:rPr>
-              <a:t>Startup.cs</a:t>
-            </a:r>
-            <a:endParaRPr kumimoji="0" lang="en-US" sz="1800" b="1" i="0" u="none" strike="noStrike" kern="0" cap="none" spc="0" normalizeH="0" baseline="0" noProof="0" dirty="0">
-              <a:ln>
-                <a:noFill/>
-              </a:ln>
-              <a:solidFill>
-                <a:prstClr val="black"/>
-              </a:solidFill>
-              <a:effectLst/>
-              <a:uLnTx/>
-              <a:uFillTx/>
-              <a:latin typeface="Segoe UI Light"/>
-              <a:ea typeface="+mn-ea"/>
-              <a:cs typeface="+mn-cs"/>
-            </a:endParaRPr>
-          </a:p>
-        </p:txBody>
-      </p:sp>
       <p:pic>
         <p:nvPicPr>
-          <p:cNvPr id="6" name="Picture 5">
+          <p:cNvPr id="6" name="ChatHub tablet">
             <a:extLst>
               <a:ext uri="{FF2B5EF4-FFF2-40B4-BE49-F238E27FC236}">
                 <a16:creationId xmlns:a16="http://schemas.microsoft.com/office/drawing/2014/main" id="{9F9ECF62-82B3-4FDF-94E0-DCAB43D66E26}"/>
@@ -20429,7 +20565,7 @@
       </p:pic>
       <p:grpSp>
         <p:nvGrpSpPr>
-          <p:cNvPr id="13" name="Group 12">
+          <p:cNvPr id="13" name="Startup tablet group">
             <a:extLst>
               <a:ext uri="{FF2B5EF4-FFF2-40B4-BE49-F238E27FC236}">
                 <a16:creationId xmlns:a16="http://schemas.microsoft.com/office/drawing/2014/main" id="{0D133280-5537-4203-B06D-2CB795982FCE}"/>
@@ -20449,7 +20585,7 @@
         </p:grpSpPr>
         <p:pic>
           <p:nvPicPr>
-            <p:cNvPr id="9" name="Picture 8">
+            <p:cNvPr id="9" name="Startup tablet">
               <a:extLst>
                 <a:ext uri="{FF2B5EF4-FFF2-40B4-BE49-F238E27FC236}">
                   <a16:creationId xmlns:a16="http://schemas.microsoft.com/office/drawing/2014/main" id="{82439160-5E65-47C4-A790-671EC82ED73B}"/>
@@ -20484,7 +20620,7 @@
         </p:pic>
         <p:cxnSp>
           <p:nvCxnSpPr>
-            <p:cNvPr id="12" name="Straight Connector 11">
+            <p:cNvPr id="12" name="Startup tablet right border">
               <a:extLst>
                 <a:ext uri="{FF2B5EF4-FFF2-40B4-BE49-F238E27FC236}">
                   <a16:creationId xmlns:a16="http://schemas.microsoft.com/office/drawing/2014/main" id="{46F82DEE-BAC1-4F0A-BD0A-D3B174646019}"/>
@@ -20526,6 +20662,93 @@
           </p:style>
         </p:cxnSp>
       </p:grpSp>
+      <p:sp>
+        <p:nvSpPr>
+          <p:cNvPr id="2" name="Slide bullets">
+            <a:extLst>
+              <a:ext uri="{FF2B5EF4-FFF2-40B4-BE49-F238E27FC236}">
+                <a16:creationId xmlns:a16="http://schemas.microsoft.com/office/drawing/2014/main" id="{454C82DC-81A3-4DB5-8EA7-F972F2E05F7D}"/>
+              </a:ext>
+            </a:extLst>
+          </p:cNvPr>
+          <p:cNvSpPr>
+            <a:spLocks noGrp="1"/>
+          </p:cNvSpPr>
+          <p:nvPr>
+            <p:ph type="body" sz="quarter" idx="10"/>
+          </p:nvPr>
+        </p:nvSpPr>
+        <p:spPr>
+          <a:xfrm>
+            <a:off x="434975" y="1142881"/>
+            <a:ext cx="5481731" cy="2103140"/>
+          </a:xfrm>
+        </p:spPr>
+        <p:txBody>
+          <a:bodyPr/>
+          <a:lstStyle/>
+          <a:p>
+            <a:r>
+              <a:rPr lang="en-US" dirty="0"/>
+              <a:t>C# class deriving from Hub</a:t>
+            </a:r>
+          </a:p>
+          <a:p>
+            <a:r>
+              <a:rPr lang="en-US" dirty="0"/>
+              <a:t>Each Hub is mapped to a URL</a:t>
+            </a:r>
+          </a:p>
+          <a:p>
+            <a:r>
+              <a:rPr lang="en-US" dirty="0"/>
+              <a:t>Client connects to Hub, invokes public methods</a:t>
+            </a:r>
+          </a:p>
+          <a:p>
+            <a:r>
+              <a:rPr lang="en-US" dirty="0"/>
+              <a:t>Every Hub is a separate “copy” of </a:t>
+            </a:r>
+            <a:r>
+              <a:rPr lang="en-US" dirty="0" err="1"/>
+              <a:t>SignalR</a:t>
+            </a:r>
+            <a:endParaRPr lang="en-US" dirty="0"/>
+          </a:p>
+          <a:p>
+            <a:endParaRPr lang="en-US" dirty="0"/>
+          </a:p>
+        </p:txBody>
+      </p:sp>
+      <p:sp>
+        <p:nvSpPr>
+          <p:cNvPr id="3" name="Slide title">
+            <a:extLst>
+              <a:ext uri="{FF2B5EF4-FFF2-40B4-BE49-F238E27FC236}">
+                <a16:creationId xmlns:a16="http://schemas.microsoft.com/office/drawing/2014/main" id="{5DA6696A-721A-4226-A4F7-935233FCE6E2}"/>
+              </a:ext>
+            </a:extLst>
+          </p:cNvPr>
+          <p:cNvSpPr>
+            <a:spLocks noGrp="1"/>
+          </p:cNvSpPr>
+          <p:nvPr>
+            <p:ph type="title"/>
+          </p:nvPr>
+        </p:nvSpPr>
+        <p:spPr/>
+        <p:txBody>
+          <a:bodyPr/>
+          <a:lstStyle/>
+          <a:p>
+            <a:r>
+              <a:rPr lang="en-US" dirty="0"/>
+              <a:t>Architectural components: Hub</a:t>
+            </a:r>
+          </a:p>
+        </p:txBody>
+      </p:sp>
     </p:spTree>
     <p:extLst>
       <p:ext uri="{BB962C8B-B14F-4D97-AF65-F5344CB8AC3E}">
@@ -20539,6 +20762,434 @@
   <p:transition>
     <p:fade/>
   </p:transition>
+  <p:timing>
+    <p:tnLst>
+      <p:par>
+        <p:cTn id="1" dur="indefinite" restart="never" nodeType="tmRoot">
+          <p:childTnLst>
+            <p:seq concurrent="1" nextAc="seek">
+              <p:cTn id="2" dur="indefinite" nodeType="mainSeq">
+                <p:childTnLst>
+                  <p:par>
+                    <p:cTn id="3" fill="hold">
+                      <p:stCondLst>
+                        <p:cond delay="indefinite"/>
+                      </p:stCondLst>
+                      <p:childTnLst>
+                        <p:par>
+                          <p:cTn id="4" fill="hold">
+                            <p:stCondLst>
+                              <p:cond delay="0"/>
+                            </p:stCondLst>
+                            <p:childTnLst>
+                              <p:par>
+                                <p:cTn id="5" presetID="1" presetClass="entr" presetSubtype="0" fill="hold" nodeType="clickEffect">
+                                  <p:stCondLst>
+                                    <p:cond delay="0"/>
+                                  </p:stCondLst>
+                                  <p:childTnLst>
+                                    <p:set>
+                                      <p:cBhvr>
+                                        <p:cTn id="6" dur="1" fill="hold">
+                                          <p:stCondLst>
+                                            <p:cond delay="0"/>
+                                          </p:stCondLst>
+                                        </p:cTn>
+                                        <p:tgtEl>
+                                          <p:spTgt spid="2">
+                                            <p:txEl>
+                                              <p:pRg st="0" end="0"/>
+                                            </p:txEl>
+                                          </p:spTgt>
+                                        </p:tgtEl>
+                                        <p:attrNameLst>
+                                          <p:attrName>style.visibility</p:attrName>
+                                        </p:attrNameLst>
+                                      </p:cBhvr>
+                                      <p:to>
+                                        <p:strVal val="visible"/>
+                                      </p:to>
+                                    </p:set>
+                                  </p:childTnLst>
+                                </p:cTn>
+                              </p:par>
+                            </p:childTnLst>
+                          </p:cTn>
+                        </p:par>
+                      </p:childTnLst>
+                    </p:cTn>
+                  </p:par>
+                  <p:par>
+                    <p:cTn id="7" fill="hold">
+                      <p:stCondLst>
+                        <p:cond delay="indefinite"/>
+                      </p:stCondLst>
+                      <p:childTnLst>
+                        <p:par>
+                          <p:cTn id="8" fill="hold">
+                            <p:stCondLst>
+                              <p:cond delay="0"/>
+                            </p:stCondLst>
+                            <p:childTnLst>
+                              <p:par>
+                                <p:cTn id="9" presetID="1" presetClass="entr" presetSubtype="0" fill="hold" grpId="0" nodeType="clickEffect">
+                                  <p:stCondLst>
+                                    <p:cond delay="0"/>
+                                  </p:stCondLst>
+                                  <p:childTnLst>
+                                    <p:set>
+                                      <p:cBhvr>
+                                        <p:cTn id="10" dur="1" fill="hold">
+                                          <p:stCondLst>
+                                            <p:cond delay="0"/>
+                                          </p:stCondLst>
+                                        </p:cTn>
+                                        <p:tgtEl>
+                                          <p:spTgt spid="8"/>
+                                        </p:tgtEl>
+                                        <p:attrNameLst>
+                                          <p:attrName>style.visibility</p:attrName>
+                                        </p:attrNameLst>
+                                      </p:cBhvr>
+                                      <p:to>
+                                        <p:strVal val="visible"/>
+                                      </p:to>
+                                    </p:set>
+                                  </p:childTnLst>
+                                </p:cTn>
+                              </p:par>
+                              <p:par>
+                                <p:cTn id="11" presetID="1" presetClass="entr" presetSubtype="0" fill="hold" nodeType="withEffect">
+                                  <p:stCondLst>
+                                    <p:cond delay="0"/>
+                                  </p:stCondLst>
+                                  <p:childTnLst>
+                                    <p:set>
+                                      <p:cBhvr>
+                                        <p:cTn id="12" dur="1" fill="hold">
+                                          <p:stCondLst>
+                                            <p:cond delay="0"/>
+                                          </p:stCondLst>
+                                        </p:cTn>
+                                        <p:tgtEl>
+                                          <p:spTgt spid="7"/>
+                                        </p:tgtEl>
+                                        <p:attrNameLst>
+                                          <p:attrName>style.visibility</p:attrName>
+                                        </p:attrNameLst>
+                                      </p:cBhvr>
+                                      <p:to>
+                                        <p:strVal val="visible"/>
+                                      </p:to>
+                                    </p:set>
+                                  </p:childTnLst>
+                                </p:cTn>
+                              </p:par>
+                              <p:par>
+                                <p:cTn id="13" presetID="1" presetClass="entr" presetSubtype="0" fill="hold" nodeType="withEffect">
+                                  <p:stCondLst>
+                                    <p:cond delay="0"/>
+                                  </p:stCondLst>
+                                  <p:childTnLst>
+                                    <p:set>
+                                      <p:cBhvr>
+                                        <p:cTn id="14" dur="1" fill="hold">
+                                          <p:stCondLst>
+                                            <p:cond delay="0"/>
+                                          </p:stCondLst>
+                                        </p:cTn>
+                                        <p:tgtEl>
+                                          <p:spTgt spid="6"/>
+                                        </p:tgtEl>
+                                        <p:attrNameLst>
+                                          <p:attrName>style.visibility</p:attrName>
+                                        </p:attrNameLst>
+                                      </p:cBhvr>
+                                      <p:to>
+                                        <p:strVal val="visible"/>
+                                      </p:to>
+                                    </p:set>
+                                  </p:childTnLst>
+                                </p:cTn>
+                              </p:par>
+                            </p:childTnLst>
+                          </p:cTn>
+                        </p:par>
+                      </p:childTnLst>
+                    </p:cTn>
+                  </p:par>
+                  <p:par>
+                    <p:cTn id="15" fill="hold">
+                      <p:stCondLst>
+                        <p:cond delay="indefinite"/>
+                      </p:stCondLst>
+                      <p:childTnLst>
+                        <p:par>
+                          <p:cTn id="16" fill="hold">
+                            <p:stCondLst>
+                              <p:cond delay="0"/>
+                            </p:stCondLst>
+                            <p:childTnLst>
+                              <p:par>
+                                <p:cTn id="17" presetID="1" presetClass="entr" presetSubtype="0" fill="hold" nodeType="clickEffect">
+                                  <p:stCondLst>
+                                    <p:cond delay="0"/>
+                                  </p:stCondLst>
+                                  <p:childTnLst>
+                                    <p:set>
+                                      <p:cBhvr>
+                                        <p:cTn id="18" dur="1" fill="hold">
+                                          <p:stCondLst>
+                                            <p:cond delay="0"/>
+                                          </p:stCondLst>
+                                        </p:cTn>
+                                        <p:tgtEl>
+                                          <p:spTgt spid="2">
+                                            <p:txEl>
+                                              <p:pRg st="1" end="1"/>
+                                            </p:txEl>
+                                          </p:spTgt>
+                                        </p:tgtEl>
+                                        <p:attrNameLst>
+                                          <p:attrName>style.visibility</p:attrName>
+                                        </p:attrNameLst>
+                                      </p:cBhvr>
+                                      <p:to>
+                                        <p:strVal val="visible"/>
+                                      </p:to>
+                                    </p:set>
+                                  </p:childTnLst>
+                                </p:cTn>
+                              </p:par>
+                            </p:childTnLst>
+                          </p:cTn>
+                        </p:par>
+                      </p:childTnLst>
+                    </p:cTn>
+                  </p:par>
+                  <p:par>
+                    <p:cTn id="19" fill="hold">
+                      <p:stCondLst>
+                        <p:cond delay="indefinite"/>
+                      </p:stCondLst>
+                      <p:childTnLst>
+                        <p:par>
+                          <p:cTn id="20" fill="hold">
+                            <p:stCondLst>
+                              <p:cond delay="0"/>
+                            </p:stCondLst>
+                            <p:childTnLst>
+                              <p:par>
+                                <p:cTn id="21" presetID="1" presetClass="entr" presetSubtype="0" fill="hold" nodeType="clickEffect">
+                                  <p:stCondLst>
+                                    <p:cond delay="0"/>
+                                  </p:stCondLst>
+                                  <p:childTnLst>
+                                    <p:set>
+                                      <p:cBhvr>
+                                        <p:cTn id="22" dur="1" fill="hold">
+                                          <p:stCondLst>
+                                            <p:cond delay="0"/>
+                                          </p:stCondLst>
+                                        </p:cTn>
+                                        <p:tgtEl>
+                                          <p:spTgt spid="10"/>
+                                        </p:tgtEl>
+                                        <p:attrNameLst>
+                                          <p:attrName>style.visibility</p:attrName>
+                                        </p:attrNameLst>
+                                      </p:cBhvr>
+                                      <p:to>
+                                        <p:strVal val="visible"/>
+                                      </p:to>
+                                    </p:set>
+                                  </p:childTnLst>
+                                </p:cTn>
+                              </p:par>
+                              <p:par>
+                                <p:cTn id="23" presetID="1" presetClass="entr" presetSubtype="0" fill="hold" grpId="0" nodeType="withEffect">
+                                  <p:stCondLst>
+                                    <p:cond delay="0"/>
+                                  </p:stCondLst>
+                                  <p:childTnLst>
+                                    <p:set>
+                                      <p:cBhvr>
+                                        <p:cTn id="24" dur="1" fill="hold">
+                                          <p:stCondLst>
+                                            <p:cond delay="0"/>
+                                          </p:stCondLst>
+                                        </p:cTn>
+                                        <p:tgtEl>
+                                          <p:spTgt spid="11"/>
+                                        </p:tgtEl>
+                                        <p:attrNameLst>
+                                          <p:attrName>style.visibility</p:attrName>
+                                        </p:attrNameLst>
+                                      </p:cBhvr>
+                                      <p:to>
+                                        <p:strVal val="visible"/>
+                                      </p:to>
+                                    </p:set>
+                                  </p:childTnLst>
+                                </p:cTn>
+                              </p:par>
+                              <p:par>
+                                <p:cTn id="25" presetID="1" presetClass="entr" presetSubtype="0" fill="hold" nodeType="withEffect">
+                                  <p:stCondLst>
+                                    <p:cond delay="0"/>
+                                  </p:stCondLst>
+                                  <p:childTnLst>
+                                    <p:set>
+                                      <p:cBhvr>
+                                        <p:cTn id="26" dur="1" fill="hold">
+                                          <p:stCondLst>
+                                            <p:cond delay="0"/>
+                                          </p:stCondLst>
+                                        </p:cTn>
+                                        <p:tgtEl>
+                                          <p:spTgt spid="13"/>
+                                        </p:tgtEl>
+                                        <p:attrNameLst>
+                                          <p:attrName>style.visibility</p:attrName>
+                                        </p:attrNameLst>
+                                      </p:cBhvr>
+                                      <p:to>
+                                        <p:strVal val="visible"/>
+                                      </p:to>
+                                    </p:set>
+                                  </p:childTnLst>
+                                </p:cTn>
+                              </p:par>
+                            </p:childTnLst>
+                          </p:cTn>
+                        </p:par>
+                      </p:childTnLst>
+                    </p:cTn>
+                  </p:par>
+                  <p:par>
+                    <p:cTn id="27" fill="hold">
+                      <p:stCondLst>
+                        <p:cond delay="indefinite"/>
+                      </p:stCondLst>
+                      <p:childTnLst>
+                        <p:par>
+                          <p:cTn id="28" fill="hold">
+                            <p:stCondLst>
+                              <p:cond delay="0"/>
+                            </p:stCondLst>
+                            <p:childTnLst>
+                              <p:par>
+                                <p:cTn id="29" presetID="1" presetClass="entr" presetSubtype="0" fill="hold" nodeType="clickEffect">
+                                  <p:stCondLst>
+                                    <p:cond delay="0"/>
+                                  </p:stCondLst>
+                                  <p:childTnLst>
+                                    <p:set>
+                                      <p:cBhvr>
+                                        <p:cTn id="30" dur="1" fill="hold">
+                                          <p:stCondLst>
+                                            <p:cond delay="0"/>
+                                          </p:stCondLst>
+                                        </p:cTn>
+                                        <p:tgtEl>
+                                          <p:spTgt spid="2">
+                                            <p:txEl>
+                                              <p:pRg st="2" end="2"/>
+                                            </p:txEl>
+                                          </p:spTgt>
+                                        </p:tgtEl>
+                                        <p:attrNameLst>
+                                          <p:attrName>style.visibility</p:attrName>
+                                        </p:attrNameLst>
+                                      </p:cBhvr>
+                                      <p:to>
+                                        <p:strVal val="visible"/>
+                                      </p:to>
+                                    </p:set>
+                                  </p:childTnLst>
+                                </p:cTn>
+                              </p:par>
+                            </p:childTnLst>
+                          </p:cTn>
+                        </p:par>
+                      </p:childTnLst>
+                    </p:cTn>
+                  </p:par>
+                  <p:par>
+                    <p:cTn id="31" fill="hold">
+                      <p:stCondLst>
+                        <p:cond delay="indefinite"/>
+                      </p:stCondLst>
+                      <p:childTnLst>
+                        <p:par>
+                          <p:cTn id="32" fill="hold">
+                            <p:stCondLst>
+                              <p:cond delay="0"/>
+                            </p:stCondLst>
+                            <p:childTnLst>
+                              <p:par>
+                                <p:cTn id="33" presetID="1" presetClass="entr" presetSubtype="0" fill="hold" nodeType="clickEffect">
+                                  <p:stCondLst>
+                                    <p:cond delay="0"/>
+                                  </p:stCondLst>
+                                  <p:childTnLst>
+                                    <p:set>
+                                      <p:cBhvr>
+                                        <p:cTn id="34" dur="1" fill="hold">
+                                          <p:stCondLst>
+                                            <p:cond delay="0"/>
+                                          </p:stCondLst>
+                                        </p:cTn>
+                                        <p:tgtEl>
+                                          <p:spTgt spid="2">
+                                            <p:txEl>
+                                              <p:pRg st="3" end="3"/>
+                                            </p:txEl>
+                                          </p:spTgt>
+                                        </p:tgtEl>
+                                        <p:attrNameLst>
+                                          <p:attrName>style.visibility</p:attrName>
+                                        </p:attrNameLst>
+                                      </p:cBhvr>
+                                      <p:to>
+                                        <p:strVal val="visible"/>
+                                      </p:to>
+                                    </p:set>
+                                  </p:childTnLst>
+                                </p:cTn>
+                              </p:par>
+                            </p:childTnLst>
+                          </p:cTn>
+                        </p:par>
+                      </p:childTnLst>
+                    </p:cTn>
+                  </p:par>
+                </p:childTnLst>
+              </p:cTn>
+              <p:prevCondLst>
+                <p:cond evt="onPrev" delay="0">
+                  <p:tgtEl>
+                    <p:sldTgt/>
+                  </p:tgtEl>
+                </p:cond>
+              </p:prevCondLst>
+              <p:nextCondLst>
+                <p:cond evt="onNext" delay="0">
+                  <p:tgtEl>
+                    <p:sldTgt/>
+                  </p:tgtEl>
+                </p:cond>
+              </p:nextCondLst>
+            </p:seq>
+          </p:childTnLst>
+        </p:cTn>
+      </p:par>
+    </p:tnLst>
+    <p:bldLst>
+      <p:bldP spid="11" grpId="0" animBg="1"/>
+      <p:bldP spid="8" grpId="0" animBg="1"/>
+    </p:bldLst>
+  </p:timing>
 </p:sld>
 </file>
 
@@ -25795,46 +26446,6 @@
 </file>
 
 <file path=customXml/item1.xml><?xml version="1.0" encoding="utf-8"?>
-<?mso-contentType ?>
-<FormTemplates xmlns="http://schemas.microsoft.com/sharepoint/v3/contenttype/forms">
-  <Display>DocumentLibraryForm</Display>
-  <Edit>DocumentLibraryForm</Edit>
-  <New>DocumentLibraryForm</New>
-</FormTemplates>
-</file>
-
-<file path=customXml/item2.xml><?xml version="1.0" encoding="utf-8"?>
-<p:properties xmlns:p="http://schemas.microsoft.com/office/2006/metadata/properties" xmlns:xsi="http://www.w3.org/2001/XMLSchema-instance" xmlns:pc="http://schemas.microsoft.com/office/infopath/2007/PartnerControls">
-  <documentManagement>
-    <_ip_UnifiedCompliancePolicyUIAction xmlns="http://schemas.microsoft.com/sharepoint/v3" xsi:nil="true"/>
-    <IconOverlay xmlns="http://schemas.microsoft.com/sharepoint/v4" xsi:nil="true"/>
-    <Preview xmlns="15c98cf3-0896-4040-874f-f436925621df">
-      <Url xsi:nil="true"/>
-      <Description xsi:nil="true"/>
-    </Preview>
-    <_ip_UnifiedCompliancePolicyProperties xmlns="http://schemas.microsoft.com/sharepoint/v3" xsi:nil="true"/>
-    <SharedWithUsers xmlns="af610f50-4aee-43ff-9d65-64420adb70d2">
-      <UserInfo>
-        <DisplayName>Shriram Natarajan</DisplayName>
-        <AccountId>645</AccountId>
-        <AccountType/>
-      </UserInfo>
-      <UserInfo>
-        <DisplayName>Siddique Juman</DisplayName>
-        <AccountId>79219</AccountId>
-        <AccountType/>
-      </UserInfo>
-      <UserInfo>
-        <DisplayName>Tiberiu Radu</DisplayName>
-        <AccountId>42551</AccountId>
-        <AccountType/>
-      </UserInfo>
-    </SharedWithUsers>
-  </documentManagement>
-</p:properties>
-</file>
-
-<file path=customXml/item3.xml><?xml version="1.0" encoding="utf-8"?>
 <ct:contentTypeSchema xmlns:ct="http://schemas.microsoft.com/office/2006/metadata/contentType" xmlns:ma="http://schemas.microsoft.com/office/2006/metadata/properties/metaAttributes" ct:_="" ma:_="" ma:contentTypeName="Document" ma:contentTypeID="0x010100F5F187B9059DF945B25AB5B2F3BA0895" ma:contentTypeVersion="17" ma:contentTypeDescription="Create a new document." ma:contentTypeScope="" ma:versionID="454b11af52e6a4a001d7a94430b0600d">
   <xsd:schema xmlns:xsd="http://www.w3.org/2001/XMLSchema" xmlns:xs="http://www.w3.org/2001/XMLSchema" xmlns:p="http://schemas.microsoft.com/office/2006/metadata/properties" xmlns:ns1="http://schemas.microsoft.com/sharepoint/v3" xmlns:ns2="af610f50-4aee-43ff-9d65-64420adb70d2" xmlns:ns3="http://schemas.microsoft.com/sharepoint/v4" xmlns:ns4="15c98cf3-0896-4040-874f-f436925621df" targetNamespace="http://schemas.microsoft.com/office/2006/metadata/properties" ma:root="true" ma:fieldsID="94f54606d29a996f622cc5db0382967e" ns1:_="" ns2:_="" ns3:_="" ns4:_="">
     <xsd:import namespace="http://schemas.microsoft.com/sharepoint/v3"/>
@@ -26098,10 +26709,63 @@
 </ct:contentTypeSchema>
 </file>
 
+<file path=customXml/item2.xml><?xml version="1.0" encoding="utf-8"?>
+<p:properties xmlns:p="http://schemas.microsoft.com/office/2006/metadata/properties" xmlns:xsi="http://www.w3.org/2001/XMLSchema-instance" xmlns:pc="http://schemas.microsoft.com/office/infopath/2007/PartnerControls">
+  <documentManagement>
+    <_ip_UnifiedCompliancePolicyUIAction xmlns="http://schemas.microsoft.com/sharepoint/v3" xsi:nil="true"/>
+    <IconOverlay xmlns="http://schemas.microsoft.com/sharepoint/v4" xsi:nil="true"/>
+    <Preview xmlns="15c98cf3-0896-4040-874f-f436925621df">
+      <Url xsi:nil="true"/>
+      <Description xsi:nil="true"/>
+    </Preview>
+    <_ip_UnifiedCompliancePolicyProperties xmlns="http://schemas.microsoft.com/sharepoint/v3" xsi:nil="true"/>
+    <SharedWithUsers xmlns="af610f50-4aee-43ff-9d65-64420adb70d2">
+      <UserInfo>
+        <DisplayName>Shriram Natarajan</DisplayName>
+        <AccountId>645</AccountId>
+        <AccountType/>
+      </UserInfo>
+      <UserInfo>
+        <DisplayName>Siddique Juman</DisplayName>
+        <AccountId>79219</AccountId>
+        <AccountType/>
+      </UserInfo>
+      <UserInfo>
+        <DisplayName>Tiberiu Radu</DisplayName>
+        <AccountId>42551</AccountId>
+        <AccountType/>
+      </UserInfo>
+    </SharedWithUsers>
+  </documentManagement>
+</p:properties>
+</file>
+
+<file path=customXml/item3.xml><?xml version="1.0" encoding="utf-8"?>
+<?mso-contentType ?>
+<FormTemplates xmlns="http://schemas.microsoft.com/sharepoint/v3/contenttype/forms">
+  <Display>DocumentLibraryForm</Display>
+  <Edit>DocumentLibraryForm</Edit>
+  <New>DocumentLibraryForm</New>
+</FormTemplates>
+</file>
+
 <file path=customXml/itemProps1.xml><?xml version="1.0" encoding="utf-8"?>
-<ds:datastoreItem xmlns:ds="http://schemas.openxmlformats.org/officeDocument/2006/customXml" ds:itemID="{A0CFF515-FEE6-4B9C-8B96-C300A0063377}">
+<ds:datastoreItem xmlns:ds="http://schemas.openxmlformats.org/officeDocument/2006/customXml" ds:itemID="{366A0CB4-B94D-48B7-AE6B-3133538C8CAA}">
   <ds:schemaRefs>
-    <ds:schemaRef ds:uri="http://schemas.microsoft.com/sharepoint/v3/contenttype/forms"/>
+    <ds:schemaRef ds:uri="http://schemas.microsoft.com/office/2006/metadata/contentType"/>
+    <ds:schemaRef ds:uri="http://schemas.microsoft.com/office/2006/metadata/properties/metaAttributes"/>
+    <ds:schemaRef ds:uri="http://www.w3.org/2001/XMLSchema"/>
+    <ds:schemaRef ds:uri="http://schemas.microsoft.com/office/2006/metadata/properties"/>
+    <ds:schemaRef ds:uri="http://schemas.microsoft.com/sharepoint/v3"/>
+    <ds:schemaRef ds:uri="af610f50-4aee-43ff-9d65-64420adb70d2"/>
+    <ds:schemaRef ds:uri="http://schemas.microsoft.com/sharepoint/v4"/>
+    <ds:schemaRef ds:uri="15c98cf3-0896-4040-874f-f436925621df"/>
+    <ds:schemaRef ds:uri="http://schemas.microsoft.com/office/2006/documentManagement/types"/>
+    <ds:schemaRef ds:uri="http://schemas.microsoft.com/office/infopath/2007/PartnerControls"/>
+    <ds:schemaRef ds:uri="http://schemas.openxmlformats.org/package/2006/metadata/core-properties"/>
+    <ds:schemaRef ds:uri="http://purl.org/dc/elements/1.1/"/>
+    <ds:schemaRef ds:uri="http://purl.org/dc/terms/"/>
+    <ds:schemaRef ds:uri="http://schemas.microsoft.com/internal/obd"/>
   </ds:schemaRefs>
 </ds:datastoreItem>
 </file>
@@ -26126,22 +26790,9 @@
 </file>
 
 <file path=customXml/itemProps3.xml><?xml version="1.0" encoding="utf-8"?>
-<ds:datastoreItem xmlns:ds="http://schemas.openxmlformats.org/officeDocument/2006/customXml" ds:itemID="{366A0CB4-B94D-48B7-AE6B-3133538C8CAA}">
+<ds:datastoreItem xmlns:ds="http://schemas.openxmlformats.org/officeDocument/2006/customXml" ds:itemID="{A0CFF515-FEE6-4B9C-8B96-C300A0063377}">
   <ds:schemaRefs>
-    <ds:schemaRef ds:uri="http://schemas.microsoft.com/office/2006/metadata/contentType"/>
-    <ds:schemaRef ds:uri="http://schemas.microsoft.com/office/2006/metadata/properties/metaAttributes"/>
-    <ds:schemaRef ds:uri="http://www.w3.org/2001/XMLSchema"/>
-    <ds:schemaRef ds:uri="http://schemas.microsoft.com/office/2006/metadata/properties"/>
-    <ds:schemaRef ds:uri="http://schemas.microsoft.com/sharepoint/v3"/>
-    <ds:schemaRef ds:uri="af610f50-4aee-43ff-9d65-64420adb70d2"/>
-    <ds:schemaRef ds:uri="http://schemas.microsoft.com/sharepoint/v4"/>
-    <ds:schemaRef ds:uri="15c98cf3-0896-4040-874f-f436925621df"/>
-    <ds:schemaRef ds:uri="http://schemas.microsoft.com/office/2006/documentManagement/types"/>
-    <ds:schemaRef ds:uri="http://schemas.microsoft.com/office/infopath/2007/PartnerControls"/>
-    <ds:schemaRef ds:uri="http://schemas.openxmlformats.org/package/2006/metadata/core-properties"/>
-    <ds:schemaRef ds:uri="http://purl.org/dc/elements/1.1/"/>
-    <ds:schemaRef ds:uri="http://purl.org/dc/terms/"/>
-    <ds:schemaRef ds:uri="http://schemas.microsoft.com/internal/obd"/>
+    <ds:schemaRef ds:uri="http://schemas.microsoft.com/sharepoint/v3/contenttype/forms"/>
   </ds:schemaRefs>
 </ds:datastoreItem>
 </file>
--- a/Building the Real-time Web with SignalR.pptx
+++ b/Building the Real-time Web with SignalR.pptx
@@ -5,21 +5,22 @@
     <p:sldMasterId id="2147483864" r:id="rId4"/>
   </p:sldMasterIdLst>
   <p:notesMasterIdLst>
-    <p:notesMasterId r:id="rId14"/>
+    <p:notesMasterId r:id="rId15"/>
   </p:notesMasterIdLst>
   <p:handoutMasterIdLst>
-    <p:handoutMasterId r:id="rId15"/>
+    <p:handoutMasterId r:id="rId16"/>
   </p:handoutMasterIdLst>
   <p:sldIdLst>
     <p:sldId id="3782" r:id="rId5"/>
     <p:sldId id="3772" r:id="rId6"/>
     <p:sldId id="3778" r:id="rId7"/>
-    <p:sldId id="3780" r:id="rId8"/>
-    <p:sldId id="3779" r:id="rId9"/>
-    <p:sldId id="3774" r:id="rId10"/>
-    <p:sldId id="3775" r:id="rId11"/>
-    <p:sldId id="3776" r:id="rId12"/>
-    <p:sldId id="326" r:id="rId13"/>
+    <p:sldId id="3783" r:id="rId8"/>
+    <p:sldId id="3780" r:id="rId9"/>
+    <p:sldId id="3779" r:id="rId10"/>
+    <p:sldId id="3774" r:id="rId11"/>
+    <p:sldId id="3775" r:id="rId12"/>
+    <p:sldId id="3776" r:id="rId13"/>
+    <p:sldId id="326" r:id="rId14"/>
   </p:sldIdLst>
   <p:sldSz cx="12436475" cy="6994525"/>
   <p:notesSz cx="6858000" cy="9144000"/>
@@ -126,6 +127,7 @@
             <p14:sldId id="3782"/>
             <p14:sldId id="3772"/>
             <p14:sldId id="3778"/>
+            <p14:sldId id="3783"/>
             <p14:sldId id="3780"/>
             <p14:sldId id="3779"/>
             <p14:sldId id="3774"/>
@@ -772,42 +774,19 @@
             </a:pPr>
             <a:r>
               <a:rPr lang="en-US" dirty="0" err="1"/>
-              <a:t>SignalR</a:t>
+              <a:t>HubConnection</a:t>
             </a:r>
             <a:r>
               <a:rPr lang="en-US" dirty="0"/>
-              <a:t> connection:</a:t>
-            </a:r>
-          </a:p>
-          <a:p>
-            <a:pPr marL="752094" lvl="1" indent="-285750">
-              <a:buFontTx/>
-              <a:buChar char="-"/>
-            </a:pPr>
+              <a:t> = </a:t>
+            </a:r>
             <a:r>
               <a:rPr lang="en-US" dirty="0" err="1"/>
-              <a:t>WebSockets</a:t>
-            </a:r>
-            <a:endParaRPr lang="en-US" dirty="0"/>
-          </a:p>
-          <a:p>
-            <a:pPr marL="752094" lvl="1" indent="-285750">
-              <a:buFontTx/>
-              <a:buChar char="-"/>
-            </a:pPr>
+              <a:t>SignalR’s</a:t>
+            </a:r>
             <a:r>
               <a:rPr lang="en-US" dirty="0"/>
-              <a:t>Server-sent Events</a:t>
-            </a:r>
-          </a:p>
-          <a:p>
-            <a:pPr marL="752094" lvl="1" indent="-285750">
-              <a:buFontTx/>
-              <a:buChar char="-"/>
-            </a:pPr>
-            <a:r>
-              <a:rPr lang="en-US" dirty="0"/>
-              <a:t>Long Polling</a:t>
+              <a:t> abstraction of a persistent connection</a:t>
             </a:r>
           </a:p>
         </p:txBody>
@@ -1015,21 +994,7 @@
           <a:bodyPr/>
           <a:lstStyle/>
           <a:p>
-            <a:r>
-              <a:rPr lang="en-US" dirty="0"/>
-              <a:t>- Hub registration in </a:t>
-            </a:r>
-            <a:r>
-              <a:rPr lang="en-US" dirty="0" err="1"/>
-              <a:t>Startup.Configure</a:t>
-            </a:r>
             <a:endParaRPr lang="en-US" dirty="0"/>
-          </a:p>
-          <a:p>
-            <a:r>
-              <a:rPr lang="en-US" dirty="0"/>
-              <a:t>- Strongly typed Hubs avoid magic strings</a:t>
-            </a:r>
           </a:p>
         </p:txBody>
       </p:sp>
@@ -1059,7 +1024,7 @@
     </p:spTree>
     <p:extLst>
       <p:ext uri="{BB962C8B-B14F-4D97-AF65-F5344CB8AC3E}">
-        <p14:creationId xmlns:p14="http://schemas.microsoft.com/office/powerpoint/2010/main" val="771793339"/>
+        <p14:creationId xmlns:p14="http://schemas.microsoft.com/office/powerpoint/2010/main" val="3658818227"/>
       </p:ext>
     </p:extLst>
   </p:cSld>
@@ -1113,20 +1078,20 @@
           <a:bodyPr/>
           <a:lstStyle/>
           <a:p>
+            <a:r>
+              <a:rPr lang="en-US" dirty="0"/>
+              <a:t>- Hub registration in </a:t>
+            </a:r>
+            <a:r>
+              <a:rPr lang="en-US" dirty="0" err="1"/>
+              <a:t>Startup.Configure</a:t>
+            </a:r>
             <a:endParaRPr lang="en-US" dirty="0"/>
           </a:p>
           <a:p>
             <a:r>
               <a:rPr lang="en-US" dirty="0"/>
-              <a:t>UI support for </a:t>
-            </a:r>
-            <a:r>
-              <a:rPr lang="en-US" dirty="0" err="1"/>
-              <a:t>LibMan</a:t>
-            </a:r>
-            <a:r>
-              <a:rPr lang="en-US" dirty="0"/>
-              <a:t> as of VS 2017 15.8</a:t>
+              <a:t>- Strongly typed Hubs avoid magic strings</a:t>
             </a:r>
           </a:p>
         </p:txBody>
@@ -1148,7 +1113,7 @@
           <a:p>
             <a:fld id="{3D7B9D4F-5F19-438C-92E8-037C6AE8F87D}" type="slidenum">
               <a:rPr lang="en-US" smtClean="0"/>
-              <a:t>6</a:t>
+              <a:t>5</a:t>
             </a:fld>
             <a:endParaRPr lang="en-US"/>
           </a:p>
@@ -1157,7 +1122,7 @@
     </p:spTree>
     <p:extLst>
       <p:ext uri="{BB962C8B-B14F-4D97-AF65-F5344CB8AC3E}">
-        <p14:creationId xmlns:p14="http://schemas.microsoft.com/office/powerpoint/2010/main" val="1399679205"/>
+        <p14:creationId xmlns:p14="http://schemas.microsoft.com/office/powerpoint/2010/main" val="771793339"/>
       </p:ext>
     </p:extLst>
   </p:cSld>
@@ -1211,9 +1176,20 @@
           <a:bodyPr/>
           <a:lstStyle/>
           <a:p>
+            <a:endParaRPr lang="en-US" dirty="0"/>
+          </a:p>
+          <a:p>
             <a:r>
               <a:rPr lang="en-US" dirty="0"/>
-              <a:t>SQL Server not an option, as it as in ASP.NET 4.x</a:t>
+              <a:t>UI support for </a:t>
+            </a:r>
+            <a:r>
+              <a:rPr lang="en-US" dirty="0" err="1"/>
+              <a:t>LibMan</a:t>
+            </a:r>
+            <a:r>
+              <a:rPr lang="en-US" dirty="0"/>
+              <a:t> as of VS 2017 15.8</a:t>
             </a:r>
           </a:p>
         </p:txBody>
@@ -1244,7 +1220,7 @@
     </p:spTree>
     <p:extLst>
       <p:ext uri="{BB962C8B-B14F-4D97-AF65-F5344CB8AC3E}">
-        <p14:creationId xmlns:p14="http://schemas.microsoft.com/office/powerpoint/2010/main" val="3901582907"/>
+        <p14:creationId xmlns:p14="http://schemas.microsoft.com/office/powerpoint/2010/main" val="1399679205"/>
       </p:ext>
     </p:extLst>
   </p:cSld>
@@ -1298,7 +1274,10 @@
           <a:bodyPr/>
           <a:lstStyle/>
           <a:p>
-            <a:endParaRPr lang="en-US" dirty="0"/>
+            <a:r>
+              <a:rPr lang="en-US" dirty="0"/>
+              <a:t>SQL Server not an option, as it as in ASP.NET 4.x</a:t>
+            </a:r>
           </a:p>
         </p:txBody>
       </p:sp>
@@ -1328,7 +1307,7 @@
     </p:spTree>
     <p:extLst>
       <p:ext uri="{BB962C8B-B14F-4D97-AF65-F5344CB8AC3E}">
-        <p14:creationId xmlns:p14="http://schemas.microsoft.com/office/powerpoint/2010/main" val="1323822667"/>
+        <p14:creationId xmlns:p14="http://schemas.microsoft.com/office/powerpoint/2010/main" val="3901582907"/>
       </p:ext>
     </p:extLst>
   </p:cSld>
@@ -1393,6 +1372,90 @@
             <a:spLocks noGrp="1"/>
           </p:cNvSpPr>
           <p:nvPr>
+            <p:ph type="sldNum" sz="quarter" idx="5"/>
+          </p:nvPr>
+        </p:nvSpPr>
+        <p:spPr/>
+        <p:txBody>
+          <a:bodyPr/>
+          <a:lstStyle/>
+          <a:p>
+            <a:fld id="{3D7B9D4F-5F19-438C-92E8-037C6AE8F87D}" type="slidenum">
+              <a:rPr lang="en-US" smtClean="0"/>
+              <a:t>9</a:t>
+            </a:fld>
+            <a:endParaRPr lang="en-US"/>
+          </a:p>
+        </p:txBody>
+      </p:sp>
+    </p:spTree>
+    <p:extLst>
+      <p:ext uri="{BB962C8B-B14F-4D97-AF65-F5344CB8AC3E}">
+        <p14:creationId xmlns:p14="http://schemas.microsoft.com/office/powerpoint/2010/main" val="1323822667"/>
+      </p:ext>
+    </p:extLst>
+  </p:cSld>
+  <p:clrMapOvr>
+    <a:masterClrMapping/>
+  </p:clrMapOvr>
+</p:notes>
+</file>
+
+<file path=ppt/notesSlides/notesSlide8.xml><?xml version="1.0" encoding="utf-8"?>
+<p:notes xmlns:a="http://schemas.openxmlformats.org/drawingml/2006/main" xmlns:r="http://schemas.openxmlformats.org/officeDocument/2006/relationships" xmlns:p="http://schemas.openxmlformats.org/presentationml/2006/main">
+  <p:cSld>
+    <p:spTree>
+      <p:nvGrpSpPr>
+        <p:cNvPr id="1" name=""/>
+        <p:cNvGrpSpPr/>
+        <p:nvPr/>
+      </p:nvGrpSpPr>
+      <p:grpSpPr>
+        <a:xfrm>
+          <a:off x="0" y="0"/>
+          <a:ext cx="0" cy="0"/>
+          <a:chOff x="0" y="0"/>
+          <a:chExt cx="0" cy="0"/>
+        </a:xfrm>
+      </p:grpSpPr>
+      <p:sp>
+        <p:nvSpPr>
+          <p:cNvPr id="2" name="Slide Image Placeholder 1"/>
+          <p:cNvSpPr>
+            <a:spLocks noGrp="1" noRot="1" noChangeAspect="1"/>
+          </p:cNvSpPr>
+          <p:nvPr>
+            <p:ph type="sldImg"/>
+          </p:nvPr>
+        </p:nvSpPr>
+        <p:spPr/>
+      </p:sp>
+      <p:sp>
+        <p:nvSpPr>
+          <p:cNvPr id="3" name="Notes Placeholder 2"/>
+          <p:cNvSpPr>
+            <a:spLocks noGrp="1"/>
+          </p:cNvSpPr>
+          <p:nvPr>
+            <p:ph type="body" idx="1"/>
+          </p:nvPr>
+        </p:nvSpPr>
+        <p:spPr/>
+        <p:txBody>
+          <a:bodyPr/>
+          <a:lstStyle/>
+          <a:p>
+            <a:endParaRPr lang="en-US" dirty="0"/>
+          </a:p>
+        </p:txBody>
+      </p:sp>
+      <p:sp>
+        <p:nvSpPr>
+          <p:cNvPr id="4" name="Slide Number Placeholder 3"/>
+          <p:cNvSpPr>
+            <a:spLocks noGrp="1"/>
+          </p:cNvSpPr>
+          <p:nvPr>
             <p:ph type="sldNum" sz="quarter" idx="10"/>
           </p:nvPr>
         </p:nvSpPr>
@@ -1450,7 +1513,7 @@
                 <a:tabLst/>
                 <a:defRPr/>
               </a:pPr>
-              <a:t>9</a:t>
+              <a:t>10</a:t>
             </a:fld>
             <a:endParaRPr kumimoji="0" lang="en-US" sz="1200" b="0" i="0" u="none" strike="noStrike" kern="1200" cap="none" spc="0" normalizeH="0" baseline="0" noProof="0">
               <a:ln>
@@ -16670,6 +16733,1984 @@
 </p:sld>
 </file>
 
+<file path=ppt/slides/slide10.xml><?xml version="1.0" encoding="utf-8"?>
+<p:sld xmlns:a="http://schemas.openxmlformats.org/drawingml/2006/main" xmlns:r="http://schemas.openxmlformats.org/officeDocument/2006/relationships" xmlns:p="http://schemas.openxmlformats.org/presentationml/2006/main">
+  <p:cSld>
+    <p:spTree>
+      <p:nvGrpSpPr>
+        <p:cNvPr id="1" name=""/>
+        <p:cNvGrpSpPr/>
+        <p:nvPr/>
+      </p:nvGrpSpPr>
+      <p:grpSpPr>
+        <a:xfrm>
+          <a:off x="0" y="0"/>
+          <a:ext cx="0" cy="0"/>
+          <a:chOff x="0" y="0"/>
+          <a:chExt cx="0" cy="0"/>
+        </a:xfrm>
+      </p:grpSpPr>
+      <p:sp>
+        <p:nvSpPr>
+          <p:cNvPr id="2" name="Title 1"/>
+          <p:cNvSpPr>
+            <a:spLocks noGrp="1"/>
+          </p:cNvSpPr>
+          <p:nvPr>
+            <p:ph type="title"/>
+          </p:nvPr>
+        </p:nvSpPr>
+        <p:spPr/>
+        <p:txBody>
+          <a:bodyPr/>
+          <a:lstStyle/>
+          <a:p>
+            <a:r>
+              <a:rPr lang="en-US" dirty="0"/>
+              <a:t>Resources	</a:t>
+            </a:r>
+            <a:r>
+              <a:rPr lang="en-US" b="1" dirty="0"/>
+              <a:t> 							</a:t>
+            </a:r>
+            <a:r>
+              <a:rPr lang="en-US" sz="1800" b="1" dirty="0">
+                <a:solidFill>
+                  <a:schemeClr val="tx1"/>
+                </a:solidFill>
+              </a:rPr>
+              <a:t>@</a:t>
+            </a:r>
+            <a:r>
+              <a:rPr lang="en-US" sz="1800" b="1" dirty="0" err="1">
+                <a:solidFill>
+                  <a:schemeClr val="tx1"/>
+                </a:solidFill>
+              </a:rPr>
+              <a:t>Scott_Addie</a:t>
+            </a:r>
+            <a:endParaRPr lang="en-US" sz="1800" dirty="0">
+              <a:solidFill>
+                <a:schemeClr val="tx1"/>
+              </a:solidFill>
+            </a:endParaRPr>
+          </a:p>
+        </p:txBody>
+      </p:sp>
+      <p:sp>
+        <p:nvSpPr>
+          <p:cNvPr id="3" name="Content Placeholder 2"/>
+          <p:cNvSpPr>
+            <a:spLocks noGrp="1"/>
+          </p:cNvSpPr>
+          <p:nvPr>
+            <p:ph idx="1"/>
+          </p:nvPr>
+        </p:nvSpPr>
+        <p:spPr>
+          <a:xfrm>
+            <a:off x="855767" y="1861968"/>
+            <a:ext cx="10618304" cy="4437962"/>
+          </a:xfrm>
+        </p:spPr>
+        <p:txBody>
+          <a:bodyPr>
+            <a:normAutofit/>
+          </a:bodyPr>
+          <a:lstStyle/>
+          <a:p>
+            <a:r>
+              <a:rPr lang="en-US" b="1" dirty="0"/>
+              <a:t>Docs</a:t>
+            </a:r>
+          </a:p>
+          <a:p>
+            <a:endParaRPr lang="en-US" b="1" dirty="0"/>
+          </a:p>
+          <a:p>
+            <a:endParaRPr lang="en-US" dirty="0"/>
+          </a:p>
+          <a:p>
+            <a:r>
+              <a:rPr lang="en-US" b="1" dirty="0"/>
+              <a:t>Slides</a:t>
+            </a:r>
+          </a:p>
+          <a:p>
+            <a:endParaRPr lang="en-US" b="1" dirty="0"/>
+          </a:p>
+          <a:p>
+            <a:r>
+              <a:rPr lang="en-US" b="1" dirty="0"/>
+              <a:t>Sample Apps</a:t>
+            </a:r>
+          </a:p>
+        </p:txBody>
+      </p:sp>
+      <p:pic>
+        <p:nvPicPr>
+          <p:cNvPr id="5" name="Picture 4">
+            <a:extLst>
+              <a:ext uri="{FF2B5EF4-FFF2-40B4-BE49-F238E27FC236}">
+                <a16:creationId xmlns:a16="http://schemas.microsoft.com/office/drawing/2014/main" id="{A87E2C7C-B662-43BA-A5DB-0A1A5D5542DE}"/>
+              </a:ext>
+            </a:extLst>
+          </p:cNvPr>
+          <p:cNvPicPr>
+            <a:picLocks noChangeAspect="1"/>
+          </p:cNvPicPr>
+          <p:nvPr/>
+        </p:nvPicPr>
+        <p:blipFill>
+          <a:blip r:embed="rId3" cstate="print">
+            <a:extLst>
+              <a:ext uri="{28A0092B-C50C-407E-A947-70E740481C1C}">
+                <a14:useLocalDpi xmlns:a14="http://schemas.microsoft.com/office/drawing/2010/main" val="0"/>
+              </a:ext>
+            </a:extLst>
+          </a:blip>
+          <a:stretch>
+            <a:fillRect/>
+          </a:stretch>
+        </p:blipFill>
+        <p:spPr>
+          <a:xfrm>
+            <a:off x="11125827" y="398415"/>
+            <a:ext cx="696488" cy="566240"/>
+          </a:xfrm>
+          <a:prstGeom prst="rect">
+            <a:avLst/>
+          </a:prstGeom>
+        </p:spPr>
+      </p:pic>
+      <p:sp>
+        <p:nvSpPr>
+          <p:cNvPr id="6" name="Text Placeholder 3">
+            <a:extLst>
+              <a:ext uri="{FF2B5EF4-FFF2-40B4-BE49-F238E27FC236}">
+                <a16:creationId xmlns:a16="http://schemas.microsoft.com/office/drawing/2014/main" id="{6C2EABF2-4F4C-4D1E-9741-A847CD7C234F}"/>
+              </a:ext>
+            </a:extLst>
+          </p:cNvPr>
+          <p:cNvSpPr txBox="1">
+            <a:spLocks/>
+          </p:cNvSpPr>
+          <p:nvPr/>
+        </p:nvSpPr>
+        <p:spPr>
+          <a:xfrm>
+            <a:off x="1437656" y="2359510"/>
+            <a:ext cx="6931330" cy="307777"/>
+          </a:xfrm>
+          <a:prstGeom prst="rect">
+            <a:avLst/>
+          </a:prstGeom>
+        </p:spPr>
+        <p:txBody>
+          <a:bodyPr vert="horz" wrap="square" lIns="0" tIns="0" rIns="0" bIns="0" rtlCol="0">
+            <a:spAutoFit/>
+          </a:bodyPr>
+          <a:lstStyle>
+            <a:lvl1pPr marL="228600" marR="0" indent="-228600" algn="l" defTabSz="932742" rtl="0" eaLnBrk="1" fontAlgn="auto" latinLnBrk="0" hangingPunct="1">
+              <a:lnSpc>
+                <a:spcPct val="100000"/>
+              </a:lnSpc>
+              <a:spcBef>
+                <a:spcPct val="20000"/>
+              </a:spcBef>
+              <a:spcAft>
+                <a:spcPts val="0"/>
+              </a:spcAft>
+              <a:buClrTx/>
+              <a:buSzPct val="90000"/>
+              <a:buFont typeface="Wingdings" panose="05000000000000000000" pitchFamily="2" charset="2"/>
+              <a:buChar char=""/>
+              <a:tabLst/>
+              <a:defRPr sz="2800" kern="1200" spc="0" baseline="0">
+                <a:gradFill>
+                  <a:gsLst>
+                    <a:gs pos="1250">
+                      <a:schemeClr val="tx1"/>
+                    </a:gs>
+                    <a:gs pos="100000">
+                      <a:schemeClr val="tx1"/>
+                    </a:gs>
+                  </a:gsLst>
+                  <a:lin ang="5400000" scaled="0"/>
+                </a:gradFill>
+                <a:latin typeface="Segoe UI Semilight" panose="020B0402040204020203" pitchFamily="34" charset="0"/>
+                <a:ea typeface="+mn-ea"/>
+                <a:cs typeface="Segoe UI Semilight" panose="020B0402040204020203" pitchFamily="34" charset="0"/>
+              </a:defRPr>
+            </a:lvl1pPr>
+            <a:lvl2pPr marL="457200" marR="0" indent="-228600" algn="l" defTabSz="932742" rtl="0" eaLnBrk="1" fontAlgn="auto" latinLnBrk="0" hangingPunct="1">
+              <a:lnSpc>
+                <a:spcPct val="100000"/>
+              </a:lnSpc>
+              <a:spcBef>
+                <a:spcPct val="20000"/>
+              </a:spcBef>
+              <a:spcAft>
+                <a:spcPts val="0"/>
+              </a:spcAft>
+              <a:buClrTx/>
+              <a:buSzPct val="90000"/>
+              <a:buFont typeface="Wingdings" panose="05000000000000000000" pitchFamily="2" charset="2"/>
+              <a:buChar char=""/>
+              <a:tabLst/>
+              <a:defRPr sz="2000" kern="1200" spc="0" baseline="0">
+                <a:gradFill>
+                  <a:gsLst>
+                    <a:gs pos="1250">
+                      <a:schemeClr val="tx1"/>
+                    </a:gs>
+                    <a:gs pos="100000">
+                      <a:schemeClr val="tx1"/>
+                    </a:gs>
+                  </a:gsLst>
+                  <a:lin ang="5400000" scaled="0"/>
+                </a:gradFill>
+                <a:latin typeface="+mn-lt"/>
+                <a:ea typeface="+mn-ea"/>
+                <a:cs typeface="+mn-cs"/>
+              </a:defRPr>
+            </a:lvl2pPr>
+            <a:lvl3pPr marL="657225" marR="0" indent="-200025" algn="l" defTabSz="932742" rtl="0" eaLnBrk="1" fontAlgn="auto" latinLnBrk="0" hangingPunct="1">
+              <a:lnSpc>
+                <a:spcPct val="100000"/>
+              </a:lnSpc>
+              <a:spcBef>
+                <a:spcPct val="20000"/>
+              </a:spcBef>
+              <a:spcAft>
+                <a:spcPts val="0"/>
+              </a:spcAft>
+              <a:buClrTx/>
+              <a:buSzPct val="90000"/>
+              <a:buFont typeface="Wingdings" panose="05000000000000000000" pitchFamily="2" charset="2"/>
+              <a:buChar char=""/>
+              <a:tabLst/>
+              <a:defRPr sz="1600" kern="1200" spc="0" baseline="0">
+                <a:gradFill>
+                  <a:gsLst>
+                    <a:gs pos="1250">
+                      <a:schemeClr val="tx1"/>
+                    </a:gs>
+                    <a:gs pos="100000">
+                      <a:schemeClr val="tx1"/>
+                    </a:gs>
+                  </a:gsLst>
+                  <a:lin ang="5400000" scaled="0"/>
+                </a:gradFill>
+                <a:latin typeface="+mn-lt"/>
+                <a:ea typeface="+mn-ea"/>
+                <a:cs typeface="+mn-cs"/>
+              </a:defRPr>
+            </a:lvl3pPr>
+            <a:lvl4pPr marL="842963" marR="0" indent="-180975" algn="l" defTabSz="932742" rtl="0" eaLnBrk="1" fontAlgn="auto" latinLnBrk="0" hangingPunct="1">
+              <a:lnSpc>
+                <a:spcPct val="100000"/>
+              </a:lnSpc>
+              <a:spcBef>
+                <a:spcPct val="20000"/>
+              </a:spcBef>
+              <a:spcAft>
+                <a:spcPts val="0"/>
+              </a:spcAft>
+              <a:buClrTx/>
+              <a:buSzPct val="90000"/>
+              <a:buFont typeface="Wingdings" panose="05000000000000000000" pitchFamily="2" charset="2"/>
+              <a:buChar char=""/>
+              <a:tabLst/>
+              <a:defRPr sz="1400" kern="1200" spc="0" baseline="0">
+                <a:gradFill>
+                  <a:gsLst>
+                    <a:gs pos="1250">
+                      <a:schemeClr val="tx1"/>
+                    </a:gs>
+                    <a:gs pos="100000">
+                      <a:schemeClr val="tx1"/>
+                    </a:gs>
+                  </a:gsLst>
+                  <a:lin ang="5400000" scaled="0"/>
+                </a:gradFill>
+                <a:latin typeface="+mn-lt"/>
+                <a:ea typeface="+mn-ea"/>
+                <a:cs typeface="+mn-cs"/>
+              </a:defRPr>
+            </a:lvl4pPr>
+            <a:lvl5pPr marL="1023938" marR="0" indent="-168275" algn="l" defTabSz="932742" rtl="0" eaLnBrk="1" fontAlgn="auto" latinLnBrk="0" hangingPunct="1">
+              <a:lnSpc>
+                <a:spcPct val="100000"/>
+              </a:lnSpc>
+              <a:spcBef>
+                <a:spcPct val="20000"/>
+              </a:spcBef>
+              <a:spcAft>
+                <a:spcPts val="0"/>
+              </a:spcAft>
+              <a:buClrTx/>
+              <a:buSzPct val="90000"/>
+              <a:buFont typeface="Wingdings" panose="05000000000000000000" pitchFamily="2" charset="2"/>
+              <a:buChar char=""/>
+              <a:tabLst/>
+              <a:defRPr sz="1400" kern="1200" spc="0" baseline="0">
+                <a:gradFill>
+                  <a:gsLst>
+                    <a:gs pos="1250">
+                      <a:schemeClr val="tx1"/>
+                    </a:gs>
+                    <a:gs pos="100000">
+                      <a:schemeClr val="tx1"/>
+                    </a:gs>
+                  </a:gsLst>
+                  <a:lin ang="5400000" scaled="0"/>
+                </a:gradFill>
+                <a:latin typeface="+mn-lt"/>
+                <a:ea typeface="+mn-ea"/>
+                <a:cs typeface="+mn-cs"/>
+              </a:defRPr>
+            </a:lvl5pPr>
+            <a:lvl6pPr marL="2565040" indent="-233186" algn="l" defTabSz="932742" rtl="0" eaLnBrk="1" latinLnBrk="0" hangingPunct="1">
+              <a:spcBef>
+                <a:spcPct val="20000"/>
+              </a:spcBef>
+              <a:buFont typeface="Arial" pitchFamily="34" charset="0"/>
+              <a:buChar char="•"/>
+              <a:defRPr sz="2000" kern="1200">
+                <a:solidFill>
+                  <a:schemeClr val="tx1"/>
+                </a:solidFill>
+                <a:latin typeface="+mn-lt"/>
+                <a:ea typeface="+mn-ea"/>
+                <a:cs typeface="+mn-cs"/>
+              </a:defRPr>
+            </a:lvl6pPr>
+            <a:lvl7pPr marL="3031412" indent="-233186" algn="l" defTabSz="932742" rtl="0" eaLnBrk="1" latinLnBrk="0" hangingPunct="1">
+              <a:spcBef>
+                <a:spcPct val="20000"/>
+              </a:spcBef>
+              <a:buFont typeface="Arial" pitchFamily="34" charset="0"/>
+              <a:buChar char="•"/>
+              <a:defRPr sz="2000" kern="1200">
+                <a:solidFill>
+                  <a:schemeClr val="tx1"/>
+                </a:solidFill>
+                <a:latin typeface="+mn-lt"/>
+                <a:ea typeface="+mn-ea"/>
+                <a:cs typeface="+mn-cs"/>
+              </a:defRPr>
+            </a:lvl7pPr>
+            <a:lvl8pPr marL="3497783" indent="-233186" algn="l" defTabSz="932742" rtl="0" eaLnBrk="1" latinLnBrk="0" hangingPunct="1">
+              <a:spcBef>
+                <a:spcPct val="20000"/>
+              </a:spcBef>
+              <a:buFont typeface="Arial" pitchFamily="34" charset="0"/>
+              <a:buChar char="•"/>
+              <a:defRPr sz="2000" kern="1200">
+                <a:solidFill>
+                  <a:schemeClr val="tx1"/>
+                </a:solidFill>
+                <a:latin typeface="+mn-lt"/>
+                <a:ea typeface="+mn-ea"/>
+                <a:cs typeface="+mn-cs"/>
+              </a:defRPr>
+            </a:lvl8pPr>
+            <a:lvl9pPr marL="3964155" indent="-233186" algn="l" defTabSz="932742" rtl="0" eaLnBrk="1" latinLnBrk="0" hangingPunct="1">
+              <a:spcBef>
+                <a:spcPct val="20000"/>
+              </a:spcBef>
+              <a:buFont typeface="Arial" pitchFamily="34" charset="0"/>
+              <a:buChar char="•"/>
+              <a:defRPr sz="2000" kern="1200">
+                <a:solidFill>
+                  <a:schemeClr val="tx1"/>
+                </a:solidFill>
+                <a:latin typeface="+mn-lt"/>
+                <a:ea typeface="+mn-ea"/>
+                <a:cs typeface="+mn-cs"/>
+              </a:defRPr>
+            </a:lvl9pPr>
+          </a:lstStyle>
+          <a:p>
+            <a:pPr marL="0" lvl="0" indent="0">
+              <a:buNone/>
+              <a:defRPr/>
+            </a:pPr>
+            <a:r>
+              <a:rPr kumimoji="0" lang="en-US" sz="2000" b="1" i="0" u="none" strike="noStrike" kern="1200" cap="none" spc="0" normalizeH="0" baseline="0" noProof="0" dirty="0">
+                <a:ln>
+                  <a:noFill/>
+                </a:ln>
+                <a:solidFill>
+                  <a:srgbClr val="2C65E1"/>
+                </a:solidFill>
+                <a:effectLst/>
+                <a:uLnTx/>
+                <a:uFillTx/>
+                <a:latin typeface="+mj-lt"/>
+                <a:ea typeface="+mn-ea"/>
+                <a:cs typeface="Segoe UI Semibold" panose="020B0702040204020203" pitchFamily="34" charset="0"/>
+              </a:rPr>
+              <a:t>docs.microsoft.com/</a:t>
+            </a:r>
+            <a:r>
+              <a:rPr kumimoji="0" lang="en-US" sz="2000" b="1" i="0" u="none" strike="noStrike" kern="1200" cap="none" spc="0" normalizeH="0" baseline="0" noProof="0" dirty="0" err="1">
+                <a:ln>
+                  <a:noFill/>
+                </a:ln>
+                <a:solidFill>
+                  <a:srgbClr val="2C65E1"/>
+                </a:solidFill>
+                <a:effectLst/>
+                <a:uLnTx/>
+                <a:uFillTx/>
+                <a:latin typeface="+mj-lt"/>
+                <a:ea typeface="+mn-ea"/>
+                <a:cs typeface="Segoe UI Semibold" panose="020B0702040204020203" pitchFamily="34" charset="0"/>
+              </a:rPr>
+              <a:t>aspnet</a:t>
+            </a:r>
+            <a:r>
+              <a:rPr kumimoji="0" lang="en-US" sz="2000" b="1" i="0" u="none" strike="noStrike" kern="1200" cap="none" spc="0" normalizeH="0" baseline="0" noProof="0" dirty="0">
+                <a:ln>
+                  <a:noFill/>
+                </a:ln>
+                <a:solidFill>
+                  <a:srgbClr val="2C65E1"/>
+                </a:solidFill>
+                <a:effectLst/>
+                <a:uLnTx/>
+                <a:uFillTx/>
+                <a:latin typeface="+mj-lt"/>
+                <a:ea typeface="+mn-ea"/>
+                <a:cs typeface="Segoe UI Semibold" panose="020B0702040204020203" pitchFamily="34" charset="0"/>
+              </a:rPr>
+              <a:t>/core/</a:t>
+            </a:r>
+            <a:r>
+              <a:rPr kumimoji="0" lang="en-US" sz="2000" b="1" i="0" u="none" strike="noStrike" kern="1200" cap="none" spc="0" normalizeH="0" baseline="0" noProof="0" dirty="0" err="1">
+                <a:ln>
+                  <a:noFill/>
+                </a:ln>
+                <a:solidFill>
+                  <a:srgbClr val="2C65E1"/>
+                </a:solidFill>
+                <a:effectLst/>
+                <a:uLnTx/>
+                <a:uFillTx/>
+                <a:latin typeface="+mj-lt"/>
+                <a:ea typeface="+mn-ea"/>
+                <a:cs typeface="Segoe UI Semibold" panose="020B0702040204020203" pitchFamily="34" charset="0"/>
+              </a:rPr>
+              <a:t>signalr</a:t>
+            </a:r>
+            <a:endParaRPr kumimoji="0" lang="en-US" sz="2000" b="1" i="0" u="none" strike="noStrike" kern="1200" cap="none" spc="0" normalizeH="0" baseline="0" noProof="0" dirty="0">
+              <a:ln>
+                <a:noFill/>
+              </a:ln>
+              <a:solidFill>
+                <a:srgbClr val="2C65E1"/>
+              </a:solidFill>
+              <a:effectLst/>
+              <a:uLnTx/>
+              <a:uFillTx/>
+              <a:latin typeface="+mj-lt"/>
+              <a:ea typeface="+mn-ea"/>
+              <a:cs typeface="Segoe UI Semibold" panose="020B0702040204020203" pitchFamily="34" charset="0"/>
+            </a:endParaRPr>
+          </a:p>
+        </p:txBody>
+      </p:sp>
+      <p:sp>
+        <p:nvSpPr>
+          <p:cNvPr id="7" name="Oval 6">
+            <a:extLst>
+              <a:ext uri="{FF2B5EF4-FFF2-40B4-BE49-F238E27FC236}">
+                <a16:creationId xmlns:a16="http://schemas.microsoft.com/office/drawing/2014/main" id="{B9530BD0-1FFE-4CA8-8AA2-40AEC8C2A71B}"/>
+              </a:ext>
+              <a:ext uri="{C183D7F6-B498-43B3-948B-1728B52AA6E4}">
+                <adec:decorative xmlns:adec="http://schemas.microsoft.com/office/drawing/2017/decorative" val="1"/>
+              </a:ext>
+            </a:extLst>
+          </p:cNvPr>
+          <p:cNvSpPr/>
+          <p:nvPr/>
+        </p:nvSpPr>
+        <p:spPr bwMode="auto">
+          <a:xfrm>
+            <a:off x="855767" y="2297211"/>
+            <a:ext cx="428462" cy="428460"/>
+          </a:xfrm>
+          <a:prstGeom prst="ellipse">
+            <a:avLst/>
+          </a:prstGeom>
+          <a:noFill/>
+          <a:ln w="28575" cap="flat" cmpd="sng" algn="ctr">
+            <a:solidFill>
+              <a:srgbClr val="2C65E1"/>
+            </a:solidFill>
+            <a:prstDash val="solid"/>
+            <a:headEnd type="none" w="med" len="med"/>
+            <a:tailEnd type="none" w="med" len="med"/>
+          </a:ln>
+          <a:effectLst/>
+        </p:spPr>
+        <p:txBody>
+          <a:bodyPr rot="0" spcFirstLastPara="0" vertOverflow="overflow" horzOverflow="overflow" vert="horz" wrap="square" lIns="0" tIns="0" rIns="0" bIns="0" numCol="1" spcCol="0" rtlCol="0" fromWordArt="0" anchor="ctr" anchorCtr="0" forceAA="0" compatLnSpc="1">
+            <a:prstTxWarp prst="textNoShape">
+              <a:avLst/>
+            </a:prstTxWarp>
+            <a:noAutofit/>
+          </a:bodyPr>
+          <a:lstStyle/>
+          <a:p>
+            <a:pPr marL="0" marR="0" lvl="0" indent="0" algn="ctr" defTabSz="932114" rtl="0" eaLnBrk="1" fontAlgn="base" latinLnBrk="0" hangingPunct="1">
+              <a:lnSpc>
+                <a:spcPct val="100000"/>
+              </a:lnSpc>
+              <a:spcBef>
+                <a:spcPct val="0"/>
+              </a:spcBef>
+              <a:spcAft>
+                <a:spcPct val="0"/>
+              </a:spcAft>
+              <a:buClrTx/>
+              <a:buSzTx/>
+              <a:buFontTx/>
+              <a:buNone/>
+              <a:tabLst/>
+              <a:defRPr/>
+            </a:pPr>
+            <a:r>
+              <a:rPr kumimoji="0" lang="en-US" sz="2000" b="0" i="0" u="none" strike="noStrike" kern="0" cap="none" spc="0" normalizeH="0" baseline="0" noProof="0" dirty="0">
+                <a:ln w="19050">
+                  <a:noFill/>
+                </a:ln>
+                <a:solidFill>
+                  <a:srgbClr val="2C65E1"/>
+                </a:solidFill>
+                <a:effectLst/>
+                <a:uLnTx/>
+                <a:uFillTx/>
+                <a:latin typeface="Segoe UI"/>
+                <a:ea typeface="Segoe UI" pitchFamily="34" charset="0"/>
+                <a:cs typeface="Segoe UI" pitchFamily="34" charset="0"/>
+                <a:sym typeface="Wingdings" panose="05000000000000000000" pitchFamily="2" charset="2"/>
+              </a:rPr>
+              <a:t></a:t>
+            </a:r>
+            <a:endParaRPr kumimoji="0" lang="en-US" sz="2000" b="0" i="0" u="none" strike="noStrike" kern="0" cap="none" spc="0" normalizeH="0" baseline="0" noProof="0" dirty="0">
+              <a:ln w="19050">
+                <a:noFill/>
+              </a:ln>
+              <a:solidFill>
+                <a:srgbClr val="2C65E1"/>
+              </a:solidFill>
+              <a:effectLst/>
+              <a:uLnTx/>
+              <a:uFillTx/>
+              <a:latin typeface="Segoe UI"/>
+              <a:ea typeface="Segoe UI" pitchFamily="34" charset="0"/>
+              <a:cs typeface="Segoe UI" pitchFamily="34" charset="0"/>
+            </a:endParaRPr>
+          </a:p>
+        </p:txBody>
+      </p:sp>
+      <p:sp>
+        <p:nvSpPr>
+          <p:cNvPr id="8" name="Text Placeholder 3">
+            <a:extLst>
+              <a:ext uri="{FF2B5EF4-FFF2-40B4-BE49-F238E27FC236}">
+                <a16:creationId xmlns:a16="http://schemas.microsoft.com/office/drawing/2014/main" id="{986EFB08-97BC-4E9B-B741-EF010F3D06C9}"/>
+              </a:ext>
+            </a:extLst>
+          </p:cNvPr>
+          <p:cNvSpPr txBox="1">
+            <a:spLocks/>
+          </p:cNvSpPr>
+          <p:nvPr/>
+        </p:nvSpPr>
+        <p:spPr>
+          <a:xfrm>
+            <a:off x="1437656" y="2864236"/>
+            <a:ext cx="6931330" cy="307777"/>
+          </a:xfrm>
+          <a:prstGeom prst="rect">
+            <a:avLst/>
+          </a:prstGeom>
+        </p:spPr>
+        <p:txBody>
+          <a:bodyPr vert="horz" wrap="square" lIns="0" tIns="0" rIns="0" bIns="0" rtlCol="0">
+            <a:spAutoFit/>
+          </a:bodyPr>
+          <a:lstStyle>
+            <a:lvl1pPr marL="228600" marR="0" indent="-228600" algn="l" defTabSz="932742" rtl="0" eaLnBrk="1" fontAlgn="auto" latinLnBrk="0" hangingPunct="1">
+              <a:lnSpc>
+                <a:spcPct val="100000"/>
+              </a:lnSpc>
+              <a:spcBef>
+                <a:spcPct val="20000"/>
+              </a:spcBef>
+              <a:spcAft>
+                <a:spcPts val="0"/>
+              </a:spcAft>
+              <a:buClrTx/>
+              <a:buSzPct val="90000"/>
+              <a:buFont typeface="Wingdings" panose="05000000000000000000" pitchFamily="2" charset="2"/>
+              <a:buChar char=""/>
+              <a:tabLst/>
+              <a:defRPr sz="2800" kern="1200" spc="0" baseline="0">
+                <a:gradFill>
+                  <a:gsLst>
+                    <a:gs pos="1250">
+                      <a:schemeClr val="tx1"/>
+                    </a:gs>
+                    <a:gs pos="100000">
+                      <a:schemeClr val="tx1"/>
+                    </a:gs>
+                  </a:gsLst>
+                  <a:lin ang="5400000" scaled="0"/>
+                </a:gradFill>
+                <a:latin typeface="Segoe UI Semilight" panose="020B0402040204020203" pitchFamily="34" charset="0"/>
+                <a:ea typeface="+mn-ea"/>
+                <a:cs typeface="Segoe UI Semilight" panose="020B0402040204020203" pitchFamily="34" charset="0"/>
+              </a:defRPr>
+            </a:lvl1pPr>
+            <a:lvl2pPr marL="457200" marR="0" indent="-228600" algn="l" defTabSz="932742" rtl="0" eaLnBrk="1" fontAlgn="auto" latinLnBrk="0" hangingPunct="1">
+              <a:lnSpc>
+                <a:spcPct val="100000"/>
+              </a:lnSpc>
+              <a:spcBef>
+                <a:spcPct val="20000"/>
+              </a:spcBef>
+              <a:spcAft>
+                <a:spcPts val="0"/>
+              </a:spcAft>
+              <a:buClrTx/>
+              <a:buSzPct val="90000"/>
+              <a:buFont typeface="Wingdings" panose="05000000000000000000" pitchFamily="2" charset="2"/>
+              <a:buChar char=""/>
+              <a:tabLst/>
+              <a:defRPr sz="2000" kern="1200" spc="0" baseline="0">
+                <a:gradFill>
+                  <a:gsLst>
+                    <a:gs pos="1250">
+                      <a:schemeClr val="tx1"/>
+                    </a:gs>
+                    <a:gs pos="100000">
+                      <a:schemeClr val="tx1"/>
+                    </a:gs>
+                  </a:gsLst>
+                  <a:lin ang="5400000" scaled="0"/>
+                </a:gradFill>
+                <a:latin typeface="+mn-lt"/>
+                <a:ea typeface="+mn-ea"/>
+                <a:cs typeface="+mn-cs"/>
+              </a:defRPr>
+            </a:lvl2pPr>
+            <a:lvl3pPr marL="657225" marR="0" indent="-200025" algn="l" defTabSz="932742" rtl="0" eaLnBrk="1" fontAlgn="auto" latinLnBrk="0" hangingPunct="1">
+              <a:lnSpc>
+                <a:spcPct val="100000"/>
+              </a:lnSpc>
+              <a:spcBef>
+                <a:spcPct val="20000"/>
+              </a:spcBef>
+              <a:spcAft>
+                <a:spcPts val="0"/>
+              </a:spcAft>
+              <a:buClrTx/>
+              <a:buSzPct val="90000"/>
+              <a:buFont typeface="Wingdings" panose="05000000000000000000" pitchFamily="2" charset="2"/>
+              <a:buChar char=""/>
+              <a:tabLst/>
+              <a:defRPr sz="1600" kern="1200" spc="0" baseline="0">
+                <a:gradFill>
+                  <a:gsLst>
+                    <a:gs pos="1250">
+                      <a:schemeClr val="tx1"/>
+                    </a:gs>
+                    <a:gs pos="100000">
+                      <a:schemeClr val="tx1"/>
+                    </a:gs>
+                  </a:gsLst>
+                  <a:lin ang="5400000" scaled="0"/>
+                </a:gradFill>
+                <a:latin typeface="+mn-lt"/>
+                <a:ea typeface="+mn-ea"/>
+                <a:cs typeface="+mn-cs"/>
+              </a:defRPr>
+            </a:lvl3pPr>
+            <a:lvl4pPr marL="842963" marR="0" indent="-180975" algn="l" defTabSz="932742" rtl="0" eaLnBrk="1" fontAlgn="auto" latinLnBrk="0" hangingPunct="1">
+              <a:lnSpc>
+                <a:spcPct val="100000"/>
+              </a:lnSpc>
+              <a:spcBef>
+                <a:spcPct val="20000"/>
+              </a:spcBef>
+              <a:spcAft>
+                <a:spcPts val="0"/>
+              </a:spcAft>
+              <a:buClrTx/>
+              <a:buSzPct val="90000"/>
+              <a:buFont typeface="Wingdings" panose="05000000000000000000" pitchFamily="2" charset="2"/>
+              <a:buChar char=""/>
+              <a:tabLst/>
+              <a:defRPr sz="1400" kern="1200" spc="0" baseline="0">
+                <a:gradFill>
+                  <a:gsLst>
+                    <a:gs pos="1250">
+                      <a:schemeClr val="tx1"/>
+                    </a:gs>
+                    <a:gs pos="100000">
+                      <a:schemeClr val="tx1"/>
+                    </a:gs>
+                  </a:gsLst>
+                  <a:lin ang="5400000" scaled="0"/>
+                </a:gradFill>
+                <a:latin typeface="+mn-lt"/>
+                <a:ea typeface="+mn-ea"/>
+                <a:cs typeface="+mn-cs"/>
+              </a:defRPr>
+            </a:lvl4pPr>
+            <a:lvl5pPr marL="1023938" marR="0" indent="-168275" algn="l" defTabSz="932742" rtl="0" eaLnBrk="1" fontAlgn="auto" latinLnBrk="0" hangingPunct="1">
+              <a:lnSpc>
+                <a:spcPct val="100000"/>
+              </a:lnSpc>
+              <a:spcBef>
+                <a:spcPct val="20000"/>
+              </a:spcBef>
+              <a:spcAft>
+                <a:spcPts val="0"/>
+              </a:spcAft>
+              <a:buClrTx/>
+              <a:buSzPct val="90000"/>
+              <a:buFont typeface="Wingdings" panose="05000000000000000000" pitchFamily="2" charset="2"/>
+              <a:buChar char=""/>
+              <a:tabLst/>
+              <a:defRPr sz="1400" kern="1200" spc="0" baseline="0">
+                <a:gradFill>
+                  <a:gsLst>
+                    <a:gs pos="1250">
+                      <a:schemeClr val="tx1"/>
+                    </a:gs>
+                    <a:gs pos="100000">
+                      <a:schemeClr val="tx1"/>
+                    </a:gs>
+                  </a:gsLst>
+                  <a:lin ang="5400000" scaled="0"/>
+                </a:gradFill>
+                <a:latin typeface="+mn-lt"/>
+                <a:ea typeface="+mn-ea"/>
+                <a:cs typeface="+mn-cs"/>
+              </a:defRPr>
+            </a:lvl5pPr>
+            <a:lvl6pPr marL="2565040" indent="-233186" algn="l" defTabSz="932742" rtl="0" eaLnBrk="1" latinLnBrk="0" hangingPunct="1">
+              <a:spcBef>
+                <a:spcPct val="20000"/>
+              </a:spcBef>
+              <a:buFont typeface="Arial" pitchFamily="34" charset="0"/>
+              <a:buChar char="•"/>
+              <a:defRPr sz="2000" kern="1200">
+                <a:solidFill>
+                  <a:schemeClr val="tx1"/>
+                </a:solidFill>
+                <a:latin typeface="+mn-lt"/>
+                <a:ea typeface="+mn-ea"/>
+                <a:cs typeface="+mn-cs"/>
+              </a:defRPr>
+            </a:lvl6pPr>
+            <a:lvl7pPr marL="3031412" indent="-233186" algn="l" defTabSz="932742" rtl="0" eaLnBrk="1" latinLnBrk="0" hangingPunct="1">
+              <a:spcBef>
+                <a:spcPct val="20000"/>
+              </a:spcBef>
+              <a:buFont typeface="Arial" pitchFamily="34" charset="0"/>
+              <a:buChar char="•"/>
+              <a:defRPr sz="2000" kern="1200">
+                <a:solidFill>
+                  <a:schemeClr val="tx1"/>
+                </a:solidFill>
+                <a:latin typeface="+mn-lt"/>
+                <a:ea typeface="+mn-ea"/>
+                <a:cs typeface="+mn-cs"/>
+              </a:defRPr>
+            </a:lvl7pPr>
+            <a:lvl8pPr marL="3497783" indent="-233186" algn="l" defTabSz="932742" rtl="0" eaLnBrk="1" latinLnBrk="0" hangingPunct="1">
+              <a:spcBef>
+                <a:spcPct val="20000"/>
+              </a:spcBef>
+              <a:buFont typeface="Arial" pitchFamily="34" charset="0"/>
+              <a:buChar char="•"/>
+              <a:defRPr sz="2000" kern="1200">
+                <a:solidFill>
+                  <a:schemeClr val="tx1"/>
+                </a:solidFill>
+                <a:latin typeface="+mn-lt"/>
+                <a:ea typeface="+mn-ea"/>
+                <a:cs typeface="+mn-cs"/>
+              </a:defRPr>
+            </a:lvl8pPr>
+            <a:lvl9pPr marL="3964155" indent="-233186" algn="l" defTabSz="932742" rtl="0" eaLnBrk="1" latinLnBrk="0" hangingPunct="1">
+              <a:spcBef>
+                <a:spcPct val="20000"/>
+              </a:spcBef>
+              <a:buFont typeface="Arial" pitchFamily="34" charset="0"/>
+              <a:buChar char="•"/>
+              <a:defRPr sz="2000" kern="1200">
+                <a:solidFill>
+                  <a:schemeClr val="tx1"/>
+                </a:solidFill>
+                <a:latin typeface="+mn-lt"/>
+                <a:ea typeface="+mn-ea"/>
+                <a:cs typeface="+mn-cs"/>
+              </a:defRPr>
+            </a:lvl9pPr>
+          </a:lstStyle>
+          <a:p>
+            <a:pPr marL="0" lvl="0" indent="0">
+              <a:buNone/>
+              <a:defRPr/>
+            </a:pPr>
+            <a:r>
+              <a:rPr kumimoji="0" lang="en-US" sz="2000" b="1" i="0" u="none" strike="noStrike" kern="1200" cap="none" spc="0" normalizeH="0" baseline="0" noProof="0" dirty="0">
+                <a:ln>
+                  <a:noFill/>
+                </a:ln>
+                <a:solidFill>
+                  <a:srgbClr val="2C65E1"/>
+                </a:solidFill>
+                <a:effectLst/>
+                <a:uLnTx/>
+                <a:uFillTx/>
+                <a:latin typeface="+mj-lt"/>
+                <a:ea typeface="+mn-ea"/>
+                <a:cs typeface="Segoe UI Semibold" panose="020B0702040204020203" pitchFamily="34" charset="0"/>
+              </a:rPr>
+              <a:t>docs.microsoft.com/azure/azure-</a:t>
+            </a:r>
+            <a:r>
+              <a:rPr kumimoji="0" lang="en-US" sz="2000" b="1" i="0" u="none" strike="noStrike" kern="1200" cap="none" spc="0" normalizeH="0" baseline="0" noProof="0" dirty="0" err="1">
+                <a:ln>
+                  <a:noFill/>
+                </a:ln>
+                <a:solidFill>
+                  <a:srgbClr val="2C65E1"/>
+                </a:solidFill>
+                <a:effectLst/>
+                <a:uLnTx/>
+                <a:uFillTx/>
+                <a:latin typeface="+mj-lt"/>
+                <a:ea typeface="+mn-ea"/>
+                <a:cs typeface="Segoe UI Semibold" panose="020B0702040204020203" pitchFamily="34" charset="0"/>
+              </a:rPr>
+              <a:t>signalr</a:t>
+            </a:r>
+            <a:endParaRPr kumimoji="0" lang="en-US" sz="2000" b="1" i="0" u="none" strike="noStrike" kern="1200" cap="none" spc="0" normalizeH="0" baseline="0" noProof="0" dirty="0">
+              <a:ln>
+                <a:noFill/>
+              </a:ln>
+              <a:solidFill>
+                <a:srgbClr val="2C65E1"/>
+              </a:solidFill>
+              <a:effectLst/>
+              <a:uLnTx/>
+              <a:uFillTx/>
+              <a:latin typeface="+mj-lt"/>
+              <a:ea typeface="+mn-ea"/>
+              <a:cs typeface="Segoe UI Semibold" panose="020B0702040204020203" pitchFamily="34" charset="0"/>
+            </a:endParaRPr>
+          </a:p>
+        </p:txBody>
+      </p:sp>
+      <p:sp>
+        <p:nvSpPr>
+          <p:cNvPr id="9" name="Oval 8">
+            <a:extLst>
+              <a:ext uri="{FF2B5EF4-FFF2-40B4-BE49-F238E27FC236}">
+                <a16:creationId xmlns:a16="http://schemas.microsoft.com/office/drawing/2014/main" id="{4C2DA66B-024B-4EB9-AB88-26E2CF64BDB5}"/>
+              </a:ext>
+              <a:ext uri="{C183D7F6-B498-43B3-948B-1728B52AA6E4}">
+                <adec:decorative xmlns:adec="http://schemas.microsoft.com/office/drawing/2017/decorative" val="1"/>
+              </a:ext>
+            </a:extLst>
+          </p:cNvPr>
+          <p:cNvSpPr/>
+          <p:nvPr/>
+        </p:nvSpPr>
+        <p:spPr bwMode="auto">
+          <a:xfrm>
+            <a:off x="855767" y="2801937"/>
+            <a:ext cx="428462" cy="428460"/>
+          </a:xfrm>
+          <a:prstGeom prst="ellipse">
+            <a:avLst/>
+          </a:prstGeom>
+          <a:noFill/>
+          <a:ln w="28575" cap="flat" cmpd="sng" algn="ctr">
+            <a:solidFill>
+              <a:srgbClr val="2C65E1"/>
+            </a:solidFill>
+            <a:prstDash val="solid"/>
+            <a:headEnd type="none" w="med" len="med"/>
+            <a:tailEnd type="none" w="med" len="med"/>
+          </a:ln>
+          <a:effectLst/>
+        </p:spPr>
+        <p:txBody>
+          <a:bodyPr rot="0" spcFirstLastPara="0" vertOverflow="overflow" horzOverflow="overflow" vert="horz" wrap="square" lIns="0" tIns="0" rIns="0" bIns="0" numCol="1" spcCol="0" rtlCol="0" fromWordArt="0" anchor="ctr" anchorCtr="0" forceAA="0" compatLnSpc="1">
+            <a:prstTxWarp prst="textNoShape">
+              <a:avLst/>
+            </a:prstTxWarp>
+            <a:noAutofit/>
+          </a:bodyPr>
+          <a:lstStyle/>
+          <a:p>
+            <a:pPr marL="0" marR="0" lvl="0" indent="0" algn="ctr" defTabSz="932114" rtl="0" eaLnBrk="1" fontAlgn="base" latinLnBrk="0" hangingPunct="1">
+              <a:lnSpc>
+                <a:spcPct val="100000"/>
+              </a:lnSpc>
+              <a:spcBef>
+                <a:spcPct val="0"/>
+              </a:spcBef>
+              <a:spcAft>
+                <a:spcPct val="0"/>
+              </a:spcAft>
+              <a:buClrTx/>
+              <a:buSzTx/>
+              <a:buFontTx/>
+              <a:buNone/>
+              <a:tabLst/>
+              <a:defRPr/>
+            </a:pPr>
+            <a:r>
+              <a:rPr kumimoji="0" lang="en-US" sz="2000" b="0" i="0" u="none" strike="noStrike" kern="0" cap="none" spc="0" normalizeH="0" baseline="0" noProof="0" dirty="0">
+                <a:ln w="19050">
+                  <a:noFill/>
+                </a:ln>
+                <a:solidFill>
+                  <a:srgbClr val="2C65E1"/>
+                </a:solidFill>
+                <a:effectLst/>
+                <a:uLnTx/>
+                <a:uFillTx/>
+                <a:latin typeface="Segoe UI"/>
+                <a:ea typeface="Segoe UI" pitchFamily="34" charset="0"/>
+                <a:cs typeface="Segoe UI" pitchFamily="34" charset="0"/>
+                <a:sym typeface="Wingdings" panose="05000000000000000000" pitchFamily="2" charset="2"/>
+              </a:rPr>
+              <a:t></a:t>
+            </a:r>
+            <a:endParaRPr kumimoji="0" lang="en-US" sz="2000" b="0" i="0" u="none" strike="noStrike" kern="0" cap="none" spc="0" normalizeH="0" baseline="0" noProof="0" dirty="0">
+              <a:ln w="19050">
+                <a:noFill/>
+              </a:ln>
+              <a:solidFill>
+                <a:srgbClr val="2C65E1"/>
+              </a:solidFill>
+              <a:effectLst/>
+              <a:uLnTx/>
+              <a:uFillTx/>
+              <a:latin typeface="Segoe UI"/>
+              <a:ea typeface="Segoe UI" pitchFamily="34" charset="0"/>
+              <a:cs typeface="Segoe UI" pitchFamily="34" charset="0"/>
+            </a:endParaRPr>
+          </a:p>
+        </p:txBody>
+      </p:sp>
+      <p:sp>
+        <p:nvSpPr>
+          <p:cNvPr id="10" name="Text Placeholder 3">
+            <a:extLst>
+              <a:ext uri="{FF2B5EF4-FFF2-40B4-BE49-F238E27FC236}">
+                <a16:creationId xmlns:a16="http://schemas.microsoft.com/office/drawing/2014/main" id="{2DDFEC56-4FB6-463D-9673-ECCF9812AF8C}"/>
+              </a:ext>
+            </a:extLst>
+          </p:cNvPr>
+          <p:cNvSpPr txBox="1">
+            <a:spLocks/>
+          </p:cNvSpPr>
+          <p:nvPr/>
+        </p:nvSpPr>
+        <p:spPr>
+          <a:xfrm>
+            <a:off x="1437656" y="4183349"/>
+            <a:ext cx="6931330" cy="307777"/>
+          </a:xfrm>
+          <a:prstGeom prst="rect">
+            <a:avLst/>
+          </a:prstGeom>
+        </p:spPr>
+        <p:txBody>
+          <a:bodyPr vert="horz" wrap="square" lIns="0" tIns="0" rIns="0" bIns="0" rtlCol="0">
+            <a:spAutoFit/>
+          </a:bodyPr>
+          <a:lstStyle>
+            <a:lvl1pPr marL="228600" marR="0" indent="-228600" algn="l" defTabSz="932742" rtl="0" eaLnBrk="1" fontAlgn="auto" latinLnBrk="0" hangingPunct="1">
+              <a:lnSpc>
+                <a:spcPct val="100000"/>
+              </a:lnSpc>
+              <a:spcBef>
+                <a:spcPct val="20000"/>
+              </a:spcBef>
+              <a:spcAft>
+                <a:spcPts val="0"/>
+              </a:spcAft>
+              <a:buClrTx/>
+              <a:buSzPct val="90000"/>
+              <a:buFont typeface="Wingdings" panose="05000000000000000000" pitchFamily="2" charset="2"/>
+              <a:buChar char=""/>
+              <a:tabLst/>
+              <a:defRPr sz="2800" kern="1200" spc="0" baseline="0">
+                <a:gradFill>
+                  <a:gsLst>
+                    <a:gs pos="1250">
+                      <a:schemeClr val="tx1"/>
+                    </a:gs>
+                    <a:gs pos="100000">
+                      <a:schemeClr val="tx1"/>
+                    </a:gs>
+                  </a:gsLst>
+                  <a:lin ang="5400000" scaled="0"/>
+                </a:gradFill>
+                <a:latin typeface="Segoe UI Semilight" panose="020B0402040204020203" pitchFamily="34" charset="0"/>
+                <a:ea typeface="+mn-ea"/>
+                <a:cs typeface="Segoe UI Semilight" panose="020B0402040204020203" pitchFamily="34" charset="0"/>
+              </a:defRPr>
+            </a:lvl1pPr>
+            <a:lvl2pPr marL="457200" marR="0" indent="-228600" algn="l" defTabSz="932742" rtl="0" eaLnBrk="1" fontAlgn="auto" latinLnBrk="0" hangingPunct="1">
+              <a:lnSpc>
+                <a:spcPct val="100000"/>
+              </a:lnSpc>
+              <a:spcBef>
+                <a:spcPct val="20000"/>
+              </a:spcBef>
+              <a:spcAft>
+                <a:spcPts val="0"/>
+              </a:spcAft>
+              <a:buClrTx/>
+              <a:buSzPct val="90000"/>
+              <a:buFont typeface="Wingdings" panose="05000000000000000000" pitchFamily="2" charset="2"/>
+              <a:buChar char=""/>
+              <a:tabLst/>
+              <a:defRPr sz="2000" kern="1200" spc="0" baseline="0">
+                <a:gradFill>
+                  <a:gsLst>
+                    <a:gs pos="1250">
+                      <a:schemeClr val="tx1"/>
+                    </a:gs>
+                    <a:gs pos="100000">
+                      <a:schemeClr val="tx1"/>
+                    </a:gs>
+                  </a:gsLst>
+                  <a:lin ang="5400000" scaled="0"/>
+                </a:gradFill>
+                <a:latin typeface="+mn-lt"/>
+                <a:ea typeface="+mn-ea"/>
+                <a:cs typeface="+mn-cs"/>
+              </a:defRPr>
+            </a:lvl2pPr>
+            <a:lvl3pPr marL="657225" marR="0" indent="-200025" algn="l" defTabSz="932742" rtl="0" eaLnBrk="1" fontAlgn="auto" latinLnBrk="0" hangingPunct="1">
+              <a:lnSpc>
+                <a:spcPct val="100000"/>
+              </a:lnSpc>
+              <a:spcBef>
+                <a:spcPct val="20000"/>
+              </a:spcBef>
+              <a:spcAft>
+                <a:spcPts val="0"/>
+              </a:spcAft>
+              <a:buClrTx/>
+              <a:buSzPct val="90000"/>
+              <a:buFont typeface="Wingdings" panose="05000000000000000000" pitchFamily="2" charset="2"/>
+              <a:buChar char=""/>
+              <a:tabLst/>
+              <a:defRPr sz="1600" kern="1200" spc="0" baseline="0">
+                <a:gradFill>
+                  <a:gsLst>
+                    <a:gs pos="1250">
+                      <a:schemeClr val="tx1"/>
+                    </a:gs>
+                    <a:gs pos="100000">
+                      <a:schemeClr val="tx1"/>
+                    </a:gs>
+                  </a:gsLst>
+                  <a:lin ang="5400000" scaled="0"/>
+                </a:gradFill>
+                <a:latin typeface="+mn-lt"/>
+                <a:ea typeface="+mn-ea"/>
+                <a:cs typeface="+mn-cs"/>
+              </a:defRPr>
+            </a:lvl3pPr>
+            <a:lvl4pPr marL="842963" marR="0" indent="-180975" algn="l" defTabSz="932742" rtl="0" eaLnBrk="1" fontAlgn="auto" latinLnBrk="0" hangingPunct="1">
+              <a:lnSpc>
+                <a:spcPct val="100000"/>
+              </a:lnSpc>
+              <a:spcBef>
+                <a:spcPct val="20000"/>
+              </a:spcBef>
+              <a:spcAft>
+                <a:spcPts val="0"/>
+              </a:spcAft>
+              <a:buClrTx/>
+              <a:buSzPct val="90000"/>
+              <a:buFont typeface="Wingdings" panose="05000000000000000000" pitchFamily="2" charset="2"/>
+              <a:buChar char=""/>
+              <a:tabLst/>
+              <a:defRPr sz="1400" kern="1200" spc="0" baseline="0">
+                <a:gradFill>
+                  <a:gsLst>
+                    <a:gs pos="1250">
+                      <a:schemeClr val="tx1"/>
+                    </a:gs>
+                    <a:gs pos="100000">
+                      <a:schemeClr val="tx1"/>
+                    </a:gs>
+                  </a:gsLst>
+                  <a:lin ang="5400000" scaled="0"/>
+                </a:gradFill>
+                <a:latin typeface="+mn-lt"/>
+                <a:ea typeface="+mn-ea"/>
+                <a:cs typeface="+mn-cs"/>
+              </a:defRPr>
+            </a:lvl4pPr>
+            <a:lvl5pPr marL="1023938" marR="0" indent="-168275" algn="l" defTabSz="932742" rtl="0" eaLnBrk="1" fontAlgn="auto" latinLnBrk="0" hangingPunct="1">
+              <a:lnSpc>
+                <a:spcPct val="100000"/>
+              </a:lnSpc>
+              <a:spcBef>
+                <a:spcPct val="20000"/>
+              </a:spcBef>
+              <a:spcAft>
+                <a:spcPts val="0"/>
+              </a:spcAft>
+              <a:buClrTx/>
+              <a:buSzPct val="90000"/>
+              <a:buFont typeface="Wingdings" panose="05000000000000000000" pitchFamily="2" charset="2"/>
+              <a:buChar char=""/>
+              <a:tabLst/>
+              <a:defRPr sz="1400" kern="1200" spc="0" baseline="0">
+                <a:gradFill>
+                  <a:gsLst>
+                    <a:gs pos="1250">
+                      <a:schemeClr val="tx1"/>
+                    </a:gs>
+                    <a:gs pos="100000">
+                      <a:schemeClr val="tx1"/>
+                    </a:gs>
+                  </a:gsLst>
+                  <a:lin ang="5400000" scaled="0"/>
+                </a:gradFill>
+                <a:latin typeface="+mn-lt"/>
+                <a:ea typeface="+mn-ea"/>
+                <a:cs typeface="+mn-cs"/>
+              </a:defRPr>
+            </a:lvl5pPr>
+            <a:lvl6pPr marL="2565040" indent="-233186" algn="l" defTabSz="932742" rtl="0" eaLnBrk="1" latinLnBrk="0" hangingPunct="1">
+              <a:spcBef>
+                <a:spcPct val="20000"/>
+              </a:spcBef>
+              <a:buFont typeface="Arial" pitchFamily="34" charset="0"/>
+              <a:buChar char="•"/>
+              <a:defRPr sz="2000" kern="1200">
+                <a:solidFill>
+                  <a:schemeClr val="tx1"/>
+                </a:solidFill>
+                <a:latin typeface="+mn-lt"/>
+                <a:ea typeface="+mn-ea"/>
+                <a:cs typeface="+mn-cs"/>
+              </a:defRPr>
+            </a:lvl6pPr>
+            <a:lvl7pPr marL="3031412" indent="-233186" algn="l" defTabSz="932742" rtl="0" eaLnBrk="1" latinLnBrk="0" hangingPunct="1">
+              <a:spcBef>
+                <a:spcPct val="20000"/>
+              </a:spcBef>
+              <a:buFont typeface="Arial" pitchFamily="34" charset="0"/>
+              <a:buChar char="•"/>
+              <a:defRPr sz="2000" kern="1200">
+                <a:solidFill>
+                  <a:schemeClr val="tx1"/>
+                </a:solidFill>
+                <a:latin typeface="+mn-lt"/>
+                <a:ea typeface="+mn-ea"/>
+                <a:cs typeface="+mn-cs"/>
+              </a:defRPr>
+            </a:lvl7pPr>
+            <a:lvl8pPr marL="3497783" indent="-233186" algn="l" defTabSz="932742" rtl="0" eaLnBrk="1" latinLnBrk="0" hangingPunct="1">
+              <a:spcBef>
+                <a:spcPct val="20000"/>
+              </a:spcBef>
+              <a:buFont typeface="Arial" pitchFamily="34" charset="0"/>
+              <a:buChar char="•"/>
+              <a:defRPr sz="2000" kern="1200">
+                <a:solidFill>
+                  <a:schemeClr val="tx1"/>
+                </a:solidFill>
+                <a:latin typeface="+mn-lt"/>
+                <a:ea typeface="+mn-ea"/>
+                <a:cs typeface="+mn-cs"/>
+              </a:defRPr>
+            </a:lvl8pPr>
+            <a:lvl9pPr marL="3964155" indent="-233186" algn="l" defTabSz="932742" rtl="0" eaLnBrk="1" latinLnBrk="0" hangingPunct="1">
+              <a:spcBef>
+                <a:spcPct val="20000"/>
+              </a:spcBef>
+              <a:buFont typeface="Arial" pitchFamily="34" charset="0"/>
+              <a:buChar char="•"/>
+              <a:defRPr sz="2000" kern="1200">
+                <a:solidFill>
+                  <a:schemeClr val="tx1"/>
+                </a:solidFill>
+                <a:latin typeface="+mn-lt"/>
+                <a:ea typeface="+mn-ea"/>
+                <a:cs typeface="+mn-cs"/>
+              </a:defRPr>
+            </a:lvl9pPr>
+          </a:lstStyle>
+          <a:p>
+            <a:pPr marL="0" lvl="0" indent="0">
+              <a:buNone/>
+              <a:defRPr/>
+            </a:pPr>
+            <a:r>
+              <a:rPr lang="en-US" sz="2000" b="1" dirty="0">
+                <a:solidFill>
+                  <a:srgbClr val="2C65E1"/>
+                </a:solidFill>
+                <a:latin typeface="+mj-lt"/>
+                <a:cs typeface="Segoe UI Semibold" panose="020B0702040204020203" pitchFamily="34" charset="0"/>
+              </a:rPr>
+              <a:t>aka.ms/</a:t>
+            </a:r>
+            <a:r>
+              <a:rPr lang="en-US" sz="2000" b="1" dirty="0" err="1">
+                <a:solidFill>
+                  <a:srgbClr val="2C65E1"/>
+                </a:solidFill>
+                <a:latin typeface="+mj-lt"/>
+                <a:cs typeface="Segoe UI Semibold" panose="020B0702040204020203" pitchFamily="34" charset="0"/>
+              </a:rPr>
+              <a:t>nop</a:t>
+            </a:r>
+            <a:r>
+              <a:rPr lang="en-US" sz="2000" b="1" dirty="0">
+                <a:solidFill>
+                  <a:srgbClr val="2C65E1"/>
+                </a:solidFill>
+                <a:latin typeface="+mj-lt"/>
+                <a:cs typeface="Segoe UI Semibold" panose="020B0702040204020203" pitchFamily="34" charset="0"/>
+              </a:rPr>
+              <a:t>-</a:t>
+            </a:r>
+            <a:r>
+              <a:rPr lang="en-US" sz="2000" b="1" dirty="0" err="1">
+                <a:solidFill>
+                  <a:srgbClr val="2C65E1"/>
+                </a:solidFill>
+                <a:latin typeface="+mj-lt"/>
+                <a:cs typeface="Segoe UI Semibold" panose="020B0702040204020203" pitchFamily="34" charset="0"/>
+              </a:rPr>
+              <a:t>signalr</a:t>
+            </a:r>
+            <a:r>
+              <a:rPr lang="en-US" sz="2000" b="1" dirty="0">
+                <a:solidFill>
+                  <a:srgbClr val="2C65E1"/>
+                </a:solidFill>
+                <a:latin typeface="+mj-lt"/>
+                <a:cs typeface="Segoe UI Semibold" panose="020B0702040204020203" pitchFamily="34" charset="0"/>
+              </a:rPr>
+              <a:t>-slides</a:t>
+            </a:r>
+            <a:endParaRPr kumimoji="0" lang="en-US" sz="2000" b="1" i="0" u="none" strike="noStrike" kern="1200" cap="none" spc="0" normalizeH="0" baseline="0" noProof="0" dirty="0">
+              <a:ln>
+                <a:noFill/>
+              </a:ln>
+              <a:solidFill>
+                <a:srgbClr val="2C65E1"/>
+              </a:solidFill>
+              <a:effectLst/>
+              <a:uLnTx/>
+              <a:uFillTx/>
+              <a:latin typeface="+mj-lt"/>
+              <a:ea typeface="+mn-ea"/>
+              <a:cs typeface="Segoe UI Semibold" panose="020B0702040204020203" pitchFamily="34" charset="0"/>
+            </a:endParaRPr>
+          </a:p>
+        </p:txBody>
+      </p:sp>
+      <p:sp>
+        <p:nvSpPr>
+          <p:cNvPr id="11" name="Oval 10">
+            <a:extLst>
+              <a:ext uri="{FF2B5EF4-FFF2-40B4-BE49-F238E27FC236}">
+                <a16:creationId xmlns:a16="http://schemas.microsoft.com/office/drawing/2014/main" id="{37C22DE0-CB03-4AF7-B37B-128FB729E66C}"/>
+              </a:ext>
+              <a:ext uri="{C183D7F6-B498-43B3-948B-1728B52AA6E4}">
+                <adec:decorative xmlns:adec="http://schemas.microsoft.com/office/drawing/2017/decorative" val="1"/>
+              </a:ext>
+            </a:extLst>
+          </p:cNvPr>
+          <p:cNvSpPr/>
+          <p:nvPr/>
+        </p:nvSpPr>
+        <p:spPr bwMode="auto">
+          <a:xfrm>
+            <a:off x="855767" y="4121050"/>
+            <a:ext cx="428462" cy="428460"/>
+          </a:xfrm>
+          <a:prstGeom prst="ellipse">
+            <a:avLst/>
+          </a:prstGeom>
+          <a:noFill/>
+          <a:ln w="28575" cap="flat" cmpd="sng" algn="ctr">
+            <a:solidFill>
+              <a:srgbClr val="2C65E1"/>
+            </a:solidFill>
+            <a:prstDash val="solid"/>
+            <a:headEnd type="none" w="med" len="med"/>
+            <a:tailEnd type="none" w="med" len="med"/>
+          </a:ln>
+          <a:effectLst/>
+        </p:spPr>
+        <p:txBody>
+          <a:bodyPr rot="0" spcFirstLastPara="0" vertOverflow="overflow" horzOverflow="overflow" vert="horz" wrap="square" lIns="0" tIns="0" rIns="0" bIns="0" numCol="1" spcCol="0" rtlCol="0" fromWordArt="0" anchor="ctr" anchorCtr="0" forceAA="0" compatLnSpc="1">
+            <a:prstTxWarp prst="textNoShape">
+              <a:avLst/>
+            </a:prstTxWarp>
+            <a:noAutofit/>
+          </a:bodyPr>
+          <a:lstStyle/>
+          <a:p>
+            <a:pPr marL="0" marR="0" lvl="0" indent="0" algn="ctr" defTabSz="932114" rtl="0" eaLnBrk="1" fontAlgn="base" latinLnBrk="0" hangingPunct="1">
+              <a:lnSpc>
+                <a:spcPct val="100000"/>
+              </a:lnSpc>
+              <a:spcBef>
+                <a:spcPct val="0"/>
+              </a:spcBef>
+              <a:spcAft>
+                <a:spcPct val="0"/>
+              </a:spcAft>
+              <a:buClrTx/>
+              <a:buSzTx/>
+              <a:buFontTx/>
+              <a:buNone/>
+              <a:tabLst/>
+              <a:defRPr/>
+            </a:pPr>
+            <a:r>
+              <a:rPr kumimoji="0" lang="en-US" sz="2000" b="0" i="0" u="none" strike="noStrike" kern="0" cap="none" spc="0" normalizeH="0" baseline="0" noProof="0" dirty="0">
+                <a:ln w="19050">
+                  <a:noFill/>
+                </a:ln>
+                <a:solidFill>
+                  <a:srgbClr val="2C65E1"/>
+                </a:solidFill>
+                <a:effectLst/>
+                <a:uLnTx/>
+                <a:uFillTx/>
+                <a:latin typeface="Segoe UI"/>
+                <a:ea typeface="Segoe UI" pitchFamily="34" charset="0"/>
+                <a:cs typeface="Segoe UI" pitchFamily="34" charset="0"/>
+                <a:sym typeface="Wingdings" panose="05000000000000000000" pitchFamily="2" charset="2"/>
+              </a:rPr>
+              <a:t></a:t>
+            </a:r>
+            <a:endParaRPr kumimoji="0" lang="en-US" sz="2000" b="0" i="0" u="none" strike="noStrike" kern="0" cap="none" spc="0" normalizeH="0" baseline="0" noProof="0" dirty="0">
+              <a:ln w="19050">
+                <a:noFill/>
+              </a:ln>
+              <a:solidFill>
+                <a:srgbClr val="2C65E1"/>
+              </a:solidFill>
+              <a:effectLst/>
+              <a:uLnTx/>
+              <a:uFillTx/>
+              <a:latin typeface="Segoe UI"/>
+              <a:ea typeface="Segoe UI" pitchFamily="34" charset="0"/>
+              <a:cs typeface="Segoe UI" pitchFamily="34" charset="0"/>
+            </a:endParaRPr>
+          </a:p>
+        </p:txBody>
+      </p:sp>
+      <p:sp>
+        <p:nvSpPr>
+          <p:cNvPr id="12" name="Text Placeholder 3">
+            <a:extLst>
+              <a:ext uri="{FF2B5EF4-FFF2-40B4-BE49-F238E27FC236}">
+                <a16:creationId xmlns:a16="http://schemas.microsoft.com/office/drawing/2014/main" id="{C86B51AA-6835-4D28-8062-D45663C1EA0F}"/>
+              </a:ext>
+            </a:extLst>
+          </p:cNvPr>
+          <p:cNvSpPr txBox="1">
+            <a:spLocks/>
+          </p:cNvSpPr>
+          <p:nvPr/>
+        </p:nvSpPr>
+        <p:spPr>
+          <a:xfrm>
+            <a:off x="1437656" y="5382553"/>
+            <a:ext cx="6931330" cy="307777"/>
+          </a:xfrm>
+          <a:prstGeom prst="rect">
+            <a:avLst/>
+          </a:prstGeom>
+        </p:spPr>
+        <p:txBody>
+          <a:bodyPr vert="horz" wrap="square" lIns="0" tIns="0" rIns="0" bIns="0" rtlCol="0">
+            <a:spAutoFit/>
+          </a:bodyPr>
+          <a:lstStyle>
+            <a:lvl1pPr marL="228600" marR="0" indent="-228600" algn="l" defTabSz="932742" rtl="0" eaLnBrk="1" fontAlgn="auto" latinLnBrk="0" hangingPunct="1">
+              <a:lnSpc>
+                <a:spcPct val="100000"/>
+              </a:lnSpc>
+              <a:spcBef>
+                <a:spcPct val="20000"/>
+              </a:spcBef>
+              <a:spcAft>
+                <a:spcPts val="0"/>
+              </a:spcAft>
+              <a:buClrTx/>
+              <a:buSzPct val="90000"/>
+              <a:buFont typeface="Wingdings" panose="05000000000000000000" pitchFamily="2" charset="2"/>
+              <a:buChar char=""/>
+              <a:tabLst/>
+              <a:defRPr sz="2800" kern="1200" spc="0" baseline="0">
+                <a:gradFill>
+                  <a:gsLst>
+                    <a:gs pos="1250">
+                      <a:schemeClr val="tx1"/>
+                    </a:gs>
+                    <a:gs pos="100000">
+                      <a:schemeClr val="tx1"/>
+                    </a:gs>
+                  </a:gsLst>
+                  <a:lin ang="5400000" scaled="0"/>
+                </a:gradFill>
+                <a:latin typeface="Segoe UI Semilight" panose="020B0402040204020203" pitchFamily="34" charset="0"/>
+                <a:ea typeface="+mn-ea"/>
+                <a:cs typeface="Segoe UI Semilight" panose="020B0402040204020203" pitchFamily="34" charset="0"/>
+              </a:defRPr>
+            </a:lvl1pPr>
+            <a:lvl2pPr marL="457200" marR="0" indent="-228600" algn="l" defTabSz="932742" rtl="0" eaLnBrk="1" fontAlgn="auto" latinLnBrk="0" hangingPunct="1">
+              <a:lnSpc>
+                <a:spcPct val="100000"/>
+              </a:lnSpc>
+              <a:spcBef>
+                <a:spcPct val="20000"/>
+              </a:spcBef>
+              <a:spcAft>
+                <a:spcPts val="0"/>
+              </a:spcAft>
+              <a:buClrTx/>
+              <a:buSzPct val="90000"/>
+              <a:buFont typeface="Wingdings" panose="05000000000000000000" pitchFamily="2" charset="2"/>
+              <a:buChar char=""/>
+              <a:tabLst/>
+              <a:defRPr sz="2000" kern="1200" spc="0" baseline="0">
+                <a:gradFill>
+                  <a:gsLst>
+                    <a:gs pos="1250">
+                      <a:schemeClr val="tx1"/>
+                    </a:gs>
+                    <a:gs pos="100000">
+                      <a:schemeClr val="tx1"/>
+                    </a:gs>
+                  </a:gsLst>
+                  <a:lin ang="5400000" scaled="0"/>
+                </a:gradFill>
+                <a:latin typeface="+mn-lt"/>
+                <a:ea typeface="+mn-ea"/>
+                <a:cs typeface="+mn-cs"/>
+              </a:defRPr>
+            </a:lvl2pPr>
+            <a:lvl3pPr marL="657225" marR="0" indent="-200025" algn="l" defTabSz="932742" rtl="0" eaLnBrk="1" fontAlgn="auto" latinLnBrk="0" hangingPunct="1">
+              <a:lnSpc>
+                <a:spcPct val="100000"/>
+              </a:lnSpc>
+              <a:spcBef>
+                <a:spcPct val="20000"/>
+              </a:spcBef>
+              <a:spcAft>
+                <a:spcPts val="0"/>
+              </a:spcAft>
+              <a:buClrTx/>
+              <a:buSzPct val="90000"/>
+              <a:buFont typeface="Wingdings" panose="05000000000000000000" pitchFamily="2" charset="2"/>
+              <a:buChar char=""/>
+              <a:tabLst/>
+              <a:defRPr sz="1600" kern="1200" spc="0" baseline="0">
+                <a:gradFill>
+                  <a:gsLst>
+                    <a:gs pos="1250">
+                      <a:schemeClr val="tx1"/>
+                    </a:gs>
+                    <a:gs pos="100000">
+                      <a:schemeClr val="tx1"/>
+                    </a:gs>
+                  </a:gsLst>
+                  <a:lin ang="5400000" scaled="0"/>
+                </a:gradFill>
+                <a:latin typeface="+mn-lt"/>
+                <a:ea typeface="+mn-ea"/>
+                <a:cs typeface="+mn-cs"/>
+              </a:defRPr>
+            </a:lvl3pPr>
+            <a:lvl4pPr marL="842963" marR="0" indent="-180975" algn="l" defTabSz="932742" rtl="0" eaLnBrk="1" fontAlgn="auto" latinLnBrk="0" hangingPunct="1">
+              <a:lnSpc>
+                <a:spcPct val="100000"/>
+              </a:lnSpc>
+              <a:spcBef>
+                <a:spcPct val="20000"/>
+              </a:spcBef>
+              <a:spcAft>
+                <a:spcPts val="0"/>
+              </a:spcAft>
+              <a:buClrTx/>
+              <a:buSzPct val="90000"/>
+              <a:buFont typeface="Wingdings" panose="05000000000000000000" pitchFamily="2" charset="2"/>
+              <a:buChar char=""/>
+              <a:tabLst/>
+              <a:defRPr sz="1400" kern="1200" spc="0" baseline="0">
+                <a:gradFill>
+                  <a:gsLst>
+                    <a:gs pos="1250">
+                      <a:schemeClr val="tx1"/>
+                    </a:gs>
+                    <a:gs pos="100000">
+                      <a:schemeClr val="tx1"/>
+                    </a:gs>
+                  </a:gsLst>
+                  <a:lin ang="5400000" scaled="0"/>
+                </a:gradFill>
+                <a:latin typeface="+mn-lt"/>
+                <a:ea typeface="+mn-ea"/>
+                <a:cs typeface="+mn-cs"/>
+              </a:defRPr>
+            </a:lvl4pPr>
+            <a:lvl5pPr marL="1023938" marR="0" indent="-168275" algn="l" defTabSz="932742" rtl="0" eaLnBrk="1" fontAlgn="auto" latinLnBrk="0" hangingPunct="1">
+              <a:lnSpc>
+                <a:spcPct val="100000"/>
+              </a:lnSpc>
+              <a:spcBef>
+                <a:spcPct val="20000"/>
+              </a:spcBef>
+              <a:spcAft>
+                <a:spcPts val="0"/>
+              </a:spcAft>
+              <a:buClrTx/>
+              <a:buSzPct val="90000"/>
+              <a:buFont typeface="Wingdings" panose="05000000000000000000" pitchFamily="2" charset="2"/>
+              <a:buChar char=""/>
+              <a:tabLst/>
+              <a:defRPr sz="1400" kern="1200" spc="0" baseline="0">
+                <a:gradFill>
+                  <a:gsLst>
+                    <a:gs pos="1250">
+                      <a:schemeClr val="tx1"/>
+                    </a:gs>
+                    <a:gs pos="100000">
+                      <a:schemeClr val="tx1"/>
+                    </a:gs>
+                  </a:gsLst>
+                  <a:lin ang="5400000" scaled="0"/>
+                </a:gradFill>
+                <a:latin typeface="+mn-lt"/>
+                <a:ea typeface="+mn-ea"/>
+                <a:cs typeface="+mn-cs"/>
+              </a:defRPr>
+            </a:lvl5pPr>
+            <a:lvl6pPr marL="2565040" indent="-233186" algn="l" defTabSz="932742" rtl="0" eaLnBrk="1" latinLnBrk="0" hangingPunct="1">
+              <a:spcBef>
+                <a:spcPct val="20000"/>
+              </a:spcBef>
+              <a:buFont typeface="Arial" pitchFamily="34" charset="0"/>
+              <a:buChar char="•"/>
+              <a:defRPr sz="2000" kern="1200">
+                <a:solidFill>
+                  <a:schemeClr val="tx1"/>
+                </a:solidFill>
+                <a:latin typeface="+mn-lt"/>
+                <a:ea typeface="+mn-ea"/>
+                <a:cs typeface="+mn-cs"/>
+              </a:defRPr>
+            </a:lvl6pPr>
+            <a:lvl7pPr marL="3031412" indent="-233186" algn="l" defTabSz="932742" rtl="0" eaLnBrk="1" latinLnBrk="0" hangingPunct="1">
+              <a:spcBef>
+                <a:spcPct val="20000"/>
+              </a:spcBef>
+              <a:buFont typeface="Arial" pitchFamily="34" charset="0"/>
+              <a:buChar char="•"/>
+              <a:defRPr sz="2000" kern="1200">
+                <a:solidFill>
+                  <a:schemeClr val="tx1"/>
+                </a:solidFill>
+                <a:latin typeface="+mn-lt"/>
+                <a:ea typeface="+mn-ea"/>
+                <a:cs typeface="+mn-cs"/>
+              </a:defRPr>
+            </a:lvl7pPr>
+            <a:lvl8pPr marL="3497783" indent="-233186" algn="l" defTabSz="932742" rtl="0" eaLnBrk="1" latinLnBrk="0" hangingPunct="1">
+              <a:spcBef>
+                <a:spcPct val="20000"/>
+              </a:spcBef>
+              <a:buFont typeface="Arial" pitchFamily="34" charset="0"/>
+              <a:buChar char="•"/>
+              <a:defRPr sz="2000" kern="1200">
+                <a:solidFill>
+                  <a:schemeClr val="tx1"/>
+                </a:solidFill>
+                <a:latin typeface="+mn-lt"/>
+                <a:ea typeface="+mn-ea"/>
+                <a:cs typeface="+mn-cs"/>
+              </a:defRPr>
+            </a:lvl8pPr>
+            <a:lvl9pPr marL="3964155" indent="-233186" algn="l" defTabSz="932742" rtl="0" eaLnBrk="1" latinLnBrk="0" hangingPunct="1">
+              <a:spcBef>
+                <a:spcPct val="20000"/>
+              </a:spcBef>
+              <a:buFont typeface="Arial" pitchFamily="34" charset="0"/>
+              <a:buChar char="•"/>
+              <a:defRPr sz="2000" kern="1200">
+                <a:solidFill>
+                  <a:schemeClr val="tx1"/>
+                </a:solidFill>
+                <a:latin typeface="+mn-lt"/>
+                <a:ea typeface="+mn-ea"/>
+                <a:cs typeface="+mn-cs"/>
+              </a:defRPr>
+            </a:lvl9pPr>
+          </a:lstStyle>
+          <a:p>
+            <a:pPr marL="0" lvl="0" indent="0">
+              <a:buNone/>
+              <a:defRPr/>
+            </a:pPr>
+            <a:r>
+              <a:rPr kumimoji="0" lang="en-US" sz="2000" b="1" i="0" u="none" strike="noStrike" kern="1200" cap="none" spc="0" normalizeH="0" baseline="0" noProof="0" dirty="0">
+                <a:ln>
+                  <a:noFill/>
+                </a:ln>
+                <a:solidFill>
+                  <a:srgbClr val="2C65E1"/>
+                </a:solidFill>
+                <a:effectLst/>
+                <a:uLnTx/>
+                <a:uFillTx/>
+                <a:latin typeface="+mj-lt"/>
+                <a:ea typeface="+mn-ea"/>
+                <a:cs typeface="Segoe UI Semibold" panose="020B0702040204020203" pitchFamily="34" charset="0"/>
+              </a:rPr>
+              <a:t>github.com/</a:t>
+            </a:r>
+            <a:r>
+              <a:rPr kumimoji="0" lang="en-US" sz="2000" b="1" i="0" u="none" strike="noStrike" kern="1200" cap="none" spc="0" normalizeH="0" baseline="0" noProof="0" dirty="0" err="1">
+                <a:ln>
+                  <a:noFill/>
+                </a:ln>
+                <a:solidFill>
+                  <a:srgbClr val="2C65E1"/>
+                </a:solidFill>
+                <a:effectLst/>
+                <a:uLnTx/>
+                <a:uFillTx/>
+                <a:latin typeface="+mj-lt"/>
+                <a:ea typeface="+mn-ea"/>
+                <a:cs typeface="Segoe UI Semibold" panose="020B0702040204020203" pitchFamily="34" charset="0"/>
+              </a:rPr>
+              <a:t>aspnet</a:t>
+            </a:r>
+            <a:r>
+              <a:rPr kumimoji="0" lang="en-US" sz="2000" b="1" i="0" u="none" strike="noStrike" kern="1200" cap="none" spc="0" normalizeH="0" baseline="0" noProof="0" dirty="0">
+                <a:ln>
+                  <a:noFill/>
+                </a:ln>
+                <a:solidFill>
+                  <a:srgbClr val="2C65E1"/>
+                </a:solidFill>
+                <a:effectLst/>
+                <a:uLnTx/>
+                <a:uFillTx/>
+                <a:latin typeface="+mj-lt"/>
+                <a:ea typeface="+mn-ea"/>
+                <a:cs typeface="Segoe UI Semibold" panose="020B0702040204020203" pitchFamily="34" charset="0"/>
+              </a:rPr>
+              <a:t>/</a:t>
+            </a:r>
+            <a:r>
+              <a:rPr kumimoji="0" lang="en-US" sz="2000" b="1" i="0" u="none" strike="noStrike" kern="1200" cap="none" spc="0" normalizeH="0" baseline="0" noProof="0" dirty="0" err="1">
+                <a:ln>
+                  <a:noFill/>
+                </a:ln>
+                <a:solidFill>
+                  <a:srgbClr val="2C65E1"/>
+                </a:solidFill>
+                <a:effectLst/>
+                <a:uLnTx/>
+                <a:uFillTx/>
+                <a:latin typeface="+mj-lt"/>
+                <a:ea typeface="+mn-ea"/>
+                <a:cs typeface="Segoe UI Semibold" panose="020B0702040204020203" pitchFamily="34" charset="0"/>
+              </a:rPr>
+              <a:t>SignalR</a:t>
+            </a:r>
+            <a:r>
+              <a:rPr kumimoji="0" lang="en-US" sz="2000" b="1" i="0" u="none" strike="noStrike" kern="1200" cap="none" spc="0" normalizeH="0" baseline="0" noProof="0" dirty="0">
+                <a:ln>
+                  <a:noFill/>
+                </a:ln>
+                <a:solidFill>
+                  <a:srgbClr val="2C65E1"/>
+                </a:solidFill>
+                <a:effectLst/>
+                <a:uLnTx/>
+                <a:uFillTx/>
+                <a:latin typeface="+mj-lt"/>
+                <a:ea typeface="+mn-ea"/>
+                <a:cs typeface="Segoe UI Semibold" panose="020B0702040204020203" pitchFamily="34" charset="0"/>
+              </a:rPr>
+              <a:t>-samples</a:t>
+            </a:r>
+          </a:p>
+        </p:txBody>
+      </p:sp>
+      <p:sp>
+        <p:nvSpPr>
+          <p:cNvPr id="13" name="Oval 12">
+            <a:extLst>
+              <a:ext uri="{FF2B5EF4-FFF2-40B4-BE49-F238E27FC236}">
+                <a16:creationId xmlns:a16="http://schemas.microsoft.com/office/drawing/2014/main" id="{371EF5D5-BD71-40AA-B7CD-BB3DE2115276}"/>
+              </a:ext>
+              <a:ext uri="{C183D7F6-B498-43B3-948B-1728B52AA6E4}">
+                <adec:decorative xmlns:adec="http://schemas.microsoft.com/office/drawing/2017/decorative" val="1"/>
+              </a:ext>
+            </a:extLst>
+          </p:cNvPr>
+          <p:cNvSpPr/>
+          <p:nvPr/>
+        </p:nvSpPr>
+        <p:spPr bwMode="auto">
+          <a:xfrm>
+            <a:off x="855767" y="5320254"/>
+            <a:ext cx="428462" cy="428460"/>
+          </a:xfrm>
+          <a:prstGeom prst="ellipse">
+            <a:avLst/>
+          </a:prstGeom>
+          <a:noFill/>
+          <a:ln w="28575" cap="flat" cmpd="sng" algn="ctr">
+            <a:solidFill>
+              <a:srgbClr val="2C65E1"/>
+            </a:solidFill>
+            <a:prstDash val="solid"/>
+            <a:headEnd type="none" w="med" len="med"/>
+            <a:tailEnd type="none" w="med" len="med"/>
+          </a:ln>
+          <a:effectLst/>
+        </p:spPr>
+        <p:txBody>
+          <a:bodyPr rot="0" spcFirstLastPara="0" vertOverflow="overflow" horzOverflow="overflow" vert="horz" wrap="square" lIns="0" tIns="0" rIns="0" bIns="0" numCol="1" spcCol="0" rtlCol="0" fromWordArt="0" anchor="ctr" anchorCtr="0" forceAA="0" compatLnSpc="1">
+            <a:prstTxWarp prst="textNoShape">
+              <a:avLst/>
+            </a:prstTxWarp>
+            <a:noAutofit/>
+          </a:bodyPr>
+          <a:lstStyle/>
+          <a:p>
+            <a:pPr marL="0" marR="0" lvl="0" indent="0" algn="ctr" defTabSz="932114" rtl="0" eaLnBrk="1" fontAlgn="base" latinLnBrk="0" hangingPunct="1">
+              <a:lnSpc>
+                <a:spcPct val="100000"/>
+              </a:lnSpc>
+              <a:spcBef>
+                <a:spcPct val="0"/>
+              </a:spcBef>
+              <a:spcAft>
+                <a:spcPct val="0"/>
+              </a:spcAft>
+              <a:buClrTx/>
+              <a:buSzTx/>
+              <a:buFontTx/>
+              <a:buNone/>
+              <a:tabLst/>
+              <a:defRPr/>
+            </a:pPr>
+            <a:r>
+              <a:rPr kumimoji="0" lang="en-US" sz="2000" b="0" i="0" u="none" strike="noStrike" kern="0" cap="none" spc="0" normalizeH="0" baseline="0" noProof="0" dirty="0">
+                <a:ln w="19050">
+                  <a:noFill/>
+                </a:ln>
+                <a:solidFill>
+                  <a:srgbClr val="2C65E1"/>
+                </a:solidFill>
+                <a:effectLst/>
+                <a:uLnTx/>
+                <a:uFillTx/>
+                <a:latin typeface="Segoe UI"/>
+                <a:ea typeface="Segoe UI" pitchFamily="34" charset="0"/>
+                <a:cs typeface="Segoe UI" pitchFamily="34" charset="0"/>
+                <a:sym typeface="Wingdings" panose="05000000000000000000" pitchFamily="2" charset="2"/>
+              </a:rPr>
+              <a:t></a:t>
+            </a:r>
+            <a:endParaRPr kumimoji="0" lang="en-US" sz="2000" b="0" i="0" u="none" strike="noStrike" kern="0" cap="none" spc="0" normalizeH="0" baseline="0" noProof="0" dirty="0">
+              <a:ln w="19050">
+                <a:noFill/>
+              </a:ln>
+              <a:solidFill>
+                <a:srgbClr val="2C65E1"/>
+              </a:solidFill>
+              <a:effectLst/>
+              <a:uLnTx/>
+              <a:uFillTx/>
+              <a:latin typeface="Segoe UI"/>
+              <a:ea typeface="Segoe UI" pitchFamily="34" charset="0"/>
+              <a:cs typeface="Segoe UI" pitchFamily="34" charset="0"/>
+            </a:endParaRPr>
+          </a:p>
+        </p:txBody>
+      </p:sp>
+      <p:grpSp>
+        <p:nvGrpSpPr>
+          <p:cNvPr id="14" name="Group 13">
+            <a:extLst>
+              <a:ext uri="{FF2B5EF4-FFF2-40B4-BE49-F238E27FC236}">
+                <a16:creationId xmlns:a16="http://schemas.microsoft.com/office/drawing/2014/main" id="{A73E9A39-A236-474F-8824-5CF3D2493C7E}"/>
+              </a:ext>
+            </a:extLst>
+          </p:cNvPr>
+          <p:cNvGrpSpPr/>
+          <p:nvPr/>
+        </p:nvGrpSpPr>
+        <p:grpSpPr>
+          <a:xfrm>
+            <a:off x="6660490" y="2020844"/>
+            <a:ext cx="5337835" cy="4120209"/>
+            <a:chOff x="7116717" y="2055624"/>
+            <a:chExt cx="5337835" cy="4120209"/>
+          </a:xfrm>
+        </p:grpSpPr>
+        <p:pic>
+          <p:nvPicPr>
+            <p:cNvPr id="16" name="Picture 15">
+              <a:extLst>
+                <a:ext uri="{FF2B5EF4-FFF2-40B4-BE49-F238E27FC236}">
+                  <a16:creationId xmlns:a16="http://schemas.microsoft.com/office/drawing/2014/main" id="{7E0AD7A4-2A86-4C20-A592-6188B205AEB4}"/>
+                </a:ext>
+              </a:extLst>
+            </p:cNvPr>
+            <p:cNvPicPr>
+              <a:picLocks noChangeAspect="1"/>
+            </p:cNvPicPr>
+            <p:nvPr/>
+          </p:nvPicPr>
+          <p:blipFill>
+            <a:blip r:embed="rId4"/>
+            <a:stretch>
+              <a:fillRect/>
+            </a:stretch>
+          </p:blipFill>
+          <p:spPr>
+            <a:xfrm>
+              <a:off x="9113654" y="3914021"/>
+              <a:ext cx="3340898" cy="2261812"/>
+            </a:xfrm>
+            <a:prstGeom prst="rect">
+              <a:avLst/>
+            </a:prstGeom>
+          </p:spPr>
+        </p:pic>
+        <p:pic>
+          <p:nvPicPr>
+            <p:cNvPr id="15" name="Picture 14">
+              <a:extLst>
+                <a:ext uri="{FF2B5EF4-FFF2-40B4-BE49-F238E27FC236}">
+                  <a16:creationId xmlns:a16="http://schemas.microsoft.com/office/drawing/2014/main" id="{E4BA83AD-6A88-4F61-84B4-B7DCA94E6EE2}"/>
+                </a:ext>
+              </a:extLst>
+            </p:cNvPr>
+            <p:cNvPicPr>
+              <a:picLocks noChangeAspect="1"/>
+            </p:cNvPicPr>
+            <p:nvPr/>
+          </p:nvPicPr>
+          <p:blipFill>
+            <a:blip r:embed="rId4"/>
+            <a:stretch>
+              <a:fillRect/>
+            </a:stretch>
+          </p:blipFill>
+          <p:spPr>
+            <a:xfrm>
+              <a:off x="7116717" y="2827606"/>
+              <a:ext cx="3340898" cy="2261812"/>
+            </a:xfrm>
+            <a:prstGeom prst="rect">
+              <a:avLst/>
+            </a:prstGeom>
+          </p:spPr>
+        </p:pic>
+        <p:pic>
+          <p:nvPicPr>
+            <p:cNvPr id="2050" name="Picture 2">
+              <a:extLst>
+                <a:ext uri="{FF2B5EF4-FFF2-40B4-BE49-F238E27FC236}">
+                  <a16:creationId xmlns:a16="http://schemas.microsoft.com/office/drawing/2014/main" id="{0ADE9DE0-BDA4-46F1-8A99-787EEB7D8AD7}"/>
+                </a:ext>
+              </a:extLst>
+            </p:cNvPr>
+            <p:cNvPicPr>
+              <a:picLocks noChangeAspect="1" noChangeArrowheads="1"/>
+            </p:cNvPicPr>
+            <p:nvPr/>
+          </p:nvPicPr>
+          <p:blipFill>
+            <a:blip r:embed="rId5">
+              <a:extLst>
+                <a:ext uri="{28A0092B-C50C-407E-A947-70E740481C1C}">
+                  <a14:useLocalDpi xmlns:a14="http://schemas.microsoft.com/office/drawing/2010/main" val="0"/>
+                </a:ext>
+              </a:extLst>
+            </a:blip>
+            <a:srcRect/>
+            <a:stretch>
+              <a:fillRect/>
+            </a:stretch>
+          </p:blipFill>
+          <p:spPr bwMode="auto">
+            <a:xfrm>
+              <a:off x="8132763" y="2055624"/>
+              <a:ext cx="3790950" cy="3533775"/>
+            </a:xfrm>
+            <a:prstGeom prst="rect">
+              <a:avLst/>
+            </a:prstGeom>
+            <a:noFill/>
+            <a:extLst>
+              <a:ext uri="{909E8E84-426E-40DD-AFC4-6F175D3DCCD1}">
+                <a14:hiddenFill xmlns:a14="http://schemas.microsoft.com/office/drawing/2010/main">
+                  <a:solidFill>
+                    <a:srgbClr val="FFFFFF"/>
+                  </a:solidFill>
+                </a14:hiddenFill>
+              </a:ext>
+            </a:extLst>
+          </p:spPr>
+        </p:pic>
+      </p:grpSp>
+    </p:spTree>
+    <p:extLst>
+      <p:ext uri="{BB962C8B-B14F-4D97-AF65-F5344CB8AC3E}">
+        <p14:creationId xmlns:p14="http://schemas.microsoft.com/office/powerpoint/2010/main" val="2369877498"/>
+      </p:ext>
+    </p:extLst>
+  </p:cSld>
+  <p:clrMapOvr>
+    <a:masterClrMapping/>
+  </p:clrMapOvr>
+</p:sld>
+</file>
+
 <file path=ppt/slides/slide2.xml><?xml version="1.0" encoding="utf-8"?>
 <p:sld xmlns:a="http://schemas.openxmlformats.org/drawingml/2006/main" xmlns:r="http://schemas.openxmlformats.org/officeDocument/2006/relationships" xmlns:p="http://schemas.openxmlformats.org/presentationml/2006/main">
   <p:cSld>
@@ -16770,61 +18811,6 @@
           </a:p>
         </p:txBody>
       </p:sp>
-      <p:sp>
-        <p:nvSpPr>
-          <p:cNvPr id="6" name="Connection arrow">
-            <a:extLst>
-              <a:ext uri="{FF2B5EF4-FFF2-40B4-BE49-F238E27FC236}">
-                <a16:creationId xmlns:a16="http://schemas.microsoft.com/office/drawing/2014/main" id="{AD25B51F-BEC3-4E37-9041-4CCCB52FE0FC}"/>
-              </a:ext>
-            </a:extLst>
-          </p:cNvPr>
-          <p:cNvSpPr/>
-          <p:nvPr/>
-        </p:nvSpPr>
-        <p:spPr>
-          <a:xfrm>
-            <a:off x="2415578" y="4543768"/>
-            <a:ext cx="2111249" cy="403800"/>
-          </a:xfrm>
-          <a:prstGeom prst="leftRightArrow">
-            <a:avLst>
-              <a:gd name="adj1" fmla="val 50000"/>
-              <a:gd name="adj2" fmla="val 50000"/>
-            </a:avLst>
-          </a:prstGeom>
-          <a:solidFill>
-            <a:schemeClr val="accent3"/>
-          </a:solidFill>
-          <a:ln w="9525" cap="flat" cmpd="sng">
-            <a:solidFill>
-              <a:schemeClr val="dk2"/>
-            </a:solidFill>
-            <a:prstDash val="solid"/>
-            <a:round/>
-            <a:headEnd type="none" w="sm" len="sm"/>
-            <a:tailEnd type="none" w="sm" len="sm"/>
-          </a:ln>
-        </p:spPr>
-        <p:txBody>
-          <a:bodyPr spcFirstLastPara="1" wrap="square" lIns="91425" tIns="91425" rIns="91425" bIns="91425" anchor="ctr" anchorCtr="0">
-            <a:noAutofit/>
-          </a:bodyPr>
-          <a:lstStyle/>
-          <a:p>
-            <a:pPr marL="0" lvl="0" indent="0">
-              <a:spcBef>
-                <a:spcPts val="0"/>
-              </a:spcBef>
-              <a:spcAft>
-                <a:spcPts val="0"/>
-              </a:spcAft>
-              <a:buNone/>
-            </a:pPr>
-            <a:endParaRPr/>
-          </a:p>
-        </p:txBody>
-      </p:sp>
       <p:pic>
         <p:nvPicPr>
           <p:cNvPr id="7" name="Client icon">
@@ -16859,6 +18845,169 @@
           </a:ln>
         </p:spPr>
       </p:pic>
+      <p:sp>
+        <p:nvSpPr>
+          <p:cNvPr id="14" name="Connection types">
+            <a:extLst>
+              <a:ext uri="{FF2B5EF4-FFF2-40B4-BE49-F238E27FC236}">
+                <a16:creationId xmlns:a16="http://schemas.microsoft.com/office/drawing/2014/main" id="{809E957B-3503-47AB-92F3-6B2F79410431}"/>
+              </a:ext>
+            </a:extLst>
+          </p:cNvPr>
+          <p:cNvSpPr txBox="1"/>
+          <p:nvPr/>
+        </p:nvSpPr>
+        <p:spPr>
+          <a:xfrm>
+            <a:off x="2570809" y="5283149"/>
+            <a:ext cx="2235653" cy="767100"/>
+          </a:xfrm>
+          <a:prstGeom prst="rect">
+            <a:avLst/>
+          </a:prstGeom>
+          <a:noFill/>
+          <a:ln>
+            <a:noFill/>
+          </a:ln>
+        </p:spPr>
+        <p:txBody>
+          <a:bodyPr spcFirstLastPara="1" wrap="square" lIns="91425" tIns="91425" rIns="91425" bIns="91425" anchor="t" anchorCtr="0">
+            <a:noAutofit/>
+          </a:bodyPr>
+          <a:lstStyle/>
+          <a:p>
+            <a:pPr marL="285750" lvl="0" indent="-285750" rtl="0">
+              <a:spcBef>
+                <a:spcPts val="0"/>
+              </a:spcBef>
+              <a:spcAft>
+                <a:spcPts val="0"/>
+              </a:spcAft>
+              <a:buFont typeface="Arial" panose="020B0604020202020204" pitchFamily="34" charset="0"/>
+              <a:buChar char="•"/>
+            </a:pPr>
+            <a:r>
+              <a:rPr lang="en" sz="1800" b="1" dirty="0">
+                <a:solidFill>
+                  <a:schemeClr val="accent4"/>
+                </a:solidFill>
+                <a:latin typeface="Roboto"/>
+                <a:ea typeface="Roboto"/>
+                <a:cs typeface="Roboto"/>
+                <a:sym typeface="Roboto"/>
+              </a:rPr>
+              <a:t>WebSockets</a:t>
+            </a:r>
+          </a:p>
+          <a:p>
+            <a:pPr marL="285750" lvl="0" indent="-285750" rtl="0">
+              <a:spcBef>
+                <a:spcPts val="0"/>
+              </a:spcBef>
+              <a:spcAft>
+                <a:spcPts val="0"/>
+              </a:spcAft>
+              <a:buFont typeface="Arial" panose="020B0604020202020204" pitchFamily="34" charset="0"/>
+              <a:buChar char="•"/>
+            </a:pPr>
+            <a:r>
+              <a:rPr lang="en" sz="1800" b="1" dirty="0">
+                <a:solidFill>
+                  <a:schemeClr val="accent4"/>
+                </a:solidFill>
+                <a:latin typeface="Roboto"/>
+                <a:ea typeface="Roboto"/>
+                <a:cs typeface="Roboto"/>
+                <a:sym typeface="Roboto"/>
+              </a:rPr>
+              <a:t>Server-sent Events</a:t>
+            </a:r>
+          </a:p>
+          <a:p>
+            <a:pPr marL="285750" lvl="0" indent="-285750" rtl="0">
+              <a:spcBef>
+                <a:spcPts val="0"/>
+              </a:spcBef>
+              <a:spcAft>
+                <a:spcPts val="0"/>
+              </a:spcAft>
+              <a:buFont typeface="Arial" panose="020B0604020202020204" pitchFamily="34" charset="0"/>
+              <a:buChar char="•"/>
+            </a:pPr>
+            <a:r>
+              <a:rPr lang="en" sz="1800" b="1" dirty="0">
+                <a:solidFill>
+                  <a:schemeClr val="accent4"/>
+                </a:solidFill>
+                <a:latin typeface="Roboto"/>
+                <a:ea typeface="Roboto"/>
+                <a:cs typeface="Roboto"/>
+                <a:sym typeface="Roboto"/>
+              </a:rPr>
+              <a:t>Long Polling</a:t>
+            </a:r>
+          </a:p>
+        </p:txBody>
+      </p:sp>
+      <p:sp>
+        <p:nvSpPr>
+          <p:cNvPr id="6" name="Connection arrow">
+            <a:extLst>
+              <a:ext uri="{FF2B5EF4-FFF2-40B4-BE49-F238E27FC236}">
+                <a16:creationId xmlns:a16="http://schemas.microsoft.com/office/drawing/2014/main" id="{AD25B51F-BEC3-4E37-9041-4CCCB52FE0FC}"/>
+              </a:ext>
+            </a:extLst>
+          </p:cNvPr>
+          <p:cNvSpPr/>
+          <p:nvPr/>
+        </p:nvSpPr>
+        <p:spPr>
+          <a:xfrm>
+            <a:off x="2415578" y="4256093"/>
+            <a:ext cx="2111249" cy="691475"/>
+          </a:xfrm>
+          <a:prstGeom prst="leftRightArrow">
+            <a:avLst>
+              <a:gd name="adj1" fmla="val 50000"/>
+              <a:gd name="adj2" fmla="val 50000"/>
+            </a:avLst>
+          </a:prstGeom>
+          <a:solidFill>
+            <a:schemeClr val="accent3"/>
+          </a:solidFill>
+          <a:ln w="9525" cap="flat" cmpd="sng">
+            <a:solidFill>
+              <a:schemeClr val="dk2"/>
+            </a:solidFill>
+            <a:prstDash val="solid"/>
+            <a:round/>
+            <a:headEnd type="none" w="sm" len="sm"/>
+            <a:tailEnd type="none" w="sm" len="sm"/>
+          </a:ln>
+        </p:spPr>
+        <p:txBody>
+          <a:bodyPr spcFirstLastPara="1" wrap="square" lIns="91425" tIns="91425" rIns="91425" bIns="91425" anchor="ctr" anchorCtr="0">
+            <a:noAutofit/>
+          </a:bodyPr>
+          <a:lstStyle/>
+          <a:p>
+            <a:pPr marL="0" lvl="0" indent="0">
+              <a:spcBef>
+                <a:spcPts val="0"/>
+              </a:spcBef>
+              <a:spcAft>
+                <a:spcPts val="0"/>
+              </a:spcAft>
+              <a:buNone/>
+            </a:pPr>
+            <a:r>
+              <a:rPr lang="en-US" sz="1800" dirty="0" err="1"/>
+              <a:t>HubConnection</a:t>
+            </a:r>
+            <a:endParaRPr sz="1800" dirty="0"/>
+          </a:p>
+        </p:txBody>
+      </p:sp>
       <p:sp>
         <p:nvSpPr>
           <p:cNvPr id="8" name="Connection text">
@@ -17065,7 +19214,7 @@
                 <a:cs typeface="Roboto"/>
                 <a:sym typeface="Roboto"/>
               </a:rPr>
-              <a:t>ASP.NET Core)</a:t>
+              <a:t>Hub)</a:t>
             </a:r>
             <a:endParaRPr sz="1800" b="1" dirty="0">
               <a:latin typeface="Roboto"/>
@@ -17587,7 +19736,7 @@
                             </p:stCondLst>
                             <p:childTnLst>
                               <p:par>
-                                <p:cTn id="33" presetID="23" presetClass="entr" presetSubtype="16" fill="hold" grpId="0" nodeType="clickEffect">
+                                <p:cTn id="33" presetID="1" presetClass="entr" presetSubtype="0" fill="hold" grpId="0" nodeType="clickEffect">
                                   <p:stCondLst>
                                     <p:cond delay="0"/>
                                   </p:stCondLst>
@@ -17610,11 +19759,38 @@
                                         <p:strVal val="visible"/>
                                       </p:to>
                                     </p:set>
+                                  </p:childTnLst>
+                                </p:cTn>
+                              </p:par>
+                              <p:par>
+                                <p:cTn id="35" presetID="23" presetClass="entr" presetSubtype="16" fill="hold" grpId="0" nodeType="withEffect">
+                                  <p:stCondLst>
+                                    <p:cond delay="0"/>
+                                  </p:stCondLst>
+                                  <p:childTnLst>
+                                    <p:set>
+                                      <p:cBhvr>
+                                        <p:cTn id="36" dur="1" fill="hold">
+                                          <p:stCondLst>
+                                            <p:cond delay="0"/>
+                                          </p:stCondLst>
+                                        </p:cTn>
+                                        <p:tgtEl>
+                                          <p:spTgt spid="6"/>
+                                        </p:tgtEl>
+                                        <p:attrNameLst>
+                                          <p:attrName>style.visibility</p:attrName>
+                                        </p:attrNameLst>
+                                      </p:cBhvr>
+                                      <p:to>
+                                        <p:strVal val="visible"/>
+                                      </p:to>
+                                    </p:set>
                                     <p:anim calcmode="lin" valueType="num">
                                       <p:cBhvr>
-                                        <p:cTn id="35" dur="500" fill="hold"/>
+                                        <p:cTn id="37" dur="500" fill="hold"/>
                                         <p:tgtEl>
-                                          <p:spTgt spid="8"/>
+                                          <p:spTgt spid="6"/>
                                         </p:tgtEl>
                                         <p:attrNameLst>
                                           <p:attrName>ppt_w</p:attrName>
@@ -17635,9 +19811,9 @@
                                     </p:anim>
                                     <p:anim calcmode="lin" valueType="num">
                                       <p:cBhvr>
-                                        <p:cTn id="36" dur="500" fill="hold"/>
+                                        <p:cTn id="38" dur="500" fill="hold"/>
                                         <p:tgtEl>
-                                          <p:spTgt spid="8"/>
+                                          <p:spTgt spid="6"/>
                                         </p:tgtEl>
                                         <p:attrNameLst>
                                           <p:attrName>ppt_h</p:attrName>
@@ -17660,20 +19836,20 @@
                                 </p:cTn>
                               </p:par>
                               <p:par>
-                                <p:cTn id="37" presetID="23" presetClass="entr" presetSubtype="16" fill="hold" grpId="0" nodeType="withEffect">
+                                <p:cTn id="39" presetID="1" presetClass="entr" presetSubtype="0" fill="hold" grpId="0" nodeType="withEffect">
                                   <p:stCondLst>
                                     <p:cond delay="0"/>
                                   </p:stCondLst>
                                   <p:childTnLst>
                                     <p:set>
                                       <p:cBhvr>
-                                        <p:cTn id="38" dur="1" fill="hold">
+                                        <p:cTn id="40" dur="1" fill="hold">
                                           <p:stCondLst>
                                             <p:cond delay="0"/>
                                           </p:stCondLst>
                                         </p:cTn>
                                         <p:tgtEl>
-                                          <p:spTgt spid="6"/>
+                                          <p:spTgt spid="14"/>
                                         </p:tgtEl>
                                         <p:attrNameLst>
                                           <p:attrName>style.visibility</p:attrName>
@@ -17683,52 +19859,6 @@
                                         <p:strVal val="visible"/>
                                       </p:to>
                                     </p:set>
-                                    <p:anim calcmode="lin" valueType="num">
-                                      <p:cBhvr>
-                                        <p:cTn id="39" dur="500" fill="hold"/>
-                                        <p:tgtEl>
-                                          <p:spTgt spid="6"/>
-                                        </p:tgtEl>
-                                        <p:attrNameLst>
-                                          <p:attrName>ppt_w</p:attrName>
-                                        </p:attrNameLst>
-                                      </p:cBhvr>
-                                      <p:tavLst>
-                                        <p:tav tm="0">
-                                          <p:val>
-                                            <p:fltVal val="0"/>
-                                          </p:val>
-                                        </p:tav>
-                                        <p:tav tm="100000">
-                                          <p:val>
-                                            <p:strVal val="#ppt_w"/>
-                                          </p:val>
-                                        </p:tav>
-                                      </p:tavLst>
-                                    </p:anim>
-                                    <p:anim calcmode="lin" valueType="num">
-                                      <p:cBhvr>
-                                        <p:cTn id="40" dur="500" fill="hold"/>
-                                        <p:tgtEl>
-                                          <p:spTgt spid="6"/>
-                                        </p:tgtEl>
-                                        <p:attrNameLst>
-                                          <p:attrName>ppt_h</p:attrName>
-                                        </p:attrNameLst>
-                                      </p:cBhvr>
-                                      <p:tavLst>
-                                        <p:tav tm="0">
-                                          <p:val>
-                                            <p:fltVal val="0"/>
-                                          </p:val>
-                                        </p:tav>
-                                        <p:tav tm="100000">
-                                          <p:val>
-                                            <p:strVal val="#ppt_h"/>
-                                          </p:val>
-                                        </p:tav>
-                                      </p:tavLst>
-                                    </p:anim>
                                   </p:childTnLst>
                                 </p:cTn>
                               </p:par>
@@ -17760,6 +19890,7 @@
       </p:par>
     </p:tnLst>
     <p:bldLst>
+      <p:bldP spid="14" grpId="0"/>
       <p:bldP spid="6" grpId="0" animBg="1"/>
       <p:bldP spid="8" grpId="0"/>
       <p:bldP spid="10" grpId="0"/>
@@ -19256,6 +21387,134 @@
           <a:chExt cx="0" cy="0"/>
         </a:xfrm>
       </p:grpSpPr>
+      <p:sp>
+        <p:nvSpPr>
+          <p:cNvPr id="2" name="Text Placeholder 1">
+            <a:extLst>
+              <a:ext uri="{FF2B5EF4-FFF2-40B4-BE49-F238E27FC236}">
+                <a16:creationId xmlns:a16="http://schemas.microsoft.com/office/drawing/2014/main" id="{60A7E1D9-A985-4706-9C58-93B0850E7C08}"/>
+              </a:ext>
+            </a:extLst>
+          </p:cNvPr>
+          <p:cNvSpPr>
+            <a:spLocks noGrp="1"/>
+          </p:cNvSpPr>
+          <p:nvPr>
+            <p:ph type="body" sz="quarter" idx="10"/>
+          </p:nvPr>
+        </p:nvSpPr>
+        <p:spPr>
+          <a:xfrm>
+            <a:off x="434975" y="1142881"/>
+            <a:ext cx="11567160" cy="2559675"/>
+          </a:xfrm>
+        </p:spPr>
+        <p:txBody>
+          <a:bodyPr/>
+          <a:lstStyle/>
+          <a:p>
+            <a:r>
+              <a:rPr lang="en-US" dirty="0"/>
+              <a:t>Loan decisioning</a:t>
+            </a:r>
+          </a:p>
+          <a:p>
+            <a:r>
+              <a:rPr lang="en-US" dirty="0"/>
+              <a:t>Appointment scheduling</a:t>
+            </a:r>
+          </a:p>
+          <a:p>
+            <a:r>
+              <a:rPr lang="en-US" dirty="0"/>
+              <a:t>Virtual whiteboards</a:t>
+            </a:r>
+          </a:p>
+          <a:p>
+            <a:r>
+              <a:rPr lang="en-US" dirty="0"/>
+              <a:t>Live chat</a:t>
+            </a:r>
+          </a:p>
+          <a:p>
+            <a:r>
+              <a:rPr lang="en-US" dirty="0"/>
+              <a:t>Stock tickers</a:t>
+            </a:r>
+          </a:p>
+          <a:p>
+            <a:r>
+              <a:rPr lang="en-US" dirty="0"/>
+              <a:t>Gaming</a:t>
+            </a:r>
+          </a:p>
+        </p:txBody>
+      </p:sp>
+      <p:sp>
+        <p:nvSpPr>
+          <p:cNvPr id="3" name="Title 2">
+            <a:extLst>
+              <a:ext uri="{FF2B5EF4-FFF2-40B4-BE49-F238E27FC236}">
+                <a16:creationId xmlns:a16="http://schemas.microsoft.com/office/drawing/2014/main" id="{19913C9A-7E21-493E-ABE6-EE52DE8B1BAE}"/>
+              </a:ext>
+            </a:extLst>
+          </p:cNvPr>
+          <p:cNvSpPr>
+            <a:spLocks noGrp="1"/>
+          </p:cNvSpPr>
+          <p:nvPr>
+            <p:ph type="title"/>
+          </p:nvPr>
+        </p:nvSpPr>
+        <p:spPr/>
+        <p:txBody>
+          <a:bodyPr/>
+          <a:lstStyle/>
+          <a:p>
+            <a:r>
+              <a:rPr lang="en-US" dirty="0" err="1"/>
+              <a:t>SignalR</a:t>
+            </a:r>
+            <a:r>
+              <a:rPr lang="en-US" dirty="0"/>
+              <a:t> use cases</a:t>
+            </a:r>
+          </a:p>
+        </p:txBody>
+      </p:sp>
+    </p:spTree>
+    <p:extLst>
+      <p:ext uri="{BB962C8B-B14F-4D97-AF65-F5344CB8AC3E}">
+        <p14:creationId xmlns:p14="http://schemas.microsoft.com/office/powerpoint/2010/main" val="1251927067"/>
+      </p:ext>
+    </p:extLst>
+  </p:cSld>
+  <p:clrMapOvr>
+    <a:masterClrMapping/>
+  </p:clrMapOvr>
+  <p:transition>
+    <p:fade/>
+  </p:transition>
+</p:sld>
+</file>
+
+<file path=ppt/slides/slide5.xml><?xml version="1.0" encoding="utf-8"?>
+<p:sld xmlns:a="http://schemas.openxmlformats.org/drawingml/2006/main" xmlns:r="http://schemas.openxmlformats.org/officeDocument/2006/relationships" xmlns:p="http://schemas.openxmlformats.org/presentationml/2006/main">
+  <p:cSld>
+    <p:spTree>
+      <p:nvGrpSpPr>
+        <p:cNvPr id="1" name=""/>
+        <p:cNvGrpSpPr/>
+        <p:nvPr/>
+      </p:nvGrpSpPr>
+      <p:grpSpPr>
+        <a:xfrm>
+          <a:off x="0" y="0"/>
+          <a:ext cx="0" cy="0"/>
+          <a:chOff x="0" y="0"/>
+          <a:chExt cx="0" cy="0"/>
+        </a:xfrm>
+      </p:grpSpPr>
       <p:graphicFrame>
         <p:nvGraphicFramePr>
           <p:cNvPr id="10" name="Startup.Configure">
@@ -21193,7 +23452,7 @@
 </p:sld>
 </file>
 
-<file path=ppt/slides/slide5.xml><?xml version="1.0" encoding="utf-8"?>
+<file path=ppt/slides/slide6.xml><?xml version="1.0" encoding="utf-8"?>
 <p:sld xmlns:a="http://schemas.openxmlformats.org/drawingml/2006/main" xmlns:r="http://schemas.openxmlformats.org/officeDocument/2006/relationships" xmlns:p="http://schemas.openxmlformats.org/presentationml/2006/main">
   <p:cSld>
     <p:spTree>
@@ -22202,7 +24461,7 @@
 </p:sld>
 </file>
 
-<file path=ppt/slides/slide6.xml><?xml version="1.0" encoding="utf-8"?>
+<file path=ppt/slides/slide7.xml><?xml version="1.0" encoding="utf-8"?>
 <p:sld xmlns:a="http://schemas.openxmlformats.org/drawingml/2006/main" xmlns:r="http://schemas.openxmlformats.org/officeDocument/2006/relationships" xmlns:p="http://schemas.openxmlformats.org/presentationml/2006/main">
   <p:cSld>
     <p:spTree>
@@ -22513,7 +24772,7 @@
 </p:sld>
 </file>
 
-<file path=ppt/slides/slide7.xml><?xml version="1.0" encoding="utf-8"?>
+<file path=ppt/slides/slide8.xml><?xml version="1.0" encoding="utf-8"?>
 <p:sld xmlns:a="http://schemas.openxmlformats.org/drawingml/2006/main" xmlns:r="http://schemas.openxmlformats.org/officeDocument/2006/relationships" xmlns:p="http://schemas.openxmlformats.org/presentationml/2006/main">
   <p:cSld>
     <p:spTree>
@@ -22779,7 +25038,7 @@
             </a:avLst>
           </a:prstGeom>
           <a:solidFill>
-            <a:schemeClr val="lt2"/>
+            <a:schemeClr val="accent3"/>
           </a:solidFill>
           <a:ln w="9525" cap="flat" cmpd="sng">
             <a:solidFill>
@@ -22834,7 +25093,7 @@
             </a:avLst>
           </a:prstGeom>
           <a:solidFill>
-            <a:schemeClr val="lt2"/>
+            <a:schemeClr val="accent3"/>
           </a:solidFill>
           <a:ln w="9525" cap="flat" cmpd="sng">
             <a:solidFill>
@@ -23025,7 +25284,7 @@
             </a:avLst>
           </a:prstGeom>
           <a:solidFill>
-            <a:schemeClr val="lt2"/>
+            <a:schemeClr val="accent3"/>
           </a:solidFill>
           <a:ln w="9525" cap="flat" cmpd="sng">
             <a:solidFill>
@@ -23080,7 +25339,7 @@
             </a:avLst>
           </a:prstGeom>
           <a:solidFill>
-            <a:schemeClr val="lt2"/>
+            <a:schemeClr val="accent3"/>
           </a:solidFill>
           <a:ln w="9525" cap="flat" cmpd="sng">
             <a:solidFill>
@@ -23301,7 +25560,7 @@
             </a:avLst>
           </a:prstGeom>
           <a:solidFill>
-            <a:schemeClr val="lt2"/>
+            <a:schemeClr val="accent3"/>
           </a:solidFill>
           <a:ln w="9525" cap="flat" cmpd="sng">
             <a:solidFill>
@@ -23356,7 +25615,7 @@
             </a:avLst>
           </a:prstGeom>
           <a:solidFill>
-            <a:schemeClr val="lt2"/>
+            <a:schemeClr val="accent3"/>
           </a:solidFill>
           <a:ln w="9525" cap="flat" cmpd="sng">
             <a:solidFill>
@@ -23403,7 +25662,7 @@
 </p:sld>
 </file>
 
-<file path=ppt/slides/slide8.xml><?xml version="1.0" encoding="utf-8"?>
+<file path=ppt/slides/slide9.xml><?xml version="1.0" encoding="utf-8"?>
 <p:sld xmlns:a="http://schemas.openxmlformats.org/drawingml/2006/main" xmlns:r="http://schemas.openxmlformats.org/officeDocument/2006/relationships" xmlns:p="http://schemas.openxmlformats.org/presentationml/2006/main">
   <p:cSld>
     <p:spTree>
@@ -23606,1984 +25865,6 @@
       </p:transition>
     </mc:Fallback>
   </mc:AlternateContent>
-</p:sld>
-</file>
-
-<file path=ppt/slides/slide9.xml><?xml version="1.0" encoding="utf-8"?>
-<p:sld xmlns:a="http://schemas.openxmlformats.org/drawingml/2006/main" xmlns:r="http://schemas.openxmlformats.org/officeDocument/2006/relationships" xmlns:p="http://schemas.openxmlformats.org/presentationml/2006/main">
-  <p:cSld>
-    <p:spTree>
-      <p:nvGrpSpPr>
-        <p:cNvPr id="1" name=""/>
-        <p:cNvGrpSpPr/>
-        <p:nvPr/>
-      </p:nvGrpSpPr>
-      <p:grpSpPr>
-        <a:xfrm>
-          <a:off x="0" y="0"/>
-          <a:ext cx="0" cy="0"/>
-          <a:chOff x="0" y="0"/>
-          <a:chExt cx="0" cy="0"/>
-        </a:xfrm>
-      </p:grpSpPr>
-      <p:sp>
-        <p:nvSpPr>
-          <p:cNvPr id="2" name="Title 1"/>
-          <p:cNvSpPr>
-            <a:spLocks noGrp="1"/>
-          </p:cNvSpPr>
-          <p:nvPr>
-            <p:ph type="title"/>
-          </p:nvPr>
-        </p:nvSpPr>
-        <p:spPr/>
-        <p:txBody>
-          <a:bodyPr/>
-          <a:lstStyle/>
-          <a:p>
-            <a:r>
-              <a:rPr lang="en-US" dirty="0"/>
-              <a:t>Resources	</a:t>
-            </a:r>
-            <a:r>
-              <a:rPr lang="en-US" b="1" dirty="0"/>
-              <a:t> 							</a:t>
-            </a:r>
-            <a:r>
-              <a:rPr lang="en-US" sz="1800" b="1" dirty="0">
-                <a:solidFill>
-                  <a:schemeClr val="tx1"/>
-                </a:solidFill>
-              </a:rPr>
-              <a:t>@</a:t>
-            </a:r>
-            <a:r>
-              <a:rPr lang="en-US" sz="1800" b="1" dirty="0" err="1">
-                <a:solidFill>
-                  <a:schemeClr val="tx1"/>
-                </a:solidFill>
-              </a:rPr>
-              <a:t>Scott_Addie</a:t>
-            </a:r>
-            <a:endParaRPr lang="en-US" sz="1800" dirty="0">
-              <a:solidFill>
-                <a:schemeClr val="tx1"/>
-              </a:solidFill>
-            </a:endParaRPr>
-          </a:p>
-        </p:txBody>
-      </p:sp>
-      <p:sp>
-        <p:nvSpPr>
-          <p:cNvPr id="3" name="Content Placeholder 2"/>
-          <p:cNvSpPr>
-            <a:spLocks noGrp="1"/>
-          </p:cNvSpPr>
-          <p:nvPr>
-            <p:ph idx="1"/>
-          </p:nvPr>
-        </p:nvSpPr>
-        <p:spPr>
-          <a:xfrm>
-            <a:off x="855767" y="1861968"/>
-            <a:ext cx="10618304" cy="4437962"/>
-          </a:xfrm>
-        </p:spPr>
-        <p:txBody>
-          <a:bodyPr>
-            <a:normAutofit/>
-          </a:bodyPr>
-          <a:lstStyle/>
-          <a:p>
-            <a:r>
-              <a:rPr lang="en-US" b="1" dirty="0"/>
-              <a:t>Docs</a:t>
-            </a:r>
-          </a:p>
-          <a:p>
-            <a:endParaRPr lang="en-US" b="1" dirty="0"/>
-          </a:p>
-          <a:p>
-            <a:endParaRPr lang="en-US" dirty="0"/>
-          </a:p>
-          <a:p>
-            <a:r>
-              <a:rPr lang="en-US" b="1" dirty="0"/>
-              <a:t>Slides</a:t>
-            </a:r>
-          </a:p>
-          <a:p>
-            <a:endParaRPr lang="en-US" b="1" dirty="0"/>
-          </a:p>
-          <a:p>
-            <a:r>
-              <a:rPr lang="en-US" b="1" dirty="0"/>
-              <a:t>Sample Apps</a:t>
-            </a:r>
-          </a:p>
-        </p:txBody>
-      </p:sp>
-      <p:pic>
-        <p:nvPicPr>
-          <p:cNvPr id="5" name="Picture 4">
-            <a:extLst>
-              <a:ext uri="{FF2B5EF4-FFF2-40B4-BE49-F238E27FC236}">
-                <a16:creationId xmlns:a16="http://schemas.microsoft.com/office/drawing/2014/main" id="{A87E2C7C-B662-43BA-A5DB-0A1A5D5542DE}"/>
-              </a:ext>
-            </a:extLst>
-          </p:cNvPr>
-          <p:cNvPicPr>
-            <a:picLocks noChangeAspect="1"/>
-          </p:cNvPicPr>
-          <p:nvPr/>
-        </p:nvPicPr>
-        <p:blipFill>
-          <a:blip r:embed="rId3" cstate="print">
-            <a:extLst>
-              <a:ext uri="{28A0092B-C50C-407E-A947-70E740481C1C}">
-                <a14:useLocalDpi xmlns:a14="http://schemas.microsoft.com/office/drawing/2010/main" val="0"/>
-              </a:ext>
-            </a:extLst>
-          </a:blip>
-          <a:stretch>
-            <a:fillRect/>
-          </a:stretch>
-        </p:blipFill>
-        <p:spPr>
-          <a:xfrm>
-            <a:off x="11125827" y="398415"/>
-            <a:ext cx="696488" cy="566240"/>
-          </a:xfrm>
-          <a:prstGeom prst="rect">
-            <a:avLst/>
-          </a:prstGeom>
-        </p:spPr>
-      </p:pic>
-      <p:sp>
-        <p:nvSpPr>
-          <p:cNvPr id="6" name="Text Placeholder 3">
-            <a:extLst>
-              <a:ext uri="{FF2B5EF4-FFF2-40B4-BE49-F238E27FC236}">
-                <a16:creationId xmlns:a16="http://schemas.microsoft.com/office/drawing/2014/main" id="{6C2EABF2-4F4C-4D1E-9741-A847CD7C234F}"/>
-              </a:ext>
-            </a:extLst>
-          </p:cNvPr>
-          <p:cNvSpPr txBox="1">
-            <a:spLocks/>
-          </p:cNvSpPr>
-          <p:nvPr/>
-        </p:nvSpPr>
-        <p:spPr>
-          <a:xfrm>
-            <a:off x="1437656" y="2359510"/>
-            <a:ext cx="6931330" cy="307777"/>
-          </a:xfrm>
-          <a:prstGeom prst="rect">
-            <a:avLst/>
-          </a:prstGeom>
-        </p:spPr>
-        <p:txBody>
-          <a:bodyPr vert="horz" wrap="square" lIns="0" tIns="0" rIns="0" bIns="0" rtlCol="0">
-            <a:spAutoFit/>
-          </a:bodyPr>
-          <a:lstStyle>
-            <a:lvl1pPr marL="228600" marR="0" indent="-228600" algn="l" defTabSz="932742" rtl="0" eaLnBrk="1" fontAlgn="auto" latinLnBrk="0" hangingPunct="1">
-              <a:lnSpc>
-                <a:spcPct val="100000"/>
-              </a:lnSpc>
-              <a:spcBef>
-                <a:spcPct val="20000"/>
-              </a:spcBef>
-              <a:spcAft>
-                <a:spcPts val="0"/>
-              </a:spcAft>
-              <a:buClrTx/>
-              <a:buSzPct val="90000"/>
-              <a:buFont typeface="Wingdings" panose="05000000000000000000" pitchFamily="2" charset="2"/>
-              <a:buChar char=""/>
-              <a:tabLst/>
-              <a:defRPr sz="2800" kern="1200" spc="0" baseline="0">
-                <a:gradFill>
-                  <a:gsLst>
-                    <a:gs pos="1250">
-                      <a:schemeClr val="tx1"/>
-                    </a:gs>
-                    <a:gs pos="100000">
-                      <a:schemeClr val="tx1"/>
-                    </a:gs>
-                  </a:gsLst>
-                  <a:lin ang="5400000" scaled="0"/>
-                </a:gradFill>
-                <a:latin typeface="Segoe UI Semilight" panose="020B0402040204020203" pitchFamily="34" charset="0"/>
-                <a:ea typeface="+mn-ea"/>
-                <a:cs typeface="Segoe UI Semilight" panose="020B0402040204020203" pitchFamily="34" charset="0"/>
-              </a:defRPr>
-            </a:lvl1pPr>
-            <a:lvl2pPr marL="457200" marR="0" indent="-228600" algn="l" defTabSz="932742" rtl="0" eaLnBrk="1" fontAlgn="auto" latinLnBrk="0" hangingPunct="1">
-              <a:lnSpc>
-                <a:spcPct val="100000"/>
-              </a:lnSpc>
-              <a:spcBef>
-                <a:spcPct val="20000"/>
-              </a:spcBef>
-              <a:spcAft>
-                <a:spcPts val="0"/>
-              </a:spcAft>
-              <a:buClrTx/>
-              <a:buSzPct val="90000"/>
-              <a:buFont typeface="Wingdings" panose="05000000000000000000" pitchFamily="2" charset="2"/>
-              <a:buChar char=""/>
-              <a:tabLst/>
-              <a:defRPr sz="2000" kern="1200" spc="0" baseline="0">
-                <a:gradFill>
-                  <a:gsLst>
-                    <a:gs pos="1250">
-                      <a:schemeClr val="tx1"/>
-                    </a:gs>
-                    <a:gs pos="100000">
-                      <a:schemeClr val="tx1"/>
-                    </a:gs>
-                  </a:gsLst>
-                  <a:lin ang="5400000" scaled="0"/>
-                </a:gradFill>
-                <a:latin typeface="+mn-lt"/>
-                <a:ea typeface="+mn-ea"/>
-                <a:cs typeface="+mn-cs"/>
-              </a:defRPr>
-            </a:lvl2pPr>
-            <a:lvl3pPr marL="657225" marR="0" indent="-200025" algn="l" defTabSz="932742" rtl="0" eaLnBrk="1" fontAlgn="auto" latinLnBrk="0" hangingPunct="1">
-              <a:lnSpc>
-                <a:spcPct val="100000"/>
-              </a:lnSpc>
-              <a:spcBef>
-                <a:spcPct val="20000"/>
-              </a:spcBef>
-              <a:spcAft>
-                <a:spcPts val="0"/>
-              </a:spcAft>
-              <a:buClrTx/>
-              <a:buSzPct val="90000"/>
-              <a:buFont typeface="Wingdings" panose="05000000000000000000" pitchFamily="2" charset="2"/>
-              <a:buChar char=""/>
-              <a:tabLst/>
-              <a:defRPr sz="1600" kern="1200" spc="0" baseline="0">
-                <a:gradFill>
-                  <a:gsLst>
-                    <a:gs pos="1250">
-                      <a:schemeClr val="tx1"/>
-                    </a:gs>
-                    <a:gs pos="100000">
-                      <a:schemeClr val="tx1"/>
-                    </a:gs>
-                  </a:gsLst>
-                  <a:lin ang="5400000" scaled="0"/>
-                </a:gradFill>
-                <a:latin typeface="+mn-lt"/>
-                <a:ea typeface="+mn-ea"/>
-                <a:cs typeface="+mn-cs"/>
-              </a:defRPr>
-            </a:lvl3pPr>
-            <a:lvl4pPr marL="842963" marR="0" indent="-180975" algn="l" defTabSz="932742" rtl="0" eaLnBrk="1" fontAlgn="auto" latinLnBrk="0" hangingPunct="1">
-              <a:lnSpc>
-                <a:spcPct val="100000"/>
-              </a:lnSpc>
-              <a:spcBef>
-                <a:spcPct val="20000"/>
-              </a:spcBef>
-              <a:spcAft>
-                <a:spcPts val="0"/>
-              </a:spcAft>
-              <a:buClrTx/>
-              <a:buSzPct val="90000"/>
-              <a:buFont typeface="Wingdings" panose="05000000000000000000" pitchFamily="2" charset="2"/>
-              <a:buChar char=""/>
-              <a:tabLst/>
-              <a:defRPr sz="1400" kern="1200" spc="0" baseline="0">
-                <a:gradFill>
-                  <a:gsLst>
-                    <a:gs pos="1250">
-                      <a:schemeClr val="tx1"/>
-                    </a:gs>
-                    <a:gs pos="100000">
-                      <a:schemeClr val="tx1"/>
-                    </a:gs>
-                  </a:gsLst>
-                  <a:lin ang="5400000" scaled="0"/>
-                </a:gradFill>
-                <a:latin typeface="+mn-lt"/>
-                <a:ea typeface="+mn-ea"/>
-                <a:cs typeface="+mn-cs"/>
-              </a:defRPr>
-            </a:lvl4pPr>
-            <a:lvl5pPr marL="1023938" marR="0" indent="-168275" algn="l" defTabSz="932742" rtl="0" eaLnBrk="1" fontAlgn="auto" latinLnBrk="0" hangingPunct="1">
-              <a:lnSpc>
-                <a:spcPct val="100000"/>
-              </a:lnSpc>
-              <a:spcBef>
-                <a:spcPct val="20000"/>
-              </a:spcBef>
-              <a:spcAft>
-                <a:spcPts val="0"/>
-              </a:spcAft>
-              <a:buClrTx/>
-              <a:buSzPct val="90000"/>
-              <a:buFont typeface="Wingdings" panose="05000000000000000000" pitchFamily="2" charset="2"/>
-              <a:buChar char=""/>
-              <a:tabLst/>
-              <a:defRPr sz="1400" kern="1200" spc="0" baseline="0">
-                <a:gradFill>
-                  <a:gsLst>
-                    <a:gs pos="1250">
-                      <a:schemeClr val="tx1"/>
-                    </a:gs>
-                    <a:gs pos="100000">
-                      <a:schemeClr val="tx1"/>
-                    </a:gs>
-                  </a:gsLst>
-                  <a:lin ang="5400000" scaled="0"/>
-                </a:gradFill>
-                <a:latin typeface="+mn-lt"/>
-                <a:ea typeface="+mn-ea"/>
-                <a:cs typeface="+mn-cs"/>
-              </a:defRPr>
-            </a:lvl5pPr>
-            <a:lvl6pPr marL="2565040" indent="-233186" algn="l" defTabSz="932742" rtl="0" eaLnBrk="1" latinLnBrk="0" hangingPunct="1">
-              <a:spcBef>
-                <a:spcPct val="20000"/>
-              </a:spcBef>
-              <a:buFont typeface="Arial" pitchFamily="34" charset="0"/>
-              <a:buChar char="•"/>
-              <a:defRPr sz="2000" kern="1200">
-                <a:solidFill>
-                  <a:schemeClr val="tx1"/>
-                </a:solidFill>
-                <a:latin typeface="+mn-lt"/>
-                <a:ea typeface="+mn-ea"/>
-                <a:cs typeface="+mn-cs"/>
-              </a:defRPr>
-            </a:lvl6pPr>
-            <a:lvl7pPr marL="3031412" indent="-233186" algn="l" defTabSz="932742" rtl="0" eaLnBrk="1" latinLnBrk="0" hangingPunct="1">
-              <a:spcBef>
-                <a:spcPct val="20000"/>
-              </a:spcBef>
-              <a:buFont typeface="Arial" pitchFamily="34" charset="0"/>
-              <a:buChar char="•"/>
-              <a:defRPr sz="2000" kern="1200">
-                <a:solidFill>
-                  <a:schemeClr val="tx1"/>
-                </a:solidFill>
-                <a:latin typeface="+mn-lt"/>
-                <a:ea typeface="+mn-ea"/>
-                <a:cs typeface="+mn-cs"/>
-              </a:defRPr>
-            </a:lvl7pPr>
-            <a:lvl8pPr marL="3497783" indent="-233186" algn="l" defTabSz="932742" rtl="0" eaLnBrk="1" latinLnBrk="0" hangingPunct="1">
-              <a:spcBef>
-                <a:spcPct val="20000"/>
-              </a:spcBef>
-              <a:buFont typeface="Arial" pitchFamily="34" charset="0"/>
-              <a:buChar char="•"/>
-              <a:defRPr sz="2000" kern="1200">
-                <a:solidFill>
-                  <a:schemeClr val="tx1"/>
-                </a:solidFill>
-                <a:latin typeface="+mn-lt"/>
-                <a:ea typeface="+mn-ea"/>
-                <a:cs typeface="+mn-cs"/>
-              </a:defRPr>
-            </a:lvl8pPr>
-            <a:lvl9pPr marL="3964155" indent="-233186" algn="l" defTabSz="932742" rtl="0" eaLnBrk="1" latinLnBrk="0" hangingPunct="1">
-              <a:spcBef>
-                <a:spcPct val="20000"/>
-              </a:spcBef>
-              <a:buFont typeface="Arial" pitchFamily="34" charset="0"/>
-              <a:buChar char="•"/>
-              <a:defRPr sz="2000" kern="1200">
-                <a:solidFill>
-                  <a:schemeClr val="tx1"/>
-                </a:solidFill>
-                <a:latin typeface="+mn-lt"/>
-                <a:ea typeface="+mn-ea"/>
-                <a:cs typeface="+mn-cs"/>
-              </a:defRPr>
-            </a:lvl9pPr>
-          </a:lstStyle>
-          <a:p>
-            <a:pPr marL="0" lvl="0" indent="0">
-              <a:buNone/>
-              <a:defRPr/>
-            </a:pPr>
-            <a:r>
-              <a:rPr kumimoji="0" lang="en-US" sz="2000" b="1" i="0" u="none" strike="noStrike" kern="1200" cap="none" spc="0" normalizeH="0" baseline="0" noProof="0" dirty="0">
-                <a:ln>
-                  <a:noFill/>
-                </a:ln>
-                <a:solidFill>
-                  <a:srgbClr val="2C65E1"/>
-                </a:solidFill>
-                <a:effectLst/>
-                <a:uLnTx/>
-                <a:uFillTx/>
-                <a:latin typeface="+mj-lt"/>
-                <a:ea typeface="+mn-ea"/>
-                <a:cs typeface="Segoe UI Semibold" panose="020B0702040204020203" pitchFamily="34" charset="0"/>
-              </a:rPr>
-              <a:t>docs.microsoft.com/</a:t>
-            </a:r>
-            <a:r>
-              <a:rPr kumimoji="0" lang="en-US" sz="2000" b="1" i="0" u="none" strike="noStrike" kern="1200" cap="none" spc="0" normalizeH="0" baseline="0" noProof="0" dirty="0" err="1">
-                <a:ln>
-                  <a:noFill/>
-                </a:ln>
-                <a:solidFill>
-                  <a:srgbClr val="2C65E1"/>
-                </a:solidFill>
-                <a:effectLst/>
-                <a:uLnTx/>
-                <a:uFillTx/>
-                <a:latin typeface="+mj-lt"/>
-                <a:ea typeface="+mn-ea"/>
-                <a:cs typeface="Segoe UI Semibold" panose="020B0702040204020203" pitchFamily="34" charset="0"/>
-              </a:rPr>
-              <a:t>aspnet</a:t>
-            </a:r>
-            <a:r>
-              <a:rPr kumimoji="0" lang="en-US" sz="2000" b="1" i="0" u="none" strike="noStrike" kern="1200" cap="none" spc="0" normalizeH="0" baseline="0" noProof="0" dirty="0">
-                <a:ln>
-                  <a:noFill/>
-                </a:ln>
-                <a:solidFill>
-                  <a:srgbClr val="2C65E1"/>
-                </a:solidFill>
-                <a:effectLst/>
-                <a:uLnTx/>
-                <a:uFillTx/>
-                <a:latin typeface="+mj-lt"/>
-                <a:ea typeface="+mn-ea"/>
-                <a:cs typeface="Segoe UI Semibold" panose="020B0702040204020203" pitchFamily="34" charset="0"/>
-              </a:rPr>
-              <a:t>/core/</a:t>
-            </a:r>
-            <a:r>
-              <a:rPr kumimoji="0" lang="en-US" sz="2000" b="1" i="0" u="none" strike="noStrike" kern="1200" cap="none" spc="0" normalizeH="0" baseline="0" noProof="0" dirty="0" err="1">
-                <a:ln>
-                  <a:noFill/>
-                </a:ln>
-                <a:solidFill>
-                  <a:srgbClr val="2C65E1"/>
-                </a:solidFill>
-                <a:effectLst/>
-                <a:uLnTx/>
-                <a:uFillTx/>
-                <a:latin typeface="+mj-lt"/>
-                <a:ea typeface="+mn-ea"/>
-                <a:cs typeface="Segoe UI Semibold" panose="020B0702040204020203" pitchFamily="34" charset="0"/>
-              </a:rPr>
-              <a:t>signalr</a:t>
-            </a:r>
-            <a:endParaRPr kumimoji="0" lang="en-US" sz="2000" b="1" i="0" u="none" strike="noStrike" kern="1200" cap="none" spc="0" normalizeH="0" baseline="0" noProof="0" dirty="0">
-              <a:ln>
-                <a:noFill/>
-              </a:ln>
-              <a:solidFill>
-                <a:srgbClr val="2C65E1"/>
-              </a:solidFill>
-              <a:effectLst/>
-              <a:uLnTx/>
-              <a:uFillTx/>
-              <a:latin typeface="+mj-lt"/>
-              <a:ea typeface="+mn-ea"/>
-              <a:cs typeface="Segoe UI Semibold" panose="020B0702040204020203" pitchFamily="34" charset="0"/>
-            </a:endParaRPr>
-          </a:p>
-        </p:txBody>
-      </p:sp>
-      <p:sp>
-        <p:nvSpPr>
-          <p:cNvPr id="7" name="Oval 6">
-            <a:extLst>
-              <a:ext uri="{FF2B5EF4-FFF2-40B4-BE49-F238E27FC236}">
-                <a16:creationId xmlns:a16="http://schemas.microsoft.com/office/drawing/2014/main" id="{B9530BD0-1FFE-4CA8-8AA2-40AEC8C2A71B}"/>
-              </a:ext>
-              <a:ext uri="{C183D7F6-B498-43B3-948B-1728B52AA6E4}">
-                <adec:decorative xmlns:adec="http://schemas.microsoft.com/office/drawing/2017/decorative" val="1"/>
-              </a:ext>
-            </a:extLst>
-          </p:cNvPr>
-          <p:cNvSpPr/>
-          <p:nvPr/>
-        </p:nvSpPr>
-        <p:spPr bwMode="auto">
-          <a:xfrm>
-            <a:off x="855767" y="2297211"/>
-            <a:ext cx="428462" cy="428460"/>
-          </a:xfrm>
-          <a:prstGeom prst="ellipse">
-            <a:avLst/>
-          </a:prstGeom>
-          <a:noFill/>
-          <a:ln w="28575" cap="flat" cmpd="sng" algn="ctr">
-            <a:solidFill>
-              <a:srgbClr val="2C65E1"/>
-            </a:solidFill>
-            <a:prstDash val="solid"/>
-            <a:headEnd type="none" w="med" len="med"/>
-            <a:tailEnd type="none" w="med" len="med"/>
-          </a:ln>
-          <a:effectLst/>
-        </p:spPr>
-        <p:txBody>
-          <a:bodyPr rot="0" spcFirstLastPara="0" vertOverflow="overflow" horzOverflow="overflow" vert="horz" wrap="square" lIns="0" tIns="0" rIns="0" bIns="0" numCol="1" spcCol="0" rtlCol="0" fromWordArt="0" anchor="ctr" anchorCtr="0" forceAA="0" compatLnSpc="1">
-            <a:prstTxWarp prst="textNoShape">
-              <a:avLst/>
-            </a:prstTxWarp>
-            <a:noAutofit/>
-          </a:bodyPr>
-          <a:lstStyle/>
-          <a:p>
-            <a:pPr marL="0" marR="0" lvl="0" indent="0" algn="ctr" defTabSz="932114" rtl="0" eaLnBrk="1" fontAlgn="base" latinLnBrk="0" hangingPunct="1">
-              <a:lnSpc>
-                <a:spcPct val="100000"/>
-              </a:lnSpc>
-              <a:spcBef>
-                <a:spcPct val="0"/>
-              </a:spcBef>
-              <a:spcAft>
-                <a:spcPct val="0"/>
-              </a:spcAft>
-              <a:buClrTx/>
-              <a:buSzTx/>
-              <a:buFontTx/>
-              <a:buNone/>
-              <a:tabLst/>
-              <a:defRPr/>
-            </a:pPr>
-            <a:r>
-              <a:rPr kumimoji="0" lang="en-US" sz="2000" b="0" i="0" u="none" strike="noStrike" kern="0" cap="none" spc="0" normalizeH="0" baseline="0" noProof="0" dirty="0">
-                <a:ln w="19050">
-                  <a:noFill/>
-                </a:ln>
-                <a:solidFill>
-                  <a:srgbClr val="2C65E1"/>
-                </a:solidFill>
-                <a:effectLst/>
-                <a:uLnTx/>
-                <a:uFillTx/>
-                <a:latin typeface="Segoe UI"/>
-                <a:ea typeface="Segoe UI" pitchFamily="34" charset="0"/>
-                <a:cs typeface="Segoe UI" pitchFamily="34" charset="0"/>
-                <a:sym typeface="Wingdings" panose="05000000000000000000" pitchFamily="2" charset="2"/>
-              </a:rPr>
-              <a:t></a:t>
-            </a:r>
-            <a:endParaRPr kumimoji="0" lang="en-US" sz="2000" b="0" i="0" u="none" strike="noStrike" kern="0" cap="none" spc="0" normalizeH="0" baseline="0" noProof="0" dirty="0">
-              <a:ln w="19050">
-                <a:noFill/>
-              </a:ln>
-              <a:solidFill>
-                <a:srgbClr val="2C65E1"/>
-              </a:solidFill>
-              <a:effectLst/>
-              <a:uLnTx/>
-              <a:uFillTx/>
-              <a:latin typeface="Segoe UI"/>
-              <a:ea typeface="Segoe UI" pitchFamily="34" charset="0"/>
-              <a:cs typeface="Segoe UI" pitchFamily="34" charset="0"/>
-            </a:endParaRPr>
-          </a:p>
-        </p:txBody>
-      </p:sp>
-      <p:sp>
-        <p:nvSpPr>
-          <p:cNvPr id="8" name="Text Placeholder 3">
-            <a:extLst>
-              <a:ext uri="{FF2B5EF4-FFF2-40B4-BE49-F238E27FC236}">
-                <a16:creationId xmlns:a16="http://schemas.microsoft.com/office/drawing/2014/main" id="{986EFB08-97BC-4E9B-B741-EF010F3D06C9}"/>
-              </a:ext>
-            </a:extLst>
-          </p:cNvPr>
-          <p:cNvSpPr txBox="1">
-            <a:spLocks/>
-          </p:cNvSpPr>
-          <p:nvPr/>
-        </p:nvSpPr>
-        <p:spPr>
-          <a:xfrm>
-            <a:off x="1437656" y="2864236"/>
-            <a:ext cx="6931330" cy="307777"/>
-          </a:xfrm>
-          <a:prstGeom prst="rect">
-            <a:avLst/>
-          </a:prstGeom>
-        </p:spPr>
-        <p:txBody>
-          <a:bodyPr vert="horz" wrap="square" lIns="0" tIns="0" rIns="0" bIns="0" rtlCol="0">
-            <a:spAutoFit/>
-          </a:bodyPr>
-          <a:lstStyle>
-            <a:lvl1pPr marL="228600" marR="0" indent="-228600" algn="l" defTabSz="932742" rtl="0" eaLnBrk="1" fontAlgn="auto" latinLnBrk="0" hangingPunct="1">
-              <a:lnSpc>
-                <a:spcPct val="100000"/>
-              </a:lnSpc>
-              <a:spcBef>
-                <a:spcPct val="20000"/>
-              </a:spcBef>
-              <a:spcAft>
-                <a:spcPts val="0"/>
-              </a:spcAft>
-              <a:buClrTx/>
-              <a:buSzPct val="90000"/>
-              <a:buFont typeface="Wingdings" panose="05000000000000000000" pitchFamily="2" charset="2"/>
-              <a:buChar char=""/>
-              <a:tabLst/>
-              <a:defRPr sz="2800" kern="1200" spc="0" baseline="0">
-                <a:gradFill>
-                  <a:gsLst>
-                    <a:gs pos="1250">
-                      <a:schemeClr val="tx1"/>
-                    </a:gs>
-                    <a:gs pos="100000">
-                      <a:schemeClr val="tx1"/>
-                    </a:gs>
-                  </a:gsLst>
-                  <a:lin ang="5400000" scaled="0"/>
-                </a:gradFill>
-                <a:latin typeface="Segoe UI Semilight" panose="020B0402040204020203" pitchFamily="34" charset="0"/>
-                <a:ea typeface="+mn-ea"/>
-                <a:cs typeface="Segoe UI Semilight" panose="020B0402040204020203" pitchFamily="34" charset="0"/>
-              </a:defRPr>
-            </a:lvl1pPr>
-            <a:lvl2pPr marL="457200" marR="0" indent="-228600" algn="l" defTabSz="932742" rtl="0" eaLnBrk="1" fontAlgn="auto" latinLnBrk="0" hangingPunct="1">
-              <a:lnSpc>
-                <a:spcPct val="100000"/>
-              </a:lnSpc>
-              <a:spcBef>
-                <a:spcPct val="20000"/>
-              </a:spcBef>
-              <a:spcAft>
-                <a:spcPts val="0"/>
-              </a:spcAft>
-              <a:buClrTx/>
-              <a:buSzPct val="90000"/>
-              <a:buFont typeface="Wingdings" panose="05000000000000000000" pitchFamily="2" charset="2"/>
-              <a:buChar char=""/>
-              <a:tabLst/>
-              <a:defRPr sz="2000" kern="1200" spc="0" baseline="0">
-                <a:gradFill>
-                  <a:gsLst>
-                    <a:gs pos="1250">
-                      <a:schemeClr val="tx1"/>
-                    </a:gs>
-                    <a:gs pos="100000">
-                      <a:schemeClr val="tx1"/>
-                    </a:gs>
-                  </a:gsLst>
-                  <a:lin ang="5400000" scaled="0"/>
-                </a:gradFill>
-                <a:latin typeface="+mn-lt"/>
-                <a:ea typeface="+mn-ea"/>
-                <a:cs typeface="+mn-cs"/>
-              </a:defRPr>
-            </a:lvl2pPr>
-            <a:lvl3pPr marL="657225" marR="0" indent="-200025" algn="l" defTabSz="932742" rtl="0" eaLnBrk="1" fontAlgn="auto" latinLnBrk="0" hangingPunct="1">
-              <a:lnSpc>
-                <a:spcPct val="100000"/>
-              </a:lnSpc>
-              <a:spcBef>
-                <a:spcPct val="20000"/>
-              </a:spcBef>
-              <a:spcAft>
-                <a:spcPts val="0"/>
-              </a:spcAft>
-              <a:buClrTx/>
-              <a:buSzPct val="90000"/>
-              <a:buFont typeface="Wingdings" panose="05000000000000000000" pitchFamily="2" charset="2"/>
-              <a:buChar char=""/>
-              <a:tabLst/>
-              <a:defRPr sz="1600" kern="1200" spc="0" baseline="0">
-                <a:gradFill>
-                  <a:gsLst>
-                    <a:gs pos="1250">
-                      <a:schemeClr val="tx1"/>
-                    </a:gs>
-                    <a:gs pos="100000">
-                      <a:schemeClr val="tx1"/>
-                    </a:gs>
-                  </a:gsLst>
-                  <a:lin ang="5400000" scaled="0"/>
-                </a:gradFill>
-                <a:latin typeface="+mn-lt"/>
-                <a:ea typeface="+mn-ea"/>
-                <a:cs typeface="+mn-cs"/>
-              </a:defRPr>
-            </a:lvl3pPr>
-            <a:lvl4pPr marL="842963" marR="0" indent="-180975" algn="l" defTabSz="932742" rtl="0" eaLnBrk="1" fontAlgn="auto" latinLnBrk="0" hangingPunct="1">
-              <a:lnSpc>
-                <a:spcPct val="100000"/>
-              </a:lnSpc>
-              <a:spcBef>
-                <a:spcPct val="20000"/>
-              </a:spcBef>
-              <a:spcAft>
-                <a:spcPts val="0"/>
-              </a:spcAft>
-              <a:buClrTx/>
-              <a:buSzPct val="90000"/>
-              <a:buFont typeface="Wingdings" panose="05000000000000000000" pitchFamily="2" charset="2"/>
-              <a:buChar char=""/>
-              <a:tabLst/>
-              <a:defRPr sz="1400" kern="1200" spc="0" baseline="0">
-                <a:gradFill>
-                  <a:gsLst>
-                    <a:gs pos="1250">
-                      <a:schemeClr val="tx1"/>
-                    </a:gs>
-                    <a:gs pos="100000">
-                      <a:schemeClr val="tx1"/>
-                    </a:gs>
-                  </a:gsLst>
-                  <a:lin ang="5400000" scaled="0"/>
-                </a:gradFill>
-                <a:latin typeface="+mn-lt"/>
-                <a:ea typeface="+mn-ea"/>
-                <a:cs typeface="+mn-cs"/>
-              </a:defRPr>
-            </a:lvl4pPr>
-            <a:lvl5pPr marL="1023938" marR="0" indent="-168275" algn="l" defTabSz="932742" rtl="0" eaLnBrk="1" fontAlgn="auto" latinLnBrk="0" hangingPunct="1">
-              <a:lnSpc>
-                <a:spcPct val="100000"/>
-              </a:lnSpc>
-              <a:spcBef>
-                <a:spcPct val="20000"/>
-              </a:spcBef>
-              <a:spcAft>
-                <a:spcPts val="0"/>
-              </a:spcAft>
-              <a:buClrTx/>
-              <a:buSzPct val="90000"/>
-              <a:buFont typeface="Wingdings" panose="05000000000000000000" pitchFamily="2" charset="2"/>
-              <a:buChar char=""/>
-              <a:tabLst/>
-              <a:defRPr sz="1400" kern="1200" spc="0" baseline="0">
-                <a:gradFill>
-                  <a:gsLst>
-                    <a:gs pos="1250">
-                      <a:schemeClr val="tx1"/>
-                    </a:gs>
-                    <a:gs pos="100000">
-                      <a:schemeClr val="tx1"/>
-                    </a:gs>
-                  </a:gsLst>
-                  <a:lin ang="5400000" scaled="0"/>
-                </a:gradFill>
-                <a:latin typeface="+mn-lt"/>
-                <a:ea typeface="+mn-ea"/>
-                <a:cs typeface="+mn-cs"/>
-              </a:defRPr>
-            </a:lvl5pPr>
-            <a:lvl6pPr marL="2565040" indent="-233186" algn="l" defTabSz="932742" rtl="0" eaLnBrk="1" latinLnBrk="0" hangingPunct="1">
-              <a:spcBef>
-                <a:spcPct val="20000"/>
-              </a:spcBef>
-              <a:buFont typeface="Arial" pitchFamily="34" charset="0"/>
-              <a:buChar char="•"/>
-              <a:defRPr sz="2000" kern="1200">
-                <a:solidFill>
-                  <a:schemeClr val="tx1"/>
-                </a:solidFill>
-                <a:latin typeface="+mn-lt"/>
-                <a:ea typeface="+mn-ea"/>
-                <a:cs typeface="+mn-cs"/>
-              </a:defRPr>
-            </a:lvl6pPr>
-            <a:lvl7pPr marL="3031412" indent="-233186" algn="l" defTabSz="932742" rtl="0" eaLnBrk="1" latinLnBrk="0" hangingPunct="1">
-              <a:spcBef>
-                <a:spcPct val="20000"/>
-              </a:spcBef>
-              <a:buFont typeface="Arial" pitchFamily="34" charset="0"/>
-              <a:buChar char="•"/>
-              <a:defRPr sz="2000" kern="1200">
-                <a:solidFill>
-                  <a:schemeClr val="tx1"/>
-                </a:solidFill>
-                <a:latin typeface="+mn-lt"/>
-                <a:ea typeface="+mn-ea"/>
-                <a:cs typeface="+mn-cs"/>
-              </a:defRPr>
-            </a:lvl7pPr>
-            <a:lvl8pPr marL="3497783" indent="-233186" algn="l" defTabSz="932742" rtl="0" eaLnBrk="1" latinLnBrk="0" hangingPunct="1">
-              <a:spcBef>
-                <a:spcPct val="20000"/>
-              </a:spcBef>
-              <a:buFont typeface="Arial" pitchFamily="34" charset="0"/>
-              <a:buChar char="•"/>
-              <a:defRPr sz="2000" kern="1200">
-                <a:solidFill>
-                  <a:schemeClr val="tx1"/>
-                </a:solidFill>
-                <a:latin typeface="+mn-lt"/>
-                <a:ea typeface="+mn-ea"/>
-                <a:cs typeface="+mn-cs"/>
-              </a:defRPr>
-            </a:lvl8pPr>
-            <a:lvl9pPr marL="3964155" indent="-233186" algn="l" defTabSz="932742" rtl="0" eaLnBrk="1" latinLnBrk="0" hangingPunct="1">
-              <a:spcBef>
-                <a:spcPct val="20000"/>
-              </a:spcBef>
-              <a:buFont typeface="Arial" pitchFamily="34" charset="0"/>
-              <a:buChar char="•"/>
-              <a:defRPr sz="2000" kern="1200">
-                <a:solidFill>
-                  <a:schemeClr val="tx1"/>
-                </a:solidFill>
-                <a:latin typeface="+mn-lt"/>
-                <a:ea typeface="+mn-ea"/>
-                <a:cs typeface="+mn-cs"/>
-              </a:defRPr>
-            </a:lvl9pPr>
-          </a:lstStyle>
-          <a:p>
-            <a:pPr marL="0" lvl="0" indent="0">
-              <a:buNone/>
-              <a:defRPr/>
-            </a:pPr>
-            <a:r>
-              <a:rPr kumimoji="0" lang="en-US" sz="2000" b="1" i="0" u="none" strike="noStrike" kern="1200" cap="none" spc="0" normalizeH="0" baseline="0" noProof="0" dirty="0">
-                <a:ln>
-                  <a:noFill/>
-                </a:ln>
-                <a:solidFill>
-                  <a:srgbClr val="2C65E1"/>
-                </a:solidFill>
-                <a:effectLst/>
-                <a:uLnTx/>
-                <a:uFillTx/>
-                <a:latin typeface="+mj-lt"/>
-                <a:ea typeface="+mn-ea"/>
-                <a:cs typeface="Segoe UI Semibold" panose="020B0702040204020203" pitchFamily="34" charset="0"/>
-              </a:rPr>
-              <a:t>docs.microsoft.com/azure/azure-</a:t>
-            </a:r>
-            <a:r>
-              <a:rPr kumimoji="0" lang="en-US" sz="2000" b="1" i="0" u="none" strike="noStrike" kern="1200" cap="none" spc="0" normalizeH="0" baseline="0" noProof="0" dirty="0" err="1">
-                <a:ln>
-                  <a:noFill/>
-                </a:ln>
-                <a:solidFill>
-                  <a:srgbClr val="2C65E1"/>
-                </a:solidFill>
-                <a:effectLst/>
-                <a:uLnTx/>
-                <a:uFillTx/>
-                <a:latin typeface="+mj-lt"/>
-                <a:ea typeface="+mn-ea"/>
-                <a:cs typeface="Segoe UI Semibold" panose="020B0702040204020203" pitchFamily="34" charset="0"/>
-              </a:rPr>
-              <a:t>signalr</a:t>
-            </a:r>
-            <a:endParaRPr kumimoji="0" lang="en-US" sz="2000" b="1" i="0" u="none" strike="noStrike" kern="1200" cap="none" spc="0" normalizeH="0" baseline="0" noProof="0" dirty="0">
-              <a:ln>
-                <a:noFill/>
-              </a:ln>
-              <a:solidFill>
-                <a:srgbClr val="2C65E1"/>
-              </a:solidFill>
-              <a:effectLst/>
-              <a:uLnTx/>
-              <a:uFillTx/>
-              <a:latin typeface="+mj-lt"/>
-              <a:ea typeface="+mn-ea"/>
-              <a:cs typeface="Segoe UI Semibold" panose="020B0702040204020203" pitchFamily="34" charset="0"/>
-            </a:endParaRPr>
-          </a:p>
-        </p:txBody>
-      </p:sp>
-      <p:sp>
-        <p:nvSpPr>
-          <p:cNvPr id="9" name="Oval 8">
-            <a:extLst>
-              <a:ext uri="{FF2B5EF4-FFF2-40B4-BE49-F238E27FC236}">
-                <a16:creationId xmlns:a16="http://schemas.microsoft.com/office/drawing/2014/main" id="{4C2DA66B-024B-4EB9-AB88-26E2CF64BDB5}"/>
-              </a:ext>
-              <a:ext uri="{C183D7F6-B498-43B3-948B-1728B52AA6E4}">
-                <adec:decorative xmlns:adec="http://schemas.microsoft.com/office/drawing/2017/decorative" val="1"/>
-              </a:ext>
-            </a:extLst>
-          </p:cNvPr>
-          <p:cNvSpPr/>
-          <p:nvPr/>
-        </p:nvSpPr>
-        <p:spPr bwMode="auto">
-          <a:xfrm>
-            <a:off x="855767" y="2801937"/>
-            <a:ext cx="428462" cy="428460"/>
-          </a:xfrm>
-          <a:prstGeom prst="ellipse">
-            <a:avLst/>
-          </a:prstGeom>
-          <a:noFill/>
-          <a:ln w="28575" cap="flat" cmpd="sng" algn="ctr">
-            <a:solidFill>
-              <a:srgbClr val="2C65E1"/>
-            </a:solidFill>
-            <a:prstDash val="solid"/>
-            <a:headEnd type="none" w="med" len="med"/>
-            <a:tailEnd type="none" w="med" len="med"/>
-          </a:ln>
-          <a:effectLst/>
-        </p:spPr>
-        <p:txBody>
-          <a:bodyPr rot="0" spcFirstLastPara="0" vertOverflow="overflow" horzOverflow="overflow" vert="horz" wrap="square" lIns="0" tIns="0" rIns="0" bIns="0" numCol="1" spcCol="0" rtlCol="0" fromWordArt="0" anchor="ctr" anchorCtr="0" forceAA="0" compatLnSpc="1">
-            <a:prstTxWarp prst="textNoShape">
-              <a:avLst/>
-            </a:prstTxWarp>
-            <a:noAutofit/>
-          </a:bodyPr>
-          <a:lstStyle/>
-          <a:p>
-            <a:pPr marL="0" marR="0" lvl="0" indent="0" algn="ctr" defTabSz="932114" rtl="0" eaLnBrk="1" fontAlgn="base" latinLnBrk="0" hangingPunct="1">
-              <a:lnSpc>
-                <a:spcPct val="100000"/>
-              </a:lnSpc>
-              <a:spcBef>
-                <a:spcPct val="0"/>
-              </a:spcBef>
-              <a:spcAft>
-                <a:spcPct val="0"/>
-              </a:spcAft>
-              <a:buClrTx/>
-              <a:buSzTx/>
-              <a:buFontTx/>
-              <a:buNone/>
-              <a:tabLst/>
-              <a:defRPr/>
-            </a:pPr>
-            <a:r>
-              <a:rPr kumimoji="0" lang="en-US" sz="2000" b="0" i="0" u="none" strike="noStrike" kern="0" cap="none" spc="0" normalizeH="0" baseline="0" noProof="0" dirty="0">
-                <a:ln w="19050">
-                  <a:noFill/>
-                </a:ln>
-                <a:solidFill>
-                  <a:srgbClr val="2C65E1"/>
-                </a:solidFill>
-                <a:effectLst/>
-                <a:uLnTx/>
-                <a:uFillTx/>
-                <a:latin typeface="Segoe UI"/>
-                <a:ea typeface="Segoe UI" pitchFamily="34" charset="0"/>
-                <a:cs typeface="Segoe UI" pitchFamily="34" charset="0"/>
-                <a:sym typeface="Wingdings" panose="05000000000000000000" pitchFamily="2" charset="2"/>
-              </a:rPr>
-              <a:t></a:t>
-            </a:r>
-            <a:endParaRPr kumimoji="0" lang="en-US" sz="2000" b="0" i="0" u="none" strike="noStrike" kern="0" cap="none" spc="0" normalizeH="0" baseline="0" noProof="0" dirty="0">
-              <a:ln w="19050">
-                <a:noFill/>
-              </a:ln>
-              <a:solidFill>
-                <a:srgbClr val="2C65E1"/>
-              </a:solidFill>
-              <a:effectLst/>
-              <a:uLnTx/>
-              <a:uFillTx/>
-              <a:latin typeface="Segoe UI"/>
-              <a:ea typeface="Segoe UI" pitchFamily="34" charset="0"/>
-              <a:cs typeface="Segoe UI" pitchFamily="34" charset="0"/>
-            </a:endParaRPr>
-          </a:p>
-        </p:txBody>
-      </p:sp>
-      <p:sp>
-        <p:nvSpPr>
-          <p:cNvPr id="10" name="Text Placeholder 3">
-            <a:extLst>
-              <a:ext uri="{FF2B5EF4-FFF2-40B4-BE49-F238E27FC236}">
-                <a16:creationId xmlns:a16="http://schemas.microsoft.com/office/drawing/2014/main" id="{2DDFEC56-4FB6-463D-9673-ECCF9812AF8C}"/>
-              </a:ext>
-            </a:extLst>
-          </p:cNvPr>
-          <p:cNvSpPr txBox="1">
-            <a:spLocks/>
-          </p:cNvSpPr>
-          <p:nvPr/>
-        </p:nvSpPr>
-        <p:spPr>
-          <a:xfrm>
-            <a:off x="1437656" y="4183349"/>
-            <a:ext cx="6931330" cy="307777"/>
-          </a:xfrm>
-          <a:prstGeom prst="rect">
-            <a:avLst/>
-          </a:prstGeom>
-        </p:spPr>
-        <p:txBody>
-          <a:bodyPr vert="horz" wrap="square" lIns="0" tIns="0" rIns="0" bIns="0" rtlCol="0">
-            <a:spAutoFit/>
-          </a:bodyPr>
-          <a:lstStyle>
-            <a:lvl1pPr marL="228600" marR="0" indent="-228600" algn="l" defTabSz="932742" rtl="0" eaLnBrk="1" fontAlgn="auto" latinLnBrk="0" hangingPunct="1">
-              <a:lnSpc>
-                <a:spcPct val="100000"/>
-              </a:lnSpc>
-              <a:spcBef>
-                <a:spcPct val="20000"/>
-              </a:spcBef>
-              <a:spcAft>
-                <a:spcPts val="0"/>
-              </a:spcAft>
-              <a:buClrTx/>
-              <a:buSzPct val="90000"/>
-              <a:buFont typeface="Wingdings" panose="05000000000000000000" pitchFamily="2" charset="2"/>
-              <a:buChar char=""/>
-              <a:tabLst/>
-              <a:defRPr sz="2800" kern="1200" spc="0" baseline="0">
-                <a:gradFill>
-                  <a:gsLst>
-                    <a:gs pos="1250">
-                      <a:schemeClr val="tx1"/>
-                    </a:gs>
-                    <a:gs pos="100000">
-                      <a:schemeClr val="tx1"/>
-                    </a:gs>
-                  </a:gsLst>
-                  <a:lin ang="5400000" scaled="0"/>
-                </a:gradFill>
-                <a:latin typeface="Segoe UI Semilight" panose="020B0402040204020203" pitchFamily="34" charset="0"/>
-                <a:ea typeface="+mn-ea"/>
-                <a:cs typeface="Segoe UI Semilight" panose="020B0402040204020203" pitchFamily="34" charset="0"/>
-              </a:defRPr>
-            </a:lvl1pPr>
-            <a:lvl2pPr marL="457200" marR="0" indent="-228600" algn="l" defTabSz="932742" rtl="0" eaLnBrk="1" fontAlgn="auto" latinLnBrk="0" hangingPunct="1">
-              <a:lnSpc>
-                <a:spcPct val="100000"/>
-              </a:lnSpc>
-              <a:spcBef>
-                <a:spcPct val="20000"/>
-              </a:spcBef>
-              <a:spcAft>
-                <a:spcPts val="0"/>
-              </a:spcAft>
-              <a:buClrTx/>
-              <a:buSzPct val="90000"/>
-              <a:buFont typeface="Wingdings" panose="05000000000000000000" pitchFamily="2" charset="2"/>
-              <a:buChar char=""/>
-              <a:tabLst/>
-              <a:defRPr sz="2000" kern="1200" spc="0" baseline="0">
-                <a:gradFill>
-                  <a:gsLst>
-                    <a:gs pos="1250">
-                      <a:schemeClr val="tx1"/>
-                    </a:gs>
-                    <a:gs pos="100000">
-                      <a:schemeClr val="tx1"/>
-                    </a:gs>
-                  </a:gsLst>
-                  <a:lin ang="5400000" scaled="0"/>
-                </a:gradFill>
-                <a:latin typeface="+mn-lt"/>
-                <a:ea typeface="+mn-ea"/>
-                <a:cs typeface="+mn-cs"/>
-              </a:defRPr>
-            </a:lvl2pPr>
-            <a:lvl3pPr marL="657225" marR="0" indent="-200025" algn="l" defTabSz="932742" rtl="0" eaLnBrk="1" fontAlgn="auto" latinLnBrk="0" hangingPunct="1">
-              <a:lnSpc>
-                <a:spcPct val="100000"/>
-              </a:lnSpc>
-              <a:spcBef>
-                <a:spcPct val="20000"/>
-              </a:spcBef>
-              <a:spcAft>
-                <a:spcPts val="0"/>
-              </a:spcAft>
-              <a:buClrTx/>
-              <a:buSzPct val="90000"/>
-              <a:buFont typeface="Wingdings" panose="05000000000000000000" pitchFamily="2" charset="2"/>
-              <a:buChar char=""/>
-              <a:tabLst/>
-              <a:defRPr sz="1600" kern="1200" spc="0" baseline="0">
-                <a:gradFill>
-                  <a:gsLst>
-                    <a:gs pos="1250">
-                      <a:schemeClr val="tx1"/>
-                    </a:gs>
-                    <a:gs pos="100000">
-                      <a:schemeClr val="tx1"/>
-                    </a:gs>
-                  </a:gsLst>
-                  <a:lin ang="5400000" scaled="0"/>
-                </a:gradFill>
-                <a:latin typeface="+mn-lt"/>
-                <a:ea typeface="+mn-ea"/>
-                <a:cs typeface="+mn-cs"/>
-              </a:defRPr>
-            </a:lvl3pPr>
-            <a:lvl4pPr marL="842963" marR="0" indent="-180975" algn="l" defTabSz="932742" rtl="0" eaLnBrk="1" fontAlgn="auto" latinLnBrk="0" hangingPunct="1">
-              <a:lnSpc>
-                <a:spcPct val="100000"/>
-              </a:lnSpc>
-              <a:spcBef>
-                <a:spcPct val="20000"/>
-              </a:spcBef>
-              <a:spcAft>
-                <a:spcPts val="0"/>
-              </a:spcAft>
-              <a:buClrTx/>
-              <a:buSzPct val="90000"/>
-              <a:buFont typeface="Wingdings" panose="05000000000000000000" pitchFamily="2" charset="2"/>
-              <a:buChar char=""/>
-              <a:tabLst/>
-              <a:defRPr sz="1400" kern="1200" spc="0" baseline="0">
-                <a:gradFill>
-                  <a:gsLst>
-                    <a:gs pos="1250">
-                      <a:schemeClr val="tx1"/>
-                    </a:gs>
-                    <a:gs pos="100000">
-                      <a:schemeClr val="tx1"/>
-                    </a:gs>
-                  </a:gsLst>
-                  <a:lin ang="5400000" scaled="0"/>
-                </a:gradFill>
-                <a:latin typeface="+mn-lt"/>
-                <a:ea typeface="+mn-ea"/>
-                <a:cs typeface="+mn-cs"/>
-              </a:defRPr>
-            </a:lvl4pPr>
-            <a:lvl5pPr marL="1023938" marR="0" indent="-168275" algn="l" defTabSz="932742" rtl="0" eaLnBrk="1" fontAlgn="auto" latinLnBrk="0" hangingPunct="1">
-              <a:lnSpc>
-                <a:spcPct val="100000"/>
-              </a:lnSpc>
-              <a:spcBef>
-                <a:spcPct val="20000"/>
-              </a:spcBef>
-              <a:spcAft>
-                <a:spcPts val="0"/>
-              </a:spcAft>
-              <a:buClrTx/>
-              <a:buSzPct val="90000"/>
-              <a:buFont typeface="Wingdings" panose="05000000000000000000" pitchFamily="2" charset="2"/>
-              <a:buChar char=""/>
-              <a:tabLst/>
-              <a:defRPr sz="1400" kern="1200" spc="0" baseline="0">
-                <a:gradFill>
-                  <a:gsLst>
-                    <a:gs pos="1250">
-                      <a:schemeClr val="tx1"/>
-                    </a:gs>
-                    <a:gs pos="100000">
-                      <a:schemeClr val="tx1"/>
-                    </a:gs>
-                  </a:gsLst>
-                  <a:lin ang="5400000" scaled="0"/>
-                </a:gradFill>
-                <a:latin typeface="+mn-lt"/>
-                <a:ea typeface="+mn-ea"/>
-                <a:cs typeface="+mn-cs"/>
-              </a:defRPr>
-            </a:lvl5pPr>
-            <a:lvl6pPr marL="2565040" indent="-233186" algn="l" defTabSz="932742" rtl="0" eaLnBrk="1" latinLnBrk="0" hangingPunct="1">
-              <a:spcBef>
-                <a:spcPct val="20000"/>
-              </a:spcBef>
-              <a:buFont typeface="Arial" pitchFamily="34" charset="0"/>
-              <a:buChar char="•"/>
-              <a:defRPr sz="2000" kern="1200">
-                <a:solidFill>
-                  <a:schemeClr val="tx1"/>
-                </a:solidFill>
-                <a:latin typeface="+mn-lt"/>
-                <a:ea typeface="+mn-ea"/>
-                <a:cs typeface="+mn-cs"/>
-              </a:defRPr>
-            </a:lvl6pPr>
-            <a:lvl7pPr marL="3031412" indent="-233186" algn="l" defTabSz="932742" rtl="0" eaLnBrk="1" latinLnBrk="0" hangingPunct="1">
-              <a:spcBef>
-                <a:spcPct val="20000"/>
-              </a:spcBef>
-              <a:buFont typeface="Arial" pitchFamily="34" charset="0"/>
-              <a:buChar char="•"/>
-              <a:defRPr sz="2000" kern="1200">
-                <a:solidFill>
-                  <a:schemeClr val="tx1"/>
-                </a:solidFill>
-                <a:latin typeface="+mn-lt"/>
-                <a:ea typeface="+mn-ea"/>
-                <a:cs typeface="+mn-cs"/>
-              </a:defRPr>
-            </a:lvl7pPr>
-            <a:lvl8pPr marL="3497783" indent="-233186" algn="l" defTabSz="932742" rtl="0" eaLnBrk="1" latinLnBrk="0" hangingPunct="1">
-              <a:spcBef>
-                <a:spcPct val="20000"/>
-              </a:spcBef>
-              <a:buFont typeface="Arial" pitchFamily="34" charset="0"/>
-              <a:buChar char="•"/>
-              <a:defRPr sz="2000" kern="1200">
-                <a:solidFill>
-                  <a:schemeClr val="tx1"/>
-                </a:solidFill>
-                <a:latin typeface="+mn-lt"/>
-                <a:ea typeface="+mn-ea"/>
-                <a:cs typeface="+mn-cs"/>
-              </a:defRPr>
-            </a:lvl8pPr>
-            <a:lvl9pPr marL="3964155" indent="-233186" algn="l" defTabSz="932742" rtl="0" eaLnBrk="1" latinLnBrk="0" hangingPunct="1">
-              <a:spcBef>
-                <a:spcPct val="20000"/>
-              </a:spcBef>
-              <a:buFont typeface="Arial" pitchFamily="34" charset="0"/>
-              <a:buChar char="•"/>
-              <a:defRPr sz="2000" kern="1200">
-                <a:solidFill>
-                  <a:schemeClr val="tx1"/>
-                </a:solidFill>
-                <a:latin typeface="+mn-lt"/>
-                <a:ea typeface="+mn-ea"/>
-                <a:cs typeface="+mn-cs"/>
-              </a:defRPr>
-            </a:lvl9pPr>
-          </a:lstStyle>
-          <a:p>
-            <a:pPr marL="0" lvl="0" indent="0">
-              <a:buNone/>
-              <a:defRPr/>
-            </a:pPr>
-            <a:r>
-              <a:rPr lang="en-US" sz="2000" b="1" dirty="0">
-                <a:solidFill>
-                  <a:srgbClr val="2C65E1"/>
-                </a:solidFill>
-                <a:latin typeface="+mj-lt"/>
-                <a:cs typeface="Segoe UI Semibold" panose="020B0702040204020203" pitchFamily="34" charset="0"/>
-              </a:rPr>
-              <a:t>aka.ms/</a:t>
-            </a:r>
-            <a:r>
-              <a:rPr lang="en-US" sz="2000" b="1" dirty="0" err="1">
-                <a:solidFill>
-                  <a:srgbClr val="2C65E1"/>
-                </a:solidFill>
-                <a:latin typeface="+mj-lt"/>
-                <a:cs typeface="Segoe UI Semibold" panose="020B0702040204020203" pitchFamily="34" charset="0"/>
-              </a:rPr>
-              <a:t>nop</a:t>
-            </a:r>
-            <a:r>
-              <a:rPr lang="en-US" sz="2000" b="1" dirty="0">
-                <a:solidFill>
-                  <a:srgbClr val="2C65E1"/>
-                </a:solidFill>
-                <a:latin typeface="+mj-lt"/>
-                <a:cs typeface="Segoe UI Semibold" panose="020B0702040204020203" pitchFamily="34" charset="0"/>
-              </a:rPr>
-              <a:t>-</a:t>
-            </a:r>
-            <a:r>
-              <a:rPr lang="en-US" sz="2000" b="1" dirty="0" err="1">
-                <a:solidFill>
-                  <a:srgbClr val="2C65E1"/>
-                </a:solidFill>
-                <a:latin typeface="+mj-lt"/>
-                <a:cs typeface="Segoe UI Semibold" panose="020B0702040204020203" pitchFamily="34" charset="0"/>
-              </a:rPr>
-              <a:t>signalr</a:t>
-            </a:r>
-            <a:r>
-              <a:rPr lang="en-US" sz="2000" b="1" dirty="0">
-                <a:solidFill>
-                  <a:srgbClr val="2C65E1"/>
-                </a:solidFill>
-                <a:latin typeface="+mj-lt"/>
-                <a:cs typeface="Segoe UI Semibold" panose="020B0702040204020203" pitchFamily="34" charset="0"/>
-              </a:rPr>
-              <a:t>-slides</a:t>
-            </a:r>
-            <a:endParaRPr kumimoji="0" lang="en-US" sz="2000" b="1" i="0" u="none" strike="noStrike" kern="1200" cap="none" spc="0" normalizeH="0" baseline="0" noProof="0" dirty="0">
-              <a:ln>
-                <a:noFill/>
-              </a:ln>
-              <a:solidFill>
-                <a:srgbClr val="2C65E1"/>
-              </a:solidFill>
-              <a:effectLst/>
-              <a:uLnTx/>
-              <a:uFillTx/>
-              <a:latin typeface="+mj-lt"/>
-              <a:ea typeface="+mn-ea"/>
-              <a:cs typeface="Segoe UI Semibold" panose="020B0702040204020203" pitchFamily="34" charset="0"/>
-            </a:endParaRPr>
-          </a:p>
-        </p:txBody>
-      </p:sp>
-      <p:sp>
-        <p:nvSpPr>
-          <p:cNvPr id="11" name="Oval 10">
-            <a:extLst>
-              <a:ext uri="{FF2B5EF4-FFF2-40B4-BE49-F238E27FC236}">
-                <a16:creationId xmlns:a16="http://schemas.microsoft.com/office/drawing/2014/main" id="{37C22DE0-CB03-4AF7-B37B-128FB729E66C}"/>
-              </a:ext>
-              <a:ext uri="{C183D7F6-B498-43B3-948B-1728B52AA6E4}">
-                <adec:decorative xmlns:adec="http://schemas.microsoft.com/office/drawing/2017/decorative" val="1"/>
-              </a:ext>
-            </a:extLst>
-          </p:cNvPr>
-          <p:cNvSpPr/>
-          <p:nvPr/>
-        </p:nvSpPr>
-        <p:spPr bwMode="auto">
-          <a:xfrm>
-            <a:off x="855767" y="4121050"/>
-            <a:ext cx="428462" cy="428460"/>
-          </a:xfrm>
-          <a:prstGeom prst="ellipse">
-            <a:avLst/>
-          </a:prstGeom>
-          <a:noFill/>
-          <a:ln w="28575" cap="flat" cmpd="sng" algn="ctr">
-            <a:solidFill>
-              <a:srgbClr val="2C65E1"/>
-            </a:solidFill>
-            <a:prstDash val="solid"/>
-            <a:headEnd type="none" w="med" len="med"/>
-            <a:tailEnd type="none" w="med" len="med"/>
-          </a:ln>
-          <a:effectLst/>
-        </p:spPr>
-        <p:txBody>
-          <a:bodyPr rot="0" spcFirstLastPara="0" vertOverflow="overflow" horzOverflow="overflow" vert="horz" wrap="square" lIns="0" tIns="0" rIns="0" bIns="0" numCol="1" spcCol="0" rtlCol="0" fromWordArt="0" anchor="ctr" anchorCtr="0" forceAA="0" compatLnSpc="1">
-            <a:prstTxWarp prst="textNoShape">
-              <a:avLst/>
-            </a:prstTxWarp>
-            <a:noAutofit/>
-          </a:bodyPr>
-          <a:lstStyle/>
-          <a:p>
-            <a:pPr marL="0" marR="0" lvl="0" indent="0" algn="ctr" defTabSz="932114" rtl="0" eaLnBrk="1" fontAlgn="base" latinLnBrk="0" hangingPunct="1">
-              <a:lnSpc>
-                <a:spcPct val="100000"/>
-              </a:lnSpc>
-              <a:spcBef>
-                <a:spcPct val="0"/>
-              </a:spcBef>
-              <a:spcAft>
-                <a:spcPct val="0"/>
-              </a:spcAft>
-              <a:buClrTx/>
-              <a:buSzTx/>
-              <a:buFontTx/>
-              <a:buNone/>
-              <a:tabLst/>
-              <a:defRPr/>
-            </a:pPr>
-            <a:r>
-              <a:rPr kumimoji="0" lang="en-US" sz="2000" b="0" i="0" u="none" strike="noStrike" kern="0" cap="none" spc="0" normalizeH="0" baseline="0" noProof="0" dirty="0">
-                <a:ln w="19050">
-                  <a:noFill/>
-                </a:ln>
-                <a:solidFill>
-                  <a:srgbClr val="2C65E1"/>
-                </a:solidFill>
-                <a:effectLst/>
-                <a:uLnTx/>
-                <a:uFillTx/>
-                <a:latin typeface="Segoe UI"/>
-                <a:ea typeface="Segoe UI" pitchFamily="34" charset="0"/>
-                <a:cs typeface="Segoe UI" pitchFamily="34" charset="0"/>
-                <a:sym typeface="Wingdings" panose="05000000000000000000" pitchFamily="2" charset="2"/>
-              </a:rPr>
-              <a:t></a:t>
-            </a:r>
-            <a:endParaRPr kumimoji="0" lang="en-US" sz="2000" b="0" i="0" u="none" strike="noStrike" kern="0" cap="none" spc="0" normalizeH="0" baseline="0" noProof="0" dirty="0">
-              <a:ln w="19050">
-                <a:noFill/>
-              </a:ln>
-              <a:solidFill>
-                <a:srgbClr val="2C65E1"/>
-              </a:solidFill>
-              <a:effectLst/>
-              <a:uLnTx/>
-              <a:uFillTx/>
-              <a:latin typeface="Segoe UI"/>
-              <a:ea typeface="Segoe UI" pitchFamily="34" charset="0"/>
-              <a:cs typeface="Segoe UI" pitchFamily="34" charset="0"/>
-            </a:endParaRPr>
-          </a:p>
-        </p:txBody>
-      </p:sp>
-      <p:sp>
-        <p:nvSpPr>
-          <p:cNvPr id="12" name="Text Placeholder 3">
-            <a:extLst>
-              <a:ext uri="{FF2B5EF4-FFF2-40B4-BE49-F238E27FC236}">
-                <a16:creationId xmlns:a16="http://schemas.microsoft.com/office/drawing/2014/main" id="{C86B51AA-6835-4D28-8062-D45663C1EA0F}"/>
-              </a:ext>
-            </a:extLst>
-          </p:cNvPr>
-          <p:cNvSpPr txBox="1">
-            <a:spLocks/>
-          </p:cNvSpPr>
-          <p:nvPr/>
-        </p:nvSpPr>
-        <p:spPr>
-          <a:xfrm>
-            <a:off x="1437656" y="5382553"/>
-            <a:ext cx="6931330" cy="307777"/>
-          </a:xfrm>
-          <a:prstGeom prst="rect">
-            <a:avLst/>
-          </a:prstGeom>
-        </p:spPr>
-        <p:txBody>
-          <a:bodyPr vert="horz" wrap="square" lIns="0" tIns="0" rIns="0" bIns="0" rtlCol="0">
-            <a:spAutoFit/>
-          </a:bodyPr>
-          <a:lstStyle>
-            <a:lvl1pPr marL="228600" marR="0" indent="-228600" algn="l" defTabSz="932742" rtl="0" eaLnBrk="1" fontAlgn="auto" latinLnBrk="0" hangingPunct="1">
-              <a:lnSpc>
-                <a:spcPct val="100000"/>
-              </a:lnSpc>
-              <a:spcBef>
-                <a:spcPct val="20000"/>
-              </a:spcBef>
-              <a:spcAft>
-                <a:spcPts val="0"/>
-              </a:spcAft>
-              <a:buClrTx/>
-              <a:buSzPct val="90000"/>
-              <a:buFont typeface="Wingdings" panose="05000000000000000000" pitchFamily="2" charset="2"/>
-              <a:buChar char=""/>
-              <a:tabLst/>
-              <a:defRPr sz="2800" kern="1200" spc="0" baseline="0">
-                <a:gradFill>
-                  <a:gsLst>
-                    <a:gs pos="1250">
-                      <a:schemeClr val="tx1"/>
-                    </a:gs>
-                    <a:gs pos="100000">
-                      <a:schemeClr val="tx1"/>
-                    </a:gs>
-                  </a:gsLst>
-                  <a:lin ang="5400000" scaled="0"/>
-                </a:gradFill>
-                <a:latin typeface="Segoe UI Semilight" panose="020B0402040204020203" pitchFamily="34" charset="0"/>
-                <a:ea typeface="+mn-ea"/>
-                <a:cs typeface="Segoe UI Semilight" panose="020B0402040204020203" pitchFamily="34" charset="0"/>
-              </a:defRPr>
-            </a:lvl1pPr>
-            <a:lvl2pPr marL="457200" marR="0" indent="-228600" algn="l" defTabSz="932742" rtl="0" eaLnBrk="1" fontAlgn="auto" latinLnBrk="0" hangingPunct="1">
-              <a:lnSpc>
-                <a:spcPct val="100000"/>
-              </a:lnSpc>
-              <a:spcBef>
-                <a:spcPct val="20000"/>
-              </a:spcBef>
-              <a:spcAft>
-                <a:spcPts val="0"/>
-              </a:spcAft>
-              <a:buClrTx/>
-              <a:buSzPct val="90000"/>
-              <a:buFont typeface="Wingdings" panose="05000000000000000000" pitchFamily="2" charset="2"/>
-              <a:buChar char=""/>
-              <a:tabLst/>
-              <a:defRPr sz="2000" kern="1200" spc="0" baseline="0">
-                <a:gradFill>
-                  <a:gsLst>
-                    <a:gs pos="1250">
-                      <a:schemeClr val="tx1"/>
-                    </a:gs>
-                    <a:gs pos="100000">
-                      <a:schemeClr val="tx1"/>
-                    </a:gs>
-                  </a:gsLst>
-                  <a:lin ang="5400000" scaled="0"/>
-                </a:gradFill>
-                <a:latin typeface="+mn-lt"/>
-                <a:ea typeface="+mn-ea"/>
-                <a:cs typeface="+mn-cs"/>
-              </a:defRPr>
-            </a:lvl2pPr>
-            <a:lvl3pPr marL="657225" marR="0" indent="-200025" algn="l" defTabSz="932742" rtl="0" eaLnBrk="1" fontAlgn="auto" latinLnBrk="0" hangingPunct="1">
-              <a:lnSpc>
-                <a:spcPct val="100000"/>
-              </a:lnSpc>
-              <a:spcBef>
-                <a:spcPct val="20000"/>
-              </a:spcBef>
-              <a:spcAft>
-                <a:spcPts val="0"/>
-              </a:spcAft>
-              <a:buClrTx/>
-              <a:buSzPct val="90000"/>
-              <a:buFont typeface="Wingdings" panose="05000000000000000000" pitchFamily="2" charset="2"/>
-              <a:buChar char=""/>
-              <a:tabLst/>
-              <a:defRPr sz="1600" kern="1200" spc="0" baseline="0">
-                <a:gradFill>
-                  <a:gsLst>
-                    <a:gs pos="1250">
-                      <a:schemeClr val="tx1"/>
-                    </a:gs>
-                    <a:gs pos="100000">
-                      <a:schemeClr val="tx1"/>
-                    </a:gs>
-                  </a:gsLst>
-                  <a:lin ang="5400000" scaled="0"/>
-                </a:gradFill>
-                <a:latin typeface="+mn-lt"/>
-                <a:ea typeface="+mn-ea"/>
-                <a:cs typeface="+mn-cs"/>
-              </a:defRPr>
-            </a:lvl3pPr>
-            <a:lvl4pPr marL="842963" marR="0" indent="-180975" algn="l" defTabSz="932742" rtl="0" eaLnBrk="1" fontAlgn="auto" latinLnBrk="0" hangingPunct="1">
-              <a:lnSpc>
-                <a:spcPct val="100000"/>
-              </a:lnSpc>
-              <a:spcBef>
-                <a:spcPct val="20000"/>
-              </a:spcBef>
-              <a:spcAft>
-                <a:spcPts val="0"/>
-              </a:spcAft>
-              <a:buClrTx/>
-              <a:buSzPct val="90000"/>
-              <a:buFont typeface="Wingdings" panose="05000000000000000000" pitchFamily="2" charset="2"/>
-              <a:buChar char=""/>
-              <a:tabLst/>
-              <a:defRPr sz="1400" kern="1200" spc="0" baseline="0">
-                <a:gradFill>
-                  <a:gsLst>
-                    <a:gs pos="1250">
-                      <a:schemeClr val="tx1"/>
-                    </a:gs>
-                    <a:gs pos="100000">
-                      <a:schemeClr val="tx1"/>
-                    </a:gs>
-                  </a:gsLst>
-                  <a:lin ang="5400000" scaled="0"/>
-                </a:gradFill>
-                <a:latin typeface="+mn-lt"/>
-                <a:ea typeface="+mn-ea"/>
-                <a:cs typeface="+mn-cs"/>
-              </a:defRPr>
-            </a:lvl4pPr>
-            <a:lvl5pPr marL="1023938" marR="0" indent="-168275" algn="l" defTabSz="932742" rtl="0" eaLnBrk="1" fontAlgn="auto" latinLnBrk="0" hangingPunct="1">
-              <a:lnSpc>
-                <a:spcPct val="100000"/>
-              </a:lnSpc>
-              <a:spcBef>
-                <a:spcPct val="20000"/>
-              </a:spcBef>
-              <a:spcAft>
-                <a:spcPts val="0"/>
-              </a:spcAft>
-              <a:buClrTx/>
-              <a:buSzPct val="90000"/>
-              <a:buFont typeface="Wingdings" panose="05000000000000000000" pitchFamily="2" charset="2"/>
-              <a:buChar char=""/>
-              <a:tabLst/>
-              <a:defRPr sz="1400" kern="1200" spc="0" baseline="0">
-                <a:gradFill>
-                  <a:gsLst>
-                    <a:gs pos="1250">
-                      <a:schemeClr val="tx1"/>
-                    </a:gs>
-                    <a:gs pos="100000">
-                      <a:schemeClr val="tx1"/>
-                    </a:gs>
-                  </a:gsLst>
-                  <a:lin ang="5400000" scaled="0"/>
-                </a:gradFill>
-                <a:latin typeface="+mn-lt"/>
-                <a:ea typeface="+mn-ea"/>
-                <a:cs typeface="+mn-cs"/>
-              </a:defRPr>
-            </a:lvl5pPr>
-            <a:lvl6pPr marL="2565040" indent="-233186" algn="l" defTabSz="932742" rtl="0" eaLnBrk="1" latinLnBrk="0" hangingPunct="1">
-              <a:spcBef>
-                <a:spcPct val="20000"/>
-              </a:spcBef>
-              <a:buFont typeface="Arial" pitchFamily="34" charset="0"/>
-              <a:buChar char="•"/>
-              <a:defRPr sz="2000" kern="1200">
-                <a:solidFill>
-                  <a:schemeClr val="tx1"/>
-                </a:solidFill>
-                <a:latin typeface="+mn-lt"/>
-                <a:ea typeface="+mn-ea"/>
-                <a:cs typeface="+mn-cs"/>
-              </a:defRPr>
-            </a:lvl6pPr>
-            <a:lvl7pPr marL="3031412" indent="-233186" algn="l" defTabSz="932742" rtl="0" eaLnBrk="1" latinLnBrk="0" hangingPunct="1">
-              <a:spcBef>
-                <a:spcPct val="20000"/>
-              </a:spcBef>
-              <a:buFont typeface="Arial" pitchFamily="34" charset="0"/>
-              <a:buChar char="•"/>
-              <a:defRPr sz="2000" kern="1200">
-                <a:solidFill>
-                  <a:schemeClr val="tx1"/>
-                </a:solidFill>
-                <a:latin typeface="+mn-lt"/>
-                <a:ea typeface="+mn-ea"/>
-                <a:cs typeface="+mn-cs"/>
-              </a:defRPr>
-            </a:lvl7pPr>
-            <a:lvl8pPr marL="3497783" indent="-233186" algn="l" defTabSz="932742" rtl="0" eaLnBrk="1" latinLnBrk="0" hangingPunct="1">
-              <a:spcBef>
-                <a:spcPct val="20000"/>
-              </a:spcBef>
-              <a:buFont typeface="Arial" pitchFamily="34" charset="0"/>
-              <a:buChar char="•"/>
-              <a:defRPr sz="2000" kern="1200">
-                <a:solidFill>
-                  <a:schemeClr val="tx1"/>
-                </a:solidFill>
-                <a:latin typeface="+mn-lt"/>
-                <a:ea typeface="+mn-ea"/>
-                <a:cs typeface="+mn-cs"/>
-              </a:defRPr>
-            </a:lvl8pPr>
-            <a:lvl9pPr marL="3964155" indent="-233186" algn="l" defTabSz="932742" rtl="0" eaLnBrk="1" latinLnBrk="0" hangingPunct="1">
-              <a:spcBef>
-                <a:spcPct val="20000"/>
-              </a:spcBef>
-              <a:buFont typeface="Arial" pitchFamily="34" charset="0"/>
-              <a:buChar char="•"/>
-              <a:defRPr sz="2000" kern="1200">
-                <a:solidFill>
-                  <a:schemeClr val="tx1"/>
-                </a:solidFill>
-                <a:latin typeface="+mn-lt"/>
-                <a:ea typeface="+mn-ea"/>
-                <a:cs typeface="+mn-cs"/>
-              </a:defRPr>
-            </a:lvl9pPr>
-          </a:lstStyle>
-          <a:p>
-            <a:pPr marL="0" lvl="0" indent="0">
-              <a:buNone/>
-              <a:defRPr/>
-            </a:pPr>
-            <a:r>
-              <a:rPr kumimoji="0" lang="en-US" sz="2000" b="1" i="0" u="none" strike="noStrike" kern="1200" cap="none" spc="0" normalizeH="0" baseline="0" noProof="0" dirty="0">
-                <a:ln>
-                  <a:noFill/>
-                </a:ln>
-                <a:solidFill>
-                  <a:srgbClr val="2C65E1"/>
-                </a:solidFill>
-                <a:effectLst/>
-                <a:uLnTx/>
-                <a:uFillTx/>
-                <a:latin typeface="+mj-lt"/>
-                <a:ea typeface="+mn-ea"/>
-                <a:cs typeface="Segoe UI Semibold" panose="020B0702040204020203" pitchFamily="34" charset="0"/>
-              </a:rPr>
-              <a:t>github.com/</a:t>
-            </a:r>
-            <a:r>
-              <a:rPr kumimoji="0" lang="en-US" sz="2000" b="1" i="0" u="none" strike="noStrike" kern="1200" cap="none" spc="0" normalizeH="0" baseline="0" noProof="0" dirty="0" err="1">
-                <a:ln>
-                  <a:noFill/>
-                </a:ln>
-                <a:solidFill>
-                  <a:srgbClr val="2C65E1"/>
-                </a:solidFill>
-                <a:effectLst/>
-                <a:uLnTx/>
-                <a:uFillTx/>
-                <a:latin typeface="+mj-lt"/>
-                <a:ea typeface="+mn-ea"/>
-                <a:cs typeface="Segoe UI Semibold" panose="020B0702040204020203" pitchFamily="34" charset="0"/>
-              </a:rPr>
-              <a:t>aspnet</a:t>
-            </a:r>
-            <a:r>
-              <a:rPr kumimoji="0" lang="en-US" sz="2000" b="1" i="0" u="none" strike="noStrike" kern="1200" cap="none" spc="0" normalizeH="0" baseline="0" noProof="0" dirty="0">
-                <a:ln>
-                  <a:noFill/>
-                </a:ln>
-                <a:solidFill>
-                  <a:srgbClr val="2C65E1"/>
-                </a:solidFill>
-                <a:effectLst/>
-                <a:uLnTx/>
-                <a:uFillTx/>
-                <a:latin typeface="+mj-lt"/>
-                <a:ea typeface="+mn-ea"/>
-                <a:cs typeface="Segoe UI Semibold" panose="020B0702040204020203" pitchFamily="34" charset="0"/>
-              </a:rPr>
-              <a:t>/</a:t>
-            </a:r>
-            <a:r>
-              <a:rPr kumimoji="0" lang="en-US" sz="2000" b="1" i="0" u="none" strike="noStrike" kern="1200" cap="none" spc="0" normalizeH="0" baseline="0" noProof="0" dirty="0" err="1">
-                <a:ln>
-                  <a:noFill/>
-                </a:ln>
-                <a:solidFill>
-                  <a:srgbClr val="2C65E1"/>
-                </a:solidFill>
-                <a:effectLst/>
-                <a:uLnTx/>
-                <a:uFillTx/>
-                <a:latin typeface="+mj-lt"/>
-                <a:ea typeface="+mn-ea"/>
-                <a:cs typeface="Segoe UI Semibold" panose="020B0702040204020203" pitchFamily="34" charset="0"/>
-              </a:rPr>
-              <a:t>SignalR</a:t>
-            </a:r>
-            <a:r>
-              <a:rPr kumimoji="0" lang="en-US" sz="2000" b="1" i="0" u="none" strike="noStrike" kern="1200" cap="none" spc="0" normalizeH="0" baseline="0" noProof="0" dirty="0">
-                <a:ln>
-                  <a:noFill/>
-                </a:ln>
-                <a:solidFill>
-                  <a:srgbClr val="2C65E1"/>
-                </a:solidFill>
-                <a:effectLst/>
-                <a:uLnTx/>
-                <a:uFillTx/>
-                <a:latin typeface="+mj-lt"/>
-                <a:ea typeface="+mn-ea"/>
-                <a:cs typeface="Segoe UI Semibold" panose="020B0702040204020203" pitchFamily="34" charset="0"/>
-              </a:rPr>
-              <a:t>-samples</a:t>
-            </a:r>
-          </a:p>
-        </p:txBody>
-      </p:sp>
-      <p:sp>
-        <p:nvSpPr>
-          <p:cNvPr id="13" name="Oval 12">
-            <a:extLst>
-              <a:ext uri="{FF2B5EF4-FFF2-40B4-BE49-F238E27FC236}">
-                <a16:creationId xmlns:a16="http://schemas.microsoft.com/office/drawing/2014/main" id="{371EF5D5-BD71-40AA-B7CD-BB3DE2115276}"/>
-              </a:ext>
-              <a:ext uri="{C183D7F6-B498-43B3-948B-1728B52AA6E4}">
-                <adec:decorative xmlns:adec="http://schemas.microsoft.com/office/drawing/2017/decorative" val="1"/>
-              </a:ext>
-            </a:extLst>
-          </p:cNvPr>
-          <p:cNvSpPr/>
-          <p:nvPr/>
-        </p:nvSpPr>
-        <p:spPr bwMode="auto">
-          <a:xfrm>
-            <a:off x="855767" y="5320254"/>
-            <a:ext cx="428462" cy="428460"/>
-          </a:xfrm>
-          <a:prstGeom prst="ellipse">
-            <a:avLst/>
-          </a:prstGeom>
-          <a:noFill/>
-          <a:ln w="28575" cap="flat" cmpd="sng" algn="ctr">
-            <a:solidFill>
-              <a:srgbClr val="2C65E1"/>
-            </a:solidFill>
-            <a:prstDash val="solid"/>
-            <a:headEnd type="none" w="med" len="med"/>
-            <a:tailEnd type="none" w="med" len="med"/>
-          </a:ln>
-          <a:effectLst/>
-        </p:spPr>
-        <p:txBody>
-          <a:bodyPr rot="0" spcFirstLastPara="0" vertOverflow="overflow" horzOverflow="overflow" vert="horz" wrap="square" lIns="0" tIns="0" rIns="0" bIns="0" numCol="1" spcCol="0" rtlCol="0" fromWordArt="0" anchor="ctr" anchorCtr="0" forceAA="0" compatLnSpc="1">
-            <a:prstTxWarp prst="textNoShape">
-              <a:avLst/>
-            </a:prstTxWarp>
-            <a:noAutofit/>
-          </a:bodyPr>
-          <a:lstStyle/>
-          <a:p>
-            <a:pPr marL="0" marR="0" lvl="0" indent="0" algn="ctr" defTabSz="932114" rtl="0" eaLnBrk="1" fontAlgn="base" latinLnBrk="0" hangingPunct="1">
-              <a:lnSpc>
-                <a:spcPct val="100000"/>
-              </a:lnSpc>
-              <a:spcBef>
-                <a:spcPct val="0"/>
-              </a:spcBef>
-              <a:spcAft>
-                <a:spcPct val="0"/>
-              </a:spcAft>
-              <a:buClrTx/>
-              <a:buSzTx/>
-              <a:buFontTx/>
-              <a:buNone/>
-              <a:tabLst/>
-              <a:defRPr/>
-            </a:pPr>
-            <a:r>
-              <a:rPr kumimoji="0" lang="en-US" sz="2000" b="0" i="0" u="none" strike="noStrike" kern="0" cap="none" spc="0" normalizeH="0" baseline="0" noProof="0" dirty="0">
-                <a:ln w="19050">
-                  <a:noFill/>
-                </a:ln>
-                <a:solidFill>
-                  <a:srgbClr val="2C65E1"/>
-                </a:solidFill>
-                <a:effectLst/>
-                <a:uLnTx/>
-                <a:uFillTx/>
-                <a:latin typeface="Segoe UI"/>
-                <a:ea typeface="Segoe UI" pitchFamily="34" charset="0"/>
-                <a:cs typeface="Segoe UI" pitchFamily="34" charset="0"/>
-                <a:sym typeface="Wingdings" panose="05000000000000000000" pitchFamily="2" charset="2"/>
-              </a:rPr>
-              <a:t></a:t>
-            </a:r>
-            <a:endParaRPr kumimoji="0" lang="en-US" sz="2000" b="0" i="0" u="none" strike="noStrike" kern="0" cap="none" spc="0" normalizeH="0" baseline="0" noProof="0" dirty="0">
-              <a:ln w="19050">
-                <a:noFill/>
-              </a:ln>
-              <a:solidFill>
-                <a:srgbClr val="2C65E1"/>
-              </a:solidFill>
-              <a:effectLst/>
-              <a:uLnTx/>
-              <a:uFillTx/>
-              <a:latin typeface="Segoe UI"/>
-              <a:ea typeface="Segoe UI" pitchFamily="34" charset="0"/>
-              <a:cs typeface="Segoe UI" pitchFamily="34" charset="0"/>
-            </a:endParaRPr>
-          </a:p>
-        </p:txBody>
-      </p:sp>
-      <p:grpSp>
-        <p:nvGrpSpPr>
-          <p:cNvPr id="14" name="Group 13">
-            <a:extLst>
-              <a:ext uri="{FF2B5EF4-FFF2-40B4-BE49-F238E27FC236}">
-                <a16:creationId xmlns:a16="http://schemas.microsoft.com/office/drawing/2014/main" id="{A73E9A39-A236-474F-8824-5CF3D2493C7E}"/>
-              </a:ext>
-            </a:extLst>
-          </p:cNvPr>
-          <p:cNvGrpSpPr/>
-          <p:nvPr/>
-        </p:nvGrpSpPr>
-        <p:grpSpPr>
-          <a:xfrm>
-            <a:off x="6660490" y="2020844"/>
-            <a:ext cx="5337835" cy="4120209"/>
-            <a:chOff x="7116717" y="2055624"/>
-            <a:chExt cx="5337835" cy="4120209"/>
-          </a:xfrm>
-        </p:grpSpPr>
-        <p:pic>
-          <p:nvPicPr>
-            <p:cNvPr id="16" name="Picture 15">
-              <a:extLst>
-                <a:ext uri="{FF2B5EF4-FFF2-40B4-BE49-F238E27FC236}">
-                  <a16:creationId xmlns:a16="http://schemas.microsoft.com/office/drawing/2014/main" id="{7E0AD7A4-2A86-4C20-A592-6188B205AEB4}"/>
-                </a:ext>
-              </a:extLst>
-            </p:cNvPr>
-            <p:cNvPicPr>
-              <a:picLocks noChangeAspect="1"/>
-            </p:cNvPicPr>
-            <p:nvPr/>
-          </p:nvPicPr>
-          <p:blipFill>
-            <a:blip r:embed="rId4"/>
-            <a:stretch>
-              <a:fillRect/>
-            </a:stretch>
-          </p:blipFill>
-          <p:spPr>
-            <a:xfrm>
-              <a:off x="9113654" y="3914021"/>
-              <a:ext cx="3340898" cy="2261812"/>
-            </a:xfrm>
-            <a:prstGeom prst="rect">
-              <a:avLst/>
-            </a:prstGeom>
-          </p:spPr>
-        </p:pic>
-        <p:pic>
-          <p:nvPicPr>
-            <p:cNvPr id="15" name="Picture 14">
-              <a:extLst>
-                <a:ext uri="{FF2B5EF4-FFF2-40B4-BE49-F238E27FC236}">
-                  <a16:creationId xmlns:a16="http://schemas.microsoft.com/office/drawing/2014/main" id="{E4BA83AD-6A88-4F61-84B4-B7DCA94E6EE2}"/>
-                </a:ext>
-              </a:extLst>
-            </p:cNvPr>
-            <p:cNvPicPr>
-              <a:picLocks noChangeAspect="1"/>
-            </p:cNvPicPr>
-            <p:nvPr/>
-          </p:nvPicPr>
-          <p:blipFill>
-            <a:blip r:embed="rId4"/>
-            <a:stretch>
-              <a:fillRect/>
-            </a:stretch>
-          </p:blipFill>
-          <p:spPr>
-            <a:xfrm>
-              <a:off x="7116717" y="2827606"/>
-              <a:ext cx="3340898" cy="2261812"/>
-            </a:xfrm>
-            <a:prstGeom prst="rect">
-              <a:avLst/>
-            </a:prstGeom>
-          </p:spPr>
-        </p:pic>
-        <p:pic>
-          <p:nvPicPr>
-            <p:cNvPr id="2050" name="Picture 2">
-              <a:extLst>
-                <a:ext uri="{FF2B5EF4-FFF2-40B4-BE49-F238E27FC236}">
-                  <a16:creationId xmlns:a16="http://schemas.microsoft.com/office/drawing/2014/main" id="{0ADE9DE0-BDA4-46F1-8A99-787EEB7D8AD7}"/>
-                </a:ext>
-              </a:extLst>
-            </p:cNvPr>
-            <p:cNvPicPr>
-              <a:picLocks noChangeAspect="1" noChangeArrowheads="1"/>
-            </p:cNvPicPr>
-            <p:nvPr/>
-          </p:nvPicPr>
-          <p:blipFill>
-            <a:blip r:embed="rId5">
-              <a:extLst>
-                <a:ext uri="{28A0092B-C50C-407E-A947-70E740481C1C}">
-                  <a14:useLocalDpi xmlns:a14="http://schemas.microsoft.com/office/drawing/2010/main" val="0"/>
-                </a:ext>
-              </a:extLst>
-            </a:blip>
-            <a:srcRect/>
-            <a:stretch>
-              <a:fillRect/>
-            </a:stretch>
-          </p:blipFill>
-          <p:spPr bwMode="auto">
-            <a:xfrm>
-              <a:off x="8132763" y="2055624"/>
-              <a:ext cx="3790950" cy="3533775"/>
-            </a:xfrm>
-            <a:prstGeom prst="rect">
-              <a:avLst/>
-            </a:prstGeom>
-            <a:noFill/>
-            <a:extLst>
-              <a:ext uri="{909E8E84-426E-40DD-AFC4-6F175D3DCCD1}">
-                <a14:hiddenFill xmlns:a14="http://schemas.microsoft.com/office/drawing/2010/main">
-                  <a:solidFill>
-                    <a:srgbClr val="FFFFFF"/>
-                  </a:solidFill>
-                </a14:hiddenFill>
-              </a:ext>
-            </a:extLst>
-          </p:spPr>
-        </p:pic>
-      </p:grpSp>
-    </p:spTree>
-    <p:extLst>
-      <p:ext uri="{BB962C8B-B14F-4D97-AF65-F5344CB8AC3E}">
-        <p14:creationId xmlns:p14="http://schemas.microsoft.com/office/powerpoint/2010/main" val="2369877498"/>
-      </p:ext>
-    </p:extLst>
-  </p:cSld>
-  <p:clrMapOvr>
-    <a:masterClrMapping/>
-  </p:clrMapOvr>
 </p:sld>
 </file>
 
@@ -26446,6 +26727,46 @@
 </file>
 
 <file path=customXml/item1.xml><?xml version="1.0" encoding="utf-8"?>
+<?mso-contentType ?>
+<FormTemplates xmlns="http://schemas.microsoft.com/sharepoint/v3/contenttype/forms">
+  <Display>DocumentLibraryForm</Display>
+  <Edit>DocumentLibraryForm</Edit>
+  <New>DocumentLibraryForm</New>
+</FormTemplates>
+</file>
+
+<file path=customXml/item2.xml><?xml version="1.0" encoding="utf-8"?>
+<p:properties xmlns:p="http://schemas.microsoft.com/office/2006/metadata/properties" xmlns:xsi="http://www.w3.org/2001/XMLSchema-instance" xmlns:pc="http://schemas.microsoft.com/office/infopath/2007/PartnerControls">
+  <documentManagement>
+    <_ip_UnifiedCompliancePolicyUIAction xmlns="http://schemas.microsoft.com/sharepoint/v3" xsi:nil="true"/>
+    <IconOverlay xmlns="http://schemas.microsoft.com/sharepoint/v4" xsi:nil="true"/>
+    <Preview xmlns="15c98cf3-0896-4040-874f-f436925621df">
+      <Url xsi:nil="true"/>
+      <Description xsi:nil="true"/>
+    </Preview>
+    <_ip_UnifiedCompliancePolicyProperties xmlns="http://schemas.microsoft.com/sharepoint/v3" xsi:nil="true"/>
+    <SharedWithUsers xmlns="af610f50-4aee-43ff-9d65-64420adb70d2">
+      <UserInfo>
+        <DisplayName>Shriram Natarajan</DisplayName>
+        <AccountId>645</AccountId>
+        <AccountType/>
+      </UserInfo>
+      <UserInfo>
+        <DisplayName>Siddique Juman</DisplayName>
+        <AccountId>79219</AccountId>
+        <AccountType/>
+      </UserInfo>
+      <UserInfo>
+        <DisplayName>Tiberiu Radu</DisplayName>
+        <AccountId>42551</AccountId>
+        <AccountType/>
+      </UserInfo>
+    </SharedWithUsers>
+  </documentManagement>
+</p:properties>
+</file>
+
+<file path=customXml/item3.xml><?xml version="1.0" encoding="utf-8"?>
 <ct:contentTypeSchema xmlns:ct="http://schemas.microsoft.com/office/2006/metadata/contentType" xmlns:ma="http://schemas.microsoft.com/office/2006/metadata/properties/metaAttributes" ct:_="" ma:_="" ma:contentTypeName="Document" ma:contentTypeID="0x010100F5F187B9059DF945B25AB5B2F3BA0895" ma:contentTypeVersion="17" ma:contentTypeDescription="Create a new document." ma:contentTypeScope="" ma:versionID="454b11af52e6a4a001d7a94430b0600d">
   <xsd:schema xmlns:xsd="http://www.w3.org/2001/XMLSchema" xmlns:xs="http://www.w3.org/2001/XMLSchema" xmlns:p="http://schemas.microsoft.com/office/2006/metadata/properties" xmlns:ns1="http://schemas.microsoft.com/sharepoint/v3" xmlns:ns2="af610f50-4aee-43ff-9d65-64420adb70d2" xmlns:ns3="http://schemas.microsoft.com/sharepoint/v4" xmlns:ns4="15c98cf3-0896-4040-874f-f436925621df" targetNamespace="http://schemas.microsoft.com/office/2006/metadata/properties" ma:root="true" ma:fieldsID="94f54606d29a996f622cc5db0382967e" ns1:_="" ns2:_="" ns3:_="" ns4:_="">
     <xsd:import namespace="http://schemas.microsoft.com/sharepoint/v3"/>
@@ -26709,63 +27030,10 @@
 </ct:contentTypeSchema>
 </file>
 
-<file path=customXml/item2.xml><?xml version="1.0" encoding="utf-8"?>
-<p:properties xmlns:p="http://schemas.microsoft.com/office/2006/metadata/properties" xmlns:xsi="http://www.w3.org/2001/XMLSchema-instance" xmlns:pc="http://schemas.microsoft.com/office/infopath/2007/PartnerControls">
-  <documentManagement>
-    <_ip_UnifiedCompliancePolicyUIAction xmlns="http://schemas.microsoft.com/sharepoint/v3" xsi:nil="true"/>
-    <IconOverlay xmlns="http://schemas.microsoft.com/sharepoint/v4" xsi:nil="true"/>
-    <Preview xmlns="15c98cf3-0896-4040-874f-f436925621df">
-      <Url xsi:nil="true"/>
-      <Description xsi:nil="true"/>
-    </Preview>
-    <_ip_UnifiedCompliancePolicyProperties xmlns="http://schemas.microsoft.com/sharepoint/v3" xsi:nil="true"/>
-    <SharedWithUsers xmlns="af610f50-4aee-43ff-9d65-64420adb70d2">
-      <UserInfo>
-        <DisplayName>Shriram Natarajan</DisplayName>
-        <AccountId>645</AccountId>
-        <AccountType/>
-      </UserInfo>
-      <UserInfo>
-        <DisplayName>Siddique Juman</DisplayName>
-        <AccountId>79219</AccountId>
-        <AccountType/>
-      </UserInfo>
-      <UserInfo>
-        <DisplayName>Tiberiu Radu</DisplayName>
-        <AccountId>42551</AccountId>
-        <AccountType/>
-      </UserInfo>
-    </SharedWithUsers>
-  </documentManagement>
-</p:properties>
-</file>
-
-<file path=customXml/item3.xml><?xml version="1.0" encoding="utf-8"?>
-<?mso-contentType ?>
-<FormTemplates xmlns="http://schemas.microsoft.com/sharepoint/v3/contenttype/forms">
-  <Display>DocumentLibraryForm</Display>
-  <Edit>DocumentLibraryForm</Edit>
-  <New>DocumentLibraryForm</New>
-</FormTemplates>
-</file>
-
 <file path=customXml/itemProps1.xml><?xml version="1.0" encoding="utf-8"?>
-<ds:datastoreItem xmlns:ds="http://schemas.openxmlformats.org/officeDocument/2006/customXml" ds:itemID="{366A0CB4-B94D-48B7-AE6B-3133538C8CAA}">
+<ds:datastoreItem xmlns:ds="http://schemas.openxmlformats.org/officeDocument/2006/customXml" ds:itemID="{A0CFF515-FEE6-4B9C-8B96-C300A0063377}">
   <ds:schemaRefs>
-    <ds:schemaRef ds:uri="http://schemas.microsoft.com/office/2006/metadata/contentType"/>
-    <ds:schemaRef ds:uri="http://schemas.microsoft.com/office/2006/metadata/properties/metaAttributes"/>
-    <ds:schemaRef ds:uri="http://www.w3.org/2001/XMLSchema"/>
-    <ds:schemaRef ds:uri="http://schemas.microsoft.com/office/2006/metadata/properties"/>
-    <ds:schemaRef ds:uri="http://schemas.microsoft.com/sharepoint/v3"/>
-    <ds:schemaRef ds:uri="af610f50-4aee-43ff-9d65-64420adb70d2"/>
-    <ds:schemaRef ds:uri="http://schemas.microsoft.com/sharepoint/v4"/>
-    <ds:schemaRef ds:uri="15c98cf3-0896-4040-874f-f436925621df"/>
-    <ds:schemaRef ds:uri="http://schemas.microsoft.com/office/2006/documentManagement/types"/>
-    <ds:schemaRef ds:uri="http://schemas.microsoft.com/office/infopath/2007/PartnerControls"/>
-    <ds:schemaRef ds:uri="http://schemas.openxmlformats.org/package/2006/metadata/core-properties"/>
-    <ds:schemaRef ds:uri="http://purl.org/dc/elements/1.1/"/>
-    <ds:schemaRef ds:uri="http://purl.org/dc/terms/"/>
-    <ds:schemaRef ds:uri="http://schemas.microsoft.com/internal/obd"/>
+    <ds:schemaRef ds:uri="http://schemas.microsoft.com/sharepoint/v3/contenttype/forms"/>
   </ds:schemaRefs>
 </ds:datastoreItem>
 </file>
@@ -26790,9 +27058,22 @@
 </file>
 
 <file path=customXml/itemProps3.xml><?xml version="1.0" encoding="utf-8"?>
-<ds:datastoreItem xmlns:ds="http://schemas.openxmlformats.org/officeDocument/2006/customXml" ds:itemID="{A0CFF515-FEE6-4B9C-8B96-C300A0063377}">
+<ds:datastoreItem xmlns:ds="http://schemas.openxmlformats.org/officeDocument/2006/customXml" ds:itemID="{366A0CB4-B94D-48B7-AE6B-3133538C8CAA}">
   <ds:schemaRefs>
-    <ds:schemaRef ds:uri="http://schemas.microsoft.com/sharepoint/v3/contenttype/forms"/>
+    <ds:schemaRef ds:uri="http://schemas.microsoft.com/office/2006/metadata/contentType"/>
+    <ds:schemaRef ds:uri="http://schemas.microsoft.com/office/2006/metadata/properties/metaAttributes"/>
+    <ds:schemaRef ds:uri="http://www.w3.org/2001/XMLSchema"/>
+    <ds:schemaRef ds:uri="http://schemas.microsoft.com/office/2006/metadata/properties"/>
+    <ds:schemaRef ds:uri="http://schemas.microsoft.com/sharepoint/v3"/>
+    <ds:schemaRef ds:uri="af610f50-4aee-43ff-9d65-64420adb70d2"/>
+    <ds:schemaRef ds:uri="http://schemas.microsoft.com/sharepoint/v4"/>
+    <ds:schemaRef ds:uri="15c98cf3-0896-4040-874f-f436925621df"/>
+    <ds:schemaRef ds:uri="http://schemas.microsoft.com/office/2006/documentManagement/types"/>
+    <ds:schemaRef ds:uri="http://schemas.microsoft.com/office/infopath/2007/PartnerControls"/>
+    <ds:schemaRef ds:uri="http://schemas.openxmlformats.org/package/2006/metadata/core-properties"/>
+    <ds:schemaRef ds:uri="http://purl.org/dc/elements/1.1/"/>
+    <ds:schemaRef ds:uri="http://purl.org/dc/terms/"/>
+    <ds:schemaRef ds:uri="http://schemas.microsoft.com/internal/obd"/>
   </ds:schemaRefs>
 </ds:datastoreItem>
 </file>
--- a/Building the Real-time Web with SignalR.pptx
+++ b/Building the Real-time Web with SignalR.pptx
@@ -5,22 +5,24 @@
     <p:sldMasterId id="2147483864" r:id="rId4"/>
   </p:sldMasterIdLst>
   <p:notesMasterIdLst>
-    <p:notesMasterId r:id="rId15"/>
+    <p:notesMasterId r:id="rId17"/>
   </p:notesMasterIdLst>
   <p:handoutMasterIdLst>
-    <p:handoutMasterId r:id="rId16"/>
+    <p:handoutMasterId r:id="rId18"/>
   </p:handoutMasterIdLst>
   <p:sldIdLst>
     <p:sldId id="3782" r:id="rId5"/>
     <p:sldId id="3772" r:id="rId6"/>
     <p:sldId id="3778" r:id="rId7"/>
-    <p:sldId id="3783" r:id="rId8"/>
+    <p:sldId id="3784" r:id="rId8"/>
     <p:sldId id="3780" r:id="rId9"/>
     <p:sldId id="3779" r:id="rId10"/>
     <p:sldId id="3774" r:id="rId11"/>
-    <p:sldId id="3775" r:id="rId12"/>
-    <p:sldId id="3776" r:id="rId13"/>
-    <p:sldId id="326" r:id="rId14"/>
+    <p:sldId id="3776" r:id="rId12"/>
+    <p:sldId id="3775" r:id="rId13"/>
+    <p:sldId id="3785" r:id="rId14"/>
+    <p:sldId id="3786" r:id="rId15"/>
+    <p:sldId id="326" r:id="rId16"/>
   </p:sldIdLst>
   <p:sldSz cx="12436475" cy="6994525"/>
   <p:notesSz cx="6858000" cy="9144000"/>
@@ -127,12 +129,14 @@
             <p14:sldId id="3782"/>
             <p14:sldId id="3772"/>
             <p14:sldId id="3778"/>
-            <p14:sldId id="3783"/>
+            <p14:sldId id="3784"/>
             <p14:sldId id="3780"/>
             <p14:sldId id="3779"/>
             <p14:sldId id="3774"/>
+            <p14:sldId id="3776"/>
             <p14:sldId id="3775"/>
-            <p14:sldId id="3776"/>
+            <p14:sldId id="3785"/>
+            <p14:sldId id="3786"/>
             <p14:sldId id="326"/>
           </p14:sldIdLst>
         </p14:section>
@@ -260,7 +264,7 @@
           <a:p>
             <a:fld id="{2B750920-92A4-224B-9AE0-2C8C93DBE13A}" type="datetimeFigureOut">
               <a:rPr lang="en-US" smtClean="0"/>
-              <a:t>10/5/2018</a:t>
+              <a:t>10/27/2018</a:t>
             </a:fld>
             <a:endParaRPr lang="en-US"/>
           </a:p>
@@ -437,7 +441,7 @@
           <a:p>
             <a:fld id="{68BF023B-10D3-4BAF-A407-4B4ABDDCF7DA}" type="datetimeFigureOut">
               <a:rPr lang="en-US" smtClean="0"/>
-              <a:t>10/5/2018</a:t>
+              <a:t>10/27/2018</a:t>
             </a:fld>
             <a:endParaRPr lang="en-US"/>
           </a:p>
@@ -789,6 +793,28 @@
               <a:t> abstraction of a persistent connection</a:t>
             </a:r>
           </a:p>
+          <a:p>
+            <a:pPr marL="285750" indent="-285750">
+              <a:buFontTx/>
+              <a:buChar char="-"/>
+            </a:pPr>
+            <a:r>
+              <a:rPr lang="en-US" dirty="0" err="1"/>
+              <a:t>WebSockets</a:t>
+            </a:r>
+            <a:r>
+              <a:rPr lang="en-US" dirty="0"/>
+              <a:t> = 1</a:t>
+            </a:r>
+            <a:r>
+              <a:rPr lang="en-US" baseline="30000" dirty="0"/>
+              <a:t>st</a:t>
+            </a:r>
+            <a:r>
+              <a:rPr lang="en-US" dirty="0"/>
+              <a:t> choice (persistent, bi-directional connection)</a:t>
+            </a:r>
+          </a:p>
         </p:txBody>
       </p:sp>
       <p:sp>
@@ -818,6 +844,150 @@
     <p:extLst>
       <p:ext uri="{BB962C8B-B14F-4D97-AF65-F5344CB8AC3E}">
         <p14:creationId xmlns:p14="http://schemas.microsoft.com/office/powerpoint/2010/main" val="2893877717"/>
+      </p:ext>
+    </p:extLst>
+  </p:cSld>
+  <p:clrMapOvr>
+    <a:masterClrMapping/>
+  </p:clrMapOvr>
+</p:notes>
+</file>
+
+<file path=ppt/notesSlides/notesSlide10.xml><?xml version="1.0" encoding="utf-8"?>
+<p:notes xmlns:a="http://schemas.openxmlformats.org/drawingml/2006/main" xmlns:r="http://schemas.openxmlformats.org/officeDocument/2006/relationships" xmlns:p="http://schemas.openxmlformats.org/presentationml/2006/main">
+  <p:cSld>
+    <p:spTree>
+      <p:nvGrpSpPr>
+        <p:cNvPr id="1" name=""/>
+        <p:cNvGrpSpPr/>
+        <p:nvPr/>
+      </p:nvGrpSpPr>
+      <p:grpSpPr>
+        <a:xfrm>
+          <a:off x="0" y="0"/>
+          <a:ext cx="0" cy="0"/>
+          <a:chOff x="0" y="0"/>
+          <a:chExt cx="0" cy="0"/>
+        </a:xfrm>
+      </p:grpSpPr>
+      <p:sp>
+        <p:nvSpPr>
+          <p:cNvPr id="2" name="Slide Image Placeholder 1"/>
+          <p:cNvSpPr>
+            <a:spLocks noGrp="1" noRot="1" noChangeAspect="1"/>
+          </p:cNvSpPr>
+          <p:nvPr>
+            <p:ph type="sldImg"/>
+          </p:nvPr>
+        </p:nvSpPr>
+        <p:spPr/>
+      </p:sp>
+      <p:sp>
+        <p:nvSpPr>
+          <p:cNvPr id="3" name="Notes Placeholder 2"/>
+          <p:cNvSpPr>
+            <a:spLocks noGrp="1"/>
+          </p:cNvSpPr>
+          <p:nvPr>
+            <p:ph type="body" idx="1"/>
+          </p:nvPr>
+        </p:nvSpPr>
+        <p:spPr/>
+        <p:txBody>
+          <a:bodyPr/>
+          <a:lstStyle/>
+          <a:p>
+            <a:endParaRPr lang="en-US" dirty="0"/>
+          </a:p>
+        </p:txBody>
+      </p:sp>
+      <p:sp>
+        <p:nvSpPr>
+          <p:cNvPr id="4" name="Slide Number Placeholder 3"/>
+          <p:cNvSpPr>
+            <a:spLocks noGrp="1"/>
+          </p:cNvSpPr>
+          <p:nvPr>
+            <p:ph type="sldNum" sz="quarter" idx="10"/>
+          </p:nvPr>
+        </p:nvSpPr>
+        <p:spPr/>
+        <p:txBody>
+          <a:bodyPr/>
+          <a:lstStyle/>
+          <a:p>
+            <a:pPr marL="0" marR="0" lvl="0" indent="0" algn="r" defTabSz="457200" rtl="0" eaLnBrk="1" fontAlgn="auto" latinLnBrk="0" hangingPunct="1">
+              <a:lnSpc>
+                <a:spcPct val="100000"/>
+              </a:lnSpc>
+              <a:spcBef>
+                <a:spcPts val="0"/>
+              </a:spcBef>
+              <a:spcAft>
+                <a:spcPts val="0"/>
+              </a:spcAft>
+              <a:buClrTx/>
+              <a:buSzTx/>
+              <a:buFontTx/>
+              <a:buNone/>
+              <a:tabLst/>
+              <a:defRPr/>
+            </a:pPr>
+            <a:fld id="{16A87904-88DE-4022-A424-ACD2E6FC1751}" type="slidenum">
+              <a:rPr kumimoji="0" lang="en-US" sz="1200" b="0" i="0" u="none" strike="noStrike" kern="1200" cap="none" spc="0" normalizeH="0" baseline="0" noProof="0" smtClean="0">
+                <a:ln>
+                  <a:noFill/>
+                </a:ln>
+                <a:solidFill>
+                  <a:prstClr val="black"/>
+                </a:solidFill>
+                <a:effectLst/>
+                <a:uLnTx/>
+                <a:uFillTx/>
+                <a:latin typeface="Calibri" panose="020F0502020204030204"/>
+                <a:ea typeface="+mn-ea"/>
+                <a:cs typeface="+mn-cs"/>
+              </a:rPr>
+              <a:pPr marL="0" marR="0" lvl="0" indent="0" algn="r" defTabSz="457200" rtl="0" eaLnBrk="1" fontAlgn="auto" latinLnBrk="0" hangingPunct="1">
+                <a:lnSpc>
+                  <a:spcPct val="100000"/>
+                </a:lnSpc>
+                <a:spcBef>
+                  <a:spcPts val="0"/>
+                </a:spcBef>
+                <a:spcAft>
+                  <a:spcPts val="0"/>
+                </a:spcAft>
+                <a:buClrTx/>
+                <a:buSzTx/>
+                <a:buFontTx/>
+                <a:buNone/>
+                <a:tabLst/>
+                <a:defRPr/>
+              </a:pPr>
+              <a:t>12</a:t>
+            </a:fld>
+            <a:endParaRPr kumimoji="0" lang="en-US" sz="1200" b="0" i="0" u="none" strike="noStrike" kern="1200" cap="none" spc="0" normalizeH="0" baseline="0" noProof="0">
+              <a:ln>
+                <a:noFill/>
+              </a:ln>
+              <a:solidFill>
+                <a:prstClr val="black"/>
+              </a:solidFill>
+              <a:effectLst/>
+              <a:uLnTx/>
+              <a:uFillTx/>
+              <a:latin typeface="Calibri" panose="020F0502020204030204"/>
+              <a:ea typeface="+mn-ea"/>
+              <a:cs typeface="+mn-cs"/>
+            </a:endParaRPr>
+          </a:p>
+        </p:txBody>
+      </p:sp>
+    </p:spTree>
+    <p:extLst>
+      <p:ext uri="{BB962C8B-B14F-4D97-AF65-F5344CB8AC3E}">
+        <p14:creationId xmlns:p14="http://schemas.microsoft.com/office/powerpoint/2010/main" val="2271797707"/>
       </p:ext>
     </p:extLst>
   </p:cSld>
@@ -1024,7 +1194,7 @@
     </p:spTree>
     <p:extLst>
       <p:ext uri="{BB962C8B-B14F-4D97-AF65-F5344CB8AC3E}">
-        <p14:creationId xmlns:p14="http://schemas.microsoft.com/office/powerpoint/2010/main" val="3658818227"/>
+        <p14:creationId xmlns:p14="http://schemas.microsoft.com/office/powerpoint/2010/main" val="486393974"/>
       </p:ext>
     </p:extLst>
   </p:cSld>
@@ -1092,6 +1262,20 @@
             <a:r>
               <a:rPr lang="en-US" dirty="0"/>
               <a:t>- Strongly typed Hubs avoid magic strings</a:t>
+            </a:r>
+          </a:p>
+          <a:p>
+            <a:r>
+              <a:rPr lang="en-US" dirty="0"/>
+              <a:t>- </a:t>
+            </a:r>
+            <a:r>
+              <a:rPr lang="en-US" i="1" dirty="0" err="1"/>
+              <a:t>broadcastMessage</a:t>
+            </a:r>
+            <a:r>
+              <a:rPr lang="en-US" dirty="0"/>
+              <a:t> = method server calls on client</a:t>
             </a:r>
           </a:p>
         </p:txBody>
@@ -1274,10 +1458,7 @@
           <a:bodyPr/>
           <a:lstStyle/>
           <a:p>
-            <a:r>
-              <a:rPr lang="en-US" dirty="0"/>
-              <a:t>SQL Server not an option, as it as in ASP.NET 4.x</a:t>
-            </a:r>
+            <a:endParaRPr lang="en-US" dirty="0"/>
           </a:p>
         </p:txBody>
       </p:sp>
@@ -1307,7 +1488,7 @@
     </p:spTree>
     <p:extLst>
       <p:ext uri="{BB962C8B-B14F-4D97-AF65-F5344CB8AC3E}">
-        <p14:creationId xmlns:p14="http://schemas.microsoft.com/office/powerpoint/2010/main" val="3901582907"/>
+        <p14:creationId xmlns:p14="http://schemas.microsoft.com/office/powerpoint/2010/main" val="1323822667"/>
       </p:ext>
     </p:extLst>
   </p:cSld>
@@ -1361,7 +1542,40 @@
           <a:bodyPr/>
           <a:lstStyle/>
           <a:p>
-            <a:endParaRPr lang="en-US" dirty="0"/>
+            <a:r>
+              <a:rPr lang="en-US" dirty="0"/>
+              <a:t>- SQL Server not an option, as it as in ASP.NET 4.x</a:t>
+            </a:r>
+          </a:p>
+          <a:p>
+            <a:pPr marL="0" indent="0">
+              <a:buFontTx/>
+              <a:buNone/>
+            </a:pPr>
+            <a:r>
+              <a:rPr lang="en-US" dirty="0"/>
+              <a:t>- Redis acts as a backplane</a:t>
+            </a:r>
+          </a:p>
+          <a:p>
+            <a:pPr marL="0" indent="0">
+              <a:buFontTx/>
+              <a:buNone/>
+            </a:pPr>
+            <a:r>
+              <a:rPr lang="en-US" dirty="0"/>
+              <a:t>- You’ll have to setup your own Redis server/cluster</a:t>
+            </a:r>
+          </a:p>
+          <a:p>
+            <a:pPr marL="0" indent="0">
+              <a:buFontTx/>
+              <a:buNone/>
+            </a:pPr>
+            <a:r>
+              <a:rPr lang="en-US" dirty="0"/>
+              <a:t>- When instance 1 wants to broadcast messages to ALL connected clients, it only knows about the clients connected to it.</a:t>
+            </a:r>
           </a:p>
         </p:txBody>
       </p:sp>
@@ -1391,7 +1605,7 @@
     </p:spTree>
     <p:extLst>
       <p:ext uri="{BB962C8B-B14F-4D97-AF65-F5344CB8AC3E}">
-        <p14:creationId xmlns:p14="http://schemas.microsoft.com/office/powerpoint/2010/main" val="1323822667"/>
+        <p14:creationId xmlns:p14="http://schemas.microsoft.com/office/powerpoint/2010/main" val="3901582907"/>
       </p:ext>
     </p:extLst>
   </p:cSld>
@@ -1445,7 +1659,22 @@
           <a:bodyPr/>
           <a:lstStyle/>
           <a:p>
-            <a:endParaRPr lang="en-US" dirty="0"/>
+            <a:pPr marL="285750" indent="-285750">
+              <a:buFontTx/>
+              <a:buChar char="-"/>
+            </a:pPr>
+            <a:r>
+              <a:rPr lang="en-US" dirty="0"/>
+              <a:t>Both web and </a:t>
+            </a:r>
+            <a:r>
+              <a:rPr lang="en-US" dirty="0" err="1"/>
+              <a:t>SignalR</a:t>
+            </a:r>
+            <a:r>
+              <a:rPr lang="en-US" dirty="0"/>
+              <a:t> traffic hits the same app</a:t>
+            </a:r>
           </a:p>
         </p:txBody>
       </p:sp>
@@ -1456,7 +1685,7 @@
             <a:spLocks noGrp="1"/>
           </p:cNvSpPr>
           <p:nvPr>
-            <p:ph type="sldNum" sz="quarter" idx="10"/>
+            <p:ph type="sldNum" sz="quarter" idx="5"/>
           </p:nvPr>
         </p:nvSpPr>
         <p:spPr/>
@@ -1464,78 +1693,117 @@
           <a:bodyPr/>
           <a:lstStyle/>
           <a:p>
-            <a:pPr marL="0" marR="0" lvl="0" indent="0" algn="r" defTabSz="457200" rtl="0" eaLnBrk="1" fontAlgn="auto" latinLnBrk="0" hangingPunct="1">
-              <a:lnSpc>
-                <a:spcPct val="100000"/>
-              </a:lnSpc>
-              <a:spcBef>
-                <a:spcPts val="0"/>
-              </a:spcBef>
-              <a:spcAft>
-                <a:spcPts val="0"/>
-              </a:spcAft>
-              <a:buClrTx/>
-              <a:buSzTx/>
-              <a:buFontTx/>
-              <a:buNone/>
-              <a:tabLst/>
-              <a:defRPr/>
-            </a:pPr>
-            <a:fld id="{16A87904-88DE-4022-A424-ACD2E6FC1751}" type="slidenum">
-              <a:rPr kumimoji="0" lang="en-US" sz="1200" b="0" i="0" u="none" strike="noStrike" kern="1200" cap="none" spc="0" normalizeH="0" baseline="0" noProof="0" smtClean="0">
-                <a:ln>
-                  <a:noFill/>
-                </a:ln>
-                <a:solidFill>
-                  <a:prstClr val="black"/>
-                </a:solidFill>
-                <a:effectLst/>
-                <a:uLnTx/>
-                <a:uFillTx/>
-                <a:latin typeface="Calibri" panose="020F0502020204030204"/>
-                <a:ea typeface="+mn-ea"/>
-                <a:cs typeface="+mn-cs"/>
-              </a:rPr>
-              <a:pPr marL="0" marR="0" lvl="0" indent="0" algn="r" defTabSz="457200" rtl="0" eaLnBrk="1" fontAlgn="auto" latinLnBrk="0" hangingPunct="1">
-                <a:lnSpc>
-                  <a:spcPct val="100000"/>
-                </a:lnSpc>
-                <a:spcBef>
-                  <a:spcPts val="0"/>
-                </a:spcBef>
-                <a:spcAft>
-                  <a:spcPts val="0"/>
-                </a:spcAft>
-                <a:buClrTx/>
-                <a:buSzTx/>
-                <a:buFontTx/>
-                <a:buNone/>
-                <a:tabLst/>
-                <a:defRPr/>
-              </a:pPr>
+            <a:fld id="{3D7B9D4F-5F19-438C-92E8-037C6AE8F87D}" type="slidenum">
+              <a:rPr lang="en-US" smtClean="0"/>
               <a:t>10</a:t>
             </a:fld>
-            <a:endParaRPr kumimoji="0" lang="en-US" sz="1200" b="0" i="0" u="none" strike="noStrike" kern="1200" cap="none" spc="0" normalizeH="0" baseline="0" noProof="0">
-              <a:ln>
-                <a:noFill/>
-              </a:ln>
-              <a:solidFill>
-                <a:prstClr val="black"/>
-              </a:solidFill>
-              <a:effectLst/>
-              <a:uLnTx/>
-              <a:uFillTx/>
-              <a:latin typeface="Calibri" panose="020F0502020204030204"/>
-              <a:ea typeface="+mn-ea"/>
-              <a:cs typeface="+mn-cs"/>
-            </a:endParaRPr>
+            <a:endParaRPr lang="en-US"/>
           </a:p>
         </p:txBody>
       </p:sp>
     </p:spTree>
     <p:extLst>
       <p:ext uri="{BB962C8B-B14F-4D97-AF65-F5344CB8AC3E}">
-        <p14:creationId xmlns:p14="http://schemas.microsoft.com/office/powerpoint/2010/main" val="2271797707"/>
+        <p14:creationId xmlns:p14="http://schemas.microsoft.com/office/powerpoint/2010/main" val="1874177105"/>
+      </p:ext>
+    </p:extLst>
+  </p:cSld>
+  <p:clrMapOvr>
+    <a:masterClrMapping/>
+  </p:clrMapOvr>
+</p:notes>
+</file>
+
+<file path=ppt/notesSlides/notesSlide9.xml><?xml version="1.0" encoding="utf-8"?>
+<p:notes xmlns:a="http://schemas.openxmlformats.org/drawingml/2006/main" xmlns:r="http://schemas.openxmlformats.org/officeDocument/2006/relationships" xmlns:p="http://schemas.openxmlformats.org/presentationml/2006/main">
+  <p:cSld>
+    <p:spTree>
+      <p:nvGrpSpPr>
+        <p:cNvPr id="1" name=""/>
+        <p:cNvGrpSpPr/>
+        <p:nvPr/>
+      </p:nvGrpSpPr>
+      <p:grpSpPr>
+        <a:xfrm>
+          <a:off x="0" y="0"/>
+          <a:ext cx="0" cy="0"/>
+          <a:chOff x="0" y="0"/>
+          <a:chExt cx="0" cy="0"/>
+        </a:xfrm>
+      </p:grpSpPr>
+      <p:sp>
+        <p:nvSpPr>
+          <p:cNvPr id="2" name="Slide Image Placeholder 1"/>
+          <p:cNvSpPr>
+            <a:spLocks noGrp="1" noRot="1" noChangeAspect="1"/>
+          </p:cNvSpPr>
+          <p:nvPr>
+            <p:ph type="sldImg"/>
+          </p:nvPr>
+        </p:nvSpPr>
+        <p:spPr/>
+      </p:sp>
+      <p:sp>
+        <p:nvSpPr>
+          <p:cNvPr id="3" name="Notes Placeholder 2"/>
+          <p:cNvSpPr>
+            <a:spLocks noGrp="1"/>
+          </p:cNvSpPr>
+          <p:nvPr>
+            <p:ph type="body" idx="1"/>
+          </p:nvPr>
+        </p:nvSpPr>
+        <p:spPr/>
+        <p:txBody>
+          <a:bodyPr/>
+          <a:lstStyle/>
+          <a:p>
+            <a:pPr marL="285750" indent="-285750">
+              <a:buFontTx/>
+              <a:buChar char="-"/>
+            </a:pPr>
+            <a:r>
+              <a:rPr lang="en-US" dirty="0"/>
+              <a:t>Decouple </a:t>
+            </a:r>
+            <a:r>
+              <a:rPr lang="en-US" dirty="0" err="1"/>
+              <a:t>SignalR</a:t>
+            </a:r>
+            <a:r>
+              <a:rPr lang="en-US" dirty="0"/>
+              <a:t> connections from the ASP.NET Core app</a:t>
+            </a:r>
+          </a:p>
+        </p:txBody>
+      </p:sp>
+      <p:sp>
+        <p:nvSpPr>
+          <p:cNvPr id="4" name="Slide Number Placeholder 3"/>
+          <p:cNvSpPr>
+            <a:spLocks noGrp="1"/>
+          </p:cNvSpPr>
+          <p:nvPr>
+            <p:ph type="sldNum" sz="quarter" idx="5"/>
+          </p:nvPr>
+        </p:nvSpPr>
+        <p:spPr/>
+        <p:txBody>
+          <a:bodyPr/>
+          <a:lstStyle/>
+          <a:p>
+            <a:fld id="{3D7B9D4F-5F19-438C-92E8-037C6AE8F87D}" type="slidenum">
+              <a:rPr lang="en-US" smtClean="0"/>
+              <a:t>11</a:t>
+            </a:fld>
+            <a:endParaRPr lang="en-US"/>
+          </a:p>
+        </p:txBody>
+      </p:sp>
+    </p:spTree>
+    <p:extLst>
+      <p:ext uri="{BB962C8B-B14F-4D97-AF65-F5344CB8AC3E}">
+        <p14:creationId xmlns:p14="http://schemas.microsoft.com/office/powerpoint/2010/main" val="4231234210"/>
       </p:ext>
     </p:extLst>
   </p:cSld>
@@ -12428,7 +12696,7 @@
           <a:p>
             <a:fld id="{EEC3160E-2579-4584-9765-DC1BA0B358F9}" type="datetimeFigureOut">
               <a:rPr lang="en-US" smtClean="0"/>
-              <a:t>10/5/2018</a:t>
+              <a:t>10/27/2018</a:t>
             </a:fld>
             <a:endParaRPr lang="en-US"/>
           </a:p>
@@ -16678,36 +16946,6 @@
           </a:p>
         </p:txBody>
       </p:sp>
-      <p:pic>
-        <p:nvPicPr>
-          <p:cNvPr id="5" name="Picture 4">
-            <a:extLst>
-              <a:ext uri="{FF2B5EF4-FFF2-40B4-BE49-F238E27FC236}">
-                <a16:creationId xmlns:a16="http://schemas.microsoft.com/office/drawing/2014/main" id="{F747FADB-2684-4781-9CD5-F0D3F4D0C3A3}"/>
-              </a:ext>
-            </a:extLst>
-          </p:cNvPr>
-          <p:cNvPicPr>
-            <a:picLocks noChangeAspect="1"/>
-          </p:cNvPicPr>
-          <p:nvPr/>
-        </p:nvPicPr>
-        <p:blipFill>
-          <a:blip r:embed="rId2"/>
-          <a:stretch>
-            <a:fillRect/>
-          </a:stretch>
-        </p:blipFill>
-        <p:spPr>
-          <a:xfrm>
-            <a:off x="6832093" y="3392376"/>
-            <a:ext cx="790575" cy="847725"/>
-          </a:xfrm>
-          <a:prstGeom prst="rect">
-            <a:avLst/>
-          </a:prstGeom>
-        </p:spPr>
-      </p:pic>
     </p:spTree>
     <p:extLst>
       <p:ext uri="{BB962C8B-B14F-4D97-AF65-F5344CB8AC3E}">
@@ -16734,6 +16972,1814 @@
 </file>
 
 <file path=ppt/slides/slide10.xml><?xml version="1.0" encoding="utf-8"?>
+<p:sld xmlns:a="http://schemas.openxmlformats.org/drawingml/2006/main" xmlns:r="http://schemas.openxmlformats.org/officeDocument/2006/relationships" xmlns:p="http://schemas.openxmlformats.org/presentationml/2006/main">
+  <p:cSld>
+    <p:spTree>
+      <p:nvGrpSpPr>
+        <p:cNvPr id="1" name=""/>
+        <p:cNvGrpSpPr/>
+        <p:nvPr/>
+      </p:nvGrpSpPr>
+      <p:grpSpPr>
+        <a:xfrm>
+          <a:off x="0" y="0"/>
+          <a:ext cx="0" cy="0"/>
+          <a:chOff x="0" y="0"/>
+          <a:chExt cx="0" cy="0"/>
+        </a:xfrm>
+      </p:grpSpPr>
+      <p:pic>
+        <p:nvPicPr>
+          <p:cNvPr id="38" name="C1E29E4C-1F3B-47B1-972B-2B7120147472" descr="FD91B74B-F96D-4EAD-BB2E-6CCF265D6248@hsd1">
+            <a:extLst>
+              <a:ext uri="{FF2B5EF4-FFF2-40B4-BE49-F238E27FC236}">
+                <a16:creationId xmlns:a16="http://schemas.microsoft.com/office/drawing/2014/main" id="{5CF1E3E0-D90D-4648-8419-06DAE177B40D}"/>
+              </a:ext>
+            </a:extLst>
+          </p:cNvPr>
+          <p:cNvPicPr>
+            <a:picLocks noChangeAspect="1" noChangeArrowheads="1"/>
+          </p:cNvPicPr>
+          <p:nvPr/>
+        </p:nvPicPr>
+        <p:blipFill>
+          <a:blip r:embed="rId3">
+            <a:extLst>
+              <a:ext uri="{28A0092B-C50C-407E-A947-70E740481C1C}">
+                <a14:useLocalDpi xmlns:a14="http://schemas.microsoft.com/office/drawing/2010/main" val="0"/>
+              </a:ext>
+            </a:extLst>
+          </a:blip>
+          <a:srcRect/>
+          <a:stretch>
+            <a:fillRect/>
+          </a:stretch>
+        </p:blipFill>
+        <p:spPr bwMode="auto">
+          <a:xfrm>
+            <a:off x="-3247397" y="-2686061"/>
+            <a:ext cx="15391772" cy="10392735"/>
+          </a:xfrm>
+          <a:prstGeom prst="rect">
+            <a:avLst/>
+          </a:prstGeom>
+          <a:noFill/>
+          <a:ln>
+            <a:noFill/>
+          </a:ln>
+          <a:extLst>
+            <a:ext uri="{909E8E84-426E-40DD-AFC4-6F175D3DCCD1}">
+              <a14:hiddenFill xmlns:a14="http://schemas.microsoft.com/office/drawing/2010/main">
+                <a:solidFill>
+                  <a:srgbClr val="FFFFFF"/>
+                </a:solidFill>
+              </a14:hiddenFill>
+            </a:ext>
+            <a:ext uri="{91240B29-F687-4F45-9708-019B960494DF}">
+              <a14:hiddenLine xmlns:a14="http://schemas.microsoft.com/office/drawing/2010/main" w="9525">
+                <a:solidFill>
+                  <a:srgbClr val="000000"/>
+                </a:solidFill>
+                <a:miter lim="800000"/>
+                <a:headEnd/>
+                <a:tailEnd/>
+              </a14:hiddenLine>
+            </a:ext>
+          </a:extLst>
+        </p:spPr>
+      </p:pic>
+      <p:sp>
+        <p:nvSpPr>
+          <p:cNvPr id="2" name="Text Placeholder 1">
+            <a:extLst>
+              <a:ext uri="{FF2B5EF4-FFF2-40B4-BE49-F238E27FC236}">
+                <a16:creationId xmlns:a16="http://schemas.microsoft.com/office/drawing/2014/main" id="{6F6F13A4-6F89-45BC-B03B-3C60A40D4DB0}"/>
+              </a:ext>
+            </a:extLst>
+          </p:cNvPr>
+          <p:cNvSpPr>
+            <a:spLocks noGrp="1"/>
+          </p:cNvSpPr>
+          <p:nvPr>
+            <p:ph type="body" sz="quarter" idx="10"/>
+          </p:nvPr>
+        </p:nvSpPr>
+        <p:spPr>
+          <a:xfrm>
+            <a:off x="434975" y="1142881"/>
+            <a:ext cx="11567160" cy="276999"/>
+          </a:xfrm>
+        </p:spPr>
+        <p:txBody>
+          <a:bodyPr/>
+          <a:lstStyle/>
+          <a:p>
+            <a:r>
+              <a:rPr lang="en-US" dirty="0"/>
+              <a:t>Azure App Service</a:t>
+            </a:r>
+          </a:p>
+        </p:txBody>
+      </p:sp>
+      <p:sp>
+        <p:nvSpPr>
+          <p:cNvPr id="3" name="Title 2">
+            <a:extLst>
+              <a:ext uri="{FF2B5EF4-FFF2-40B4-BE49-F238E27FC236}">
+                <a16:creationId xmlns:a16="http://schemas.microsoft.com/office/drawing/2014/main" id="{C56C9472-DA08-4DD5-A600-F7811B83526D}"/>
+              </a:ext>
+            </a:extLst>
+          </p:cNvPr>
+          <p:cNvSpPr>
+            <a:spLocks noGrp="1"/>
+          </p:cNvSpPr>
+          <p:nvPr>
+            <p:ph type="title"/>
+          </p:nvPr>
+        </p:nvSpPr>
+        <p:spPr/>
+        <p:txBody>
+          <a:bodyPr/>
+          <a:lstStyle/>
+          <a:p>
+            <a:r>
+              <a:rPr lang="en-US" dirty="0"/>
+              <a:t>A problem with </a:t>
+            </a:r>
+            <a:r>
+              <a:rPr lang="en-US" dirty="0">
+                <a:ln w="12700">
+                  <a:solidFill>
+                    <a:schemeClr val="bg1"/>
+                  </a:solidFill>
+                </a:ln>
+              </a:rPr>
+              <a:t>scale-out</a:t>
+            </a:r>
+          </a:p>
+        </p:txBody>
+      </p:sp>
+      <p:sp>
+        <p:nvSpPr>
+          <p:cNvPr id="4" name="Rectangle: Rounded Corners 3">
+            <a:extLst>
+              <a:ext uri="{FF2B5EF4-FFF2-40B4-BE49-F238E27FC236}">
+                <a16:creationId xmlns:a16="http://schemas.microsoft.com/office/drawing/2014/main" id="{FB9CBB6B-6756-44D9-A623-6A500F16EE75}"/>
+              </a:ext>
+            </a:extLst>
+          </p:cNvPr>
+          <p:cNvSpPr/>
+          <p:nvPr/>
+        </p:nvSpPr>
+        <p:spPr bwMode="auto">
+          <a:xfrm>
+            <a:off x="434340" y="1544638"/>
+            <a:ext cx="3562350" cy="2066925"/>
+          </a:xfrm>
+          <a:prstGeom prst="roundRect">
+            <a:avLst/>
+          </a:prstGeom>
+          <a:solidFill>
+            <a:srgbClr val="7030A0"/>
+          </a:solidFill>
+          <a:ln>
+            <a:noFill/>
+            <a:headEnd type="none" w="med" len="med"/>
+            <a:tailEnd type="none" w="med" len="med"/>
+          </a:ln>
+          <a:effectLst/>
+        </p:spPr>
+        <p:style>
+          <a:lnRef idx="1">
+            <a:schemeClr val="accent2"/>
+          </a:lnRef>
+          <a:fillRef idx="3">
+            <a:schemeClr val="accent2"/>
+          </a:fillRef>
+          <a:effectRef idx="2">
+            <a:schemeClr val="accent2"/>
+          </a:effectRef>
+          <a:fontRef idx="minor">
+            <a:schemeClr val="lt1"/>
+          </a:fontRef>
+        </p:style>
+        <p:txBody>
+          <a:bodyPr rot="0" spcFirstLastPara="0" vertOverflow="overflow" horzOverflow="overflow" vert="horz" wrap="square" lIns="182880" tIns="146304" rIns="182880" bIns="146304" numCol="1" spcCol="0" rtlCol="0" fromWordArt="0" anchor="t" anchorCtr="0" forceAA="0" compatLnSpc="1">
+            <a:prstTxWarp prst="textNoShape">
+              <a:avLst/>
+            </a:prstTxWarp>
+            <a:noAutofit/>
+          </a:bodyPr>
+          <a:lstStyle/>
+          <a:p>
+            <a:pPr defTabSz="932472" fontAlgn="base">
+              <a:lnSpc>
+                <a:spcPct val="90000"/>
+              </a:lnSpc>
+              <a:spcBef>
+                <a:spcPct val="0"/>
+              </a:spcBef>
+              <a:spcAft>
+                <a:spcPct val="0"/>
+              </a:spcAft>
+            </a:pPr>
+            <a:r>
+              <a:rPr lang="en-US" sz="2400" dirty="0">
+                <a:gradFill>
+                  <a:gsLst>
+                    <a:gs pos="0">
+                      <a:srgbClr val="FFFFFF"/>
+                    </a:gs>
+                    <a:gs pos="100000">
+                      <a:srgbClr val="FFFFFF"/>
+                    </a:gs>
+                  </a:gsLst>
+                  <a:lin ang="5400000" scaled="0"/>
+                </a:gradFill>
+                <a:ea typeface="Segoe UI" pitchFamily="34" charset="0"/>
+                <a:cs typeface="Segoe UI" pitchFamily="34" charset="0"/>
+              </a:rPr>
+              <a:t>ASP.NET </a:t>
+            </a:r>
+          </a:p>
+          <a:p>
+            <a:pPr defTabSz="932472" fontAlgn="base">
+              <a:lnSpc>
+                <a:spcPct val="90000"/>
+              </a:lnSpc>
+              <a:spcBef>
+                <a:spcPct val="0"/>
+              </a:spcBef>
+              <a:spcAft>
+                <a:spcPct val="0"/>
+              </a:spcAft>
+            </a:pPr>
+            <a:r>
+              <a:rPr lang="en-US" sz="2400" dirty="0">
+                <a:gradFill>
+                  <a:gsLst>
+                    <a:gs pos="0">
+                      <a:srgbClr val="FFFFFF"/>
+                    </a:gs>
+                    <a:gs pos="100000">
+                      <a:srgbClr val="FFFFFF"/>
+                    </a:gs>
+                  </a:gsLst>
+                  <a:lin ang="5400000" scaled="0"/>
+                </a:gradFill>
+                <a:ea typeface="Segoe UI" pitchFamily="34" charset="0"/>
+                <a:cs typeface="Segoe UI" pitchFamily="34" charset="0"/>
+              </a:rPr>
+              <a:t>Core app</a:t>
+            </a:r>
+          </a:p>
+        </p:txBody>
+      </p:sp>
+      <p:sp>
+        <p:nvSpPr>
+          <p:cNvPr id="7" name="Rectangle: Rounded Corners 6">
+            <a:extLst>
+              <a:ext uri="{FF2B5EF4-FFF2-40B4-BE49-F238E27FC236}">
+                <a16:creationId xmlns:a16="http://schemas.microsoft.com/office/drawing/2014/main" id="{9EE2BFA5-957B-4A17-B791-73248D2550F2}"/>
+              </a:ext>
+            </a:extLst>
+          </p:cNvPr>
+          <p:cNvSpPr/>
+          <p:nvPr/>
+        </p:nvSpPr>
+        <p:spPr bwMode="auto">
+          <a:xfrm>
+            <a:off x="638175" y="2643079"/>
+            <a:ext cx="1370013" cy="733534"/>
+          </a:xfrm>
+          <a:prstGeom prst="roundRect">
+            <a:avLst/>
+          </a:prstGeom>
+          <a:ln/>
+        </p:spPr>
+        <p:style>
+          <a:lnRef idx="2">
+            <a:schemeClr val="accent1"/>
+          </a:lnRef>
+          <a:fillRef idx="1">
+            <a:schemeClr val="lt1"/>
+          </a:fillRef>
+          <a:effectRef idx="0">
+            <a:schemeClr val="accent1"/>
+          </a:effectRef>
+          <a:fontRef idx="minor">
+            <a:schemeClr val="dk1"/>
+          </a:fontRef>
+        </p:style>
+        <p:txBody>
+          <a:bodyPr rot="0" spcFirstLastPara="0" vertOverflow="overflow" horzOverflow="overflow" vert="horz" wrap="square" lIns="182880" tIns="146304" rIns="182880" bIns="146304" numCol="1" spcCol="0" rtlCol="0" fromWordArt="0" anchor="t" anchorCtr="0" forceAA="0" compatLnSpc="1">
+            <a:prstTxWarp prst="textNoShape">
+              <a:avLst/>
+            </a:prstTxWarp>
+            <a:noAutofit/>
+          </a:bodyPr>
+          <a:lstStyle/>
+          <a:p>
+            <a:pPr algn="ctr" defTabSz="932472" fontAlgn="base">
+              <a:lnSpc>
+                <a:spcPct val="90000"/>
+              </a:lnSpc>
+              <a:spcBef>
+                <a:spcPct val="0"/>
+              </a:spcBef>
+              <a:spcAft>
+                <a:spcPct val="0"/>
+              </a:spcAft>
+            </a:pPr>
+            <a:r>
+              <a:rPr lang="en-US" sz="2400" dirty="0">
+                <a:solidFill>
+                  <a:schemeClr val="tx1"/>
+                </a:solidFill>
+                <a:ea typeface="Segoe UI" pitchFamily="34" charset="0"/>
+                <a:cs typeface="Segoe UI" pitchFamily="34" charset="0"/>
+              </a:rPr>
+              <a:t>Pages</a:t>
+            </a:r>
+          </a:p>
+        </p:txBody>
+      </p:sp>
+      <p:sp>
+        <p:nvSpPr>
+          <p:cNvPr id="8" name="Rectangle: Rounded Corners 7">
+            <a:extLst>
+              <a:ext uri="{FF2B5EF4-FFF2-40B4-BE49-F238E27FC236}">
+                <a16:creationId xmlns:a16="http://schemas.microsoft.com/office/drawing/2014/main" id="{6D996DCF-C3A4-4D67-B1E4-3BE3DDBA0327}"/>
+              </a:ext>
+            </a:extLst>
+          </p:cNvPr>
+          <p:cNvSpPr/>
+          <p:nvPr/>
+        </p:nvSpPr>
+        <p:spPr bwMode="auto">
+          <a:xfrm>
+            <a:off x="2408238" y="2643079"/>
+            <a:ext cx="1370013" cy="733534"/>
+          </a:xfrm>
+          <a:prstGeom prst="roundRect">
+            <a:avLst/>
+          </a:prstGeom>
+          <a:ln/>
+        </p:spPr>
+        <p:style>
+          <a:lnRef idx="2">
+            <a:schemeClr val="accent1"/>
+          </a:lnRef>
+          <a:fillRef idx="1">
+            <a:schemeClr val="lt1"/>
+          </a:fillRef>
+          <a:effectRef idx="0">
+            <a:schemeClr val="accent1"/>
+          </a:effectRef>
+          <a:fontRef idx="minor">
+            <a:schemeClr val="dk1"/>
+          </a:fontRef>
+        </p:style>
+        <p:txBody>
+          <a:bodyPr rot="0" spcFirstLastPara="0" vertOverflow="overflow" horzOverflow="overflow" vert="horz" wrap="square" lIns="182880" tIns="146304" rIns="182880" bIns="146304" numCol="1" spcCol="0" rtlCol="0" fromWordArt="0" anchor="t" anchorCtr="0" forceAA="0" compatLnSpc="1">
+            <a:prstTxWarp prst="textNoShape">
+              <a:avLst/>
+            </a:prstTxWarp>
+            <a:noAutofit/>
+          </a:bodyPr>
+          <a:lstStyle/>
+          <a:p>
+            <a:pPr algn="ctr" defTabSz="932472" fontAlgn="base">
+              <a:lnSpc>
+                <a:spcPct val="90000"/>
+              </a:lnSpc>
+              <a:spcBef>
+                <a:spcPct val="0"/>
+              </a:spcBef>
+              <a:spcAft>
+                <a:spcPct val="0"/>
+              </a:spcAft>
+            </a:pPr>
+            <a:r>
+              <a:rPr lang="en-US" sz="2400" dirty="0">
+                <a:solidFill>
+                  <a:schemeClr val="tx1"/>
+                </a:solidFill>
+                <a:ea typeface="Segoe UI" pitchFamily="34" charset="0"/>
+                <a:cs typeface="Segoe UI" pitchFamily="34" charset="0"/>
+              </a:rPr>
+              <a:t>Hubs</a:t>
+            </a:r>
+          </a:p>
+        </p:txBody>
+      </p:sp>
+      <p:pic>
+        <p:nvPicPr>
+          <p:cNvPr id="9" name="Client icon">
+            <a:extLst>
+              <a:ext uri="{FF2B5EF4-FFF2-40B4-BE49-F238E27FC236}">
+                <a16:creationId xmlns:a16="http://schemas.microsoft.com/office/drawing/2014/main" id="{4205B258-EF8A-4B1C-9240-16F339112EC7}"/>
+              </a:ext>
+            </a:extLst>
+          </p:cNvPr>
+          <p:cNvPicPr preferRelativeResize="0"/>
+          <p:nvPr/>
+        </p:nvPicPr>
+        <p:blipFill>
+          <a:blip r:embed="rId4">
+            <a:alphaModFix/>
+          </a:blip>
+          <a:stretch>
+            <a:fillRect/>
+          </a:stretch>
+        </p:blipFill>
+        <p:spPr>
+          <a:xfrm>
+            <a:off x="2408238" y="4146572"/>
+            <a:ext cx="2211030" cy="2008275"/>
+          </a:xfrm>
+          <a:prstGeom prst="rect">
+            <a:avLst/>
+          </a:prstGeom>
+          <a:noFill/>
+          <a:ln>
+            <a:noFill/>
+          </a:ln>
+        </p:spPr>
+      </p:pic>
+      <p:cxnSp>
+        <p:nvCxnSpPr>
+          <p:cNvPr id="12" name="Connector: Curved 11">
+            <a:extLst>
+              <a:ext uri="{FF2B5EF4-FFF2-40B4-BE49-F238E27FC236}">
+                <a16:creationId xmlns:a16="http://schemas.microsoft.com/office/drawing/2014/main" id="{5EDD8093-7FA9-4941-BC23-2CC1E3BBC9BF}"/>
+              </a:ext>
+            </a:extLst>
+          </p:cNvPr>
+          <p:cNvCxnSpPr>
+            <a:cxnSpLocks/>
+            <a:stCxn id="7" idx="2"/>
+            <a:endCxn id="9" idx="1"/>
+          </p:cNvCxnSpPr>
+          <p:nvPr/>
+        </p:nvCxnSpPr>
+        <p:spPr>
+          <a:xfrm rot="16200000" flipH="1">
+            <a:off x="978662" y="3721133"/>
+            <a:ext cx="1774097" cy="1085056"/>
+          </a:xfrm>
+          <a:prstGeom prst="curvedConnector2">
+            <a:avLst/>
+          </a:prstGeom>
+          <a:ln w="76200">
+            <a:solidFill>
+              <a:schemeClr val="tx1"/>
+            </a:solidFill>
+            <a:headEnd type="triangle"/>
+            <a:tailEnd type="none"/>
+          </a:ln>
+        </p:spPr>
+        <p:style>
+          <a:lnRef idx="1">
+            <a:schemeClr val="accent1"/>
+          </a:lnRef>
+          <a:fillRef idx="0">
+            <a:schemeClr val="accent1"/>
+          </a:fillRef>
+          <a:effectRef idx="0">
+            <a:schemeClr val="accent1"/>
+          </a:effectRef>
+          <a:fontRef idx="minor">
+            <a:schemeClr val="tx1"/>
+          </a:fontRef>
+        </p:style>
+      </p:cxnSp>
+      <p:cxnSp>
+        <p:nvCxnSpPr>
+          <p:cNvPr id="25" name="Connector: Curved 24">
+            <a:extLst>
+              <a:ext uri="{FF2B5EF4-FFF2-40B4-BE49-F238E27FC236}">
+                <a16:creationId xmlns:a16="http://schemas.microsoft.com/office/drawing/2014/main" id="{9F200D16-F082-47F6-93D8-381D07C77124}"/>
+              </a:ext>
+            </a:extLst>
+          </p:cNvPr>
+          <p:cNvCxnSpPr>
+            <a:cxnSpLocks/>
+            <a:endCxn id="9" idx="1"/>
+          </p:cNvCxnSpPr>
+          <p:nvPr/>
+        </p:nvCxnSpPr>
+        <p:spPr>
+          <a:xfrm rot="5400000">
+            <a:off x="1833731" y="3951121"/>
+            <a:ext cx="1774097" cy="625081"/>
+          </a:xfrm>
+          <a:prstGeom prst="curvedConnector4">
+            <a:avLst>
+              <a:gd name="adj1" fmla="val 21700"/>
+              <a:gd name="adj2" fmla="val 136571"/>
+            </a:avLst>
+          </a:prstGeom>
+          <a:ln w="76200">
+            <a:solidFill>
+              <a:schemeClr val="tx1"/>
+            </a:solidFill>
+            <a:headEnd type="triangle"/>
+            <a:tailEnd type="none"/>
+          </a:ln>
+        </p:spPr>
+        <p:style>
+          <a:lnRef idx="1">
+            <a:schemeClr val="accent1"/>
+          </a:lnRef>
+          <a:fillRef idx="0">
+            <a:schemeClr val="accent1"/>
+          </a:fillRef>
+          <a:effectRef idx="0">
+            <a:schemeClr val="accent1"/>
+          </a:effectRef>
+          <a:fontRef idx="minor">
+            <a:schemeClr val="tx1"/>
+          </a:fontRef>
+        </p:style>
+      </p:cxnSp>
+      <p:sp>
+        <p:nvSpPr>
+          <p:cNvPr id="31" name="Client text - supported">
+            <a:extLst>
+              <a:ext uri="{FF2B5EF4-FFF2-40B4-BE49-F238E27FC236}">
+                <a16:creationId xmlns:a16="http://schemas.microsoft.com/office/drawing/2014/main" id="{AED6917C-3A14-4943-92EF-5E615E18ED82}"/>
+              </a:ext>
+            </a:extLst>
+          </p:cNvPr>
+          <p:cNvSpPr txBox="1"/>
+          <p:nvPr/>
+        </p:nvSpPr>
+        <p:spPr>
+          <a:xfrm>
+            <a:off x="2739260" y="4670577"/>
+            <a:ext cx="1551491" cy="627864"/>
+          </a:xfrm>
+          <a:prstGeom prst="rect">
+            <a:avLst/>
+          </a:prstGeom>
+          <a:noFill/>
+        </p:spPr>
+        <p:txBody>
+          <a:bodyPr wrap="square" lIns="182880" tIns="146304" rIns="182880" bIns="146304" rtlCol="0" anchor="t">
+            <a:spAutoFit/>
+          </a:bodyPr>
+          <a:lstStyle/>
+          <a:p>
+            <a:pPr algn="ctr">
+              <a:lnSpc>
+                <a:spcPct val="90000"/>
+              </a:lnSpc>
+              <a:spcAft>
+                <a:spcPts val="600"/>
+              </a:spcAft>
+            </a:pPr>
+            <a:r>
+              <a:rPr lang="en-US" sz="2400" dirty="0">
+                <a:solidFill>
+                  <a:schemeClr val="bg1"/>
+                </a:solidFill>
+              </a:rPr>
+              <a:t>Client</a:t>
+            </a:r>
+          </a:p>
+        </p:txBody>
+      </p:sp>
+      <p:sp>
+        <p:nvSpPr>
+          <p:cNvPr id="32" name="TextBox 31">
+            <a:extLst>
+              <a:ext uri="{FF2B5EF4-FFF2-40B4-BE49-F238E27FC236}">
+                <a16:creationId xmlns:a16="http://schemas.microsoft.com/office/drawing/2014/main" id="{02B7147B-5685-460D-B6B3-1D16E784051D}"/>
+              </a:ext>
+            </a:extLst>
+          </p:cNvPr>
+          <p:cNvSpPr txBox="1"/>
+          <p:nvPr/>
+        </p:nvSpPr>
+        <p:spPr>
+          <a:xfrm>
+            <a:off x="2184008" y="3844199"/>
+            <a:ext cx="2372554" cy="871008"/>
+          </a:xfrm>
+          <a:prstGeom prst="rect">
+            <a:avLst/>
+          </a:prstGeom>
+          <a:noFill/>
+        </p:spPr>
+        <p:txBody>
+          <a:bodyPr wrap="square" lIns="182880" tIns="146304" rIns="182880" bIns="146304" rtlCol="0">
+            <a:spAutoFit/>
+          </a:bodyPr>
+          <a:lstStyle/>
+          <a:p>
+            <a:pPr>
+              <a:lnSpc>
+                <a:spcPct val="90000"/>
+              </a:lnSpc>
+              <a:spcAft>
+                <a:spcPts val="600"/>
+              </a:spcAft>
+            </a:pPr>
+            <a:r>
+              <a:rPr lang="en-US" sz="1800" dirty="0" err="1">
+                <a:gradFill>
+                  <a:gsLst>
+                    <a:gs pos="2917">
+                      <a:schemeClr val="tx1"/>
+                    </a:gs>
+                    <a:gs pos="30000">
+                      <a:schemeClr val="tx1"/>
+                    </a:gs>
+                  </a:gsLst>
+                  <a:lin ang="5400000" scaled="0"/>
+                </a:gradFill>
+              </a:rPr>
+              <a:t>SignalR</a:t>
+            </a:r>
+            <a:endParaRPr lang="en-US" sz="1800" dirty="0">
+              <a:gradFill>
+                <a:gsLst>
+                  <a:gs pos="2917">
+                    <a:schemeClr val="tx1"/>
+                  </a:gs>
+                  <a:gs pos="30000">
+                    <a:schemeClr val="tx1"/>
+                  </a:gs>
+                </a:gsLst>
+                <a:lin ang="5400000" scaled="0"/>
+              </a:gradFill>
+            </a:endParaRPr>
+          </a:p>
+          <a:p>
+            <a:pPr>
+              <a:lnSpc>
+                <a:spcPct val="90000"/>
+              </a:lnSpc>
+              <a:spcAft>
+                <a:spcPts val="600"/>
+              </a:spcAft>
+            </a:pPr>
+            <a:r>
+              <a:rPr lang="en-US" sz="1800" dirty="0">
+                <a:gradFill>
+                  <a:gsLst>
+                    <a:gs pos="2917">
+                      <a:schemeClr val="tx1"/>
+                    </a:gs>
+                    <a:gs pos="30000">
+                      <a:schemeClr val="tx1"/>
+                    </a:gs>
+                  </a:gsLst>
+                  <a:lin ang="5400000" scaled="0"/>
+                </a:gradFill>
+              </a:rPr>
+              <a:t>traffic</a:t>
+            </a:r>
+          </a:p>
+        </p:txBody>
+      </p:sp>
+      <p:sp>
+        <p:nvSpPr>
+          <p:cNvPr id="33" name="TextBox 32">
+            <a:extLst>
+              <a:ext uri="{FF2B5EF4-FFF2-40B4-BE49-F238E27FC236}">
+                <a16:creationId xmlns:a16="http://schemas.microsoft.com/office/drawing/2014/main" id="{6FEDFDD3-5F73-43D3-BB0B-ABEC0CFDEEE4}"/>
+              </a:ext>
+            </a:extLst>
+          </p:cNvPr>
+          <p:cNvSpPr txBox="1"/>
+          <p:nvPr/>
+        </p:nvSpPr>
+        <p:spPr>
+          <a:xfrm>
+            <a:off x="698101" y="3935049"/>
+            <a:ext cx="1185051" cy="871008"/>
+          </a:xfrm>
+          <a:prstGeom prst="rect">
+            <a:avLst/>
+          </a:prstGeom>
+          <a:noFill/>
+        </p:spPr>
+        <p:txBody>
+          <a:bodyPr wrap="square" lIns="182880" tIns="146304" rIns="182880" bIns="146304" rtlCol="0">
+            <a:spAutoFit/>
+          </a:bodyPr>
+          <a:lstStyle/>
+          <a:p>
+            <a:pPr>
+              <a:lnSpc>
+                <a:spcPct val="90000"/>
+              </a:lnSpc>
+              <a:spcAft>
+                <a:spcPts val="600"/>
+              </a:spcAft>
+            </a:pPr>
+            <a:r>
+              <a:rPr lang="en-US" sz="1800" dirty="0">
+                <a:gradFill>
+                  <a:gsLst>
+                    <a:gs pos="2917">
+                      <a:schemeClr val="tx1"/>
+                    </a:gs>
+                    <a:gs pos="30000">
+                      <a:schemeClr val="tx1"/>
+                    </a:gs>
+                  </a:gsLst>
+                  <a:lin ang="5400000" scaled="0"/>
+                </a:gradFill>
+              </a:rPr>
+              <a:t>Web</a:t>
+            </a:r>
+          </a:p>
+          <a:p>
+            <a:pPr>
+              <a:lnSpc>
+                <a:spcPct val="90000"/>
+              </a:lnSpc>
+              <a:spcAft>
+                <a:spcPts val="600"/>
+              </a:spcAft>
+            </a:pPr>
+            <a:r>
+              <a:rPr lang="en-US" sz="1800" dirty="0">
+                <a:gradFill>
+                  <a:gsLst>
+                    <a:gs pos="2917">
+                      <a:schemeClr val="tx1"/>
+                    </a:gs>
+                    <a:gs pos="30000">
+                      <a:schemeClr val="tx1"/>
+                    </a:gs>
+                  </a:gsLst>
+                  <a:lin ang="5400000" scaled="0"/>
+                </a:gradFill>
+              </a:rPr>
+              <a:t>traffic</a:t>
+            </a:r>
+          </a:p>
+        </p:txBody>
+      </p:sp>
+    </p:spTree>
+    <p:extLst>
+      <p:ext uri="{BB962C8B-B14F-4D97-AF65-F5344CB8AC3E}">
+        <p14:creationId xmlns:p14="http://schemas.microsoft.com/office/powerpoint/2010/main" val="748713960"/>
+      </p:ext>
+    </p:extLst>
+  </p:cSld>
+  <p:clrMapOvr>
+    <a:masterClrMapping/>
+  </p:clrMapOvr>
+  <p:transition>
+    <p:fade/>
+  </p:transition>
+</p:sld>
+</file>
+
+<file path=ppt/slides/slide11.xml><?xml version="1.0" encoding="utf-8"?>
+<p:sld xmlns:a="http://schemas.openxmlformats.org/drawingml/2006/main" xmlns:r="http://schemas.openxmlformats.org/officeDocument/2006/relationships" xmlns:p="http://schemas.openxmlformats.org/presentationml/2006/main">
+  <p:cSld>
+    <p:spTree>
+      <p:nvGrpSpPr>
+        <p:cNvPr id="1" name=""/>
+        <p:cNvGrpSpPr/>
+        <p:nvPr/>
+      </p:nvGrpSpPr>
+      <p:grpSpPr>
+        <a:xfrm>
+          <a:off x="0" y="0"/>
+          <a:ext cx="0" cy="0"/>
+          <a:chOff x="0" y="0"/>
+          <a:chExt cx="0" cy="0"/>
+        </a:xfrm>
+      </p:grpSpPr>
+      <p:pic>
+        <p:nvPicPr>
+          <p:cNvPr id="38" name="C1E29E4C-1F3B-47B1-972B-2B7120147472" descr="FD91B74B-F96D-4EAD-BB2E-6CCF265D6248@hsd1">
+            <a:extLst>
+              <a:ext uri="{FF2B5EF4-FFF2-40B4-BE49-F238E27FC236}">
+                <a16:creationId xmlns:a16="http://schemas.microsoft.com/office/drawing/2014/main" id="{5CF1E3E0-D90D-4648-8419-06DAE177B40D}"/>
+              </a:ext>
+            </a:extLst>
+          </p:cNvPr>
+          <p:cNvPicPr>
+            <a:picLocks noChangeAspect="1" noChangeArrowheads="1"/>
+          </p:cNvPicPr>
+          <p:nvPr/>
+        </p:nvPicPr>
+        <p:blipFill>
+          <a:blip r:embed="rId3">
+            <a:extLst>
+              <a:ext uri="{28A0092B-C50C-407E-A947-70E740481C1C}">
+                <a14:useLocalDpi xmlns:a14="http://schemas.microsoft.com/office/drawing/2010/main" val="0"/>
+              </a:ext>
+            </a:extLst>
+          </a:blip>
+          <a:srcRect/>
+          <a:stretch>
+            <a:fillRect/>
+          </a:stretch>
+        </p:blipFill>
+        <p:spPr bwMode="auto">
+          <a:xfrm>
+            <a:off x="-3247397" y="-2686061"/>
+            <a:ext cx="15391772" cy="10392735"/>
+          </a:xfrm>
+          <a:prstGeom prst="rect">
+            <a:avLst/>
+          </a:prstGeom>
+          <a:noFill/>
+          <a:ln>
+            <a:noFill/>
+          </a:ln>
+          <a:extLst>
+            <a:ext uri="{909E8E84-426E-40DD-AFC4-6F175D3DCCD1}">
+              <a14:hiddenFill xmlns:a14="http://schemas.microsoft.com/office/drawing/2010/main">
+                <a:solidFill>
+                  <a:srgbClr val="FFFFFF"/>
+                </a:solidFill>
+              </a14:hiddenFill>
+            </a:ext>
+            <a:ext uri="{91240B29-F687-4F45-9708-019B960494DF}">
+              <a14:hiddenLine xmlns:a14="http://schemas.microsoft.com/office/drawing/2010/main" w="9525">
+                <a:solidFill>
+                  <a:srgbClr val="000000"/>
+                </a:solidFill>
+                <a:miter lim="800000"/>
+                <a:headEnd/>
+                <a:tailEnd/>
+              </a14:hiddenLine>
+            </a:ext>
+          </a:extLst>
+        </p:spPr>
+      </p:pic>
+      <p:sp>
+        <p:nvSpPr>
+          <p:cNvPr id="2" name="Text Placeholder 1">
+            <a:extLst>
+              <a:ext uri="{FF2B5EF4-FFF2-40B4-BE49-F238E27FC236}">
+                <a16:creationId xmlns:a16="http://schemas.microsoft.com/office/drawing/2014/main" id="{6F6F13A4-6F89-45BC-B03B-3C60A40D4DB0}"/>
+              </a:ext>
+            </a:extLst>
+          </p:cNvPr>
+          <p:cNvSpPr>
+            <a:spLocks noGrp="1"/>
+          </p:cNvSpPr>
+          <p:nvPr>
+            <p:ph type="body" sz="quarter" idx="10"/>
+          </p:nvPr>
+        </p:nvSpPr>
+        <p:spPr>
+          <a:xfrm>
+            <a:off x="434975" y="1142881"/>
+            <a:ext cx="11567160" cy="276999"/>
+          </a:xfrm>
+        </p:spPr>
+        <p:txBody>
+          <a:bodyPr/>
+          <a:lstStyle/>
+          <a:p>
+            <a:r>
+              <a:rPr lang="en-US" dirty="0"/>
+              <a:t>Azure App Service			Azure </a:t>
+            </a:r>
+            <a:r>
+              <a:rPr lang="en-US" dirty="0" err="1"/>
+              <a:t>SignalR</a:t>
+            </a:r>
+            <a:r>
+              <a:rPr lang="en-US" dirty="0"/>
+              <a:t> Service</a:t>
+            </a:r>
+          </a:p>
+        </p:txBody>
+      </p:sp>
+      <p:sp>
+        <p:nvSpPr>
+          <p:cNvPr id="3" name="Title 2">
+            <a:extLst>
+              <a:ext uri="{FF2B5EF4-FFF2-40B4-BE49-F238E27FC236}">
+                <a16:creationId xmlns:a16="http://schemas.microsoft.com/office/drawing/2014/main" id="{C56C9472-DA08-4DD5-A600-F7811B83526D}"/>
+              </a:ext>
+            </a:extLst>
+          </p:cNvPr>
+          <p:cNvSpPr>
+            <a:spLocks noGrp="1"/>
+          </p:cNvSpPr>
+          <p:nvPr>
+            <p:ph type="title"/>
+          </p:nvPr>
+        </p:nvSpPr>
+        <p:spPr/>
+        <p:txBody>
+          <a:bodyPr/>
+          <a:lstStyle/>
+          <a:p>
+            <a:r>
+              <a:rPr lang="en-US" dirty="0">
+                <a:ln w="12700">
+                  <a:solidFill>
+                    <a:schemeClr val="bg1"/>
+                  </a:solidFill>
+                </a:ln>
+              </a:rPr>
+              <a:t>A better scale-out solution</a:t>
+            </a:r>
+          </a:p>
+        </p:txBody>
+      </p:sp>
+      <p:sp>
+        <p:nvSpPr>
+          <p:cNvPr id="4" name="Rectangle: Rounded Corners 3">
+            <a:extLst>
+              <a:ext uri="{FF2B5EF4-FFF2-40B4-BE49-F238E27FC236}">
+                <a16:creationId xmlns:a16="http://schemas.microsoft.com/office/drawing/2014/main" id="{FB9CBB6B-6756-44D9-A623-6A500F16EE75}"/>
+              </a:ext>
+            </a:extLst>
+          </p:cNvPr>
+          <p:cNvSpPr/>
+          <p:nvPr/>
+        </p:nvSpPr>
+        <p:spPr bwMode="auto">
+          <a:xfrm>
+            <a:off x="434340" y="1544638"/>
+            <a:ext cx="3562350" cy="2066925"/>
+          </a:xfrm>
+          <a:prstGeom prst="roundRect">
+            <a:avLst/>
+          </a:prstGeom>
+          <a:solidFill>
+            <a:srgbClr val="7030A0"/>
+          </a:solidFill>
+          <a:ln>
+            <a:noFill/>
+            <a:headEnd type="none" w="med" len="med"/>
+            <a:tailEnd type="none" w="med" len="med"/>
+          </a:ln>
+          <a:effectLst/>
+        </p:spPr>
+        <p:style>
+          <a:lnRef idx="1">
+            <a:schemeClr val="accent2"/>
+          </a:lnRef>
+          <a:fillRef idx="3">
+            <a:schemeClr val="accent2"/>
+          </a:fillRef>
+          <a:effectRef idx="2">
+            <a:schemeClr val="accent2"/>
+          </a:effectRef>
+          <a:fontRef idx="minor">
+            <a:schemeClr val="lt1"/>
+          </a:fontRef>
+        </p:style>
+        <p:txBody>
+          <a:bodyPr rot="0" spcFirstLastPara="0" vertOverflow="overflow" horzOverflow="overflow" vert="horz" wrap="square" lIns="182880" tIns="146304" rIns="182880" bIns="146304" numCol="1" spcCol="0" rtlCol="0" fromWordArt="0" anchor="t" anchorCtr="0" forceAA="0" compatLnSpc="1">
+            <a:prstTxWarp prst="textNoShape">
+              <a:avLst/>
+            </a:prstTxWarp>
+            <a:noAutofit/>
+          </a:bodyPr>
+          <a:lstStyle/>
+          <a:p>
+            <a:pPr defTabSz="932472" fontAlgn="base">
+              <a:lnSpc>
+                <a:spcPct val="90000"/>
+              </a:lnSpc>
+              <a:spcBef>
+                <a:spcPct val="0"/>
+              </a:spcBef>
+              <a:spcAft>
+                <a:spcPct val="0"/>
+              </a:spcAft>
+            </a:pPr>
+            <a:r>
+              <a:rPr lang="en-US" sz="2400" dirty="0">
+                <a:gradFill>
+                  <a:gsLst>
+                    <a:gs pos="0">
+                      <a:srgbClr val="FFFFFF"/>
+                    </a:gs>
+                    <a:gs pos="100000">
+                      <a:srgbClr val="FFFFFF"/>
+                    </a:gs>
+                  </a:gsLst>
+                  <a:lin ang="5400000" scaled="0"/>
+                </a:gradFill>
+                <a:ea typeface="Segoe UI" pitchFamily="34" charset="0"/>
+                <a:cs typeface="Segoe UI" pitchFamily="34" charset="0"/>
+              </a:rPr>
+              <a:t>ASP.NET </a:t>
+            </a:r>
+          </a:p>
+          <a:p>
+            <a:pPr defTabSz="932472" fontAlgn="base">
+              <a:lnSpc>
+                <a:spcPct val="90000"/>
+              </a:lnSpc>
+              <a:spcBef>
+                <a:spcPct val="0"/>
+              </a:spcBef>
+              <a:spcAft>
+                <a:spcPct val="0"/>
+              </a:spcAft>
+            </a:pPr>
+            <a:r>
+              <a:rPr lang="en-US" sz="2400" dirty="0">
+                <a:gradFill>
+                  <a:gsLst>
+                    <a:gs pos="0">
+                      <a:srgbClr val="FFFFFF"/>
+                    </a:gs>
+                    <a:gs pos="100000">
+                      <a:srgbClr val="FFFFFF"/>
+                    </a:gs>
+                  </a:gsLst>
+                  <a:lin ang="5400000" scaled="0"/>
+                </a:gradFill>
+                <a:ea typeface="Segoe UI" pitchFamily="34" charset="0"/>
+                <a:cs typeface="Segoe UI" pitchFamily="34" charset="0"/>
+              </a:rPr>
+              <a:t>Core app</a:t>
+            </a:r>
+          </a:p>
+        </p:txBody>
+      </p:sp>
+      <p:sp>
+        <p:nvSpPr>
+          <p:cNvPr id="7" name="Rectangle: Rounded Corners 6">
+            <a:extLst>
+              <a:ext uri="{FF2B5EF4-FFF2-40B4-BE49-F238E27FC236}">
+                <a16:creationId xmlns:a16="http://schemas.microsoft.com/office/drawing/2014/main" id="{9EE2BFA5-957B-4A17-B791-73248D2550F2}"/>
+              </a:ext>
+            </a:extLst>
+          </p:cNvPr>
+          <p:cNvSpPr/>
+          <p:nvPr/>
+        </p:nvSpPr>
+        <p:spPr bwMode="auto">
+          <a:xfrm>
+            <a:off x="638175" y="2643079"/>
+            <a:ext cx="1370013" cy="733534"/>
+          </a:xfrm>
+          <a:prstGeom prst="roundRect">
+            <a:avLst/>
+          </a:prstGeom>
+          <a:ln/>
+        </p:spPr>
+        <p:style>
+          <a:lnRef idx="2">
+            <a:schemeClr val="accent1"/>
+          </a:lnRef>
+          <a:fillRef idx="1">
+            <a:schemeClr val="lt1"/>
+          </a:fillRef>
+          <a:effectRef idx="0">
+            <a:schemeClr val="accent1"/>
+          </a:effectRef>
+          <a:fontRef idx="minor">
+            <a:schemeClr val="dk1"/>
+          </a:fontRef>
+        </p:style>
+        <p:txBody>
+          <a:bodyPr rot="0" spcFirstLastPara="0" vertOverflow="overflow" horzOverflow="overflow" vert="horz" wrap="square" lIns="182880" tIns="146304" rIns="182880" bIns="146304" numCol="1" spcCol="0" rtlCol="0" fromWordArt="0" anchor="t" anchorCtr="0" forceAA="0" compatLnSpc="1">
+            <a:prstTxWarp prst="textNoShape">
+              <a:avLst/>
+            </a:prstTxWarp>
+            <a:noAutofit/>
+          </a:bodyPr>
+          <a:lstStyle/>
+          <a:p>
+            <a:pPr algn="ctr" defTabSz="932472" fontAlgn="base">
+              <a:lnSpc>
+                <a:spcPct val="90000"/>
+              </a:lnSpc>
+              <a:spcBef>
+                <a:spcPct val="0"/>
+              </a:spcBef>
+              <a:spcAft>
+                <a:spcPct val="0"/>
+              </a:spcAft>
+            </a:pPr>
+            <a:r>
+              <a:rPr lang="en-US" sz="2400" dirty="0">
+                <a:solidFill>
+                  <a:schemeClr val="tx1"/>
+                </a:solidFill>
+                <a:ea typeface="Segoe UI" pitchFamily="34" charset="0"/>
+                <a:cs typeface="Segoe UI" pitchFamily="34" charset="0"/>
+              </a:rPr>
+              <a:t>Pages</a:t>
+            </a:r>
+          </a:p>
+        </p:txBody>
+      </p:sp>
+      <p:sp>
+        <p:nvSpPr>
+          <p:cNvPr id="8" name="Rectangle: Rounded Corners 7">
+            <a:extLst>
+              <a:ext uri="{FF2B5EF4-FFF2-40B4-BE49-F238E27FC236}">
+                <a16:creationId xmlns:a16="http://schemas.microsoft.com/office/drawing/2014/main" id="{6D996DCF-C3A4-4D67-B1E4-3BE3DDBA0327}"/>
+              </a:ext>
+            </a:extLst>
+          </p:cNvPr>
+          <p:cNvSpPr/>
+          <p:nvPr/>
+        </p:nvSpPr>
+        <p:spPr bwMode="auto">
+          <a:xfrm>
+            <a:off x="2408238" y="2643079"/>
+            <a:ext cx="1370013" cy="733534"/>
+          </a:xfrm>
+          <a:prstGeom prst="roundRect">
+            <a:avLst/>
+          </a:prstGeom>
+          <a:ln/>
+        </p:spPr>
+        <p:style>
+          <a:lnRef idx="2">
+            <a:schemeClr val="accent1"/>
+          </a:lnRef>
+          <a:fillRef idx="1">
+            <a:schemeClr val="lt1"/>
+          </a:fillRef>
+          <a:effectRef idx="0">
+            <a:schemeClr val="accent1"/>
+          </a:effectRef>
+          <a:fontRef idx="minor">
+            <a:schemeClr val="dk1"/>
+          </a:fontRef>
+        </p:style>
+        <p:txBody>
+          <a:bodyPr rot="0" spcFirstLastPara="0" vertOverflow="overflow" horzOverflow="overflow" vert="horz" wrap="square" lIns="182880" tIns="146304" rIns="182880" bIns="146304" numCol="1" spcCol="0" rtlCol="0" fromWordArt="0" anchor="t" anchorCtr="0" forceAA="0" compatLnSpc="1">
+            <a:prstTxWarp prst="textNoShape">
+              <a:avLst/>
+            </a:prstTxWarp>
+            <a:noAutofit/>
+          </a:bodyPr>
+          <a:lstStyle/>
+          <a:p>
+            <a:pPr algn="ctr" defTabSz="932472" fontAlgn="base">
+              <a:lnSpc>
+                <a:spcPct val="90000"/>
+              </a:lnSpc>
+              <a:spcBef>
+                <a:spcPct val="0"/>
+              </a:spcBef>
+              <a:spcAft>
+                <a:spcPct val="0"/>
+              </a:spcAft>
+            </a:pPr>
+            <a:r>
+              <a:rPr lang="en-US" sz="2400" dirty="0">
+                <a:solidFill>
+                  <a:schemeClr val="tx1"/>
+                </a:solidFill>
+                <a:ea typeface="Segoe UI" pitchFamily="34" charset="0"/>
+                <a:cs typeface="Segoe UI" pitchFamily="34" charset="0"/>
+              </a:rPr>
+              <a:t>Hub</a:t>
+            </a:r>
+          </a:p>
+        </p:txBody>
+      </p:sp>
+      <p:pic>
+        <p:nvPicPr>
+          <p:cNvPr id="9" name="Client icon">
+            <a:extLst>
+              <a:ext uri="{FF2B5EF4-FFF2-40B4-BE49-F238E27FC236}">
+                <a16:creationId xmlns:a16="http://schemas.microsoft.com/office/drawing/2014/main" id="{4205B258-EF8A-4B1C-9240-16F339112EC7}"/>
+              </a:ext>
+            </a:extLst>
+          </p:cNvPr>
+          <p:cNvPicPr preferRelativeResize="0"/>
+          <p:nvPr/>
+        </p:nvPicPr>
+        <p:blipFill>
+          <a:blip r:embed="rId4">
+            <a:alphaModFix/>
+          </a:blip>
+          <a:stretch>
+            <a:fillRect/>
+          </a:stretch>
+        </p:blipFill>
+        <p:spPr>
+          <a:xfrm>
+            <a:off x="2408238" y="4146572"/>
+            <a:ext cx="2211030" cy="2008275"/>
+          </a:xfrm>
+          <a:prstGeom prst="rect">
+            <a:avLst/>
+          </a:prstGeom>
+          <a:noFill/>
+          <a:ln>
+            <a:noFill/>
+          </a:ln>
+        </p:spPr>
+      </p:pic>
+      <p:cxnSp>
+        <p:nvCxnSpPr>
+          <p:cNvPr id="12" name="Connector: Curved 11">
+            <a:extLst>
+              <a:ext uri="{FF2B5EF4-FFF2-40B4-BE49-F238E27FC236}">
+                <a16:creationId xmlns:a16="http://schemas.microsoft.com/office/drawing/2014/main" id="{5EDD8093-7FA9-4941-BC23-2CC1E3BBC9BF}"/>
+              </a:ext>
+            </a:extLst>
+          </p:cNvPr>
+          <p:cNvCxnSpPr>
+            <a:cxnSpLocks/>
+            <a:stCxn id="7" idx="2"/>
+            <a:endCxn id="9" idx="1"/>
+          </p:cNvCxnSpPr>
+          <p:nvPr/>
+        </p:nvCxnSpPr>
+        <p:spPr>
+          <a:xfrm rot="16200000" flipH="1">
+            <a:off x="978662" y="3721133"/>
+            <a:ext cx="1774097" cy="1085056"/>
+          </a:xfrm>
+          <a:prstGeom prst="curvedConnector2">
+            <a:avLst/>
+          </a:prstGeom>
+          <a:ln w="76200">
+            <a:solidFill>
+              <a:schemeClr val="tx1"/>
+            </a:solidFill>
+            <a:headEnd type="triangle"/>
+            <a:tailEnd type="none"/>
+          </a:ln>
+        </p:spPr>
+        <p:style>
+          <a:lnRef idx="1">
+            <a:schemeClr val="accent1"/>
+          </a:lnRef>
+          <a:fillRef idx="0">
+            <a:schemeClr val="accent1"/>
+          </a:fillRef>
+          <a:effectRef idx="0">
+            <a:schemeClr val="accent1"/>
+          </a:effectRef>
+          <a:fontRef idx="minor">
+            <a:schemeClr val="tx1"/>
+          </a:fontRef>
+        </p:style>
+      </p:cxnSp>
+      <p:sp>
+        <p:nvSpPr>
+          <p:cNvPr id="31" name="Client text - supported">
+            <a:extLst>
+              <a:ext uri="{FF2B5EF4-FFF2-40B4-BE49-F238E27FC236}">
+                <a16:creationId xmlns:a16="http://schemas.microsoft.com/office/drawing/2014/main" id="{AED6917C-3A14-4943-92EF-5E615E18ED82}"/>
+              </a:ext>
+            </a:extLst>
+          </p:cNvPr>
+          <p:cNvSpPr txBox="1"/>
+          <p:nvPr/>
+        </p:nvSpPr>
+        <p:spPr>
+          <a:xfrm>
+            <a:off x="2739260" y="4670577"/>
+            <a:ext cx="1551491" cy="627864"/>
+          </a:xfrm>
+          <a:prstGeom prst="rect">
+            <a:avLst/>
+          </a:prstGeom>
+          <a:noFill/>
+        </p:spPr>
+        <p:txBody>
+          <a:bodyPr wrap="square" lIns="182880" tIns="146304" rIns="182880" bIns="146304" rtlCol="0" anchor="t">
+            <a:spAutoFit/>
+          </a:bodyPr>
+          <a:lstStyle/>
+          <a:p>
+            <a:pPr algn="ctr">
+              <a:lnSpc>
+                <a:spcPct val="90000"/>
+              </a:lnSpc>
+              <a:spcAft>
+                <a:spcPts val="600"/>
+              </a:spcAft>
+            </a:pPr>
+            <a:r>
+              <a:rPr lang="en-US" sz="2400" dirty="0">
+                <a:solidFill>
+                  <a:schemeClr val="bg1"/>
+                </a:solidFill>
+              </a:rPr>
+              <a:t>Client</a:t>
+            </a:r>
+          </a:p>
+        </p:txBody>
+      </p:sp>
+      <p:sp>
+        <p:nvSpPr>
+          <p:cNvPr id="32" name="TextBox 31">
+            <a:extLst>
+              <a:ext uri="{FF2B5EF4-FFF2-40B4-BE49-F238E27FC236}">
+                <a16:creationId xmlns:a16="http://schemas.microsoft.com/office/drawing/2014/main" id="{02B7147B-5685-460D-B6B3-1D16E784051D}"/>
+              </a:ext>
+            </a:extLst>
+          </p:cNvPr>
+          <p:cNvSpPr txBox="1"/>
+          <p:nvPr/>
+        </p:nvSpPr>
+        <p:spPr>
+          <a:xfrm>
+            <a:off x="6352510" y="3981238"/>
+            <a:ext cx="2372554" cy="871008"/>
+          </a:xfrm>
+          <a:prstGeom prst="rect">
+            <a:avLst/>
+          </a:prstGeom>
+          <a:noFill/>
+        </p:spPr>
+        <p:txBody>
+          <a:bodyPr wrap="square" lIns="182880" tIns="146304" rIns="182880" bIns="146304" rtlCol="0">
+            <a:spAutoFit/>
+          </a:bodyPr>
+          <a:lstStyle/>
+          <a:p>
+            <a:pPr>
+              <a:lnSpc>
+                <a:spcPct val="90000"/>
+              </a:lnSpc>
+              <a:spcAft>
+                <a:spcPts val="600"/>
+              </a:spcAft>
+            </a:pPr>
+            <a:r>
+              <a:rPr lang="en-US" sz="1800" dirty="0" err="1">
+                <a:gradFill>
+                  <a:gsLst>
+                    <a:gs pos="2917">
+                      <a:schemeClr val="tx1"/>
+                    </a:gs>
+                    <a:gs pos="30000">
+                      <a:schemeClr val="tx1"/>
+                    </a:gs>
+                  </a:gsLst>
+                  <a:lin ang="5400000" scaled="0"/>
+                </a:gradFill>
+              </a:rPr>
+              <a:t>SignalR</a:t>
+            </a:r>
+            <a:endParaRPr lang="en-US" sz="1800" dirty="0">
+              <a:gradFill>
+                <a:gsLst>
+                  <a:gs pos="2917">
+                    <a:schemeClr val="tx1"/>
+                  </a:gs>
+                  <a:gs pos="30000">
+                    <a:schemeClr val="tx1"/>
+                  </a:gs>
+                </a:gsLst>
+                <a:lin ang="5400000" scaled="0"/>
+              </a:gradFill>
+            </a:endParaRPr>
+          </a:p>
+          <a:p>
+            <a:pPr>
+              <a:lnSpc>
+                <a:spcPct val="90000"/>
+              </a:lnSpc>
+              <a:spcAft>
+                <a:spcPts val="600"/>
+              </a:spcAft>
+            </a:pPr>
+            <a:r>
+              <a:rPr lang="en-US" sz="1800" dirty="0">
+                <a:gradFill>
+                  <a:gsLst>
+                    <a:gs pos="2917">
+                      <a:schemeClr val="tx1"/>
+                    </a:gs>
+                    <a:gs pos="30000">
+                      <a:schemeClr val="tx1"/>
+                    </a:gs>
+                  </a:gsLst>
+                  <a:lin ang="5400000" scaled="0"/>
+                </a:gradFill>
+              </a:rPr>
+              <a:t>traffic</a:t>
+            </a:r>
+          </a:p>
+        </p:txBody>
+      </p:sp>
+      <p:sp>
+        <p:nvSpPr>
+          <p:cNvPr id="33" name="TextBox 32">
+            <a:extLst>
+              <a:ext uri="{FF2B5EF4-FFF2-40B4-BE49-F238E27FC236}">
+                <a16:creationId xmlns:a16="http://schemas.microsoft.com/office/drawing/2014/main" id="{6FEDFDD3-5F73-43D3-BB0B-ABEC0CFDEEE4}"/>
+              </a:ext>
+            </a:extLst>
+          </p:cNvPr>
+          <p:cNvSpPr txBox="1"/>
+          <p:nvPr/>
+        </p:nvSpPr>
+        <p:spPr>
+          <a:xfrm>
+            <a:off x="698101" y="3935049"/>
+            <a:ext cx="1185051" cy="871008"/>
+          </a:xfrm>
+          <a:prstGeom prst="rect">
+            <a:avLst/>
+          </a:prstGeom>
+          <a:noFill/>
+        </p:spPr>
+        <p:txBody>
+          <a:bodyPr wrap="square" lIns="182880" tIns="146304" rIns="182880" bIns="146304" rtlCol="0">
+            <a:spAutoFit/>
+          </a:bodyPr>
+          <a:lstStyle/>
+          <a:p>
+            <a:pPr>
+              <a:lnSpc>
+                <a:spcPct val="90000"/>
+              </a:lnSpc>
+              <a:spcAft>
+                <a:spcPts val="600"/>
+              </a:spcAft>
+            </a:pPr>
+            <a:r>
+              <a:rPr lang="en-US" sz="1800" dirty="0">
+                <a:gradFill>
+                  <a:gsLst>
+                    <a:gs pos="2917">
+                      <a:schemeClr val="tx1"/>
+                    </a:gs>
+                    <a:gs pos="30000">
+                      <a:schemeClr val="tx1"/>
+                    </a:gs>
+                  </a:gsLst>
+                  <a:lin ang="5400000" scaled="0"/>
+                </a:gradFill>
+              </a:rPr>
+              <a:t>Web</a:t>
+            </a:r>
+          </a:p>
+          <a:p>
+            <a:pPr>
+              <a:lnSpc>
+                <a:spcPct val="90000"/>
+              </a:lnSpc>
+              <a:spcAft>
+                <a:spcPts val="600"/>
+              </a:spcAft>
+            </a:pPr>
+            <a:r>
+              <a:rPr lang="en-US" sz="1800" dirty="0">
+                <a:gradFill>
+                  <a:gsLst>
+                    <a:gs pos="2917">
+                      <a:schemeClr val="tx1"/>
+                    </a:gs>
+                    <a:gs pos="30000">
+                      <a:schemeClr val="tx1"/>
+                    </a:gs>
+                  </a:gsLst>
+                  <a:lin ang="5400000" scaled="0"/>
+                </a:gradFill>
+              </a:rPr>
+              <a:t>traffic</a:t>
+            </a:r>
+          </a:p>
+        </p:txBody>
+      </p:sp>
+      <p:sp>
+        <p:nvSpPr>
+          <p:cNvPr id="14" name="Rectangle: Rounded Corners 13">
+            <a:extLst>
+              <a:ext uri="{FF2B5EF4-FFF2-40B4-BE49-F238E27FC236}">
+                <a16:creationId xmlns:a16="http://schemas.microsoft.com/office/drawing/2014/main" id="{FAEC1A70-F8C8-474C-9B86-7CEF01BF5E85}"/>
+              </a:ext>
+            </a:extLst>
+          </p:cNvPr>
+          <p:cNvSpPr/>
+          <p:nvPr/>
+        </p:nvSpPr>
+        <p:spPr bwMode="auto">
+          <a:xfrm>
+            <a:off x="4989867" y="1507339"/>
+            <a:ext cx="3562350" cy="2066925"/>
+          </a:xfrm>
+          <a:prstGeom prst="roundRect">
+            <a:avLst/>
+          </a:prstGeom>
+          <a:solidFill>
+            <a:schemeClr val="accent6"/>
+          </a:solidFill>
+          <a:ln>
+            <a:noFill/>
+            <a:headEnd type="none" w="med" len="med"/>
+            <a:tailEnd type="none" w="med" len="med"/>
+          </a:ln>
+          <a:effectLst/>
+        </p:spPr>
+        <p:style>
+          <a:lnRef idx="1">
+            <a:schemeClr val="accent2"/>
+          </a:lnRef>
+          <a:fillRef idx="3">
+            <a:schemeClr val="accent2"/>
+          </a:fillRef>
+          <a:effectRef idx="2">
+            <a:schemeClr val="accent2"/>
+          </a:effectRef>
+          <a:fontRef idx="minor">
+            <a:schemeClr val="lt1"/>
+          </a:fontRef>
+        </p:style>
+        <p:txBody>
+          <a:bodyPr rot="0" spcFirstLastPara="0" vertOverflow="overflow" horzOverflow="overflow" vert="horz" wrap="square" lIns="182880" tIns="146304" rIns="182880" bIns="146304" numCol="1" spcCol="0" rtlCol="0" fromWordArt="0" anchor="t" anchorCtr="0" forceAA="0" compatLnSpc="1">
+            <a:prstTxWarp prst="textNoShape">
+              <a:avLst/>
+            </a:prstTxWarp>
+            <a:noAutofit/>
+          </a:bodyPr>
+          <a:lstStyle/>
+          <a:p>
+            <a:pPr defTabSz="932472" fontAlgn="base">
+              <a:lnSpc>
+                <a:spcPct val="90000"/>
+              </a:lnSpc>
+              <a:spcBef>
+                <a:spcPct val="0"/>
+              </a:spcBef>
+              <a:spcAft>
+                <a:spcPct val="0"/>
+              </a:spcAft>
+            </a:pPr>
+            <a:endParaRPr lang="en-US" sz="2400" dirty="0">
+              <a:gradFill>
+                <a:gsLst>
+                  <a:gs pos="0">
+                    <a:srgbClr val="FFFFFF"/>
+                  </a:gs>
+                  <a:gs pos="100000">
+                    <a:srgbClr val="FFFFFF"/>
+                  </a:gs>
+                </a:gsLst>
+                <a:lin ang="5400000" scaled="0"/>
+              </a:gradFill>
+              <a:ea typeface="Segoe UI" pitchFamily="34" charset="0"/>
+              <a:cs typeface="Segoe UI" pitchFamily="34" charset="0"/>
+            </a:endParaRPr>
+          </a:p>
+        </p:txBody>
+      </p:sp>
+      <p:sp>
+        <p:nvSpPr>
+          <p:cNvPr id="15" name="Rectangle: Rounded Corners 14">
+            <a:extLst>
+              <a:ext uri="{FF2B5EF4-FFF2-40B4-BE49-F238E27FC236}">
+                <a16:creationId xmlns:a16="http://schemas.microsoft.com/office/drawing/2014/main" id="{2F20B8AF-8F1C-466F-8E9C-3A7A8F7F2656}"/>
+              </a:ext>
+            </a:extLst>
+          </p:cNvPr>
+          <p:cNvSpPr/>
+          <p:nvPr/>
+        </p:nvSpPr>
+        <p:spPr bwMode="auto">
+          <a:xfrm>
+            <a:off x="5208755" y="2643078"/>
+            <a:ext cx="1370013" cy="733534"/>
+          </a:xfrm>
+          <a:prstGeom prst="roundRect">
+            <a:avLst/>
+          </a:prstGeom>
+          <a:ln/>
+        </p:spPr>
+        <p:style>
+          <a:lnRef idx="2">
+            <a:schemeClr val="accent1"/>
+          </a:lnRef>
+          <a:fillRef idx="1">
+            <a:schemeClr val="lt1"/>
+          </a:fillRef>
+          <a:effectRef idx="0">
+            <a:schemeClr val="accent1"/>
+          </a:effectRef>
+          <a:fontRef idx="minor">
+            <a:schemeClr val="dk1"/>
+          </a:fontRef>
+        </p:style>
+        <p:txBody>
+          <a:bodyPr rot="0" spcFirstLastPara="0" vertOverflow="overflow" horzOverflow="overflow" vert="horz" wrap="square" lIns="182880" tIns="146304" rIns="182880" bIns="146304" numCol="1" spcCol="0" rtlCol="0" fromWordArt="0" anchor="ctr" anchorCtr="0" forceAA="0" compatLnSpc="1">
+            <a:prstTxWarp prst="textNoShape">
+              <a:avLst/>
+            </a:prstTxWarp>
+            <a:noAutofit/>
+          </a:bodyPr>
+          <a:lstStyle/>
+          <a:p>
+            <a:pPr algn="ctr" defTabSz="932472" fontAlgn="base">
+              <a:lnSpc>
+                <a:spcPct val="90000"/>
+              </a:lnSpc>
+              <a:spcBef>
+                <a:spcPct val="0"/>
+              </a:spcBef>
+              <a:spcAft>
+                <a:spcPct val="0"/>
+              </a:spcAft>
+            </a:pPr>
+            <a:r>
+              <a:rPr lang="en-US" sz="1800" dirty="0">
+                <a:solidFill>
+                  <a:schemeClr val="tx1"/>
+                </a:solidFill>
+                <a:ea typeface="Segoe UI" pitchFamily="34" charset="0"/>
+                <a:cs typeface="Segoe UI" pitchFamily="34" charset="0"/>
+              </a:rPr>
+              <a:t>Server endpoint</a:t>
+            </a:r>
+          </a:p>
+        </p:txBody>
+      </p:sp>
+      <p:sp>
+        <p:nvSpPr>
+          <p:cNvPr id="16" name="Rectangle: Rounded Corners 15">
+            <a:extLst>
+              <a:ext uri="{FF2B5EF4-FFF2-40B4-BE49-F238E27FC236}">
+                <a16:creationId xmlns:a16="http://schemas.microsoft.com/office/drawing/2014/main" id="{9B86818C-76D4-425E-8FA7-38F1E66C6A2B}"/>
+              </a:ext>
+            </a:extLst>
+          </p:cNvPr>
+          <p:cNvSpPr/>
+          <p:nvPr/>
+        </p:nvSpPr>
+        <p:spPr bwMode="auto">
+          <a:xfrm>
+            <a:off x="6978818" y="2643078"/>
+            <a:ext cx="1370013" cy="733534"/>
+          </a:xfrm>
+          <a:prstGeom prst="roundRect">
+            <a:avLst/>
+          </a:prstGeom>
+          <a:ln/>
+        </p:spPr>
+        <p:style>
+          <a:lnRef idx="2">
+            <a:schemeClr val="accent1"/>
+          </a:lnRef>
+          <a:fillRef idx="1">
+            <a:schemeClr val="lt1"/>
+          </a:fillRef>
+          <a:effectRef idx="0">
+            <a:schemeClr val="accent1"/>
+          </a:effectRef>
+          <a:fontRef idx="minor">
+            <a:schemeClr val="dk1"/>
+          </a:fontRef>
+        </p:style>
+        <p:txBody>
+          <a:bodyPr rot="0" spcFirstLastPara="0" vertOverflow="overflow" horzOverflow="overflow" vert="horz" wrap="square" lIns="182880" tIns="146304" rIns="182880" bIns="146304" numCol="1" spcCol="0" rtlCol="0" fromWordArt="0" anchor="ctr" anchorCtr="0" forceAA="0" compatLnSpc="1">
+            <a:prstTxWarp prst="textNoShape">
+              <a:avLst/>
+            </a:prstTxWarp>
+            <a:noAutofit/>
+          </a:bodyPr>
+          <a:lstStyle/>
+          <a:p>
+            <a:pPr algn="ctr" defTabSz="932472" fontAlgn="base">
+              <a:lnSpc>
+                <a:spcPct val="90000"/>
+              </a:lnSpc>
+              <a:spcBef>
+                <a:spcPct val="0"/>
+              </a:spcBef>
+              <a:spcAft>
+                <a:spcPct val="0"/>
+              </a:spcAft>
+            </a:pPr>
+            <a:r>
+              <a:rPr lang="en-US" sz="1800" dirty="0">
+                <a:solidFill>
+                  <a:schemeClr val="tx1"/>
+                </a:solidFill>
+                <a:ea typeface="Segoe UI" pitchFamily="34" charset="0"/>
+                <a:cs typeface="Segoe UI" pitchFamily="34" charset="0"/>
+              </a:rPr>
+              <a:t>Client endpoint</a:t>
+            </a:r>
+          </a:p>
+        </p:txBody>
+      </p:sp>
+      <p:cxnSp>
+        <p:nvCxnSpPr>
+          <p:cNvPr id="17" name="Connector: Curved 16">
+            <a:extLst>
+              <a:ext uri="{FF2B5EF4-FFF2-40B4-BE49-F238E27FC236}">
+                <a16:creationId xmlns:a16="http://schemas.microsoft.com/office/drawing/2014/main" id="{40F468B3-A54E-4EFB-B31B-EBE76CC53B37}"/>
+              </a:ext>
+            </a:extLst>
+          </p:cNvPr>
+          <p:cNvCxnSpPr>
+            <a:cxnSpLocks/>
+          </p:cNvCxnSpPr>
+          <p:nvPr/>
+        </p:nvCxnSpPr>
+        <p:spPr>
+          <a:xfrm rot="10800000" flipV="1">
+            <a:off x="4439634" y="3376611"/>
+            <a:ext cx="3238795" cy="1774097"/>
+          </a:xfrm>
+          <a:prstGeom prst="curvedConnector3">
+            <a:avLst>
+              <a:gd name="adj1" fmla="val 299"/>
+            </a:avLst>
+          </a:prstGeom>
+          <a:ln w="76200">
+            <a:solidFill>
+              <a:schemeClr val="tx1"/>
+            </a:solidFill>
+            <a:headEnd type="triangle"/>
+            <a:tailEnd type="none"/>
+          </a:ln>
+        </p:spPr>
+        <p:style>
+          <a:lnRef idx="1">
+            <a:schemeClr val="accent1"/>
+          </a:lnRef>
+          <a:fillRef idx="0">
+            <a:schemeClr val="accent1"/>
+          </a:fillRef>
+          <a:effectRef idx="0">
+            <a:schemeClr val="accent1"/>
+          </a:effectRef>
+          <a:fontRef idx="minor">
+            <a:schemeClr val="tx1"/>
+          </a:fontRef>
+        </p:style>
+      </p:cxnSp>
+      <p:cxnSp>
+        <p:nvCxnSpPr>
+          <p:cNvPr id="11" name="Straight Arrow Connector 10">
+            <a:extLst>
+              <a:ext uri="{FF2B5EF4-FFF2-40B4-BE49-F238E27FC236}">
+                <a16:creationId xmlns:a16="http://schemas.microsoft.com/office/drawing/2014/main" id="{3D44922D-6C12-4DB1-A1FE-C718BE92FF24}"/>
+              </a:ext>
+            </a:extLst>
+          </p:cNvPr>
+          <p:cNvCxnSpPr>
+            <a:stCxn id="8" idx="3"/>
+            <a:endCxn id="15" idx="1"/>
+          </p:cNvCxnSpPr>
+          <p:nvPr/>
+        </p:nvCxnSpPr>
+        <p:spPr>
+          <a:xfrm flipV="1">
+            <a:off x="3778251" y="3009845"/>
+            <a:ext cx="1430504" cy="1"/>
+          </a:xfrm>
+          <a:prstGeom prst="straightConnector1">
+            <a:avLst/>
+          </a:prstGeom>
+          <a:ln w="76200">
+            <a:solidFill>
+              <a:schemeClr val="tx1"/>
+            </a:solidFill>
+            <a:headEnd type="triangle"/>
+            <a:tailEnd type="triangle"/>
+          </a:ln>
+        </p:spPr>
+        <p:style>
+          <a:lnRef idx="1">
+            <a:schemeClr val="accent1"/>
+          </a:lnRef>
+          <a:fillRef idx="0">
+            <a:schemeClr val="accent1"/>
+          </a:fillRef>
+          <a:effectRef idx="0">
+            <a:schemeClr val="accent1"/>
+          </a:effectRef>
+          <a:fontRef idx="minor">
+            <a:schemeClr val="tx1"/>
+          </a:fontRef>
+        </p:style>
+      </p:cxnSp>
+    </p:spTree>
+    <p:extLst>
+      <p:ext uri="{BB962C8B-B14F-4D97-AF65-F5344CB8AC3E}">
+        <p14:creationId xmlns:p14="http://schemas.microsoft.com/office/powerpoint/2010/main" val="895204585"/>
+      </p:ext>
+    </p:extLst>
+  </p:cSld>
+  <p:clrMapOvr>
+    <a:masterClrMapping/>
+  </p:clrMapOvr>
+  <p:transition>
+    <p:fade/>
+  </p:transition>
+</p:sld>
+</file>
+
+<file path=ppt/slides/slide12.xml><?xml version="1.0" encoding="utf-8"?>
 <p:sld xmlns:a="http://schemas.openxmlformats.org/drawingml/2006/main" xmlns:r="http://schemas.openxmlformats.org/officeDocument/2006/relationships" xmlns:p="http://schemas.openxmlformats.org/presentationml/2006/main">
   <p:cSld>
     <p:spTree>
@@ -18920,7 +20966,7 @@
                 <a:cs typeface="Roboto"/>
                 <a:sym typeface="Roboto"/>
               </a:rPr>
-              <a:t>Server-sent Events</a:t>
+              <a:t>Server-sent events</a:t>
             </a:r>
           </a:p>
           <a:p>
@@ -18944,7 +20990,7 @@
                 <a:cs typeface="Roboto"/>
                 <a:sym typeface="Roboto"/>
               </a:rPr>
-              <a:t>Long Polling</a:t>
+              <a:t>Long polling</a:t>
             </a:r>
           </a:p>
         </p:txBody>
@@ -19172,7 +21218,7 @@
         </p:nvSpPr>
         <p:spPr>
           <a:xfrm>
-            <a:off x="6006037" y="3393118"/>
+            <a:off x="5501948" y="3393118"/>
             <a:ext cx="2056876" cy="767100"/>
           </a:xfrm>
           <a:prstGeom prst="rect">
@@ -21406,7 +23452,7 @@
         <p:spPr>
           <a:xfrm>
             <a:off x="434975" y="1142881"/>
-            <a:ext cx="11567160" cy="2559675"/>
+            <a:ext cx="11567160" cy="3016210"/>
           </a:xfrm>
         </p:spPr>
         <p:txBody>
@@ -21446,6 +23492,12 @@
             <a:r>
               <a:rPr lang="en-US" dirty="0"/>
               <a:t>Gaming</a:t>
+            </a:r>
+          </a:p>
+          <a:p>
+            <a:r>
+              <a:rPr lang="en-US" dirty="0"/>
+              <a:t>Flight tracking</a:t>
             </a:r>
           </a:p>
         </p:txBody>
@@ -21482,10 +23534,128 @@
           </a:p>
         </p:txBody>
       </p:sp>
+      <p:pic>
+        <p:nvPicPr>
+          <p:cNvPr id="6" name="ChatHub tablet">
+            <a:extLst>
+              <a:ext uri="{FF2B5EF4-FFF2-40B4-BE49-F238E27FC236}">
+                <a16:creationId xmlns:a16="http://schemas.microsoft.com/office/drawing/2014/main" id="{8E8B4179-79B9-417B-97F6-1D3608E7EA61}"/>
+              </a:ext>
+            </a:extLst>
+          </p:cNvPr>
+          <p:cNvPicPr>
+            <a:picLocks noChangeAspect="1"/>
+          </p:cNvPicPr>
+          <p:nvPr/>
+        </p:nvPicPr>
+        <p:blipFill rotWithShape="1">
+          <a:blip r:embed="rId5" cstate="print">
+            <a:extLst>
+              <a:ext uri="{28A0092B-C50C-407E-A947-70E740481C1C}">
+                <a14:useLocalDpi xmlns:a14="http://schemas.microsoft.com/office/drawing/2010/main" val="0"/>
+              </a:ext>
+            </a:extLst>
+          </a:blip>
+          <a:srcRect/>
+          <a:stretch/>
+        </p:blipFill>
+        <p:spPr>
+          <a:xfrm>
+            <a:off x="4434840" y="0"/>
+            <a:ext cx="8001635" cy="6994525"/>
+          </a:xfrm>
+          <a:prstGeom prst="rect">
+            <a:avLst/>
+          </a:prstGeom>
+        </p:spPr>
+      </p:pic>
+      <p:pic>
+        <p:nvPicPr>
+          <p:cNvPr id="7" name="flight-tracker-2">
+            <a:hlinkClick r:id="" action="ppaction://media"/>
+            <a:extLst>
+              <a:ext uri="{FF2B5EF4-FFF2-40B4-BE49-F238E27FC236}">
+                <a16:creationId xmlns:a16="http://schemas.microsoft.com/office/drawing/2014/main" id="{4A857888-07F9-472C-B840-A19620536DC6}"/>
+              </a:ext>
+            </a:extLst>
+          </p:cNvPr>
+          <p:cNvPicPr>
+            <a:picLocks noChangeAspect="1"/>
+          </p:cNvPicPr>
+          <p:nvPr>
+            <a:videoFile r:link="rId2"/>
+            <p:extLst>
+              <p:ext uri="{DAA4B4D4-6D71-4841-9C94-3DE7FCFB9230}">
+                <p14:media xmlns:p14="http://schemas.microsoft.com/office/powerpoint/2010/main" r:embed="rId1"/>
+              </p:ext>
+            </p:extLst>
+          </p:nvPr>
+        </p:nvPicPr>
+        <p:blipFill>
+          <a:blip r:embed="rId6"/>
+          <a:stretch>
+            <a:fillRect/>
+          </a:stretch>
+        </p:blipFill>
+        <p:spPr>
+          <a:xfrm>
+            <a:off x="6275388" y="1525589"/>
+            <a:ext cx="6151562" cy="4613672"/>
+          </a:xfrm>
+          <a:prstGeom prst="rect">
+            <a:avLst/>
+          </a:prstGeom>
+        </p:spPr>
+      </p:pic>
+      <p:cxnSp>
+        <p:nvCxnSpPr>
+          <p:cNvPr id="8" name="Startup tablet right border">
+            <a:extLst>
+              <a:ext uri="{FF2B5EF4-FFF2-40B4-BE49-F238E27FC236}">
+                <a16:creationId xmlns:a16="http://schemas.microsoft.com/office/drawing/2014/main" id="{8C1B8755-BD74-47D4-A8BB-1DCC4672FE71}"/>
+              </a:ext>
+            </a:extLst>
+          </p:cNvPr>
+          <p:cNvCxnSpPr>
+            <a:cxnSpLocks/>
+          </p:cNvCxnSpPr>
+          <p:nvPr/>
+        </p:nvCxnSpPr>
+        <p:spPr>
+          <a:xfrm flipH="1">
+            <a:off x="6191492" y="6129736"/>
+            <a:ext cx="6235458" cy="1"/>
+          </a:xfrm>
+          <a:prstGeom prst="line">
+            <a:avLst/>
+          </a:prstGeom>
+          <a:ln w="304800">
+            <a:solidFill>
+              <a:schemeClr val="tx1"/>
+            </a:solidFill>
+            <a:headEnd type="none"/>
+            <a:tailEnd type="none"/>
+          </a:ln>
+        </p:spPr>
+        <p:style>
+          <a:lnRef idx="1">
+            <a:schemeClr val="accent1"/>
+          </a:lnRef>
+          <a:fillRef idx="0">
+            <a:schemeClr val="accent1"/>
+          </a:fillRef>
+          <a:effectRef idx="0">
+            <a:schemeClr val="accent1"/>
+          </a:effectRef>
+          <a:fontRef idx="minor">
+            <a:schemeClr val="tx1"/>
+          </a:fontRef>
+        </p:style>
+      </p:cxnSp>
     </p:spTree>
     <p:extLst>
       <p:ext uri="{BB962C8B-B14F-4D97-AF65-F5344CB8AC3E}">
-        <p14:creationId xmlns:p14="http://schemas.microsoft.com/office/powerpoint/2010/main" val="1251927067"/>
+        <p14:creationId xmlns:p14="http://schemas.microsoft.com/office/powerpoint/2010/main" val="4186711319"/>
       </p:ext>
     </p:extLst>
   </p:cSld>
@@ -21495,6 +23665,144 @@
   <p:transition>
     <p:fade/>
   </p:transition>
+  <p:timing>
+    <p:tnLst>
+      <p:par>
+        <p:cTn id="1" dur="indefinite" restart="never" nodeType="tmRoot">
+          <p:childTnLst>
+            <p:seq concurrent="1" nextAc="seek">
+              <p:cTn id="2" dur="indefinite" nodeType="mainSeq">
+                <p:childTnLst>
+                  <p:par>
+                    <p:cTn id="3" fill="hold">
+                      <p:stCondLst>
+                        <p:cond delay="indefinite"/>
+                        <p:cond evt="onBegin" delay="0">
+                          <p:tn val="2"/>
+                        </p:cond>
+                      </p:stCondLst>
+                      <p:childTnLst>
+                        <p:par>
+                          <p:cTn id="4" fill="hold">
+                            <p:stCondLst>
+                              <p:cond delay="0"/>
+                            </p:stCondLst>
+                            <p:childTnLst>
+                              <p:par>
+                                <p:cTn id="5" presetID="1" presetClass="mediacall" presetSubtype="0" fill="hold" nodeType="afterEffect">
+                                  <p:stCondLst>
+                                    <p:cond delay="0"/>
+                                  </p:stCondLst>
+                                  <p:childTnLst>
+                                    <p:cmd type="call" cmd="playFrom(0.0)">
+                                      <p:cBhvr>
+                                        <p:cTn id="6" dur="46933" fill="hold"/>
+                                        <p:tgtEl>
+                                          <p:spTgt spid="7"/>
+                                        </p:tgtEl>
+                                      </p:cBhvr>
+                                    </p:cmd>
+                                  </p:childTnLst>
+                                </p:cTn>
+                              </p:par>
+                            </p:childTnLst>
+                          </p:cTn>
+                        </p:par>
+                      </p:childTnLst>
+                    </p:cTn>
+                  </p:par>
+                </p:childTnLst>
+              </p:cTn>
+              <p:prevCondLst>
+                <p:cond evt="onPrev" delay="0">
+                  <p:tgtEl>
+                    <p:sldTgt/>
+                  </p:tgtEl>
+                </p:cond>
+              </p:prevCondLst>
+              <p:nextCondLst>
+                <p:cond evt="onNext" delay="0">
+                  <p:tgtEl>
+                    <p:sldTgt/>
+                  </p:tgtEl>
+                </p:cond>
+              </p:nextCondLst>
+            </p:seq>
+            <p:video>
+              <p:cMediaNode vol="80000">
+                <p:cTn id="7" fill="remove" display="0">
+                  <p:stCondLst>
+                    <p:cond delay="indefinite"/>
+                  </p:stCondLst>
+                </p:cTn>
+                <p:tgtEl>
+                  <p:spTgt spid="7"/>
+                </p:tgtEl>
+              </p:cMediaNode>
+            </p:video>
+            <p:seq concurrent="1" nextAc="seek">
+              <p:cTn id="8" restart="whenNotActive" fill="hold" evtFilter="cancelBubble" nodeType="interactiveSeq">
+                <p:stCondLst>
+                  <p:cond evt="onClick" delay="0">
+                    <p:tgtEl>
+                      <p:spTgt spid="7"/>
+                    </p:tgtEl>
+                  </p:cond>
+                </p:stCondLst>
+                <p:endSync evt="end" delay="0">
+                  <p:rtn val="all"/>
+                </p:endSync>
+                <p:childTnLst>
+                  <p:par>
+                    <p:cTn id="9" fill="hold">
+                      <p:stCondLst>
+                        <p:cond delay="0"/>
+                      </p:stCondLst>
+                      <p:childTnLst>
+                        <p:par>
+                          <p:cTn id="10" fill="hold">
+                            <p:stCondLst>
+                              <p:cond delay="0"/>
+                            </p:stCondLst>
+                            <p:childTnLst>
+                              <p:par>
+                                <p:cTn id="11" presetID="2" presetClass="mediacall" presetSubtype="0" fill="hold" nodeType="clickEffect">
+                                  <p:stCondLst>
+                                    <p:cond delay="0"/>
+                                  </p:stCondLst>
+                                  <p:childTnLst>
+                                    <p:cmd type="call" cmd="togglePause">
+                                      <p:cBhvr>
+                                        <p:cTn id="12" dur="1" fill="hold"/>
+                                        <p:tgtEl>
+                                          <p:spTgt spid="7"/>
+                                        </p:tgtEl>
+                                      </p:cBhvr>
+                                    </p:cmd>
+                                  </p:childTnLst>
+                                </p:cTn>
+                              </p:par>
+                            </p:childTnLst>
+                          </p:cTn>
+                        </p:par>
+                      </p:childTnLst>
+                    </p:cTn>
+                  </p:par>
+                </p:childTnLst>
+              </p:cTn>
+              <p:nextCondLst>
+                <p:cond evt="onClick" delay="0">
+                  <p:tgtEl>
+                    <p:spTgt spid="7"/>
+                  </p:tgtEl>
+                </p:cond>
+              </p:nextCondLst>
+            </p:seq>
+          </p:childTnLst>
+        </p:cTn>
+      </p:par>
+    </p:tnLst>
+  </p:timing>
 </p:sld>
 </file>
 
@@ -22967,7 +25275,7 @@
           <a:p>
             <a:r>
               <a:rPr lang="en-US" dirty="0"/>
-              <a:t>Every Hub is a separate “copy” of </a:t>
+              <a:t>Each Hub is a separate “copy” of </a:t>
             </a:r>
             <a:r>
               <a:rPr lang="en-US" dirty="0" err="1"/>
@@ -23577,14 +25885,14 @@
           <p:nvPr>
             <p:extLst>
               <p:ext uri="{D42A27DB-BD31-4B8C-83A1-F6EECF244321}">
-                <p14:modId xmlns:p14="http://schemas.microsoft.com/office/powerpoint/2010/main" val="1397188717"/>
+                <p14:modId xmlns:p14="http://schemas.microsoft.com/office/powerpoint/2010/main" val="1774153817"/>
               </p:ext>
             </p:extLst>
           </p:nvPr>
         </p:nvGraphicFramePr>
         <p:xfrm>
-          <a:off x="3354806" y="1830940"/>
-          <a:ext cx="8466094" cy="4146519"/>
+          <a:off x="3354806" y="1830943"/>
+          <a:ext cx="8466094" cy="4267200"/>
         </p:xfrm>
         <a:graphic>
           <a:graphicData uri="http://schemas.openxmlformats.org/drawingml/2006/table">
@@ -23601,7 +25909,7 @@
                   </a:extLst>
                 </a:gridCol>
               </a:tblGrid>
-              <a:tr h="1964070">
+              <a:tr h="3649094">
                 <a:tc>
                   <a:txBody>
                     <a:bodyPr/>
@@ -23687,7 +25995,7 @@
                           </a:solidFill>
                           <a:latin typeface="Consolas" panose="020B0609020204030204" pitchFamily="49" charset="0"/>
                         </a:rPr>
-                        <a:t>// Start the connection</a:t>
+                        <a:t>// Create the connection</a:t>
                       </a:r>
                     </a:p>
                     <a:p>
@@ -23790,7 +26098,25 @@
                           </a:solidFill>
                           <a:latin typeface="Consolas" panose="020B0609020204030204" pitchFamily="49" charset="0"/>
                         </a:rPr>
-                        <a:t>'/chat'</a:t>
+                        <a:t>'/</a:t>
+                      </a:r>
+                      <a:r>
+                        <a:rPr lang="en-US" sz="1800" dirty="0" err="1">
+                          <a:solidFill>
+                            <a:srgbClr val="A31515"/>
+                          </a:solidFill>
+                          <a:latin typeface="Consolas" panose="020B0609020204030204" pitchFamily="49" charset="0"/>
+                        </a:rPr>
+                        <a:t>chatHub</a:t>
+                      </a:r>
+                      <a:r>
+                        <a:rPr lang="en-US" sz="1800" dirty="0">
+                          <a:solidFill>
+                            <a:srgbClr val="A31515"/>
+                          </a:solidFill>
+                          <a:latin typeface="Consolas" panose="020B0609020204030204" pitchFamily="49" charset="0"/>
+                        </a:rPr>
+                        <a:t>'</a:t>
                       </a:r>
                       <a:r>
                         <a:rPr lang="en-US" sz="1800" dirty="0">
@@ -24111,14 +26437,6 @@
                       </a:r>
                     </a:p>
                     <a:p>
-                      <a:endParaRPr lang="en-US" sz="1800" dirty="0">
-                        <a:solidFill>
-                          <a:srgbClr val="000000"/>
-                        </a:solidFill>
-                        <a:latin typeface="Consolas" panose="020B0609020204030204" pitchFamily="49" charset="0"/>
-                      </a:endParaRPr>
-                    </a:p>
-                    <a:p>
                       <a:r>
                         <a:rPr lang="en-US" sz="1800" dirty="0">
                           <a:solidFill>
@@ -24212,6 +26530,70 @@
                         <a:t>});</a:t>
                       </a:r>
                     </a:p>
+                    <a:p>
+                      <a:endParaRPr lang="en-US" sz="1800" dirty="0">
+                        <a:solidFill>
+                          <a:srgbClr val="000000"/>
+                        </a:solidFill>
+                        <a:latin typeface="Consolas" panose="020B0609020204030204" pitchFamily="49" charset="0"/>
+                      </a:endParaRPr>
+                    </a:p>
+                    <a:p>
+                      <a:r>
+                        <a:rPr lang="en-US" sz="1800" dirty="0" err="1">
+                          <a:solidFill>
+                            <a:srgbClr val="000000"/>
+                          </a:solidFill>
+                          <a:latin typeface="Consolas" panose="020B0609020204030204" pitchFamily="49" charset="0"/>
+                        </a:rPr>
+                        <a:t>connection.start</a:t>
+                      </a:r>
+                      <a:r>
+                        <a:rPr lang="en-US" sz="1800" dirty="0">
+                          <a:solidFill>
+                            <a:srgbClr val="000000"/>
+                          </a:solidFill>
+                          <a:latin typeface="Consolas" panose="020B0609020204030204" pitchFamily="49" charset="0"/>
+                        </a:rPr>
+                        <a:t>().catch(err =&gt; </a:t>
+                      </a:r>
+                      <a:r>
+                        <a:rPr lang="en-US" sz="1800" dirty="0" err="1">
+                          <a:solidFill>
+                            <a:srgbClr val="000000"/>
+                          </a:solidFill>
+                          <a:latin typeface="Consolas" panose="020B0609020204030204" pitchFamily="49" charset="0"/>
+                        </a:rPr>
+                        <a:t>console.error</a:t>
+                      </a:r>
+                      <a:r>
+                        <a:rPr lang="en-US" sz="1800" dirty="0">
+                          <a:solidFill>
+                            <a:srgbClr val="000000"/>
+                          </a:solidFill>
+                          <a:latin typeface="Consolas" panose="020B0609020204030204" pitchFamily="49" charset="0"/>
+                        </a:rPr>
+                        <a:t>(</a:t>
+                      </a:r>
+                      <a:r>
+                        <a:rPr lang="en-US" sz="1800" dirty="0" err="1">
+                          <a:solidFill>
+                            <a:srgbClr val="000000"/>
+                          </a:solidFill>
+                          <a:latin typeface="Consolas" panose="020B0609020204030204" pitchFamily="49" charset="0"/>
+                        </a:rPr>
+                        <a:t>err.toString</a:t>
+                      </a:r>
+                      <a:r>
+                        <a:rPr lang="en-US" sz="1800" dirty="0">
+                          <a:solidFill>
+                            <a:srgbClr val="000000"/>
+                          </a:solidFill>
+                          <a:latin typeface="Consolas" panose="020B0609020204030204" pitchFamily="49" charset="0"/>
+                        </a:rPr>
+                        <a:t>()));</a:t>
+                      </a:r>
+                    </a:p>
                   </a:txBody>
                   <a:tcPr>
                     <a:lnL w="12700" cap="flat" cmpd="sng" algn="ctr">
@@ -24269,7 +26651,7 @@
                   </a:ext>
                 </a:extLst>
               </a:tr>
-              <a:tr h="488919">
+              <a:tr h="311163">
                 <a:tc>
                   <a:txBody>
                     <a:bodyPr/>
@@ -24426,7 +26808,7 @@
                 </a:solidFill>
                 <a:latin typeface="Segoe UI Light"/>
               </a:rPr>
-              <a:t>chat-hub.js</a:t>
+              <a:t>chat.js</a:t>
             </a:r>
             <a:endParaRPr kumimoji="0" lang="en-US" sz="1800" b="1" i="0" u="none" strike="noStrike" kern="0" cap="none" spc="0" normalizeH="0" baseline="0" noProof="0" dirty="0">
               <a:ln>
@@ -24791,6 +27173,212 @@
       </p:grpSpPr>
       <p:sp>
         <p:nvSpPr>
+          <p:cNvPr id="5" name="Title 4">
+            <a:extLst>
+              <a:ext uri="{FF2B5EF4-FFF2-40B4-BE49-F238E27FC236}">
+                <a16:creationId xmlns:a16="http://schemas.microsoft.com/office/drawing/2014/main" id="{73ADA346-6D40-4DA7-BA05-338A700FC425}"/>
+              </a:ext>
+            </a:extLst>
+          </p:cNvPr>
+          <p:cNvSpPr>
+            <a:spLocks noGrp="1"/>
+          </p:cNvSpPr>
+          <p:nvPr>
+            <p:ph type="title"/>
+          </p:nvPr>
+        </p:nvSpPr>
+        <p:spPr>
+          <a:xfrm>
+            <a:off x="434976" y="2659324"/>
+            <a:ext cx="10334624" cy="1862590"/>
+          </a:xfrm>
+        </p:spPr>
+        <p:txBody>
+          <a:bodyPr/>
+          <a:lstStyle/>
+          <a:p>
+            <a:r>
+              <a:rPr lang="en-GB" sz="4800" dirty="0"/>
+              <a:t>Create your first ASP.NET Core </a:t>
+            </a:r>
+            <a:r>
+              <a:rPr lang="en-GB" sz="4800" dirty="0" err="1"/>
+              <a:t>SignalR</a:t>
+            </a:r>
+            <a:r>
+              <a:rPr lang="en-GB" sz="4800" dirty="0"/>
+              <a:t> app</a:t>
+            </a:r>
+            <a:endParaRPr lang="en-US" sz="4800" dirty="0"/>
+          </a:p>
+        </p:txBody>
+      </p:sp>
+      <p:sp>
+        <p:nvSpPr>
+          <p:cNvPr id="6" name="TextBox 5">
+            <a:extLst>
+              <a:ext uri="{FF2B5EF4-FFF2-40B4-BE49-F238E27FC236}">
+                <a16:creationId xmlns:a16="http://schemas.microsoft.com/office/drawing/2014/main" id="{2236DB2D-A8B0-4570-AE0F-E9675BAC9CEB}"/>
+              </a:ext>
+            </a:extLst>
+          </p:cNvPr>
+          <p:cNvSpPr txBox="1"/>
+          <p:nvPr/>
+        </p:nvSpPr>
+        <p:spPr>
+          <a:xfrm>
+            <a:off x="434975" y="2133026"/>
+            <a:ext cx="981038" cy="387798"/>
+          </a:xfrm>
+          <a:prstGeom prst="rect">
+            <a:avLst/>
+          </a:prstGeom>
+          <a:noFill/>
+        </p:spPr>
+        <p:txBody>
+          <a:bodyPr wrap="none" lIns="0" tIns="0" rIns="0" bIns="0" rtlCol="0">
+            <a:spAutoFit/>
+          </a:bodyPr>
+          <a:lstStyle/>
+          <a:p>
+            <a:pPr>
+              <a:lnSpc>
+                <a:spcPct val="90000"/>
+              </a:lnSpc>
+              <a:spcAft>
+                <a:spcPts val="600"/>
+              </a:spcAft>
+            </a:pPr>
+            <a:r>
+              <a:rPr lang="en-GB" sz="2800">
+                <a:gradFill>
+                  <a:gsLst>
+                    <a:gs pos="2917">
+                      <a:schemeClr val="tx1"/>
+                    </a:gs>
+                    <a:gs pos="30000">
+                      <a:schemeClr val="tx1"/>
+                    </a:gs>
+                  </a:gsLst>
+                  <a:lin ang="5400000" scaled="0"/>
+                </a:gradFill>
+                <a:latin typeface="+mj-lt"/>
+              </a:rPr>
+              <a:t>Demo</a:t>
+            </a:r>
+            <a:endParaRPr lang="en-US" sz="2400" err="1">
+              <a:gradFill>
+                <a:gsLst>
+                  <a:gs pos="2917">
+                    <a:schemeClr val="tx1"/>
+                  </a:gs>
+                  <a:gs pos="30000">
+                    <a:schemeClr val="tx1"/>
+                  </a:gs>
+                </a:gsLst>
+                <a:lin ang="5400000" scaled="0"/>
+              </a:gradFill>
+              <a:latin typeface="+mj-lt"/>
+            </a:endParaRPr>
+          </a:p>
+        </p:txBody>
+      </p:sp>
+      <p:sp>
+        <p:nvSpPr>
+          <p:cNvPr id="7" name="TextBox 6">
+            <a:extLst>
+              <a:ext uri="{FF2B5EF4-FFF2-40B4-BE49-F238E27FC236}">
+                <a16:creationId xmlns:a16="http://schemas.microsoft.com/office/drawing/2014/main" id="{E5557B30-B27D-41CE-9E9B-D6A9BD44EC4D}"/>
+              </a:ext>
+            </a:extLst>
+          </p:cNvPr>
+          <p:cNvSpPr txBox="1"/>
+          <p:nvPr/>
+        </p:nvSpPr>
+        <p:spPr>
+          <a:xfrm>
+            <a:off x="434975" y="4521914"/>
+            <a:ext cx="65" cy="332399"/>
+          </a:xfrm>
+          <a:prstGeom prst="rect">
+            <a:avLst/>
+          </a:prstGeom>
+          <a:noFill/>
+        </p:spPr>
+        <p:txBody>
+          <a:bodyPr wrap="none" lIns="0" tIns="0" rIns="0" bIns="0" rtlCol="0">
+            <a:spAutoFit/>
+          </a:bodyPr>
+          <a:lstStyle/>
+          <a:p>
+            <a:pPr>
+              <a:lnSpc>
+                <a:spcPct val="90000"/>
+              </a:lnSpc>
+              <a:spcAft>
+                <a:spcPts val="600"/>
+              </a:spcAft>
+            </a:pPr>
+            <a:endParaRPr lang="en-US" sz="2400" dirty="0">
+              <a:gradFill>
+                <a:gsLst>
+                  <a:gs pos="2917">
+                    <a:schemeClr val="tx1"/>
+                  </a:gs>
+                  <a:gs pos="30000">
+                    <a:schemeClr val="tx1"/>
+                  </a:gs>
+                </a:gsLst>
+                <a:lin ang="5400000" scaled="0"/>
+              </a:gradFill>
+            </a:endParaRPr>
+          </a:p>
+        </p:txBody>
+      </p:sp>
+    </p:spTree>
+    <p:extLst>
+      <p:ext uri="{BB962C8B-B14F-4D97-AF65-F5344CB8AC3E}">
+        <p14:creationId xmlns:p14="http://schemas.microsoft.com/office/powerpoint/2010/main" val="4286967486"/>
+      </p:ext>
+    </p:extLst>
+  </p:cSld>
+  <p:clrMapOvr>
+    <a:masterClrMapping/>
+  </p:clrMapOvr>
+  <mc:AlternateContent xmlns:mc="http://schemas.openxmlformats.org/markup-compatibility/2006" xmlns:p14="http://schemas.microsoft.com/office/powerpoint/2010/main">
+    <mc:Choice Requires="p14">
+      <p:transition spd="med" p14:dur="700">
+        <p:fade/>
+      </p:transition>
+    </mc:Choice>
+    <mc:Fallback xmlns="">
+      <p:transition spd="med">
+        <p:fade/>
+      </p:transition>
+    </mc:Fallback>
+  </mc:AlternateContent>
+</p:sld>
+</file>
+
+<file path=ppt/slides/slide9.xml><?xml version="1.0" encoding="utf-8"?>
+<p:sld xmlns:a="http://schemas.openxmlformats.org/drawingml/2006/main" xmlns:r="http://schemas.openxmlformats.org/officeDocument/2006/relationships" xmlns:p="http://schemas.openxmlformats.org/presentationml/2006/main">
+  <p:cSld>
+    <p:spTree>
+      <p:nvGrpSpPr>
+        <p:cNvPr id="1" name=""/>
+        <p:cNvGrpSpPr/>
+        <p:nvPr/>
+      </p:nvGrpSpPr>
+      <p:grpSpPr>
+        <a:xfrm>
+          <a:off x="0" y="0"/>
+          <a:ext cx="0" cy="0"/>
+          <a:chOff x="0" y="0"/>
+          <a:chExt cx="0" cy="0"/>
+        </a:xfrm>
+      </p:grpSpPr>
+      <p:sp>
+        <p:nvSpPr>
           <p:cNvPr id="7" name="Text Placeholder 6">
             <a:extLst>
               <a:ext uri="{FF2B5EF4-FFF2-40B4-BE49-F238E27FC236}">
@@ -24829,15 +27417,7 @@
           <a:p>
             <a:r>
               <a:rPr lang="en-US" dirty="0"/>
-              <a:t>Azure </a:t>
-            </a:r>
-            <a:r>
-              <a:rPr lang="en-US" dirty="0" err="1"/>
-              <a:t>SignalR</a:t>
-            </a:r>
-            <a:r>
-              <a:rPr lang="en-US" dirty="0"/>
-              <a:t> Service or Redis</a:t>
+              <a:t>Handled by backplane</a:t>
             </a:r>
           </a:p>
           <a:p>
@@ -24900,7 +27480,7 @@
         </p:blipFill>
         <p:spPr>
           <a:xfrm>
-            <a:off x="526725" y="2967841"/>
+            <a:off x="1269675" y="3444091"/>
             <a:ext cx="549968" cy="465524"/>
           </a:xfrm>
           <a:prstGeom prst="rect">
@@ -24934,7 +27514,7 @@
         </p:blipFill>
         <p:spPr>
           <a:xfrm>
-            <a:off x="4022575" y="3109688"/>
+            <a:off x="4765525" y="3585938"/>
             <a:ext cx="1008974" cy="854052"/>
           </a:xfrm>
           <a:prstGeom prst="rect">
@@ -24968,7 +27548,7 @@
         </p:blipFill>
         <p:spPr>
           <a:xfrm>
-            <a:off x="526725" y="3280954"/>
+            <a:off x="1269675" y="3757204"/>
             <a:ext cx="549968" cy="465524"/>
           </a:xfrm>
           <a:prstGeom prst="rect">
@@ -25002,7 +27582,7 @@
         </p:blipFill>
         <p:spPr>
           <a:xfrm>
-            <a:off x="526725" y="3640041"/>
+            <a:off x="1269675" y="4116291"/>
             <a:ext cx="549968" cy="465524"/>
           </a:xfrm>
           <a:prstGeom prst="rect">
@@ -25028,7 +27608,7 @@
         </p:nvSpPr>
         <p:spPr>
           <a:xfrm rot="349">
-            <a:off x="992403" y="3434567"/>
+            <a:off x="1735353" y="3910817"/>
             <a:ext cx="3124228" cy="172150"/>
           </a:xfrm>
           <a:prstGeom prst="leftRightArrow">
@@ -25083,7 +27663,7 @@
         </p:nvSpPr>
         <p:spPr>
           <a:xfrm rot="349">
-            <a:off x="992403" y="3801530"/>
+            <a:off x="1735353" y="4277780"/>
             <a:ext cx="3124228" cy="172150"/>
           </a:xfrm>
           <a:prstGeom prst="leftRightArrow">
@@ -25146,7 +27726,7 @@
         </p:blipFill>
         <p:spPr>
           <a:xfrm>
-            <a:off x="526725" y="4168316"/>
+            <a:off x="1269675" y="4644566"/>
             <a:ext cx="549968" cy="465524"/>
           </a:xfrm>
           <a:prstGeom prst="rect">
@@ -25180,7 +27760,7 @@
         </p:blipFill>
         <p:spPr>
           <a:xfrm>
-            <a:off x="4022575" y="4310163"/>
+            <a:off x="4765525" y="4786413"/>
             <a:ext cx="1008974" cy="854052"/>
           </a:xfrm>
           <a:prstGeom prst="rect">
@@ -25214,7 +27794,7 @@
         </p:blipFill>
         <p:spPr>
           <a:xfrm>
-            <a:off x="526725" y="4481429"/>
+            <a:off x="1269675" y="4957679"/>
             <a:ext cx="549968" cy="465524"/>
           </a:xfrm>
           <a:prstGeom prst="rect">
@@ -25248,7 +27828,7 @@
         </p:blipFill>
         <p:spPr>
           <a:xfrm>
-            <a:off x="526725" y="4840516"/>
+            <a:off x="1269675" y="5316766"/>
             <a:ext cx="549968" cy="465524"/>
           </a:xfrm>
           <a:prstGeom prst="rect">
@@ -25274,7 +27854,7 @@
         </p:nvSpPr>
         <p:spPr>
           <a:xfrm rot="349">
-            <a:off x="992403" y="4635042"/>
+            <a:off x="1735353" y="5111292"/>
             <a:ext cx="3124228" cy="172150"/>
           </a:xfrm>
           <a:prstGeom prst="leftRightArrow">
@@ -25329,7 +27909,7 @@
         </p:nvSpPr>
         <p:spPr>
           <a:xfrm rot="349">
-            <a:off x="992403" y="5002005"/>
+            <a:off x="1735353" y="5478255"/>
             <a:ext cx="3124228" cy="172150"/>
           </a:xfrm>
           <a:prstGeom prst="leftRightArrow">
@@ -25384,7 +27964,7 @@
         </p:nvSpPr>
         <p:spPr>
           <a:xfrm>
-            <a:off x="5791524" y="2967839"/>
+            <a:off x="6534474" y="3444089"/>
             <a:ext cx="850251" cy="2474400"/>
           </a:xfrm>
           <a:prstGeom prst="rect">
@@ -25440,7 +28020,7 @@
         </p:nvSpPr>
         <p:spPr>
           <a:xfrm rot="-630280">
-            <a:off x="4886853" y="4479330"/>
+            <a:off x="5629803" y="4955580"/>
             <a:ext cx="1008928" cy="205003"/>
           </a:xfrm>
           <a:prstGeom prst="leftRightArrow">
@@ -25495,7 +28075,7 @@
         </p:nvSpPr>
         <p:spPr>
           <a:xfrm rot="406682">
-            <a:off x="4887587" y="3342107"/>
+            <a:off x="5630537" y="3818357"/>
             <a:ext cx="1008994" cy="204846"/>
           </a:xfrm>
           <a:prstGeom prst="leftRightArrow">
@@ -25550,7 +28130,7 @@
         </p:nvSpPr>
         <p:spPr>
           <a:xfrm rot="699">
-            <a:off x="992435" y="3079045"/>
+            <a:off x="1735385" y="3555295"/>
             <a:ext cx="3124228" cy="172150"/>
           </a:xfrm>
           <a:prstGeom prst="leftRightArrow">
@@ -25605,7 +28185,7 @@
         </p:nvSpPr>
         <p:spPr>
           <a:xfrm rot="699">
-            <a:off x="992435" y="4279520"/>
+            <a:off x="1735385" y="4755770"/>
             <a:ext cx="3124228" cy="172150"/>
           </a:xfrm>
           <a:prstGeom prst="leftRightArrow">
@@ -25646,6 +28226,198 @@
           </a:p>
         </p:txBody>
       </p:sp>
+      <p:sp>
+        <p:nvSpPr>
+          <p:cNvPr id="25" name="Server text">
+            <a:extLst>
+              <a:ext uri="{FF2B5EF4-FFF2-40B4-BE49-F238E27FC236}">
+                <a16:creationId xmlns:a16="http://schemas.microsoft.com/office/drawing/2014/main" id="{8386D68B-3B65-414F-A5FF-3263AD1212DC}"/>
+              </a:ext>
+            </a:extLst>
+          </p:cNvPr>
+          <p:cNvSpPr txBox="1"/>
+          <p:nvPr/>
+        </p:nvSpPr>
+        <p:spPr>
+          <a:xfrm>
+            <a:off x="4465824" y="2874270"/>
+            <a:ext cx="1608375" cy="767100"/>
+          </a:xfrm>
+          <a:prstGeom prst="rect">
+            <a:avLst/>
+          </a:prstGeom>
+          <a:noFill/>
+          <a:ln>
+            <a:noFill/>
+          </a:ln>
+        </p:spPr>
+        <p:txBody>
+          <a:bodyPr spcFirstLastPara="1" wrap="square" lIns="91425" tIns="91425" rIns="91425" bIns="91425" anchor="t" anchorCtr="0">
+            <a:noAutofit/>
+          </a:bodyPr>
+          <a:lstStyle/>
+          <a:p>
+            <a:pPr marL="0" lvl="0" indent="0" algn="ctr" rtl="0">
+              <a:spcBef>
+                <a:spcPts val="0"/>
+              </a:spcBef>
+              <a:spcAft>
+                <a:spcPts val="0"/>
+              </a:spcAft>
+              <a:buNone/>
+            </a:pPr>
+            <a:r>
+              <a:rPr lang="en-US" sz="1800" b="1" dirty="0" err="1">
+                <a:latin typeface="Roboto"/>
+                <a:ea typeface="Roboto"/>
+                <a:cs typeface="Roboto"/>
+                <a:sym typeface="Roboto"/>
+              </a:rPr>
+              <a:t>SignalR</a:t>
+            </a:r>
+            <a:r>
+              <a:rPr lang="en-US" sz="1800" b="1" dirty="0">
+                <a:latin typeface="Roboto"/>
+                <a:ea typeface="Roboto"/>
+                <a:cs typeface="Roboto"/>
+                <a:sym typeface="Roboto"/>
+              </a:rPr>
+              <a:t> app instance 1</a:t>
+            </a:r>
+            <a:endParaRPr sz="1800" b="1" dirty="0">
+              <a:latin typeface="Roboto"/>
+              <a:ea typeface="Roboto"/>
+              <a:cs typeface="Roboto"/>
+              <a:sym typeface="Roboto"/>
+            </a:endParaRPr>
+          </a:p>
+        </p:txBody>
+      </p:sp>
+      <p:sp>
+        <p:nvSpPr>
+          <p:cNvPr id="26" name="Server text">
+            <a:extLst>
+              <a:ext uri="{FF2B5EF4-FFF2-40B4-BE49-F238E27FC236}">
+                <a16:creationId xmlns:a16="http://schemas.microsoft.com/office/drawing/2014/main" id="{E2C609FF-D296-41CF-9FE3-5AD3AFE5EDB3}"/>
+              </a:ext>
+            </a:extLst>
+          </p:cNvPr>
+          <p:cNvSpPr txBox="1"/>
+          <p:nvPr/>
+        </p:nvSpPr>
+        <p:spPr>
+          <a:xfrm>
+            <a:off x="4393820" y="5564330"/>
+            <a:ext cx="1587695" cy="767100"/>
+          </a:xfrm>
+          <a:prstGeom prst="rect">
+            <a:avLst/>
+          </a:prstGeom>
+          <a:noFill/>
+          <a:ln>
+            <a:noFill/>
+          </a:ln>
+        </p:spPr>
+        <p:txBody>
+          <a:bodyPr spcFirstLastPara="1" wrap="square" lIns="91425" tIns="91425" rIns="91425" bIns="91425" anchor="t" anchorCtr="0">
+            <a:noAutofit/>
+          </a:bodyPr>
+          <a:lstStyle/>
+          <a:p>
+            <a:pPr marL="0" lvl="0" indent="0" algn="ctr" rtl="0">
+              <a:spcBef>
+                <a:spcPts val="0"/>
+              </a:spcBef>
+              <a:spcAft>
+                <a:spcPts val="0"/>
+              </a:spcAft>
+              <a:buNone/>
+            </a:pPr>
+            <a:r>
+              <a:rPr lang="en-US" sz="1800" b="1" dirty="0" err="1">
+                <a:latin typeface="Roboto"/>
+                <a:ea typeface="Roboto"/>
+                <a:cs typeface="Roboto"/>
+                <a:sym typeface="Roboto"/>
+              </a:rPr>
+              <a:t>SignalR</a:t>
+            </a:r>
+            <a:r>
+              <a:rPr lang="en-US" sz="1800" b="1" dirty="0">
+                <a:latin typeface="Roboto"/>
+                <a:ea typeface="Roboto"/>
+                <a:cs typeface="Roboto"/>
+                <a:sym typeface="Roboto"/>
+              </a:rPr>
+              <a:t> app instance 2</a:t>
+            </a:r>
+            <a:endParaRPr sz="1800" b="1" dirty="0">
+              <a:latin typeface="Roboto"/>
+              <a:ea typeface="Roboto"/>
+              <a:cs typeface="Roboto"/>
+              <a:sym typeface="Roboto"/>
+            </a:endParaRPr>
+          </a:p>
+        </p:txBody>
+      </p:sp>
+      <p:sp>
+        <p:nvSpPr>
+          <p:cNvPr id="27" name="Server text">
+            <a:extLst>
+              <a:ext uri="{FF2B5EF4-FFF2-40B4-BE49-F238E27FC236}">
+                <a16:creationId xmlns:a16="http://schemas.microsoft.com/office/drawing/2014/main" id="{160202AB-32DE-414D-B629-D69A2D49FBA4}"/>
+              </a:ext>
+            </a:extLst>
+          </p:cNvPr>
+          <p:cNvSpPr txBox="1"/>
+          <p:nvPr/>
+        </p:nvSpPr>
+        <p:spPr>
+          <a:xfrm>
+            <a:off x="779405" y="2874270"/>
+            <a:ext cx="1608375" cy="767100"/>
+          </a:xfrm>
+          <a:prstGeom prst="rect">
+            <a:avLst/>
+          </a:prstGeom>
+          <a:noFill/>
+          <a:ln>
+            <a:noFill/>
+          </a:ln>
+        </p:spPr>
+        <p:txBody>
+          <a:bodyPr spcFirstLastPara="1" wrap="square" lIns="91425" tIns="91425" rIns="91425" bIns="91425" anchor="t" anchorCtr="0">
+            <a:noAutofit/>
+          </a:bodyPr>
+          <a:lstStyle/>
+          <a:p>
+            <a:pPr marL="0" lvl="0" indent="0" algn="ctr" rtl="0">
+              <a:spcBef>
+                <a:spcPts val="0"/>
+              </a:spcBef>
+              <a:spcAft>
+                <a:spcPts val="0"/>
+              </a:spcAft>
+              <a:buNone/>
+            </a:pPr>
+            <a:r>
+              <a:rPr lang="en-US" sz="1800" b="1" dirty="0">
+                <a:latin typeface="Roboto"/>
+                <a:ea typeface="Roboto"/>
+                <a:cs typeface="Roboto"/>
+                <a:sym typeface="Roboto"/>
+              </a:rPr>
+              <a:t>Connected clients</a:t>
+            </a:r>
+            <a:endParaRPr sz="1800" b="1" dirty="0">
+              <a:latin typeface="Roboto"/>
+              <a:ea typeface="Roboto"/>
+              <a:cs typeface="Roboto"/>
+              <a:sym typeface="Roboto"/>
+            </a:endParaRPr>
+          </a:p>
+        </p:txBody>
+      </p:sp>
     </p:spTree>
     <p:extLst>
       <p:ext uri="{BB962C8B-B14F-4D97-AF65-F5344CB8AC3E}">
@@ -25659,212 +28431,6 @@
   <p:transition>
     <p:fade/>
   </p:transition>
-</p:sld>
-</file>
-
-<file path=ppt/slides/slide9.xml><?xml version="1.0" encoding="utf-8"?>
-<p:sld xmlns:a="http://schemas.openxmlformats.org/drawingml/2006/main" xmlns:r="http://schemas.openxmlformats.org/officeDocument/2006/relationships" xmlns:p="http://schemas.openxmlformats.org/presentationml/2006/main">
-  <p:cSld>
-    <p:spTree>
-      <p:nvGrpSpPr>
-        <p:cNvPr id="1" name=""/>
-        <p:cNvGrpSpPr/>
-        <p:nvPr/>
-      </p:nvGrpSpPr>
-      <p:grpSpPr>
-        <a:xfrm>
-          <a:off x="0" y="0"/>
-          <a:ext cx="0" cy="0"/>
-          <a:chOff x="0" y="0"/>
-          <a:chExt cx="0" cy="0"/>
-        </a:xfrm>
-      </p:grpSpPr>
-      <p:sp>
-        <p:nvSpPr>
-          <p:cNvPr id="5" name="Title 4">
-            <a:extLst>
-              <a:ext uri="{FF2B5EF4-FFF2-40B4-BE49-F238E27FC236}">
-                <a16:creationId xmlns:a16="http://schemas.microsoft.com/office/drawing/2014/main" id="{73ADA346-6D40-4DA7-BA05-338A700FC425}"/>
-              </a:ext>
-            </a:extLst>
-          </p:cNvPr>
-          <p:cNvSpPr>
-            <a:spLocks noGrp="1"/>
-          </p:cNvSpPr>
-          <p:nvPr>
-            <p:ph type="title"/>
-          </p:nvPr>
-        </p:nvSpPr>
-        <p:spPr>
-          <a:xfrm>
-            <a:off x="434976" y="2659324"/>
-            <a:ext cx="10334624" cy="1862590"/>
-          </a:xfrm>
-        </p:spPr>
-        <p:txBody>
-          <a:bodyPr/>
-          <a:lstStyle/>
-          <a:p>
-            <a:r>
-              <a:rPr lang="en-GB" sz="4800" dirty="0"/>
-              <a:t>Create your first ASP.NET Core </a:t>
-            </a:r>
-            <a:r>
-              <a:rPr lang="en-GB" sz="4800" dirty="0" err="1"/>
-              <a:t>SignalR</a:t>
-            </a:r>
-            <a:r>
-              <a:rPr lang="en-GB" sz="4800" dirty="0"/>
-              <a:t> app</a:t>
-            </a:r>
-            <a:endParaRPr lang="en-US" sz="4800" dirty="0"/>
-          </a:p>
-        </p:txBody>
-      </p:sp>
-      <p:sp>
-        <p:nvSpPr>
-          <p:cNvPr id="6" name="TextBox 5">
-            <a:extLst>
-              <a:ext uri="{FF2B5EF4-FFF2-40B4-BE49-F238E27FC236}">
-                <a16:creationId xmlns:a16="http://schemas.microsoft.com/office/drawing/2014/main" id="{2236DB2D-A8B0-4570-AE0F-E9675BAC9CEB}"/>
-              </a:ext>
-            </a:extLst>
-          </p:cNvPr>
-          <p:cNvSpPr txBox="1"/>
-          <p:nvPr/>
-        </p:nvSpPr>
-        <p:spPr>
-          <a:xfrm>
-            <a:off x="434975" y="2133026"/>
-            <a:ext cx="981038" cy="387798"/>
-          </a:xfrm>
-          <a:prstGeom prst="rect">
-            <a:avLst/>
-          </a:prstGeom>
-          <a:noFill/>
-        </p:spPr>
-        <p:txBody>
-          <a:bodyPr wrap="none" lIns="0" tIns="0" rIns="0" bIns="0" rtlCol="0">
-            <a:spAutoFit/>
-          </a:bodyPr>
-          <a:lstStyle/>
-          <a:p>
-            <a:pPr>
-              <a:lnSpc>
-                <a:spcPct val="90000"/>
-              </a:lnSpc>
-              <a:spcAft>
-                <a:spcPts val="600"/>
-              </a:spcAft>
-            </a:pPr>
-            <a:r>
-              <a:rPr lang="en-GB" sz="2800">
-                <a:gradFill>
-                  <a:gsLst>
-                    <a:gs pos="2917">
-                      <a:schemeClr val="tx1"/>
-                    </a:gs>
-                    <a:gs pos="30000">
-                      <a:schemeClr val="tx1"/>
-                    </a:gs>
-                  </a:gsLst>
-                  <a:lin ang="5400000" scaled="0"/>
-                </a:gradFill>
-                <a:latin typeface="+mj-lt"/>
-              </a:rPr>
-              <a:t>Demo</a:t>
-            </a:r>
-            <a:endParaRPr lang="en-US" sz="2400" err="1">
-              <a:gradFill>
-                <a:gsLst>
-                  <a:gs pos="2917">
-                    <a:schemeClr val="tx1"/>
-                  </a:gs>
-                  <a:gs pos="30000">
-                    <a:schemeClr val="tx1"/>
-                  </a:gs>
-                </a:gsLst>
-                <a:lin ang="5400000" scaled="0"/>
-              </a:gradFill>
-              <a:latin typeface="+mj-lt"/>
-            </a:endParaRPr>
-          </a:p>
-        </p:txBody>
-      </p:sp>
-      <p:sp>
-        <p:nvSpPr>
-          <p:cNvPr id="7" name="TextBox 6">
-            <a:extLst>
-              <a:ext uri="{FF2B5EF4-FFF2-40B4-BE49-F238E27FC236}">
-                <a16:creationId xmlns:a16="http://schemas.microsoft.com/office/drawing/2014/main" id="{E5557B30-B27D-41CE-9E9B-D6A9BD44EC4D}"/>
-              </a:ext>
-            </a:extLst>
-          </p:cNvPr>
-          <p:cNvSpPr txBox="1"/>
-          <p:nvPr/>
-        </p:nvSpPr>
-        <p:spPr>
-          <a:xfrm>
-            <a:off x="434975" y="4521914"/>
-            <a:ext cx="65" cy="332399"/>
-          </a:xfrm>
-          <a:prstGeom prst="rect">
-            <a:avLst/>
-          </a:prstGeom>
-          <a:noFill/>
-        </p:spPr>
-        <p:txBody>
-          <a:bodyPr wrap="none" lIns="0" tIns="0" rIns="0" bIns="0" rtlCol="0">
-            <a:spAutoFit/>
-          </a:bodyPr>
-          <a:lstStyle/>
-          <a:p>
-            <a:pPr>
-              <a:lnSpc>
-                <a:spcPct val="90000"/>
-              </a:lnSpc>
-              <a:spcAft>
-                <a:spcPts val="600"/>
-              </a:spcAft>
-            </a:pPr>
-            <a:endParaRPr lang="en-US" sz="2400" dirty="0">
-              <a:gradFill>
-                <a:gsLst>
-                  <a:gs pos="2917">
-                    <a:schemeClr val="tx1"/>
-                  </a:gs>
-                  <a:gs pos="30000">
-                    <a:schemeClr val="tx1"/>
-                  </a:gs>
-                </a:gsLst>
-                <a:lin ang="5400000" scaled="0"/>
-              </a:gradFill>
-            </a:endParaRPr>
-          </a:p>
-        </p:txBody>
-      </p:sp>
-    </p:spTree>
-    <p:extLst>
-      <p:ext uri="{BB962C8B-B14F-4D97-AF65-F5344CB8AC3E}">
-        <p14:creationId xmlns:p14="http://schemas.microsoft.com/office/powerpoint/2010/main" val="4286967486"/>
-      </p:ext>
-    </p:extLst>
-  </p:cSld>
-  <p:clrMapOvr>
-    <a:masterClrMapping/>
-  </p:clrMapOvr>
-  <mc:AlternateContent xmlns:mc="http://schemas.openxmlformats.org/markup-compatibility/2006" xmlns:p14="http://schemas.microsoft.com/office/powerpoint/2010/main">
-    <mc:Choice Requires="p14">
-      <p:transition spd="med" p14:dur="700">
-        <p:fade/>
-      </p:transition>
-    </mc:Choice>
-    <mc:Fallback xmlns="">
-      <p:transition spd="med">
-        <p:fade/>
-      </p:transition>
-    </mc:Fallback>
-  </mc:AlternateContent>
 </p:sld>
 </file>
 
@@ -26727,46 +29293,6 @@
 </file>
 
 <file path=customXml/item1.xml><?xml version="1.0" encoding="utf-8"?>
-<?mso-contentType ?>
-<FormTemplates xmlns="http://schemas.microsoft.com/sharepoint/v3/contenttype/forms">
-  <Display>DocumentLibraryForm</Display>
-  <Edit>DocumentLibraryForm</Edit>
-  <New>DocumentLibraryForm</New>
-</FormTemplates>
-</file>
-
-<file path=customXml/item2.xml><?xml version="1.0" encoding="utf-8"?>
-<p:properties xmlns:p="http://schemas.microsoft.com/office/2006/metadata/properties" xmlns:xsi="http://www.w3.org/2001/XMLSchema-instance" xmlns:pc="http://schemas.microsoft.com/office/infopath/2007/PartnerControls">
-  <documentManagement>
-    <_ip_UnifiedCompliancePolicyUIAction xmlns="http://schemas.microsoft.com/sharepoint/v3" xsi:nil="true"/>
-    <IconOverlay xmlns="http://schemas.microsoft.com/sharepoint/v4" xsi:nil="true"/>
-    <Preview xmlns="15c98cf3-0896-4040-874f-f436925621df">
-      <Url xsi:nil="true"/>
-      <Description xsi:nil="true"/>
-    </Preview>
-    <_ip_UnifiedCompliancePolicyProperties xmlns="http://schemas.microsoft.com/sharepoint/v3" xsi:nil="true"/>
-    <SharedWithUsers xmlns="af610f50-4aee-43ff-9d65-64420adb70d2">
-      <UserInfo>
-        <DisplayName>Shriram Natarajan</DisplayName>
-        <AccountId>645</AccountId>
-        <AccountType/>
-      </UserInfo>
-      <UserInfo>
-        <DisplayName>Siddique Juman</DisplayName>
-        <AccountId>79219</AccountId>
-        <AccountType/>
-      </UserInfo>
-      <UserInfo>
-        <DisplayName>Tiberiu Radu</DisplayName>
-        <AccountId>42551</AccountId>
-        <AccountType/>
-      </UserInfo>
-    </SharedWithUsers>
-  </documentManagement>
-</p:properties>
-</file>
-
-<file path=customXml/item3.xml><?xml version="1.0" encoding="utf-8"?>
 <ct:contentTypeSchema xmlns:ct="http://schemas.microsoft.com/office/2006/metadata/contentType" xmlns:ma="http://schemas.microsoft.com/office/2006/metadata/properties/metaAttributes" ct:_="" ma:_="" ma:contentTypeName="Document" ma:contentTypeID="0x010100F5F187B9059DF945B25AB5B2F3BA0895" ma:contentTypeVersion="17" ma:contentTypeDescription="Create a new document." ma:contentTypeScope="" ma:versionID="454b11af52e6a4a001d7a94430b0600d">
   <xsd:schema xmlns:xsd="http://www.w3.org/2001/XMLSchema" xmlns:xs="http://www.w3.org/2001/XMLSchema" xmlns:p="http://schemas.microsoft.com/office/2006/metadata/properties" xmlns:ns1="http://schemas.microsoft.com/sharepoint/v3" xmlns:ns2="af610f50-4aee-43ff-9d65-64420adb70d2" xmlns:ns3="http://schemas.microsoft.com/sharepoint/v4" xmlns:ns4="15c98cf3-0896-4040-874f-f436925621df" targetNamespace="http://schemas.microsoft.com/office/2006/metadata/properties" ma:root="true" ma:fieldsID="94f54606d29a996f622cc5db0382967e" ns1:_="" ns2:_="" ns3:_="" ns4:_="">
     <xsd:import namespace="http://schemas.microsoft.com/sharepoint/v3"/>
@@ -27030,10 +29556,63 @@
 </ct:contentTypeSchema>
 </file>
 
+<file path=customXml/item2.xml><?xml version="1.0" encoding="utf-8"?>
+<p:properties xmlns:p="http://schemas.microsoft.com/office/2006/metadata/properties" xmlns:xsi="http://www.w3.org/2001/XMLSchema-instance" xmlns:pc="http://schemas.microsoft.com/office/infopath/2007/PartnerControls">
+  <documentManagement>
+    <_ip_UnifiedCompliancePolicyUIAction xmlns="http://schemas.microsoft.com/sharepoint/v3" xsi:nil="true"/>
+    <IconOverlay xmlns="http://schemas.microsoft.com/sharepoint/v4" xsi:nil="true"/>
+    <Preview xmlns="15c98cf3-0896-4040-874f-f436925621df">
+      <Url xsi:nil="true"/>
+      <Description xsi:nil="true"/>
+    </Preview>
+    <_ip_UnifiedCompliancePolicyProperties xmlns="http://schemas.microsoft.com/sharepoint/v3" xsi:nil="true"/>
+    <SharedWithUsers xmlns="af610f50-4aee-43ff-9d65-64420adb70d2">
+      <UserInfo>
+        <DisplayName>Shriram Natarajan</DisplayName>
+        <AccountId>645</AccountId>
+        <AccountType/>
+      </UserInfo>
+      <UserInfo>
+        <DisplayName>Siddique Juman</DisplayName>
+        <AccountId>79219</AccountId>
+        <AccountType/>
+      </UserInfo>
+      <UserInfo>
+        <DisplayName>Tiberiu Radu</DisplayName>
+        <AccountId>42551</AccountId>
+        <AccountType/>
+      </UserInfo>
+    </SharedWithUsers>
+  </documentManagement>
+</p:properties>
+</file>
+
+<file path=customXml/item3.xml><?xml version="1.0" encoding="utf-8"?>
+<?mso-contentType ?>
+<FormTemplates xmlns="http://schemas.microsoft.com/sharepoint/v3/contenttype/forms">
+  <Display>DocumentLibraryForm</Display>
+  <Edit>DocumentLibraryForm</Edit>
+  <New>DocumentLibraryForm</New>
+</FormTemplates>
+</file>
+
 <file path=customXml/itemProps1.xml><?xml version="1.0" encoding="utf-8"?>
-<ds:datastoreItem xmlns:ds="http://schemas.openxmlformats.org/officeDocument/2006/customXml" ds:itemID="{A0CFF515-FEE6-4B9C-8B96-C300A0063377}">
+<ds:datastoreItem xmlns:ds="http://schemas.openxmlformats.org/officeDocument/2006/customXml" ds:itemID="{366A0CB4-B94D-48B7-AE6B-3133538C8CAA}">
   <ds:schemaRefs>
-    <ds:schemaRef ds:uri="http://schemas.microsoft.com/sharepoint/v3/contenttype/forms"/>
+    <ds:schemaRef ds:uri="http://schemas.microsoft.com/office/2006/metadata/contentType"/>
+    <ds:schemaRef ds:uri="http://schemas.microsoft.com/office/2006/metadata/properties/metaAttributes"/>
+    <ds:schemaRef ds:uri="http://www.w3.org/2001/XMLSchema"/>
+    <ds:schemaRef ds:uri="http://schemas.microsoft.com/office/2006/metadata/properties"/>
+    <ds:schemaRef ds:uri="http://schemas.microsoft.com/sharepoint/v3"/>
+    <ds:schemaRef ds:uri="af610f50-4aee-43ff-9d65-64420adb70d2"/>
+    <ds:schemaRef ds:uri="http://schemas.microsoft.com/sharepoint/v4"/>
+    <ds:schemaRef ds:uri="15c98cf3-0896-4040-874f-f436925621df"/>
+    <ds:schemaRef ds:uri="http://schemas.microsoft.com/office/2006/documentManagement/types"/>
+    <ds:schemaRef ds:uri="http://schemas.microsoft.com/office/infopath/2007/PartnerControls"/>
+    <ds:schemaRef ds:uri="http://schemas.openxmlformats.org/package/2006/metadata/core-properties"/>
+    <ds:schemaRef ds:uri="http://purl.org/dc/elements/1.1/"/>
+    <ds:schemaRef ds:uri="http://purl.org/dc/terms/"/>
+    <ds:schemaRef ds:uri="http://schemas.microsoft.com/internal/obd"/>
   </ds:schemaRefs>
 </ds:datastoreItem>
 </file>
@@ -27058,22 +29637,9 @@
 </file>
 
 <file path=customXml/itemProps3.xml><?xml version="1.0" encoding="utf-8"?>
-<ds:datastoreItem xmlns:ds="http://schemas.openxmlformats.org/officeDocument/2006/customXml" ds:itemID="{366A0CB4-B94D-48B7-AE6B-3133538C8CAA}">
+<ds:datastoreItem xmlns:ds="http://schemas.openxmlformats.org/officeDocument/2006/customXml" ds:itemID="{A0CFF515-FEE6-4B9C-8B96-C300A0063377}">
   <ds:schemaRefs>
-    <ds:schemaRef ds:uri="http://schemas.microsoft.com/office/2006/metadata/contentType"/>
-    <ds:schemaRef ds:uri="http://schemas.microsoft.com/office/2006/metadata/properties/metaAttributes"/>
-    <ds:schemaRef ds:uri="http://www.w3.org/2001/XMLSchema"/>
-    <ds:schemaRef ds:uri="http://schemas.microsoft.com/office/2006/metadata/properties"/>
-    <ds:schemaRef ds:uri="http://schemas.microsoft.com/sharepoint/v3"/>
-    <ds:schemaRef ds:uri="af610f50-4aee-43ff-9d65-64420adb70d2"/>
-    <ds:schemaRef ds:uri="http://schemas.microsoft.com/sharepoint/v4"/>
-    <ds:schemaRef ds:uri="15c98cf3-0896-4040-874f-f436925621df"/>
-    <ds:schemaRef ds:uri="http://schemas.microsoft.com/office/2006/documentManagement/types"/>
-    <ds:schemaRef ds:uri="http://schemas.microsoft.com/office/infopath/2007/PartnerControls"/>
-    <ds:schemaRef ds:uri="http://schemas.openxmlformats.org/package/2006/metadata/core-properties"/>
-    <ds:schemaRef ds:uri="http://purl.org/dc/elements/1.1/"/>
-    <ds:schemaRef ds:uri="http://purl.org/dc/terms/"/>
-    <ds:schemaRef ds:uri="http://schemas.microsoft.com/internal/obd"/>
+    <ds:schemaRef ds:uri="http://schemas.microsoft.com/sharepoint/v3/contenttype/forms"/>
   </ds:schemaRefs>
 </ds:datastoreItem>
 </file>
--- a/Building the Real-time Web with SignalR.pptx
+++ b/Building the Real-time Web with SignalR.pptx
@@ -758,6 +758,26 @@
             </a:pPr>
             <a:r>
               <a:rPr lang="en-US" dirty="0"/>
+              <a:t>2011: Work started (Damian Edwards &amp; David Fowler)</a:t>
+            </a:r>
+          </a:p>
+          <a:p>
+            <a:pPr marL="285750" indent="-285750">
+              <a:buFontTx/>
+              <a:buChar char="-"/>
+            </a:pPr>
+            <a:r>
+              <a:rPr lang="en-US" dirty="0"/>
+              <a:t>2013: Released with ASP.NET</a:t>
+            </a:r>
+          </a:p>
+          <a:p>
+            <a:pPr marL="285750" indent="-285750">
+              <a:buFontTx/>
+              <a:buChar char="-"/>
+            </a:pPr>
+            <a:r>
+              <a:rPr lang="en-US" dirty="0"/>
               <a:t>Inclusion in 2.1</a:t>
             </a:r>
           </a:p>
@@ -854,6 +874,123 @@
 </file>
 
 <file path=ppt/notesSlides/notesSlide10.xml><?xml version="1.0" encoding="utf-8"?>
+<p:notes xmlns:a="http://schemas.openxmlformats.org/drawingml/2006/main" xmlns:r="http://schemas.openxmlformats.org/officeDocument/2006/relationships" xmlns:p="http://schemas.openxmlformats.org/presentationml/2006/main">
+  <p:cSld>
+    <p:spTree>
+      <p:nvGrpSpPr>
+        <p:cNvPr id="1" name=""/>
+        <p:cNvGrpSpPr/>
+        <p:nvPr/>
+      </p:nvGrpSpPr>
+      <p:grpSpPr>
+        <a:xfrm>
+          <a:off x="0" y="0"/>
+          <a:ext cx="0" cy="0"/>
+          <a:chOff x="0" y="0"/>
+          <a:chExt cx="0" cy="0"/>
+        </a:xfrm>
+      </p:grpSpPr>
+      <p:sp>
+        <p:nvSpPr>
+          <p:cNvPr id="2" name="Slide Image Placeholder 1"/>
+          <p:cNvSpPr>
+            <a:spLocks noGrp="1" noRot="1" noChangeAspect="1"/>
+          </p:cNvSpPr>
+          <p:nvPr>
+            <p:ph type="sldImg"/>
+          </p:nvPr>
+        </p:nvSpPr>
+        <p:spPr/>
+      </p:sp>
+      <p:sp>
+        <p:nvSpPr>
+          <p:cNvPr id="3" name="Notes Placeholder 2"/>
+          <p:cNvSpPr>
+            <a:spLocks noGrp="1"/>
+          </p:cNvSpPr>
+          <p:nvPr>
+            <p:ph type="body" idx="1"/>
+          </p:nvPr>
+        </p:nvSpPr>
+        <p:spPr/>
+        <p:txBody>
+          <a:bodyPr/>
+          <a:lstStyle/>
+          <a:p>
+            <a:pPr marL="285750" indent="-285750">
+              <a:buFontTx/>
+              <a:buChar char="-"/>
+            </a:pPr>
+            <a:r>
+              <a:rPr lang="en-US" dirty="0"/>
+              <a:t>Decouple </a:t>
+            </a:r>
+            <a:r>
+              <a:rPr lang="en-US" dirty="0" err="1"/>
+              <a:t>SignalR</a:t>
+            </a:r>
+            <a:r>
+              <a:rPr lang="en-US" dirty="0"/>
+              <a:t> connections from the ASP.NET Core app</a:t>
+            </a:r>
+          </a:p>
+          <a:p>
+            <a:pPr marL="285750" indent="-285750">
+              <a:buFontTx/>
+              <a:buChar char="-"/>
+            </a:pPr>
+            <a:r>
+              <a:rPr lang="en-US" dirty="0"/>
+              <a:t>No backplane needed w/ </a:t>
+            </a:r>
+            <a:r>
+              <a:rPr lang="en-US" dirty="0" err="1"/>
+              <a:t>SignalR</a:t>
+            </a:r>
+            <a:r>
+              <a:rPr lang="en-US" dirty="0"/>
+              <a:t> Service (uses Redis backplane behind the scenes)</a:t>
+            </a:r>
+          </a:p>
+        </p:txBody>
+      </p:sp>
+      <p:sp>
+        <p:nvSpPr>
+          <p:cNvPr id="4" name="Slide Number Placeholder 3"/>
+          <p:cNvSpPr>
+            <a:spLocks noGrp="1"/>
+          </p:cNvSpPr>
+          <p:nvPr>
+            <p:ph type="sldNum" sz="quarter" idx="5"/>
+          </p:nvPr>
+        </p:nvSpPr>
+        <p:spPr/>
+        <p:txBody>
+          <a:bodyPr/>
+          <a:lstStyle/>
+          <a:p>
+            <a:fld id="{3D7B9D4F-5F19-438C-92E8-037C6AE8F87D}" type="slidenum">
+              <a:rPr lang="en-US" smtClean="0"/>
+              <a:t>11</a:t>
+            </a:fld>
+            <a:endParaRPr lang="en-US"/>
+          </a:p>
+        </p:txBody>
+      </p:sp>
+    </p:spTree>
+    <p:extLst>
+      <p:ext uri="{BB962C8B-B14F-4D97-AF65-F5344CB8AC3E}">
+        <p14:creationId xmlns:p14="http://schemas.microsoft.com/office/powerpoint/2010/main" val="4231234210"/>
+      </p:ext>
+    </p:extLst>
+  </p:cSld>
+  <p:clrMapOvr>
+    <a:masterClrMapping/>
+  </p:clrMapOvr>
+</p:notes>
+</file>
+
+<file path=ppt/notesSlides/notesSlide11.xml><?xml version="1.0" encoding="utf-8"?>
 <p:notes xmlns:a="http://schemas.openxmlformats.org/drawingml/2006/main" xmlns:r="http://schemas.openxmlformats.org/officeDocument/2006/relationships" xmlns:p="http://schemas.openxmlformats.org/presentationml/2006/main">
   <p:cSld>
     <p:spTree>
@@ -1360,20 +1497,9 @@
           <a:bodyPr/>
           <a:lstStyle/>
           <a:p>
-            <a:endParaRPr lang="en-US" dirty="0"/>
-          </a:p>
-          <a:p>
             <a:r>
               <a:rPr lang="en-US" dirty="0"/>
-              <a:t>UI support for </a:t>
-            </a:r>
-            <a:r>
-              <a:rPr lang="en-US" dirty="0" err="1"/>
-              <a:t>LibMan</a:t>
-            </a:r>
-            <a:r>
-              <a:rPr lang="en-US" dirty="0"/>
-              <a:t> as of VS 2017 15.8</a:t>
+              <a:t>JavaScript client</a:t>
             </a:r>
           </a:p>
         </p:txBody>
@@ -1395,7 +1521,7 @@
           <a:p>
             <a:fld id="{3D7B9D4F-5F19-438C-92E8-037C6AE8F87D}" type="slidenum">
               <a:rPr lang="en-US" smtClean="0"/>
-              <a:t>7</a:t>
+              <a:t>6</a:t>
             </a:fld>
             <a:endParaRPr lang="en-US"/>
           </a:p>
@@ -1404,7 +1530,7 @@
     </p:spTree>
     <p:extLst>
       <p:ext uri="{BB962C8B-B14F-4D97-AF65-F5344CB8AC3E}">
-        <p14:creationId xmlns:p14="http://schemas.microsoft.com/office/powerpoint/2010/main" val="1399679205"/>
+        <p14:creationId xmlns:p14="http://schemas.microsoft.com/office/powerpoint/2010/main" val="1312182690"/>
       </p:ext>
     </p:extLst>
   </p:cSld>
@@ -1458,7 +1584,18 @@
           <a:bodyPr/>
           <a:lstStyle/>
           <a:p>
-            <a:endParaRPr lang="en-US" dirty="0"/>
+            <a:r>
+              <a:rPr lang="en-US" dirty="0"/>
+              <a:t>Support for </a:t>
+            </a:r>
+            <a:r>
+              <a:rPr lang="en-US" dirty="0" err="1"/>
+              <a:t>LibMan</a:t>
+            </a:r>
+            <a:r>
+              <a:rPr lang="en-US" dirty="0"/>
+              <a:t> as of VS 2017 15.8</a:t>
+            </a:r>
           </a:p>
         </p:txBody>
       </p:sp>
@@ -1479,7 +1616,7 @@
           <a:p>
             <a:fld id="{3D7B9D4F-5F19-438C-92E8-037C6AE8F87D}" type="slidenum">
               <a:rPr lang="en-US" smtClean="0"/>
-              <a:t>8</a:t>
+              <a:t>7</a:t>
             </a:fld>
             <a:endParaRPr lang="en-US"/>
           </a:p>
@@ -1488,7 +1625,7 @@
     </p:spTree>
     <p:extLst>
       <p:ext uri="{BB962C8B-B14F-4D97-AF65-F5344CB8AC3E}">
-        <p14:creationId xmlns:p14="http://schemas.microsoft.com/office/powerpoint/2010/main" val="1323822667"/>
+        <p14:creationId xmlns:p14="http://schemas.microsoft.com/office/powerpoint/2010/main" val="1399679205"/>
       </p:ext>
     </p:extLst>
   </p:cSld>
@@ -1542,40 +1679,7 @@
           <a:bodyPr/>
           <a:lstStyle/>
           <a:p>
-            <a:r>
-              <a:rPr lang="en-US" dirty="0"/>
-              <a:t>- SQL Server not an option, as it as in ASP.NET 4.x</a:t>
-            </a:r>
-          </a:p>
-          <a:p>
-            <a:pPr marL="0" indent="0">
-              <a:buFontTx/>
-              <a:buNone/>
-            </a:pPr>
-            <a:r>
-              <a:rPr lang="en-US" dirty="0"/>
-              <a:t>- Redis acts as a backplane</a:t>
-            </a:r>
-          </a:p>
-          <a:p>
-            <a:pPr marL="0" indent="0">
-              <a:buFontTx/>
-              <a:buNone/>
-            </a:pPr>
-            <a:r>
-              <a:rPr lang="en-US" dirty="0"/>
-              <a:t>- You’ll have to setup your own Redis server/cluster</a:t>
-            </a:r>
-          </a:p>
-          <a:p>
-            <a:pPr marL="0" indent="0">
-              <a:buFontTx/>
-              <a:buNone/>
-            </a:pPr>
-            <a:r>
-              <a:rPr lang="en-US" dirty="0"/>
-              <a:t>- When instance 1 wants to broadcast messages to ALL connected clients, it only knows about the clients connected to it.</a:t>
-            </a:r>
+            <a:endParaRPr lang="en-US" dirty="0"/>
           </a:p>
         </p:txBody>
       </p:sp>
@@ -1596,7 +1700,7 @@
           <a:p>
             <a:fld id="{3D7B9D4F-5F19-438C-92E8-037C6AE8F87D}" type="slidenum">
               <a:rPr lang="en-US" smtClean="0"/>
-              <a:t>9</a:t>
+              <a:t>8</a:t>
             </a:fld>
             <a:endParaRPr lang="en-US"/>
           </a:p>
@@ -1605,7 +1709,7 @@
     </p:spTree>
     <p:extLst>
       <p:ext uri="{BB962C8B-B14F-4D97-AF65-F5344CB8AC3E}">
-        <p14:creationId xmlns:p14="http://schemas.microsoft.com/office/powerpoint/2010/main" val="3901582907"/>
+        <p14:creationId xmlns:p14="http://schemas.microsoft.com/office/powerpoint/2010/main" val="1323822667"/>
       </p:ext>
     </p:extLst>
   </p:cSld>
@@ -1659,21 +1763,39 @@
           <a:bodyPr/>
           <a:lstStyle/>
           <a:p>
-            <a:pPr marL="285750" indent="-285750">
+            <a:r>
+              <a:rPr lang="en-US" dirty="0"/>
+              <a:t>- SQL Server not an option, as it as in ASP.NET 4.x</a:t>
+            </a:r>
+          </a:p>
+          <a:p>
+            <a:pPr marL="0" indent="0">
               <a:buFontTx/>
-              <a:buChar char="-"/>
+              <a:buNone/>
             </a:pPr>
             <a:r>
               <a:rPr lang="en-US" dirty="0"/>
-              <a:t>Both web and </a:t>
-            </a:r>
-            <a:r>
-              <a:rPr lang="en-US" dirty="0" err="1"/>
-              <a:t>SignalR</a:t>
-            </a:r>
+              <a:t>- Redis acts as a backplane</a:t>
+            </a:r>
+          </a:p>
+          <a:p>
+            <a:pPr marL="0" indent="0">
+              <a:buFontTx/>
+              <a:buNone/>
+            </a:pPr>
             <a:r>
               <a:rPr lang="en-US" dirty="0"/>
-              <a:t> traffic hits the same app</a:t>
+              <a:t>- You’ll have to setup your own Redis server/cluster</a:t>
+            </a:r>
+          </a:p>
+          <a:p>
+            <a:pPr marL="0" indent="0">
+              <a:buFontTx/>
+              <a:buNone/>
+            </a:pPr>
+            <a:r>
+              <a:rPr lang="en-US" dirty="0"/>
+              <a:t>- When instance 1 wants to broadcast messages to ALL connected clients, it only knows about the clients connected to it.</a:t>
             </a:r>
           </a:p>
         </p:txBody>
@@ -1695,7 +1817,7 @@
           <a:p>
             <a:fld id="{3D7B9D4F-5F19-438C-92E8-037C6AE8F87D}" type="slidenum">
               <a:rPr lang="en-US" smtClean="0"/>
-              <a:t>10</a:t>
+              <a:t>9</a:t>
             </a:fld>
             <a:endParaRPr lang="en-US"/>
           </a:p>
@@ -1704,7 +1826,7 @@
     </p:spTree>
     <p:extLst>
       <p:ext uri="{BB962C8B-B14F-4D97-AF65-F5344CB8AC3E}">
-        <p14:creationId xmlns:p14="http://schemas.microsoft.com/office/powerpoint/2010/main" val="1874177105"/>
+        <p14:creationId xmlns:p14="http://schemas.microsoft.com/office/powerpoint/2010/main" val="3901582907"/>
       </p:ext>
     </p:extLst>
   </p:cSld>
@@ -1764,7 +1886,17 @@
             </a:pPr>
             <a:r>
               <a:rPr lang="en-US" dirty="0"/>
-              <a:t>Decouple </a:t>
+              <a:t>All traffic hits the same app</a:t>
+            </a:r>
+          </a:p>
+          <a:p>
+            <a:pPr marL="285750" indent="-285750">
+              <a:buFontTx/>
+              <a:buChar char="-"/>
+            </a:pPr>
+            <a:r>
+              <a:rPr lang="en-US" dirty="0"/>
+              <a:t>App Service limits the # of concurrent connections (</a:t>
             </a:r>
             <a:r>
               <a:rPr lang="en-US" dirty="0" err="1"/>
@@ -1772,8 +1904,22 @@
             </a:r>
             <a:r>
               <a:rPr lang="en-US" dirty="0"/>
-              <a:t> connections from the ASP.NET Core app</a:t>
-            </a:r>
+              <a:t> Service solves this)</a:t>
+            </a:r>
+          </a:p>
+          <a:p>
+            <a:pPr marL="285750" indent="-285750">
+              <a:buFontTx/>
+              <a:buChar char="-"/>
+            </a:pPr>
+            <a:endParaRPr lang="en-US" dirty="0"/>
+          </a:p>
+          <a:p>
+            <a:pPr marL="285750" indent="-285750">
+              <a:buFontTx/>
+              <a:buChar char="-"/>
+            </a:pPr>
+            <a:endParaRPr lang="en-US" dirty="0"/>
           </a:p>
         </p:txBody>
       </p:sp>
@@ -1794,7 +1940,7 @@
           <a:p>
             <a:fld id="{3D7B9D4F-5F19-438C-92E8-037C6AE8F87D}" type="slidenum">
               <a:rPr lang="en-US" smtClean="0"/>
-              <a:t>11</a:t>
+              <a:t>10</a:t>
             </a:fld>
             <a:endParaRPr lang="en-US"/>
           </a:p>
@@ -1803,7 +1949,7 @@
     </p:spTree>
     <p:extLst>
       <p:ext uri="{BB962C8B-B14F-4D97-AF65-F5344CB8AC3E}">
-        <p14:creationId xmlns:p14="http://schemas.microsoft.com/office/powerpoint/2010/main" val="4231234210"/>
+        <p14:creationId xmlns:p14="http://schemas.microsoft.com/office/powerpoint/2010/main" val="1874177105"/>
       </p:ext>
     </p:extLst>
   </p:cSld>
@@ -17888,7 +18034,7 @@
                   </a:solidFill>
                 </a:ln>
               </a:rPr>
-              <a:t>A better scale-out solution</a:t>
+              <a:t>A simpler scale-out solution</a:t>
             </a:r>
           </a:p>
         </p:txBody>
@@ -23623,7 +23769,7 @@
         </p:nvCxnSpPr>
         <p:spPr>
           <a:xfrm flipH="1">
-            <a:off x="6191492" y="6129736"/>
+            <a:off x="6204192" y="6129736"/>
             <a:ext cx="6235458" cy="1"/>
           </a:xfrm>
           <a:prstGeom prst="line">
@@ -25792,7 +25938,7 @@
           <p:nvPr/>
         </p:nvPicPr>
         <p:blipFill rotWithShape="1">
-          <a:blip r:embed="rId2" cstate="print">
+          <a:blip r:embed="rId3" cstate="print">
             <a:extLst>
               <a:ext uri="{28A0092B-C50C-407E-A947-70E740481C1C}">
                 <a14:useLocalDpi xmlns:a14="http://schemas.microsoft.com/office/drawing/2010/main" val="0"/>
@@ -29293,6 +29439,46 @@
 </file>
 
 <file path=customXml/item1.xml><?xml version="1.0" encoding="utf-8"?>
+<?mso-contentType ?>
+<FormTemplates xmlns="http://schemas.microsoft.com/sharepoint/v3/contenttype/forms">
+  <Display>DocumentLibraryForm</Display>
+  <Edit>DocumentLibraryForm</Edit>
+  <New>DocumentLibraryForm</New>
+</FormTemplates>
+</file>
+
+<file path=customXml/item2.xml><?xml version="1.0" encoding="utf-8"?>
+<p:properties xmlns:p="http://schemas.microsoft.com/office/2006/metadata/properties" xmlns:xsi="http://www.w3.org/2001/XMLSchema-instance" xmlns:pc="http://schemas.microsoft.com/office/infopath/2007/PartnerControls">
+  <documentManagement>
+    <_ip_UnifiedCompliancePolicyUIAction xmlns="http://schemas.microsoft.com/sharepoint/v3" xsi:nil="true"/>
+    <IconOverlay xmlns="http://schemas.microsoft.com/sharepoint/v4" xsi:nil="true"/>
+    <Preview xmlns="15c98cf3-0896-4040-874f-f436925621df">
+      <Url xsi:nil="true"/>
+      <Description xsi:nil="true"/>
+    </Preview>
+    <_ip_UnifiedCompliancePolicyProperties xmlns="http://schemas.microsoft.com/sharepoint/v3" xsi:nil="true"/>
+    <SharedWithUsers xmlns="af610f50-4aee-43ff-9d65-64420adb70d2">
+      <UserInfo>
+        <DisplayName>Shriram Natarajan</DisplayName>
+        <AccountId>645</AccountId>
+        <AccountType/>
+      </UserInfo>
+      <UserInfo>
+        <DisplayName>Siddique Juman</DisplayName>
+        <AccountId>79219</AccountId>
+        <AccountType/>
+      </UserInfo>
+      <UserInfo>
+        <DisplayName>Tiberiu Radu</DisplayName>
+        <AccountId>42551</AccountId>
+        <AccountType/>
+      </UserInfo>
+    </SharedWithUsers>
+  </documentManagement>
+</p:properties>
+</file>
+
+<file path=customXml/item3.xml><?xml version="1.0" encoding="utf-8"?>
 <ct:contentTypeSchema xmlns:ct="http://schemas.microsoft.com/office/2006/metadata/contentType" xmlns:ma="http://schemas.microsoft.com/office/2006/metadata/properties/metaAttributes" ct:_="" ma:_="" ma:contentTypeName="Document" ma:contentTypeID="0x010100F5F187B9059DF945B25AB5B2F3BA0895" ma:contentTypeVersion="17" ma:contentTypeDescription="Create a new document." ma:contentTypeScope="" ma:versionID="454b11af52e6a4a001d7a94430b0600d">
   <xsd:schema xmlns:xsd="http://www.w3.org/2001/XMLSchema" xmlns:xs="http://www.w3.org/2001/XMLSchema" xmlns:p="http://schemas.microsoft.com/office/2006/metadata/properties" xmlns:ns1="http://schemas.microsoft.com/sharepoint/v3" xmlns:ns2="af610f50-4aee-43ff-9d65-64420adb70d2" xmlns:ns3="http://schemas.microsoft.com/sharepoint/v4" xmlns:ns4="15c98cf3-0896-4040-874f-f436925621df" targetNamespace="http://schemas.microsoft.com/office/2006/metadata/properties" ma:root="true" ma:fieldsID="94f54606d29a996f622cc5db0382967e" ns1:_="" ns2:_="" ns3:_="" ns4:_="">
     <xsd:import namespace="http://schemas.microsoft.com/sharepoint/v3"/>
@@ -29556,63 +29742,10 @@
 </ct:contentTypeSchema>
 </file>
 
-<file path=customXml/item2.xml><?xml version="1.0" encoding="utf-8"?>
-<p:properties xmlns:p="http://schemas.microsoft.com/office/2006/metadata/properties" xmlns:xsi="http://www.w3.org/2001/XMLSchema-instance" xmlns:pc="http://schemas.microsoft.com/office/infopath/2007/PartnerControls">
-  <documentManagement>
-    <_ip_UnifiedCompliancePolicyUIAction xmlns="http://schemas.microsoft.com/sharepoint/v3" xsi:nil="true"/>
-    <IconOverlay xmlns="http://schemas.microsoft.com/sharepoint/v4" xsi:nil="true"/>
-    <Preview xmlns="15c98cf3-0896-4040-874f-f436925621df">
-      <Url xsi:nil="true"/>
-      <Description xsi:nil="true"/>
-    </Preview>
-    <_ip_UnifiedCompliancePolicyProperties xmlns="http://schemas.microsoft.com/sharepoint/v3" xsi:nil="true"/>
-    <SharedWithUsers xmlns="af610f50-4aee-43ff-9d65-64420adb70d2">
-      <UserInfo>
-        <DisplayName>Shriram Natarajan</DisplayName>
-        <AccountId>645</AccountId>
-        <AccountType/>
-      </UserInfo>
-      <UserInfo>
-        <DisplayName>Siddique Juman</DisplayName>
-        <AccountId>79219</AccountId>
-        <AccountType/>
-      </UserInfo>
-      <UserInfo>
-        <DisplayName>Tiberiu Radu</DisplayName>
-        <AccountId>42551</AccountId>
-        <AccountType/>
-      </UserInfo>
-    </SharedWithUsers>
-  </documentManagement>
-</p:properties>
-</file>
-
-<file path=customXml/item3.xml><?xml version="1.0" encoding="utf-8"?>
-<?mso-contentType ?>
-<FormTemplates xmlns="http://schemas.microsoft.com/sharepoint/v3/contenttype/forms">
-  <Display>DocumentLibraryForm</Display>
-  <Edit>DocumentLibraryForm</Edit>
-  <New>DocumentLibraryForm</New>
-</FormTemplates>
-</file>
-
 <file path=customXml/itemProps1.xml><?xml version="1.0" encoding="utf-8"?>
-<ds:datastoreItem xmlns:ds="http://schemas.openxmlformats.org/officeDocument/2006/customXml" ds:itemID="{366A0CB4-B94D-48B7-AE6B-3133538C8CAA}">
+<ds:datastoreItem xmlns:ds="http://schemas.openxmlformats.org/officeDocument/2006/customXml" ds:itemID="{A0CFF515-FEE6-4B9C-8B96-C300A0063377}">
   <ds:schemaRefs>
-    <ds:schemaRef ds:uri="http://schemas.microsoft.com/office/2006/metadata/contentType"/>
-    <ds:schemaRef ds:uri="http://schemas.microsoft.com/office/2006/metadata/properties/metaAttributes"/>
-    <ds:schemaRef ds:uri="http://www.w3.org/2001/XMLSchema"/>
-    <ds:schemaRef ds:uri="http://schemas.microsoft.com/office/2006/metadata/properties"/>
-    <ds:schemaRef ds:uri="http://schemas.microsoft.com/sharepoint/v3"/>
-    <ds:schemaRef ds:uri="af610f50-4aee-43ff-9d65-64420adb70d2"/>
-    <ds:schemaRef ds:uri="http://schemas.microsoft.com/sharepoint/v4"/>
-    <ds:schemaRef ds:uri="15c98cf3-0896-4040-874f-f436925621df"/>
-    <ds:schemaRef ds:uri="http://schemas.microsoft.com/office/2006/documentManagement/types"/>
-    <ds:schemaRef ds:uri="http://schemas.microsoft.com/office/infopath/2007/PartnerControls"/>
-    <ds:schemaRef ds:uri="http://schemas.openxmlformats.org/package/2006/metadata/core-properties"/>
-    <ds:schemaRef ds:uri="http://purl.org/dc/elements/1.1/"/>
-    <ds:schemaRef ds:uri="http://purl.org/dc/terms/"/>
-    <ds:schemaRef ds:uri="http://schemas.microsoft.com/internal/obd"/>
+    <ds:schemaRef ds:uri="http://schemas.microsoft.com/sharepoint/v3/contenttype/forms"/>
   </ds:schemaRefs>
 </ds:datastoreItem>
 </file>
@@ -29637,9 +29770,22 @@
 </file>
 
 <file path=customXml/itemProps3.xml><?xml version="1.0" encoding="utf-8"?>
-<ds:datastoreItem xmlns:ds="http://schemas.openxmlformats.org/officeDocument/2006/customXml" ds:itemID="{A0CFF515-FEE6-4B9C-8B96-C300A0063377}">
+<ds:datastoreItem xmlns:ds="http://schemas.openxmlformats.org/officeDocument/2006/customXml" ds:itemID="{366A0CB4-B94D-48B7-AE6B-3133538C8CAA}">
   <ds:schemaRefs>
-    <ds:schemaRef ds:uri="http://schemas.microsoft.com/sharepoint/v3/contenttype/forms"/>
+    <ds:schemaRef ds:uri="http://schemas.microsoft.com/office/2006/metadata/contentType"/>
+    <ds:schemaRef ds:uri="http://schemas.microsoft.com/office/2006/metadata/properties/metaAttributes"/>
+    <ds:schemaRef ds:uri="http://www.w3.org/2001/XMLSchema"/>
+    <ds:schemaRef ds:uri="http://schemas.microsoft.com/office/2006/metadata/properties"/>
+    <ds:schemaRef ds:uri="http://schemas.microsoft.com/sharepoint/v3"/>
+    <ds:schemaRef ds:uri="af610f50-4aee-43ff-9d65-64420adb70d2"/>
+    <ds:schemaRef ds:uri="http://schemas.microsoft.com/sharepoint/v4"/>
+    <ds:schemaRef ds:uri="15c98cf3-0896-4040-874f-f436925621df"/>
+    <ds:schemaRef ds:uri="http://schemas.microsoft.com/office/2006/documentManagement/types"/>
+    <ds:schemaRef ds:uri="http://schemas.microsoft.com/office/infopath/2007/PartnerControls"/>
+    <ds:schemaRef ds:uri="http://schemas.openxmlformats.org/package/2006/metadata/core-properties"/>
+    <ds:schemaRef ds:uri="http://purl.org/dc/elements/1.1/"/>
+    <ds:schemaRef ds:uri="http://purl.org/dc/terms/"/>
+    <ds:schemaRef ds:uri="http://schemas.microsoft.com/internal/obd"/>
   </ds:schemaRefs>
 </ds:datastoreItem>
 </file>
--- a/Building the Real-time Web with SignalR.pptx
+++ b/Building the Real-time Web with SignalR.pptx
@@ -5,10 +5,10 @@
     <p:sldMasterId id="2147483864" r:id="rId4"/>
   </p:sldMasterIdLst>
   <p:notesMasterIdLst>
-    <p:notesMasterId r:id="rId17"/>
+    <p:notesMasterId r:id="rId18"/>
   </p:notesMasterIdLst>
   <p:handoutMasterIdLst>
-    <p:handoutMasterId r:id="rId18"/>
+    <p:handoutMasterId r:id="rId19"/>
   </p:handoutMasterIdLst>
   <p:sldIdLst>
     <p:sldId id="3782" r:id="rId5"/>
@@ -20,9 +20,10 @@
     <p:sldId id="3774" r:id="rId11"/>
     <p:sldId id="3776" r:id="rId12"/>
     <p:sldId id="3775" r:id="rId13"/>
-    <p:sldId id="3785" r:id="rId14"/>
-    <p:sldId id="3786" r:id="rId15"/>
-    <p:sldId id="326" r:id="rId16"/>
+    <p:sldId id="3787" r:id="rId14"/>
+    <p:sldId id="3788" r:id="rId15"/>
+    <p:sldId id="3789" r:id="rId16"/>
+    <p:sldId id="326" r:id="rId17"/>
   </p:sldIdLst>
   <p:sldSz cx="12436475" cy="6994525"/>
   <p:notesSz cx="6858000" cy="9144000"/>
@@ -135,8 +136,9 @@
             <p14:sldId id="3774"/>
             <p14:sldId id="3776"/>
             <p14:sldId id="3775"/>
-            <p14:sldId id="3785"/>
-            <p14:sldId id="3786"/>
+            <p14:sldId id="3787"/>
+            <p14:sldId id="3788"/>
+            <p14:sldId id="3789"/>
             <p14:sldId id="326"/>
           </p14:sldIdLst>
         </p14:section>
@@ -923,15 +925,7 @@
             </a:pPr>
             <a:r>
               <a:rPr lang="en-US" dirty="0"/>
-              <a:t>Decouple </a:t>
-            </a:r>
-            <a:r>
-              <a:rPr lang="en-US" dirty="0" err="1"/>
-              <a:t>SignalR</a:t>
-            </a:r>
-            <a:r>
-              <a:rPr lang="en-US" dirty="0"/>
-              <a:t> connections from the ASP.NET Core app</a:t>
+              <a:t>All traffic hits the same app</a:t>
             </a:r>
           </a:p>
           <a:p>
@@ -941,7 +935,7 @@
             </a:pPr>
             <a:r>
               <a:rPr lang="en-US" dirty="0"/>
-              <a:t>No backplane needed w/ </a:t>
+              <a:t>App Service limits the # of concurrent connections (</a:t>
             </a:r>
             <a:r>
               <a:rPr lang="en-US" dirty="0" err="1"/>
@@ -949,8 +943,22 @@
             </a:r>
             <a:r>
               <a:rPr lang="en-US" dirty="0"/>
-              <a:t> Service (uses Redis backplane behind the scenes)</a:t>
-            </a:r>
+              <a:t> Service solves this)</a:t>
+            </a:r>
+          </a:p>
+          <a:p>
+            <a:pPr marL="285750" indent="-285750">
+              <a:buFontTx/>
+              <a:buChar char="-"/>
+            </a:pPr>
+            <a:endParaRPr lang="en-US" dirty="0"/>
+          </a:p>
+          <a:p>
+            <a:pPr marL="285750" indent="-285750">
+              <a:buFontTx/>
+              <a:buChar char="-"/>
+            </a:pPr>
+            <a:endParaRPr lang="en-US" dirty="0"/>
           </a:p>
         </p:txBody>
       </p:sp>
@@ -980,7 +988,7 @@
     </p:spTree>
     <p:extLst>
       <p:ext uri="{BB962C8B-B14F-4D97-AF65-F5344CB8AC3E}">
-        <p14:creationId xmlns:p14="http://schemas.microsoft.com/office/powerpoint/2010/main" val="4231234210"/>
+        <p14:creationId xmlns:p14="http://schemas.microsoft.com/office/powerpoint/2010/main" val="13806265"/>
       </p:ext>
     </p:extLst>
   </p:cSld>
@@ -1034,6 +1042,108 @@
           <a:bodyPr/>
           <a:lstStyle/>
           <a:p>
+            <a:pPr marL="0" indent="0">
+              <a:buFontTx/>
+              <a:buNone/>
+            </a:pPr>
+            <a:r>
+              <a:rPr lang="en-US" dirty="0"/>
+              <a:t>- Recommend </a:t>
+            </a:r>
+            <a:r>
+              <a:rPr lang="en-US" dirty="0" err="1"/>
+              <a:t>SignalR</a:t>
+            </a:r>
+            <a:r>
+              <a:rPr lang="en-US" dirty="0"/>
+              <a:t> Service for PROD workloads</a:t>
+            </a:r>
+          </a:p>
+          <a:p>
+            <a:endParaRPr lang="en-US" dirty="0"/>
+          </a:p>
+        </p:txBody>
+      </p:sp>
+      <p:sp>
+        <p:nvSpPr>
+          <p:cNvPr id="4" name="Slide Number Placeholder 3"/>
+          <p:cNvSpPr>
+            <a:spLocks noGrp="1"/>
+          </p:cNvSpPr>
+          <p:nvPr>
+            <p:ph type="sldNum" sz="quarter" idx="5"/>
+          </p:nvPr>
+        </p:nvSpPr>
+        <p:spPr/>
+        <p:txBody>
+          <a:bodyPr/>
+          <a:lstStyle/>
+          <a:p>
+            <a:fld id="{3D7B9D4F-5F19-438C-92E8-037C6AE8F87D}" type="slidenum">
+              <a:rPr lang="en-US" smtClean="0"/>
+              <a:t>12</a:t>
+            </a:fld>
+            <a:endParaRPr lang="en-US"/>
+          </a:p>
+        </p:txBody>
+      </p:sp>
+    </p:spTree>
+    <p:extLst>
+      <p:ext uri="{BB962C8B-B14F-4D97-AF65-F5344CB8AC3E}">
+        <p14:creationId xmlns:p14="http://schemas.microsoft.com/office/powerpoint/2010/main" val="1081250580"/>
+      </p:ext>
+    </p:extLst>
+  </p:cSld>
+  <p:clrMapOvr>
+    <a:masterClrMapping/>
+  </p:clrMapOvr>
+</p:notes>
+</file>
+
+<file path=ppt/notesSlides/notesSlide12.xml><?xml version="1.0" encoding="utf-8"?>
+<p:notes xmlns:a="http://schemas.openxmlformats.org/drawingml/2006/main" xmlns:r="http://schemas.openxmlformats.org/officeDocument/2006/relationships" xmlns:p="http://schemas.openxmlformats.org/presentationml/2006/main">
+  <p:cSld>
+    <p:spTree>
+      <p:nvGrpSpPr>
+        <p:cNvPr id="1" name=""/>
+        <p:cNvGrpSpPr/>
+        <p:nvPr/>
+      </p:nvGrpSpPr>
+      <p:grpSpPr>
+        <a:xfrm>
+          <a:off x="0" y="0"/>
+          <a:ext cx="0" cy="0"/>
+          <a:chOff x="0" y="0"/>
+          <a:chExt cx="0" cy="0"/>
+        </a:xfrm>
+      </p:grpSpPr>
+      <p:sp>
+        <p:nvSpPr>
+          <p:cNvPr id="2" name="Slide Image Placeholder 1"/>
+          <p:cNvSpPr>
+            <a:spLocks noGrp="1" noRot="1" noChangeAspect="1"/>
+          </p:cNvSpPr>
+          <p:nvPr>
+            <p:ph type="sldImg"/>
+          </p:nvPr>
+        </p:nvSpPr>
+        <p:spPr/>
+      </p:sp>
+      <p:sp>
+        <p:nvSpPr>
+          <p:cNvPr id="3" name="Notes Placeholder 2"/>
+          <p:cNvSpPr>
+            <a:spLocks noGrp="1"/>
+          </p:cNvSpPr>
+          <p:nvPr>
+            <p:ph type="body" idx="1"/>
+          </p:nvPr>
+        </p:nvSpPr>
+        <p:spPr/>
+        <p:txBody>
+          <a:bodyPr/>
+          <a:lstStyle/>
+          <a:p>
             <a:endParaRPr lang="en-US" dirty="0"/>
           </a:p>
         </p:txBody>
@@ -1102,7 +1212,7 @@
                 <a:tabLst/>
                 <a:defRPr/>
               </a:pPr>
-              <a:t>12</a:t>
+              <a:t>13</a:t>
             </a:fld>
             <a:endParaRPr kumimoji="0" lang="en-US" sz="1200" b="0" i="0" u="none" strike="noStrike" kern="1200" cap="none" spc="0" normalizeH="0" baseline="0" noProof="0">
               <a:ln>
@@ -1949,7 +2059,7 @@
     </p:spTree>
     <p:extLst>
       <p:ext uri="{BB962C8B-B14F-4D97-AF65-F5344CB8AC3E}">
-        <p14:creationId xmlns:p14="http://schemas.microsoft.com/office/powerpoint/2010/main" val="1874177105"/>
+        <p14:creationId xmlns:p14="http://schemas.microsoft.com/office/powerpoint/2010/main" val="2129708457"/>
       </p:ext>
     </p:extLst>
   </p:cSld>
@@ -17163,7 +17273,7 @@
         </p:blipFill>
         <p:spPr bwMode="auto">
           <a:xfrm>
-            <a:off x="-3247397" y="-2686061"/>
+            <a:off x="-1997331" y="-2153626"/>
             <a:ext cx="15391772" cy="10392735"/>
           </a:xfrm>
           <a:prstGeom prst="rect">
@@ -17212,7 +17322,7 @@
         </p:nvSpPr>
         <p:spPr>
           <a:xfrm>
-            <a:off x="434975" y="1142881"/>
+            <a:off x="1685041" y="1675316"/>
             <a:ext cx="11567160" cy="276999"/>
           </a:xfrm>
         </p:spPr>
@@ -17255,9 +17365,7 @@
             <a:r>
               <a:rPr lang="en-US" dirty="0">
                 <a:ln w="12700">
-                  <a:solidFill>
-                    <a:schemeClr val="bg1"/>
-                  </a:solidFill>
+                  <a:noFill/>
                 </a:ln>
               </a:rPr>
               <a:t>scale-out</a:t>
@@ -17279,7 +17387,7 @@
         </p:nvSpPr>
         <p:spPr bwMode="auto">
           <a:xfrm>
-            <a:off x="434340" y="1544638"/>
+            <a:off x="1684406" y="2077073"/>
             <a:ext cx="3562350" cy="2066925"/>
           </a:xfrm>
           <a:prstGeom prst="roundRect">
@@ -17395,7 +17503,7 @@
         </p:nvSpPr>
         <p:spPr bwMode="auto">
           <a:xfrm>
-            <a:off x="638175" y="2643079"/>
+            <a:off x="1888241" y="3175514"/>
             <a:ext cx="1370013" cy="733534"/>
           </a:xfrm>
           <a:prstGeom prst="roundRect">
@@ -17464,7 +17572,7 @@
         </p:nvSpPr>
         <p:spPr bwMode="auto">
           <a:xfrm>
-            <a:off x="2408238" y="2643079"/>
+            <a:off x="3658304" y="3175514"/>
             <a:ext cx="1370013" cy="733534"/>
           </a:xfrm>
           <a:prstGeom prst="roundRect">
@@ -17541,7 +17649,7 @@
         </p:blipFill>
         <p:spPr>
           <a:xfrm>
-            <a:off x="2408238" y="4146572"/>
+            <a:off x="3658304" y="4679007"/>
             <a:ext cx="2211030" cy="2008275"/>
           </a:xfrm>
           <a:prstGeom prst="rect">
@@ -17571,7 +17679,7 @@
         </p:nvCxnSpPr>
         <p:spPr>
           <a:xfrm rot="16200000" flipH="1">
-            <a:off x="978662" y="3721133"/>
+            <a:off x="2228728" y="4253568"/>
             <a:ext cx="1774097" cy="1085056"/>
           </a:xfrm>
           <a:prstGeom prst="curvedConnector2">
@@ -17617,7 +17725,7 @@
         </p:nvCxnSpPr>
         <p:spPr>
           <a:xfrm rot="5400000">
-            <a:off x="1833731" y="3951121"/>
+            <a:off x="3083797" y="4483556"/>
             <a:ext cx="1774097" cy="625081"/>
           </a:xfrm>
           <a:prstGeom prst="curvedConnector4">
@@ -17663,7 +17771,7 @@
         </p:nvSpPr>
         <p:spPr>
           <a:xfrm>
-            <a:off x="2739260" y="4670577"/>
+            <a:off x="3989326" y="5203012"/>
             <a:ext cx="1551491" cy="627864"/>
           </a:xfrm>
           <a:prstGeom prst="rect">
@@ -17710,7 +17818,7 @@
         </p:nvSpPr>
         <p:spPr>
           <a:xfrm>
-            <a:off x="2184008" y="3844199"/>
+            <a:off x="3434074" y="4376634"/>
             <a:ext cx="2372554" cy="871008"/>
           </a:xfrm>
           <a:prstGeom prst="rect">
@@ -17804,7 +17912,7 @@
         </p:nvSpPr>
         <p:spPr>
           <a:xfrm>
-            <a:off x="698101" y="3935049"/>
+            <a:off x="1948167" y="4467484"/>
             <a:ext cx="1185051" cy="871008"/>
           </a:xfrm>
           <a:prstGeom prst="rect">
@@ -17874,7 +17982,7 @@
     </p:spTree>
     <p:extLst>
       <p:ext uri="{BB962C8B-B14F-4D97-AF65-F5344CB8AC3E}">
-        <p14:creationId xmlns:p14="http://schemas.microsoft.com/office/powerpoint/2010/main" val="748713960"/>
+        <p14:creationId xmlns:p14="http://schemas.microsoft.com/office/powerpoint/2010/main" val="2098257646"/>
       </p:ext>
     </p:extLst>
   </p:cSld>
@@ -17933,7 +18041,7 @@
         </p:blipFill>
         <p:spPr bwMode="auto">
           <a:xfrm>
-            <a:off x="-3247397" y="-2686061"/>
+            <a:off x="-1997331" y="-2153626"/>
             <a:ext cx="15391772" cy="10392735"/>
           </a:xfrm>
           <a:prstGeom prst="rect">
@@ -17982,7 +18090,7 @@
         </p:nvSpPr>
         <p:spPr>
           <a:xfrm>
-            <a:off x="434975" y="1142881"/>
+            <a:off x="1685041" y="1675316"/>
             <a:ext cx="11567160" cy="276999"/>
           </a:xfrm>
         </p:spPr>
@@ -18027,14 +18135,16 @@
           <a:lstStyle/>
           <a:p>
             <a:r>
+              <a:rPr lang="en-US" dirty="0"/>
+              <a:t>A better </a:t>
+            </a:r>
+            <a:r>
               <a:rPr lang="en-US" dirty="0">
                 <a:ln w="12700">
-                  <a:solidFill>
-                    <a:schemeClr val="bg1"/>
-                  </a:solidFill>
+                  <a:noFill/>
                 </a:ln>
               </a:rPr>
-              <a:t>A simpler scale-out solution</a:t>
+              <a:t>scale-out solution</a:t>
             </a:r>
           </a:p>
         </p:txBody>
@@ -18053,7 +18163,7 @@
         </p:nvSpPr>
         <p:spPr bwMode="auto">
           <a:xfrm>
-            <a:off x="434340" y="1544638"/>
+            <a:off x="1684406" y="2077073"/>
             <a:ext cx="3562350" cy="2066925"/>
           </a:xfrm>
           <a:prstGeom prst="roundRect">
@@ -18169,7 +18279,7 @@
         </p:nvSpPr>
         <p:spPr bwMode="auto">
           <a:xfrm>
-            <a:off x="638175" y="2643079"/>
+            <a:off x="1888241" y="3175514"/>
             <a:ext cx="1370013" cy="733534"/>
           </a:xfrm>
           <a:prstGeom prst="roundRect">
@@ -18238,7 +18348,7 @@
         </p:nvSpPr>
         <p:spPr bwMode="auto">
           <a:xfrm>
-            <a:off x="2408238" y="2643079"/>
+            <a:off x="3658304" y="3175514"/>
             <a:ext cx="1370013" cy="733534"/>
           </a:xfrm>
           <a:prstGeom prst="roundRect">
@@ -18288,7 +18398,7 @@
                 <a:ea typeface="Segoe UI" pitchFamily="34" charset="0"/>
                 <a:cs typeface="Segoe UI" pitchFamily="34" charset="0"/>
               </a:rPr>
-              <a:t>Hub</a:t>
+              <a:t>Hubs</a:t>
             </a:r>
           </a:p>
         </p:txBody>
@@ -18315,7 +18425,7 @@
         </p:blipFill>
         <p:spPr>
           <a:xfrm>
-            <a:off x="2408238" y="4146572"/>
+            <a:off x="3658304" y="4679007"/>
             <a:ext cx="2211030" cy="2008275"/>
           </a:xfrm>
           <a:prstGeom prst="rect">
@@ -18345,7 +18455,7 @@
         </p:nvCxnSpPr>
         <p:spPr>
           <a:xfrm rot="16200000" flipH="1">
-            <a:off x="978662" y="3721133"/>
+            <a:off x="2228728" y="4253568"/>
             <a:ext cx="1774097" cy="1085056"/>
           </a:xfrm>
           <a:prstGeom prst="curvedConnector2">
@@ -18388,7 +18498,7 @@
         </p:nvSpPr>
         <p:spPr>
           <a:xfrm>
-            <a:off x="2739260" y="4670577"/>
+            <a:off x="3989326" y="5203012"/>
             <a:ext cx="1551491" cy="627864"/>
           </a:xfrm>
           <a:prstGeom prst="rect">
@@ -18417,100 +18527,6 @@
                 </a:solidFill>
               </a:rPr>
               <a:t>Client</a:t>
-            </a:r>
-          </a:p>
-        </p:txBody>
-      </p:sp>
-      <p:sp>
-        <p:nvSpPr>
-          <p:cNvPr id="32" name="TextBox 31">
-            <a:extLst>
-              <a:ext uri="{FF2B5EF4-FFF2-40B4-BE49-F238E27FC236}">
-                <a16:creationId xmlns:a16="http://schemas.microsoft.com/office/drawing/2014/main" id="{02B7147B-5685-460D-B6B3-1D16E784051D}"/>
-              </a:ext>
-            </a:extLst>
-          </p:cNvPr>
-          <p:cNvSpPr txBox="1"/>
-          <p:nvPr/>
-        </p:nvSpPr>
-        <p:spPr>
-          <a:xfrm>
-            <a:off x="6352510" y="3981238"/>
-            <a:ext cx="2372554" cy="871008"/>
-          </a:xfrm>
-          <a:prstGeom prst="rect">
-            <a:avLst/>
-          </a:prstGeom>
-          <a:noFill/>
-        </p:spPr>
-        <p:txBody>
-          <a:bodyPr wrap="square" lIns="182880" tIns="146304" rIns="182880" bIns="146304" rtlCol="0">
-            <a:spAutoFit/>
-          </a:bodyPr>
-          <a:lstStyle/>
-          <a:p>
-            <a:pPr>
-              <a:lnSpc>
-                <a:spcPct val="90000"/>
-              </a:lnSpc>
-              <a:spcAft>
-                <a:spcPts val="600"/>
-              </a:spcAft>
-            </a:pPr>
-            <a:r>
-              <a:rPr lang="en-US" sz="1800" dirty="0" err="1">
-                <a:gradFill>
-                  <a:gsLst>
-                    <a:gs pos="2917">
-                      <a:schemeClr val="tx1"/>
-                    </a:gs>
-                    <a:gs pos="30000">
-                      <a:schemeClr val="tx1"/>
-                    </a:gs>
-                  </a:gsLst>
-                  <a:lin ang="5400000" scaled="0"/>
-                </a:gradFill>
-              </a:rPr>
-              <a:t>SignalR</a:t>
-            </a:r>
-            <a:endParaRPr lang="en-US" sz="1800" dirty="0">
-              <a:gradFill>
-                <a:gsLst>
-                  <a:gs pos="2917">
-                    <a:schemeClr val="tx1"/>
-                  </a:gs>
-                  <a:gs pos="30000">
-                    <a:schemeClr val="tx1"/>
-                  </a:gs>
-                </a:gsLst>
-                <a:lin ang="5400000" scaled="0"/>
-              </a:gradFill>
-            </a:endParaRPr>
-          </a:p>
-          <a:p>
-            <a:pPr>
-              <a:lnSpc>
-                <a:spcPct val="90000"/>
-              </a:lnSpc>
-              <a:spcAft>
-                <a:spcPts val="600"/>
-              </a:spcAft>
-            </a:pPr>
-            <a:r>
-              <a:rPr lang="en-US" sz="1800" dirty="0">
-                <a:gradFill>
-                  <a:gsLst>
-                    <a:gs pos="2917">
-                      <a:schemeClr val="tx1"/>
-                    </a:gs>
-                    <a:gs pos="30000">
-                      <a:schemeClr val="tx1"/>
-                    </a:gs>
-                  </a:gsLst>
-                  <a:lin ang="5400000" scaled="0"/>
-                </a:gradFill>
-              </a:rPr>
-              <a:t>traffic</a:t>
             </a:r>
           </a:p>
         </p:txBody>
@@ -18529,7 +18545,7 @@
         </p:nvSpPr>
         <p:spPr>
           <a:xfrm>
-            <a:off x="698101" y="3935049"/>
+            <a:off x="1948167" y="4467484"/>
             <a:ext cx="1185051" cy="871008"/>
           </a:xfrm>
           <a:prstGeom prst="rect">
@@ -18598,10 +18614,104 @@
       </p:sp>
       <p:sp>
         <p:nvSpPr>
-          <p:cNvPr id="14" name="Rectangle: Rounded Corners 13">
+          <p:cNvPr id="14" name="TextBox 13">
             <a:extLst>
               <a:ext uri="{FF2B5EF4-FFF2-40B4-BE49-F238E27FC236}">
-                <a16:creationId xmlns:a16="http://schemas.microsoft.com/office/drawing/2014/main" id="{FAEC1A70-F8C8-474C-9B86-7CEF01BF5E85}"/>
+                <a16:creationId xmlns:a16="http://schemas.microsoft.com/office/drawing/2014/main" id="{E6DB530A-E020-498D-9BD6-881FD6F17E6D}"/>
+              </a:ext>
+            </a:extLst>
+          </p:cNvPr>
+          <p:cNvSpPr txBox="1"/>
+          <p:nvPr/>
+        </p:nvSpPr>
+        <p:spPr>
+          <a:xfrm>
+            <a:off x="7617628" y="4550972"/>
+            <a:ext cx="2372554" cy="871008"/>
+          </a:xfrm>
+          <a:prstGeom prst="rect">
+            <a:avLst/>
+          </a:prstGeom>
+          <a:noFill/>
+        </p:spPr>
+        <p:txBody>
+          <a:bodyPr wrap="square" lIns="182880" tIns="146304" rIns="182880" bIns="146304" rtlCol="0">
+            <a:spAutoFit/>
+          </a:bodyPr>
+          <a:lstStyle/>
+          <a:p>
+            <a:pPr>
+              <a:lnSpc>
+                <a:spcPct val="90000"/>
+              </a:lnSpc>
+              <a:spcAft>
+                <a:spcPts val="600"/>
+              </a:spcAft>
+            </a:pPr>
+            <a:r>
+              <a:rPr lang="en-US" sz="1800" dirty="0" err="1">
+                <a:gradFill>
+                  <a:gsLst>
+                    <a:gs pos="2917">
+                      <a:schemeClr val="tx1"/>
+                    </a:gs>
+                    <a:gs pos="30000">
+                      <a:schemeClr val="tx1"/>
+                    </a:gs>
+                  </a:gsLst>
+                  <a:lin ang="5400000" scaled="0"/>
+                </a:gradFill>
+              </a:rPr>
+              <a:t>SignalR</a:t>
+            </a:r>
+            <a:endParaRPr lang="en-US" sz="1800" dirty="0">
+              <a:gradFill>
+                <a:gsLst>
+                  <a:gs pos="2917">
+                    <a:schemeClr val="tx1"/>
+                  </a:gs>
+                  <a:gs pos="30000">
+                    <a:schemeClr val="tx1"/>
+                  </a:gs>
+                </a:gsLst>
+                <a:lin ang="5400000" scaled="0"/>
+              </a:gradFill>
+            </a:endParaRPr>
+          </a:p>
+          <a:p>
+            <a:pPr>
+              <a:lnSpc>
+                <a:spcPct val="90000"/>
+              </a:lnSpc>
+              <a:spcAft>
+                <a:spcPts val="600"/>
+              </a:spcAft>
+            </a:pPr>
+            <a:r>
+              <a:rPr lang="en-US" sz="1800" dirty="0">
+                <a:gradFill>
+                  <a:gsLst>
+                    <a:gs pos="2917">
+                      <a:schemeClr val="tx1"/>
+                    </a:gs>
+                    <a:gs pos="30000">
+                      <a:schemeClr val="tx1"/>
+                    </a:gs>
+                  </a:gsLst>
+                  <a:lin ang="5400000" scaled="0"/>
+                </a:gradFill>
+              </a:rPr>
+              <a:t>traffic</a:t>
+            </a:r>
+          </a:p>
+        </p:txBody>
+      </p:sp>
+      <p:sp>
+        <p:nvSpPr>
+          <p:cNvPr id="15" name="Rectangle: Rounded Corners 14">
+            <a:extLst>
+              <a:ext uri="{FF2B5EF4-FFF2-40B4-BE49-F238E27FC236}">
+                <a16:creationId xmlns:a16="http://schemas.microsoft.com/office/drawing/2014/main" id="{7A5DF399-6146-44E9-9D73-62303FEE4116}"/>
               </a:ext>
             </a:extLst>
           </p:cNvPr>
@@ -18610,7 +18720,7 @@
         </p:nvSpPr>
         <p:spPr bwMode="auto">
           <a:xfrm>
-            <a:off x="4989867" y="1507339"/>
+            <a:off x="6254985" y="2077073"/>
             <a:ext cx="3562350" cy="2066925"/>
           </a:xfrm>
           <a:prstGeom prst="roundRect">
@@ -18680,10 +18790,10 @@
       </p:sp>
       <p:sp>
         <p:nvSpPr>
-          <p:cNvPr id="15" name="Rectangle: Rounded Corners 14">
+          <p:cNvPr id="16" name="Rectangle: Rounded Corners 15">
             <a:extLst>
               <a:ext uri="{FF2B5EF4-FFF2-40B4-BE49-F238E27FC236}">
-                <a16:creationId xmlns:a16="http://schemas.microsoft.com/office/drawing/2014/main" id="{2F20B8AF-8F1C-466F-8E9C-3A7A8F7F2656}"/>
+                <a16:creationId xmlns:a16="http://schemas.microsoft.com/office/drawing/2014/main" id="{03F6B38C-22BE-47F4-9AF5-6067BC1E3D86}"/>
               </a:ext>
             </a:extLst>
           </p:cNvPr>
@@ -18692,7 +18802,7 @@
         </p:nvSpPr>
         <p:spPr bwMode="auto">
           <a:xfrm>
-            <a:off x="5208755" y="2643078"/>
+            <a:off x="6473423" y="3172604"/>
             <a:ext cx="1370013" cy="733534"/>
           </a:xfrm>
           <a:prstGeom prst="roundRect">
@@ -18749,10 +18859,10 @@
       </p:sp>
       <p:sp>
         <p:nvSpPr>
-          <p:cNvPr id="16" name="Rectangle: Rounded Corners 15">
+          <p:cNvPr id="17" name="Rectangle: Rounded Corners 16">
             <a:extLst>
               <a:ext uri="{FF2B5EF4-FFF2-40B4-BE49-F238E27FC236}">
-                <a16:creationId xmlns:a16="http://schemas.microsoft.com/office/drawing/2014/main" id="{9B86818C-76D4-425E-8FA7-38F1E66C6A2B}"/>
+                <a16:creationId xmlns:a16="http://schemas.microsoft.com/office/drawing/2014/main" id="{E6ECA177-C292-4479-934D-28C2D2EED5D7}"/>
               </a:ext>
             </a:extLst>
           </p:cNvPr>
@@ -18761,7 +18871,7 @@
         </p:nvSpPr>
         <p:spPr bwMode="auto">
           <a:xfrm>
-            <a:off x="6978818" y="2643078"/>
+            <a:off x="8243486" y="3172604"/>
             <a:ext cx="1370013" cy="733534"/>
           </a:xfrm>
           <a:prstGeom prst="roundRect">
@@ -18818,10 +18928,10 @@
       </p:sp>
       <p:cxnSp>
         <p:nvCxnSpPr>
-          <p:cNvPr id="17" name="Connector: Curved 16">
+          <p:cNvPr id="18" name="Connector: Curved 17">
             <a:extLst>
               <a:ext uri="{FF2B5EF4-FFF2-40B4-BE49-F238E27FC236}">
-                <a16:creationId xmlns:a16="http://schemas.microsoft.com/office/drawing/2014/main" id="{40F468B3-A54E-4EFB-B31B-EBE76CC53B37}"/>
+                <a16:creationId xmlns:a16="http://schemas.microsoft.com/office/drawing/2014/main" id="{413357AA-6400-45BF-93E3-CA6EA6AAC1DA}"/>
               </a:ext>
             </a:extLst>
           </p:cNvPr>
@@ -18832,7 +18942,7 @@
         </p:nvCxnSpPr>
         <p:spPr>
           <a:xfrm rot="10800000" flipV="1">
-            <a:off x="4439634" y="3376611"/>
+            <a:off x="5704752" y="3946345"/>
             <a:ext cx="3238795" cy="1774097"/>
           </a:xfrm>
           <a:prstGeom prst="curvedConnector3">
@@ -18865,23 +18975,23 @@
       </p:cxnSp>
       <p:cxnSp>
         <p:nvCxnSpPr>
-          <p:cNvPr id="11" name="Straight Arrow Connector 10">
+          <p:cNvPr id="6" name="Straight Arrow Connector 5">
             <a:extLst>
               <a:ext uri="{FF2B5EF4-FFF2-40B4-BE49-F238E27FC236}">
-                <a16:creationId xmlns:a16="http://schemas.microsoft.com/office/drawing/2014/main" id="{3D44922D-6C12-4DB1-A1FE-C718BE92FF24}"/>
+                <a16:creationId xmlns:a16="http://schemas.microsoft.com/office/drawing/2014/main" id="{C3DCF460-35F7-4877-AA75-FAD25183DCD7}"/>
               </a:ext>
             </a:extLst>
           </p:cNvPr>
           <p:cNvCxnSpPr>
-            <a:stCxn id="8" idx="3"/>
-            <a:endCxn id="15" idx="1"/>
+            <a:cxnSpLocks/>
+            <a:endCxn id="16" idx="1"/>
           </p:cNvCxnSpPr>
           <p:nvPr/>
         </p:nvCxnSpPr>
         <p:spPr>
-          <a:xfrm flipV="1">
-            <a:off x="3778251" y="3009845"/>
-            <a:ext cx="1430504" cy="1"/>
+          <a:xfrm>
+            <a:off x="5028317" y="3539371"/>
+            <a:ext cx="1445106" cy="0"/>
           </a:xfrm>
           <a:prstGeom prst="straightConnector1">
             <a:avLst/>
@@ -18912,7 +19022,7 @@
     </p:spTree>
     <p:extLst>
       <p:ext uri="{BB962C8B-B14F-4D97-AF65-F5344CB8AC3E}">
-        <p14:creationId xmlns:p14="http://schemas.microsoft.com/office/powerpoint/2010/main" val="895204585"/>
+        <p14:creationId xmlns:p14="http://schemas.microsoft.com/office/powerpoint/2010/main" val="270777829"/>
       </p:ext>
     </p:extLst>
   </p:cSld>
@@ -18926,6 +19036,1148 @@
 </file>
 
 <file path=ppt/slides/slide12.xml><?xml version="1.0" encoding="utf-8"?>
+<p:sld xmlns:a="http://schemas.openxmlformats.org/drawingml/2006/main" xmlns:r="http://schemas.openxmlformats.org/officeDocument/2006/relationships" xmlns:p="http://schemas.openxmlformats.org/presentationml/2006/main">
+  <p:cSld>
+    <p:spTree>
+      <p:nvGrpSpPr>
+        <p:cNvPr id="1" name=""/>
+        <p:cNvGrpSpPr/>
+        <p:nvPr/>
+      </p:nvGrpSpPr>
+      <p:grpSpPr>
+        <a:xfrm>
+          <a:off x="0" y="0"/>
+          <a:ext cx="0" cy="0"/>
+          <a:chOff x="0" y="0"/>
+          <a:chExt cx="0" cy="0"/>
+        </a:xfrm>
+      </p:grpSpPr>
+      <p:pic>
+        <p:nvPicPr>
+          <p:cNvPr id="1026" name="Picture 2" descr="Image result for Azure SignalR Service logo">
+            <a:extLst>
+              <a:ext uri="{FF2B5EF4-FFF2-40B4-BE49-F238E27FC236}">
+                <a16:creationId xmlns:a16="http://schemas.microsoft.com/office/drawing/2014/main" id="{B62B6923-2395-4F12-B1E9-A931D570FC99}"/>
+              </a:ext>
+            </a:extLst>
+          </p:cNvPr>
+          <p:cNvPicPr>
+            <a:picLocks noChangeAspect="1" noChangeArrowheads="1"/>
+          </p:cNvPicPr>
+          <p:nvPr/>
+        </p:nvPicPr>
+        <p:blipFill>
+          <a:blip r:embed="rId3">
+            <a:extLst>
+              <a:ext uri="{28A0092B-C50C-407E-A947-70E740481C1C}">
+                <a14:useLocalDpi xmlns:a14="http://schemas.microsoft.com/office/drawing/2010/main" val="0"/>
+              </a:ext>
+            </a:extLst>
+          </a:blip>
+          <a:srcRect/>
+          <a:stretch>
+            <a:fillRect/>
+          </a:stretch>
+        </p:blipFill>
+        <p:spPr bwMode="auto">
+          <a:xfrm>
+            <a:off x="201154" y="2729277"/>
+            <a:ext cx="1404595" cy="1404595"/>
+          </a:xfrm>
+          <a:prstGeom prst="rect">
+            <a:avLst/>
+          </a:prstGeom>
+          <a:noFill/>
+          <a:extLst>
+            <a:ext uri="{909E8E84-426E-40DD-AFC4-6F175D3DCCD1}">
+              <a14:hiddenFill xmlns:a14="http://schemas.microsoft.com/office/drawing/2010/main">
+                <a:solidFill>
+                  <a:srgbClr val="FFFFFF"/>
+                </a:solidFill>
+              </a14:hiddenFill>
+            </a:ext>
+          </a:extLst>
+        </p:spPr>
+      </p:pic>
+      <p:sp>
+        <p:nvSpPr>
+          <p:cNvPr id="2" name="Text Placeholder 1">
+            <a:extLst>
+              <a:ext uri="{FF2B5EF4-FFF2-40B4-BE49-F238E27FC236}">
+                <a16:creationId xmlns:a16="http://schemas.microsoft.com/office/drawing/2014/main" id="{F4636DF8-C7A2-453B-B256-B48AB8E676A8}"/>
+              </a:ext>
+            </a:extLst>
+          </p:cNvPr>
+          <p:cNvSpPr>
+            <a:spLocks noGrp="1"/>
+          </p:cNvSpPr>
+          <p:nvPr>
+            <p:ph type="body" sz="quarter" idx="10"/>
+          </p:nvPr>
+        </p:nvSpPr>
+        <p:spPr>
+          <a:xfrm>
+            <a:off x="434975" y="1142881"/>
+            <a:ext cx="11567160" cy="3200876"/>
+          </a:xfrm>
+        </p:spPr>
+        <p:txBody>
+          <a:bodyPr/>
+          <a:lstStyle/>
+          <a:p>
+            <a:r>
+              <a:rPr lang="en-US" dirty="0"/>
+              <a:t>	Azure App Service</a:t>
+            </a:r>
+          </a:p>
+          <a:p>
+            <a:r>
+              <a:rPr lang="en-US" dirty="0"/>
+              <a:t>	3 Basic instances = </a:t>
+            </a:r>
+            <a:r>
+              <a:rPr lang="en-US" sz="2400" dirty="0"/>
+              <a:t>1,050</a:t>
+            </a:r>
+            <a:r>
+              <a:rPr lang="en-US" dirty="0"/>
+              <a:t> concurrent</a:t>
+            </a:r>
+          </a:p>
+          <a:p>
+            <a:r>
+              <a:rPr lang="en-US" dirty="0"/>
+              <a:t>		@ ~$0.23 / hr.</a:t>
+            </a:r>
+          </a:p>
+          <a:p>
+            <a:endParaRPr lang="en-US" dirty="0"/>
+          </a:p>
+          <a:p>
+            <a:r>
+              <a:rPr lang="en-US" dirty="0"/>
+              <a:t>	Azure </a:t>
+            </a:r>
+            <a:r>
+              <a:rPr lang="en-US" dirty="0" err="1"/>
+              <a:t>SignalR</a:t>
+            </a:r>
+            <a:r>
+              <a:rPr lang="en-US" dirty="0"/>
+              <a:t> Service</a:t>
+            </a:r>
+          </a:p>
+          <a:p>
+            <a:r>
+              <a:rPr lang="en-US" dirty="0"/>
+              <a:t>	3 Standard instances = </a:t>
+            </a:r>
+            <a:r>
+              <a:rPr lang="en-US" sz="2400" dirty="0"/>
+              <a:t>3,000</a:t>
+            </a:r>
+            <a:r>
+              <a:rPr lang="en-US" dirty="0"/>
+              <a:t> concurrent</a:t>
+            </a:r>
+          </a:p>
+          <a:p>
+            <a:r>
+              <a:rPr lang="en-US" dirty="0"/>
+              <a:t>		@ ~$0.10 / hr.</a:t>
+            </a:r>
+          </a:p>
+        </p:txBody>
+      </p:sp>
+      <p:sp>
+        <p:nvSpPr>
+          <p:cNvPr id="3" name="Title 2">
+            <a:extLst>
+              <a:ext uri="{FF2B5EF4-FFF2-40B4-BE49-F238E27FC236}">
+                <a16:creationId xmlns:a16="http://schemas.microsoft.com/office/drawing/2014/main" id="{615040C6-BAB7-4241-95E7-5E99BBC497B0}"/>
+              </a:ext>
+            </a:extLst>
+          </p:cNvPr>
+          <p:cNvSpPr>
+            <a:spLocks noGrp="1"/>
+          </p:cNvSpPr>
+          <p:nvPr>
+            <p:ph type="title"/>
+          </p:nvPr>
+        </p:nvSpPr>
+        <p:spPr/>
+        <p:txBody>
+          <a:bodyPr/>
+          <a:lstStyle/>
+          <a:p>
+            <a:r>
+              <a:rPr lang="en-US" dirty="0"/>
+              <a:t>Concurrent connections in Azure</a:t>
+            </a:r>
+          </a:p>
+        </p:txBody>
+      </p:sp>
+      <p:graphicFrame>
+        <p:nvGraphicFramePr>
+          <p:cNvPr id="4" name="Table 3">
+            <a:extLst>
+              <a:ext uri="{FF2B5EF4-FFF2-40B4-BE49-F238E27FC236}">
+                <a16:creationId xmlns:a16="http://schemas.microsoft.com/office/drawing/2014/main" id="{76DC7F0C-8DD2-4FF8-8767-0EB06E6723F3}"/>
+              </a:ext>
+            </a:extLst>
+          </p:cNvPr>
+          <p:cNvGraphicFramePr>
+            <a:graphicFrameLocks noGrp="1"/>
+          </p:cNvGraphicFramePr>
+          <p:nvPr>
+            <p:extLst>
+              <p:ext uri="{D42A27DB-BD31-4B8C-83A1-F6EECF244321}">
+                <p14:modId xmlns:p14="http://schemas.microsoft.com/office/powerpoint/2010/main" val="1664455764"/>
+              </p:ext>
+            </p:extLst>
+          </p:nvPr>
+        </p:nvGraphicFramePr>
+        <p:xfrm>
+          <a:off x="6436403" y="1228844"/>
+          <a:ext cx="5473840" cy="4622800"/>
+        </p:xfrm>
+        <a:graphic>
+          <a:graphicData uri="http://schemas.openxmlformats.org/drawingml/2006/table">
+            <a:tbl>
+              <a:tblPr firstRow="1" bandRow="1">
+                <a:tableStyleId>{69CF1AB2-1976-4502-BF36-3FF5EA218861}</a:tableStyleId>
+              </a:tblPr>
+              <a:tblGrid>
+                <a:gridCol w="1146683">
+                  <a:extLst>
+                    <a:ext uri="{9D8B030D-6E8A-4147-A177-3AD203B41FA5}">
+                      <a16:colId xmlns:a16="http://schemas.microsoft.com/office/drawing/2014/main" val="633911240"/>
+                    </a:ext>
+                  </a:extLst>
+                </a:gridCol>
+                <a:gridCol w="1843532">
+                  <a:extLst>
+                    <a:ext uri="{9D8B030D-6E8A-4147-A177-3AD203B41FA5}">
+                      <a16:colId xmlns:a16="http://schemas.microsoft.com/office/drawing/2014/main" val="3252007508"/>
+                    </a:ext>
+                  </a:extLst>
+                </a:gridCol>
+                <a:gridCol w="1232218">
+                  <a:extLst>
+                    <a:ext uri="{9D8B030D-6E8A-4147-A177-3AD203B41FA5}">
+                      <a16:colId xmlns:a16="http://schemas.microsoft.com/office/drawing/2014/main" val="2503556833"/>
+                    </a:ext>
+                  </a:extLst>
+                </a:gridCol>
+                <a:gridCol w="1251407">
+                  <a:extLst>
+                    <a:ext uri="{9D8B030D-6E8A-4147-A177-3AD203B41FA5}">
+                      <a16:colId xmlns:a16="http://schemas.microsoft.com/office/drawing/2014/main" val="4234249319"/>
+                    </a:ext>
+                  </a:extLst>
+                </a:gridCol>
+              </a:tblGrid>
+              <a:tr h="370840">
+                <a:tc>
+                  <a:txBody>
+                    <a:bodyPr/>
+                    <a:lstStyle/>
+                    <a:p>
+                      <a:r>
+                        <a:rPr lang="en-US" dirty="0"/>
+                        <a:t>Tier</a:t>
+                      </a:r>
+                    </a:p>
+                  </a:txBody>
+                  <a:tcPr/>
+                </a:tc>
+                <a:tc>
+                  <a:txBody>
+                    <a:bodyPr/>
+                    <a:lstStyle/>
+                    <a:p>
+                      <a:r>
+                        <a:rPr lang="en-US" dirty="0"/>
+                        <a:t>Connections / </a:t>
+                      </a:r>
+                    </a:p>
+                    <a:p>
+                      <a:r>
+                        <a:rPr lang="en-US" dirty="0"/>
+                        <a:t>instance</a:t>
+                      </a:r>
+                    </a:p>
+                  </a:txBody>
+                  <a:tcPr/>
+                </a:tc>
+                <a:tc>
+                  <a:txBody>
+                    <a:bodyPr/>
+                    <a:lstStyle/>
+                    <a:p>
+                      <a:r>
+                        <a:rPr lang="en-US" dirty="0"/>
+                        <a:t>Max. </a:t>
+                      </a:r>
+                    </a:p>
+                    <a:p>
+                      <a:r>
+                        <a:rPr lang="en-US" dirty="0"/>
+                        <a:t>instances</a:t>
+                      </a:r>
+                    </a:p>
+                  </a:txBody>
+                  <a:tcPr/>
+                </a:tc>
+                <a:tc>
+                  <a:txBody>
+                    <a:bodyPr/>
+                    <a:lstStyle/>
+                    <a:p>
+                      <a:r>
+                        <a:rPr lang="en-US" dirty="0"/>
+                        <a:t>Price /  instance / hr.</a:t>
+                      </a:r>
+                    </a:p>
+                  </a:txBody>
+                  <a:tcPr/>
+                </a:tc>
+                <a:extLst>
+                  <a:ext uri="{0D108BD9-81ED-4DB2-BD59-A6C34878D82A}">
+                    <a16:rowId xmlns:a16="http://schemas.microsoft.com/office/drawing/2014/main" val="753680950"/>
+                  </a:ext>
+                </a:extLst>
+              </a:tr>
+              <a:tr h="370840">
+                <a:tc gridSpan="4">
+                  <a:txBody>
+                    <a:bodyPr/>
+                    <a:lstStyle/>
+                    <a:p>
+                      <a:r>
+                        <a:rPr lang="en-US" b="1" dirty="0"/>
+                        <a:t>Azure App Service</a:t>
+                      </a:r>
+                    </a:p>
+                  </a:txBody>
+                  <a:tcPr/>
+                </a:tc>
+                <a:tc hMerge="1">
+                  <a:txBody>
+                    <a:bodyPr/>
+                    <a:lstStyle/>
+                    <a:p>
+                      <a:endParaRPr lang="en-US" dirty="0"/>
+                    </a:p>
+                  </a:txBody>
+                  <a:tcPr/>
+                </a:tc>
+                <a:tc hMerge="1">
+                  <a:txBody>
+                    <a:bodyPr/>
+                    <a:lstStyle/>
+                    <a:p>
+                      <a:endParaRPr lang="en-US" dirty="0"/>
+                    </a:p>
+                  </a:txBody>
+                  <a:tcPr/>
+                </a:tc>
+                <a:tc hMerge="1">
+                  <a:txBody>
+                    <a:bodyPr/>
+                    <a:lstStyle/>
+                    <a:p>
+                      <a:endParaRPr lang="en-US" dirty="0"/>
+                    </a:p>
+                  </a:txBody>
+                  <a:tcPr/>
+                </a:tc>
+                <a:extLst>
+                  <a:ext uri="{0D108BD9-81ED-4DB2-BD59-A6C34878D82A}">
+                    <a16:rowId xmlns:a16="http://schemas.microsoft.com/office/drawing/2014/main" val="2316500764"/>
+                  </a:ext>
+                </a:extLst>
+              </a:tr>
+              <a:tr h="370840">
+                <a:tc>
+                  <a:txBody>
+                    <a:bodyPr/>
+                    <a:lstStyle/>
+                    <a:p>
+                      <a:r>
+                        <a:rPr lang="en-US" dirty="0"/>
+                        <a:t>Free</a:t>
+                      </a:r>
+                    </a:p>
+                  </a:txBody>
+                  <a:tcPr/>
+                </a:tc>
+                <a:tc>
+                  <a:txBody>
+                    <a:bodyPr/>
+                    <a:lstStyle/>
+                    <a:p>
+                      <a:r>
+                        <a:rPr lang="en-US" dirty="0"/>
+                        <a:t>5</a:t>
+                      </a:r>
+                    </a:p>
+                  </a:txBody>
+                  <a:tcPr/>
+                </a:tc>
+                <a:tc>
+                  <a:txBody>
+                    <a:bodyPr/>
+                    <a:lstStyle/>
+                    <a:p>
+                      <a:r>
+                        <a:rPr lang="en-US" dirty="0"/>
+                        <a:t>1</a:t>
+                      </a:r>
+                    </a:p>
+                  </a:txBody>
+                  <a:tcPr/>
+                </a:tc>
+                <a:tc>
+                  <a:txBody>
+                    <a:bodyPr/>
+                    <a:lstStyle/>
+                    <a:p>
+                      <a:r>
+                        <a:rPr lang="en-US" dirty="0"/>
+                        <a:t>$0.00</a:t>
+                      </a:r>
+                    </a:p>
+                  </a:txBody>
+                  <a:tcPr/>
+                </a:tc>
+                <a:extLst>
+                  <a:ext uri="{0D108BD9-81ED-4DB2-BD59-A6C34878D82A}">
+                    <a16:rowId xmlns:a16="http://schemas.microsoft.com/office/drawing/2014/main" val="615437511"/>
+                  </a:ext>
+                </a:extLst>
+              </a:tr>
+              <a:tr h="370840">
+                <a:tc>
+                  <a:txBody>
+                    <a:bodyPr/>
+                    <a:lstStyle/>
+                    <a:p>
+                      <a:r>
+                        <a:rPr lang="en-US" dirty="0"/>
+                        <a:t>Shared</a:t>
+                      </a:r>
+                    </a:p>
+                  </a:txBody>
+                  <a:tcPr/>
+                </a:tc>
+                <a:tc>
+                  <a:txBody>
+                    <a:bodyPr/>
+                    <a:lstStyle/>
+                    <a:p>
+                      <a:r>
+                        <a:rPr lang="en-US" dirty="0"/>
+                        <a:t>35</a:t>
+                      </a:r>
+                    </a:p>
+                  </a:txBody>
+                  <a:tcPr/>
+                </a:tc>
+                <a:tc>
+                  <a:txBody>
+                    <a:bodyPr/>
+                    <a:lstStyle/>
+                    <a:p>
+                      <a:r>
+                        <a:rPr lang="en-US" dirty="0"/>
+                        <a:t>1</a:t>
+                      </a:r>
+                    </a:p>
+                  </a:txBody>
+                  <a:tcPr/>
+                </a:tc>
+                <a:tc>
+                  <a:txBody>
+                    <a:bodyPr/>
+                    <a:lstStyle/>
+                    <a:p>
+                      <a:r>
+                        <a:rPr lang="en-US" dirty="0"/>
+                        <a:t>$0.013</a:t>
+                      </a:r>
+                    </a:p>
+                  </a:txBody>
+                  <a:tcPr/>
+                </a:tc>
+                <a:extLst>
+                  <a:ext uri="{0D108BD9-81ED-4DB2-BD59-A6C34878D82A}">
+                    <a16:rowId xmlns:a16="http://schemas.microsoft.com/office/drawing/2014/main" val="1588653178"/>
+                  </a:ext>
+                </a:extLst>
+              </a:tr>
+              <a:tr h="370840">
+                <a:tc>
+                  <a:txBody>
+                    <a:bodyPr/>
+                    <a:lstStyle/>
+                    <a:p>
+                      <a:r>
+                        <a:rPr lang="en-US" dirty="0"/>
+                        <a:t>Basic</a:t>
+                      </a:r>
+                    </a:p>
+                  </a:txBody>
+                  <a:tcPr/>
+                </a:tc>
+                <a:tc>
+                  <a:txBody>
+                    <a:bodyPr/>
+                    <a:lstStyle/>
+                    <a:p>
+                      <a:r>
+                        <a:rPr lang="en-US" dirty="0"/>
+                        <a:t>350</a:t>
+                      </a:r>
+                    </a:p>
+                  </a:txBody>
+                  <a:tcPr/>
+                </a:tc>
+                <a:tc>
+                  <a:txBody>
+                    <a:bodyPr/>
+                    <a:lstStyle/>
+                    <a:p>
+                      <a:r>
+                        <a:rPr lang="en-US" dirty="0"/>
+                        <a:t>3</a:t>
+                      </a:r>
+                    </a:p>
+                  </a:txBody>
+                  <a:tcPr/>
+                </a:tc>
+                <a:tc>
+                  <a:txBody>
+                    <a:bodyPr/>
+                    <a:lstStyle/>
+                    <a:p>
+                      <a:r>
+                        <a:rPr lang="en-US" dirty="0"/>
+                        <a:t>$0.075</a:t>
+                      </a:r>
+                    </a:p>
+                  </a:txBody>
+                  <a:tcPr/>
+                </a:tc>
+                <a:extLst>
+                  <a:ext uri="{0D108BD9-81ED-4DB2-BD59-A6C34878D82A}">
+                    <a16:rowId xmlns:a16="http://schemas.microsoft.com/office/drawing/2014/main" val="4150631001"/>
+                  </a:ext>
+                </a:extLst>
+              </a:tr>
+              <a:tr h="370840">
+                <a:tc>
+                  <a:txBody>
+                    <a:bodyPr/>
+                    <a:lstStyle/>
+                    <a:p>
+                      <a:r>
+                        <a:rPr lang="en-US" dirty="0"/>
+                        <a:t>Standard</a:t>
+                      </a:r>
+                    </a:p>
+                  </a:txBody>
+                  <a:tcPr/>
+                </a:tc>
+                <a:tc>
+                  <a:txBody>
+                    <a:bodyPr/>
+                    <a:lstStyle/>
+                    <a:p>
+                      <a:r>
+                        <a:rPr lang="en-US" dirty="0"/>
+                        <a:t>Unlimited</a:t>
+                      </a:r>
+                    </a:p>
+                  </a:txBody>
+                  <a:tcPr/>
+                </a:tc>
+                <a:tc>
+                  <a:txBody>
+                    <a:bodyPr/>
+                    <a:lstStyle/>
+                    <a:p>
+                      <a:r>
+                        <a:rPr lang="en-US" dirty="0"/>
+                        <a:t>10</a:t>
+                      </a:r>
+                    </a:p>
+                  </a:txBody>
+                  <a:tcPr/>
+                </a:tc>
+                <a:tc>
+                  <a:txBody>
+                    <a:bodyPr/>
+                    <a:lstStyle/>
+                    <a:p>
+                      <a:r>
+                        <a:rPr lang="en-US" dirty="0"/>
+                        <a:t>$0.10</a:t>
+                      </a:r>
+                    </a:p>
+                  </a:txBody>
+                  <a:tcPr/>
+                </a:tc>
+                <a:extLst>
+                  <a:ext uri="{0D108BD9-81ED-4DB2-BD59-A6C34878D82A}">
+                    <a16:rowId xmlns:a16="http://schemas.microsoft.com/office/drawing/2014/main" val="3549813139"/>
+                  </a:ext>
+                </a:extLst>
+              </a:tr>
+              <a:tr h="370840">
+                <a:tc>
+                  <a:txBody>
+                    <a:bodyPr/>
+                    <a:lstStyle/>
+                    <a:p>
+                      <a:r>
+                        <a:rPr lang="en-US" dirty="0"/>
+                        <a:t>Premium</a:t>
+                      </a:r>
+                    </a:p>
+                  </a:txBody>
+                  <a:tcPr/>
+                </a:tc>
+                <a:tc>
+                  <a:txBody>
+                    <a:bodyPr/>
+                    <a:lstStyle/>
+                    <a:p>
+                      <a:r>
+                        <a:rPr lang="en-US" dirty="0"/>
+                        <a:t>Unlimited</a:t>
+                      </a:r>
+                    </a:p>
+                  </a:txBody>
+                  <a:tcPr/>
+                </a:tc>
+                <a:tc>
+                  <a:txBody>
+                    <a:bodyPr/>
+                    <a:lstStyle/>
+                    <a:p>
+                      <a:r>
+                        <a:rPr lang="en-US" dirty="0"/>
+                        <a:t>20</a:t>
+                      </a:r>
+                    </a:p>
+                  </a:txBody>
+                  <a:tcPr/>
+                </a:tc>
+                <a:tc>
+                  <a:txBody>
+                    <a:bodyPr/>
+                    <a:lstStyle/>
+                    <a:p>
+                      <a:r>
+                        <a:rPr lang="en-US" dirty="0"/>
+                        <a:t>$0.20</a:t>
+                      </a:r>
+                    </a:p>
+                  </a:txBody>
+                  <a:tcPr/>
+                </a:tc>
+                <a:extLst>
+                  <a:ext uri="{0D108BD9-81ED-4DB2-BD59-A6C34878D82A}">
+                    <a16:rowId xmlns:a16="http://schemas.microsoft.com/office/drawing/2014/main" val="1377941706"/>
+                  </a:ext>
+                </a:extLst>
+              </a:tr>
+              <a:tr h="370840">
+                <a:tc>
+                  <a:txBody>
+                    <a:bodyPr/>
+                    <a:lstStyle/>
+                    <a:p>
+                      <a:r>
+                        <a:rPr lang="en-US" dirty="0"/>
+                        <a:t>Isolated</a:t>
+                      </a:r>
+                    </a:p>
+                  </a:txBody>
+                  <a:tcPr/>
+                </a:tc>
+                <a:tc>
+                  <a:txBody>
+                    <a:bodyPr/>
+                    <a:lstStyle/>
+                    <a:p>
+                      <a:r>
+                        <a:rPr lang="en-US" dirty="0"/>
+                        <a:t>Unlimited</a:t>
+                      </a:r>
+                    </a:p>
+                  </a:txBody>
+                  <a:tcPr/>
+                </a:tc>
+                <a:tc>
+                  <a:txBody>
+                    <a:bodyPr/>
+                    <a:lstStyle/>
+                    <a:p>
+                      <a:r>
+                        <a:rPr lang="en-US" dirty="0"/>
+                        <a:t>100</a:t>
+                      </a:r>
+                    </a:p>
+                  </a:txBody>
+                  <a:tcPr/>
+                </a:tc>
+                <a:tc>
+                  <a:txBody>
+                    <a:bodyPr/>
+                    <a:lstStyle/>
+                    <a:p>
+                      <a:r>
+                        <a:rPr lang="en-US" dirty="0"/>
+                        <a:t>$0.40</a:t>
+                      </a:r>
+                    </a:p>
+                  </a:txBody>
+                  <a:tcPr/>
+                </a:tc>
+                <a:extLst>
+                  <a:ext uri="{0D108BD9-81ED-4DB2-BD59-A6C34878D82A}">
+                    <a16:rowId xmlns:a16="http://schemas.microsoft.com/office/drawing/2014/main" val="1156317090"/>
+                  </a:ext>
+                </a:extLst>
+              </a:tr>
+              <a:tr h="370840">
+                <a:tc gridSpan="4">
+                  <a:txBody>
+                    <a:bodyPr/>
+                    <a:lstStyle/>
+                    <a:p>
+                      <a:r>
+                        <a:rPr lang="en-US" b="1" dirty="0"/>
+                        <a:t>Azure </a:t>
+                      </a:r>
+                      <a:r>
+                        <a:rPr lang="en-US" b="1" dirty="0" err="1"/>
+                        <a:t>SignalR</a:t>
+                      </a:r>
+                      <a:r>
+                        <a:rPr lang="en-US" b="1" dirty="0"/>
+                        <a:t> Service</a:t>
+                      </a:r>
+                    </a:p>
+                  </a:txBody>
+                  <a:tcPr/>
+                </a:tc>
+                <a:tc hMerge="1">
+                  <a:txBody>
+                    <a:bodyPr/>
+                    <a:lstStyle/>
+                    <a:p>
+                      <a:endParaRPr lang="en-US" dirty="0"/>
+                    </a:p>
+                  </a:txBody>
+                  <a:tcPr/>
+                </a:tc>
+                <a:tc hMerge="1">
+                  <a:txBody>
+                    <a:bodyPr/>
+                    <a:lstStyle/>
+                    <a:p>
+                      <a:endParaRPr lang="en-US" dirty="0"/>
+                    </a:p>
+                  </a:txBody>
+                  <a:tcPr/>
+                </a:tc>
+                <a:tc hMerge="1">
+                  <a:txBody>
+                    <a:bodyPr/>
+                    <a:lstStyle/>
+                    <a:p>
+                      <a:endParaRPr lang="en-US" dirty="0"/>
+                    </a:p>
+                  </a:txBody>
+                  <a:tcPr/>
+                </a:tc>
+                <a:extLst>
+                  <a:ext uri="{0D108BD9-81ED-4DB2-BD59-A6C34878D82A}">
+                    <a16:rowId xmlns:a16="http://schemas.microsoft.com/office/drawing/2014/main" val="2070924148"/>
+                  </a:ext>
+                </a:extLst>
+              </a:tr>
+              <a:tr h="370840">
+                <a:tc>
+                  <a:txBody>
+                    <a:bodyPr/>
+                    <a:lstStyle/>
+                    <a:p>
+                      <a:r>
+                        <a:rPr lang="en-US" dirty="0"/>
+                        <a:t>Free</a:t>
+                      </a:r>
+                    </a:p>
+                  </a:txBody>
+                  <a:tcPr/>
+                </a:tc>
+                <a:tc>
+                  <a:txBody>
+                    <a:bodyPr/>
+                    <a:lstStyle/>
+                    <a:p>
+                      <a:r>
+                        <a:rPr lang="en-US" dirty="0"/>
+                        <a:t>20</a:t>
+                      </a:r>
+                    </a:p>
+                  </a:txBody>
+                  <a:tcPr/>
+                </a:tc>
+                <a:tc>
+                  <a:txBody>
+                    <a:bodyPr/>
+                    <a:lstStyle/>
+                    <a:p>
+                      <a:r>
+                        <a:rPr lang="en-US" dirty="0"/>
+                        <a:t>1</a:t>
+                      </a:r>
+                    </a:p>
+                  </a:txBody>
+                  <a:tcPr/>
+                </a:tc>
+                <a:tc>
+                  <a:txBody>
+                    <a:bodyPr/>
+                    <a:lstStyle/>
+                    <a:p>
+                      <a:r>
+                        <a:rPr lang="en-US" dirty="0"/>
+                        <a:t>$0.00</a:t>
+                      </a:r>
+                    </a:p>
+                  </a:txBody>
+                  <a:tcPr/>
+                </a:tc>
+                <a:extLst>
+                  <a:ext uri="{0D108BD9-81ED-4DB2-BD59-A6C34878D82A}">
+                    <a16:rowId xmlns:a16="http://schemas.microsoft.com/office/drawing/2014/main" val="2425091680"/>
+                  </a:ext>
+                </a:extLst>
+              </a:tr>
+              <a:tr h="370840">
+                <a:tc>
+                  <a:txBody>
+                    <a:bodyPr/>
+                    <a:lstStyle/>
+                    <a:p>
+                      <a:r>
+                        <a:rPr lang="en-US" dirty="0"/>
+                        <a:t>Standard</a:t>
+                      </a:r>
+                    </a:p>
+                  </a:txBody>
+                  <a:tcPr/>
+                </a:tc>
+                <a:tc>
+                  <a:txBody>
+                    <a:bodyPr/>
+                    <a:lstStyle/>
+                    <a:p>
+                      <a:r>
+                        <a:rPr lang="en-US" dirty="0"/>
+                        <a:t>1,000</a:t>
+                      </a:r>
+                    </a:p>
+                  </a:txBody>
+                  <a:tcPr/>
+                </a:tc>
+                <a:tc>
+                  <a:txBody>
+                    <a:bodyPr/>
+                    <a:lstStyle/>
+                    <a:p>
+                      <a:r>
+                        <a:rPr lang="en-US" dirty="0"/>
+                        <a:t>100</a:t>
+                      </a:r>
+                    </a:p>
+                  </a:txBody>
+                  <a:tcPr/>
+                </a:tc>
+                <a:tc>
+                  <a:txBody>
+                    <a:bodyPr/>
+                    <a:lstStyle/>
+                    <a:p>
+                      <a:r>
+                        <a:rPr lang="en-US" dirty="0"/>
+                        <a:t>$0.0335</a:t>
+                      </a:r>
+                    </a:p>
+                  </a:txBody>
+                  <a:tcPr/>
+                </a:tc>
+                <a:extLst>
+                  <a:ext uri="{0D108BD9-81ED-4DB2-BD59-A6C34878D82A}">
+                    <a16:rowId xmlns:a16="http://schemas.microsoft.com/office/drawing/2014/main" val="1125489439"/>
+                  </a:ext>
+                </a:extLst>
+              </a:tr>
+            </a:tbl>
+          </a:graphicData>
+        </a:graphic>
+      </p:graphicFrame>
+      <p:pic>
+        <p:nvPicPr>
+          <p:cNvPr id="6" name="Picture 5" descr="A close up of a logo&#10;&#10;Description automatically generated">
+            <a:extLst>
+              <a:ext uri="{FF2B5EF4-FFF2-40B4-BE49-F238E27FC236}">
+                <a16:creationId xmlns:a16="http://schemas.microsoft.com/office/drawing/2014/main" id="{FDB27AB9-D127-4653-B3EF-9DF6AA70A5C0}"/>
+              </a:ext>
+            </a:extLst>
+          </p:cNvPr>
+          <p:cNvPicPr>
+            <a:picLocks noChangeAspect="1"/>
+          </p:cNvPicPr>
+          <p:nvPr/>
+        </p:nvPicPr>
+        <p:blipFill>
+          <a:blip r:embed="rId4" cstate="print">
+            <a:extLst>
+              <a:ext uri="{28A0092B-C50C-407E-A947-70E740481C1C}">
+                <a14:useLocalDpi xmlns:a14="http://schemas.microsoft.com/office/drawing/2010/main" val="0"/>
+              </a:ext>
+            </a:extLst>
+          </a:blip>
+          <a:stretch>
+            <a:fillRect/>
+          </a:stretch>
+        </p:blipFill>
+        <p:spPr>
+          <a:xfrm>
+            <a:off x="513307" y="1182498"/>
+            <a:ext cx="780290" cy="780290"/>
+          </a:xfrm>
+          <a:prstGeom prst="rect">
+            <a:avLst/>
+          </a:prstGeom>
+        </p:spPr>
+      </p:pic>
+      <p:cxnSp>
+        <p:nvCxnSpPr>
+          <p:cNvPr id="10" name="Straight Connector 9">
+            <a:extLst>
+              <a:ext uri="{FF2B5EF4-FFF2-40B4-BE49-F238E27FC236}">
+                <a16:creationId xmlns:a16="http://schemas.microsoft.com/office/drawing/2014/main" id="{EACC3DA4-CCD2-4E5F-B8F7-93920727582C}"/>
+              </a:ext>
+            </a:extLst>
+          </p:cNvPr>
+          <p:cNvCxnSpPr>
+            <a:cxnSpLocks/>
+          </p:cNvCxnSpPr>
+          <p:nvPr/>
+        </p:nvCxnSpPr>
+        <p:spPr>
+          <a:xfrm>
+            <a:off x="1374254" y="1527858"/>
+            <a:ext cx="4621432" cy="0"/>
+          </a:xfrm>
+          <a:prstGeom prst="line">
+            <a:avLst/>
+          </a:prstGeom>
+          <a:ln w="38100">
+            <a:solidFill>
+              <a:schemeClr val="tx1"/>
+            </a:solidFill>
+            <a:headEnd type="none"/>
+            <a:tailEnd type="none"/>
+          </a:ln>
+        </p:spPr>
+        <p:style>
+          <a:lnRef idx="1">
+            <a:schemeClr val="accent1"/>
+          </a:lnRef>
+          <a:fillRef idx="0">
+            <a:schemeClr val="accent1"/>
+          </a:fillRef>
+          <a:effectRef idx="0">
+            <a:schemeClr val="accent1"/>
+          </a:effectRef>
+          <a:fontRef idx="minor">
+            <a:schemeClr val="tx1"/>
+          </a:fontRef>
+        </p:style>
+      </p:cxnSp>
+      <p:cxnSp>
+        <p:nvCxnSpPr>
+          <p:cNvPr id="13" name="Straight Connector 12">
+            <a:extLst>
+              <a:ext uri="{FF2B5EF4-FFF2-40B4-BE49-F238E27FC236}">
+                <a16:creationId xmlns:a16="http://schemas.microsoft.com/office/drawing/2014/main" id="{8C5AC474-085B-43EC-8335-74E88AF3E9B0}"/>
+              </a:ext>
+            </a:extLst>
+          </p:cNvPr>
+          <p:cNvCxnSpPr>
+            <a:cxnSpLocks/>
+          </p:cNvCxnSpPr>
+          <p:nvPr/>
+        </p:nvCxnSpPr>
+        <p:spPr>
+          <a:xfrm>
+            <a:off x="1374254" y="3393311"/>
+            <a:ext cx="4621432" cy="0"/>
+          </a:xfrm>
+          <a:prstGeom prst="line">
+            <a:avLst/>
+          </a:prstGeom>
+          <a:ln w="38100">
+            <a:solidFill>
+              <a:schemeClr val="tx1"/>
+            </a:solidFill>
+            <a:headEnd type="none"/>
+            <a:tailEnd type="none"/>
+          </a:ln>
+        </p:spPr>
+        <p:style>
+          <a:lnRef idx="1">
+            <a:schemeClr val="accent1"/>
+          </a:lnRef>
+          <a:fillRef idx="0">
+            <a:schemeClr val="accent1"/>
+          </a:fillRef>
+          <a:effectRef idx="0">
+            <a:schemeClr val="accent1"/>
+          </a:effectRef>
+          <a:fontRef idx="minor">
+            <a:schemeClr val="tx1"/>
+          </a:fontRef>
+        </p:style>
+      </p:cxnSp>
+      <p:graphicFrame>
+        <p:nvGraphicFramePr>
+          <p:cNvPr id="12" name="Table 11">
+            <a:extLst>
+              <a:ext uri="{FF2B5EF4-FFF2-40B4-BE49-F238E27FC236}">
+                <a16:creationId xmlns:a16="http://schemas.microsoft.com/office/drawing/2014/main" id="{003B3AE4-7237-4976-A8D5-0953DE8B36B5}"/>
+              </a:ext>
+            </a:extLst>
+          </p:cNvPr>
+          <p:cNvGraphicFramePr>
+            <a:graphicFrameLocks noGrp="1"/>
+          </p:cNvGraphicFramePr>
+          <p:nvPr>
+            <p:extLst>
+              <p:ext uri="{D42A27DB-BD31-4B8C-83A1-F6EECF244321}">
+                <p14:modId xmlns:p14="http://schemas.microsoft.com/office/powerpoint/2010/main" val="960109405"/>
+              </p:ext>
+            </p:extLst>
+          </p:nvPr>
+        </p:nvGraphicFramePr>
+        <p:xfrm>
+          <a:off x="3356658" y="4739124"/>
+          <a:ext cx="3079745" cy="1112520"/>
+        </p:xfrm>
+        <a:graphic>
+          <a:graphicData uri="http://schemas.openxmlformats.org/drawingml/2006/table">
+            <a:tbl>
+              <a:tblPr firstRow="1" bandRow="1">
+                <a:tableStyleId>{69CF1AB2-1976-4502-BF36-3FF5EA218861}</a:tableStyleId>
+              </a:tblPr>
+              <a:tblGrid>
+                <a:gridCol w="3079745">
+                  <a:extLst>
+                    <a:ext uri="{9D8B030D-6E8A-4147-A177-3AD203B41FA5}">
+                      <a16:colId xmlns:a16="http://schemas.microsoft.com/office/drawing/2014/main" val="2618534296"/>
+                    </a:ext>
+                  </a:extLst>
+                </a:gridCol>
+              </a:tblGrid>
+              <a:tr h="370840">
+                <a:tc>
+                  <a:txBody>
+                    <a:bodyPr/>
+                    <a:lstStyle/>
+                    <a:p>
+                      <a:r>
+                        <a:rPr lang="en-US" dirty="0"/>
+                        <a:t>Messages / instance / day</a:t>
+                      </a:r>
+                    </a:p>
+                  </a:txBody>
+                  <a:tcPr/>
+                </a:tc>
+                <a:extLst>
+                  <a:ext uri="{0D108BD9-81ED-4DB2-BD59-A6C34878D82A}">
+                    <a16:rowId xmlns:a16="http://schemas.microsoft.com/office/drawing/2014/main" val="1516665460"/>
+                  </a:ext>
+                </a:extLst>
+              </a:tr>
+              <a:tr h="370840">
+                <a:tc>
+                  <a:txBody>
+                    <a:bodyPr/>
+                    <a:lstStyle/>
+                    <a:p>
+                      <a:r>
+                        <a:rPr lang="en-US" dirty="0"/>
+                        <a:t>20,000</a:t>
+                      </a:r>
+                    </a:p>
+                  </a:txBody>
+                  <a:tcPr/>
+                </a:tc>
+                <a:extLst>
+                  <a:ext uri="{0D108BD9-81ED-4DB2-BD59-A6C34878D82A}">
+                    <a16:rowId xmlns:a16="http://schemas.microsoft.com/office/drawing/2014/main" val="2230356435"/>
+                  </a:ext>
+                </a:extLst>
+              </a:tr>
+              <a:tr h="370840">
+                <a:tc>
+                  <a:txBody>
+                    <a:bodyPr/>
+                    <a:lstStyle/>
+                    <a:p>
+                      <a:r>
+                        <a:rPr lang="en-US" dirty="0"/>
+                        <a:t>1,000,000</a:t>
+                      </a:r>
+                    </a:p>
+                  </a:txBody>
+                  <a:tcPr/>
+                </a:tc>
+                <a:extLst>
+                  <a:ext uri="{0D108BD9-81ED-4DB2-BD59-A6C34878D82A}">
+                    <a16:rowId xmlns:a16="http://schemas.microsoft.com/office/drawing/2014/main" val="2605954350"/>
+                  </a:ext>
+                </a:extLst>
+              </a:tr>
+            </a:tbl>
+          </a:graphicData>
+        </a:graphic>
+      </p:graphicFrame>
+    </p:spTree>
+    <p:extLst>
+      <p:ext uri="{BB962C8B-B14F-4D97-AF65-F5344CB8AC3E}">
+        <p14:creationId xmlns:p14="http://schemas.microsoft.com/office/powerpoint/2010/main" val="430563725"/>
+      </p:ext>
+    </p:extLst>
+  </p:cSld>
+  <p:clrMapOvr>
+    <a:masterClrMapping/>
+  </p:clrMapOvr>
+  <p:transition>
+    <p:fade/>
+  </p:transition>
+</p:sld>
+</file>
+
+<file path=ppt/slides/slide13.xml><?xml version="1.0" encoding="utf-8"?>
 <p:sld xmlns:a="http://schemas.openxmlformats.org/drawingml/2006/main" xmlns:r="http://schemas.openxmlformats.org/officeDocument/2006/relationships" xmlns:p="http://schemas.openxmlformats.org/presentationml/2006/main">
   <p:cSld>
     <p:spTree>
@@ -29439,46 +30691,6 @@
 </file>
 
 <file path=customXml/item1.xml><?xml version="1.0" encoding="utf-8"?>
-<?mso-contentType ?>
-<FormTemplates xmlns="http://schemas.microsoft.com/sharepoint/v3/contenttype/forms">
-  <Display>DocumentLibraryForm</Display>
-  <Edit>DocumentLibraryForm</Edit>
-  <New>DocumentLibraryForm</New>
-</FormTemplates>
-</file>
-
-<file path=customXml/item2.xml><?xml version="1.0" encoding="utf-8"?>
-<p:properties xmlns:p="http://schemas.microsoft.com/office/2006/metadata/properties" xmlns:xsi="http://www.w3.org/2001/XMLSchema-instance" xmlns:pc="http://schemas.microsoft.com/office/infopath/2007/PartnerControls">
-  <documentManagement>
-    <_ip_UnifiedCompliancePolicyUIAction xmlns="http://schemas.microsoft.com/sharepoint/v3" xsi:nil="true"/>
-    <IconOverlay xmlns="http://schemas.microsoft.com/sharepoint/v4" xsi:nil="true"/>
-    <Preview xmlns="15c98cf3-0896-4040-874f-f436925621df">
-      <Url xsi:nil="true"/>
-      <Description xsi:nil="true"/>
-    </Preview>
-    <_ip_UnifiedCompliancePolicyProperties xmlns="http://schemas.microsoft.com/sharepoint/v3" xsi:nil="true"/>
-    <SharedWithUsers xmlns="af610f50-4aee-43ff-9d65-64420adb70d2">
-      <UserInfo>
-        <DisplayName>Shriram Natarajan</DisplayName>
-        <AccountId>645</AccountId>
-        <AccountType/>
-      </UserInfo>
-      <UserInfo>
-        <DisplayName>Siddique Juman</DisplayName>
-        <AccountId>79219</AccountId>
-        <AccountType/>
-      </UserInfo>
-      <UserInfo>
-        <DisplayName>Tiberiu Radu</DisplayName>
-        <AccountId>42551</AccountId>
-        <AccountType/>
-      </UserInfo>
-    </SharedWithUsers>
-  </documentManagement>
-</p:properties>
-</file>
-
-<file path=customXml/item3.xml><?xml version="1.0" encoding="utf-8"?>
 <ct:contentTypeSchema xmlns:ct="http://schemas.microsoft.com/office/2006/metadata/contentType" xmlns:ma="http://schemas.microsoft.com/office/2006/metadata/properties/metaAttributes" ct:_="" ma:_="" ma:contentTypeName="Document" ma:contentTypeID="0x010100F5F187B9059DF945B25AB5B2F3BA0895" ma:contentTypeVersion="17" ma:contentTypeDescription="Create a new document." ma:contentTypeScope="" ma:versionID="454b11af52e6a4a001d7a94430b0600d">
   <xsd:schema xmlns:xsd="http://www.w3.org/2001/XMLSchema" xmlns:xs="http://www.w3.org/2001/XMLSchema" xmlns:p="http://schemas.microsoft.com/office/2006/metadata/properties" xmlns:ns1="http://schemas.microsoft.com/sharepoint/v3" xmlns:ns2="af610f50-4aee-43ff-9d65-64420adb70d2" xmlns:ns3="http://schemas.microsoft.com/sharepoint/v4" xmlns:ns4="15c98cf3-0896-4040-874f-f436925621df" targetNamespace="http://schemas.microsoft.com/office/2006/metadata/properties" ma:root="true" ma:fieldsID="94f54606d29a996f622cc5db0382967e" ns1:_="" ns2:_="" ns3:_="" ns4:_="">
     <xsd:import namespace="http://schemas.microsoft.com/sharepoint/v3"/>
@@ -29742,10 +30954,63 @@
 </ct:contentTypeSchema>
 </file>
 
+<file path=customXml/item2.xml><?xml version="1.0" encoding="utf-8"?>
+<p:properties xmlns:p="http://schemas.microsoft.com/office/2006/metadata/properties" xmlns:xsi="http://www.w3.org/2001/XMLSchema-instance" xmlns:pc="http://schemas.microsoft.com/office/infopath/2007/PartnerControls">
+  <documentManagement>
+    <_ip_UnifiedCompliancePolicyUIAction xmlns="http://schemas.microsoft.com/sharepoint/v3" xsi:nil="true"/>
+    <IconOverlay xmlns="http://schemas.microsoft.com/sharepoint/v4" xsi:nil="true"/>
+    <Preview xmlns="15c98cf3-0896-4040-874f-f436925621df">
+      <Url xsi:nil="true"/>
+      <Description xsi:nil="true"/>
+    </Preview>
+    <_ip_UnifiedCompliancePolicyProperties xmlns="http://schemas.microsoft.com/sharepoint/v3" xsi:nil="true"/>
+    <SharedWithUsers xmlns="af610f50-4aee-43ff-9d65-64420adb70d2">
+      <UserInfo>
+        <DisplayName>Shriram Natarajan</DisplayName>
+        <AccountId>645</AccountId>
+        <AccountType/>
+      </UserInfo>
+      <UserInfo>
+        <DisplayName>Siddique Juman</DisplayName>
+        <AccountId>79219</AccountId>
+        <AccountType/>
+      </UserInfo>
+      <UserInfo>
+        <DisplayName>Tiberiu Radu</DisplayName>
+        <AccountId>42551</AccountId>
+        <AccountType/>
+      </UserInfo>
+    </SharedWithUsers>
+  </documentManagement>
+</p:properties>
+</file>
+
+<file path=customXml/item3.xml><?xml version="1.0" encoding="utf-8"?>
+<?mso-contentType ?>
+<FormTemplates xmlns="http://schemas.microsoft.com/sharepoint/v3/contenttype/forms">
+  <Display>DocumentLibraryForm</Display>
+  <Edit>DocumentLibraryForm</Edit>
+  <New>DocumentLibraryForm</New>
+</FormTemplates>
+</file>
+
 <file path=customXml/itemProps1.xml><?xml version="1.0" encoding="utf-8"?>
-<ds:datastoreItem xmlns:ds="http://schemas.openxmlformats.org/officeDocument/2006/customXml" ds:itemID="{A0CFF515-FEE6-4B9C-8B96-C300A0063377}">
+<ds:datastoreItem xmlns:ds="http://schemas.openxmlformats.org/officeDocument/2006/customXml" ds:itemID="{366A0CB4-B94D-48B7-AE6B-3133538C8CAA}">
   <ds:schemaRefs>
-    <ds:schemaRef ds:uri="http://schemas.microsoft.com/sharepoint/v3/contenttype/forms"/>
+    <ds:schemaRef ds:uri="http://schemas.microsoft.com/office/2006/metadata/contentType"/>
+    <ds:schemaRef ds:uri="http://schemas.microsoft.com/office/2006/metadata/properties/metaAttributes"/>
+    <ds:schemaRef ds:uri="http://www.w3.org/2001/XMLSchema"/>
+    <ds:schemaRef ds:uri="http://schemas.microsoft.com/office/2006/metadata/properties"/>
+    <ds:schemaRef ds:uri="http://schemas.microsoft.com/sharepoint/v3"/>
+    <ds:schemaRef ds:uri="af610f50-4aee-43ff-9d65-64420adb70d2"/>
+    <ds:schemaRef ds:uri="http://schemas.microsoft.com/sharepoint/v4"/>
+    <ds:schemaRef ds:uri="15c98cf3-0896-4040-874f-f436925621df"/>
+    <ds:schemaRef ds:uri="http://schemas.microsoft.com/office/2006/documentManagement/types"/>
+    <ds:schemaRef ds:uri="http://schemas.microsoft.com/office/infopath/2007/PartnerControls"/>
+    <ds:schemaRef ds:uri="http://schemas.openxmlformats.org/package/2006/metadata/core-properties"/>
+    <ds:schemaRef ds:uri="http://purl.org/dc/elements/1.1/"/>
+    <ds:schemaRef ds:uri="http://purl.org/dc/terms/"/>
+    <ds:schemaRef ds:uri="http://schemas.microsoft.com/internal/obd"/>
   </ds:schemaRefs>
 </ds:datastoreItem>
 </file>
@@ -29770,22 +31035,9 @@
 </file>
 
 <file path=customXml/itemProps3.xml><?xml version="1.0" encoding="utf-8"?>
-<ds:datastoreItem xmlns:ds="http://schemas.openxmlformats.org/officeDocument/2006/customXml" ds:itemID="{366A0CB4-B94D-48B7-AE6B-3133538C8CAA}">
+<ds:datastoreItem xmlns:ds="http://schemas.openxmlformats.org/officeDocument/2006/customXml" ds:itemID="{A0CFF515-FEE6-4B9C-8B96-C300A0063377}">
   <ds:schemaRefs>
-    <ds:schemaRef ds:uri="http://schemas.microsoft.com/office/2006/metadata/contentType"/>
-    <ds:schemaRef ds:uri="http://schemas.microsoft.com/office/2006/metadata/properties/metaAttributes"/>
-    <ds:schemaRef ds:uri="http://www.w3.org/2001/XMLSchema"/>
-    <ds:schemaRef ds:uri="http://schemas.microsoft.com/office/2006/metadata/properties"/>
-    <ds:schemaRef ds:uri="http://schemas.microsoft.com/sharepoint/v3"/>
-    <ds:schemaRef ds:uri="af610f50-4aee-43ff-9d65-64420adb70d2"/>
-    <ds:schemaRef ds:uri="http://schemas.microsoft.com/sharepoint/v4"/>
-    <ds:schemaRef ds:uri="15c98cf3-0896-4040-874f-f436925621df"/>
-    <ds:schemaRef ds:uri="http://schemas.microsoft.com/office/2006/documentManagement/types"/>
-    <ds:schemaRef ds:uri="http://schemas.microsoft.com/office/infopath/2007/PartnerControls"/>
-    <ds:schemaRef ds:uri="http://schemas.openxmlformats.org/package/2006/metadata/core-properties"/>
-    <ds:schemaRef ds:uri="http://purl.org/dc/elements/1.1/"/>
-    <ds:schemaRef ds:uri="http://purl.org/dc/terms/"/>
-    <ds:schemaRef ds:uri="http://schemas.microsoft.com/internal/obd"/>
+    <ds:schemaRef ds:uri="http://schemas.microsoft.com/sharepoint/v3/contenttype/forms"/>
   </ds:schemaRefs>
 </ds:datastoreItem>
 </file>
--- a/Building the Real-time Web with SignalR.pptx
+++ b/Building the Real-time Web with SignalR.pptx
@@ -1042,13 +1042,13 @@
           <a:bodyPr/>
           <a:lstStyle/>
           <a:p>
-            <a:pPr marL="0" indent="0">
+            <a:pPr marL="285750" indent="-285750">
               <a:buFontTx/>
-              <a:buNone/>
+              <a:buChar char="-"/>
             </a:pPr>
             <a:r>
               <a:rPr lang="en-US" dirty="0"/>
-              <a:t>- Recommend </a:t>
+              <a:t>Recommend </a:t>
             </a:r>
             <a:r>
               <a:rPr lang="en-US" dirty="0" err="1"/>
@@ -1057,6 +1057,24 @@
             <a:r>
               <a:rPr lang="en-US" dirty="0"/>
               <a:t> Service for PROD workloads</a:t>
+            </a:r>
+          </a:p>
+          <a:p>
+            <a:pPr marL="285750" indent="-285750">
+              <a:buFontTx/>
+              <a:buChar char="-"/>
+            </a:pPr>
+            <a:r>
+              <a:rPr lang="en-US" dirty="0"/>
+              <a:t>3 million </a:t>
+            </a:r>
+            <a:r>
+              <a:rPr lang="en-US" dirty="0" err="1"/>
+              <a:t>msgs</a:t>
+            </a:r>
+            <a:r>
+              <a:rPr lang="en-US" dirty="0"/>
+              <a:t>. / day w/ 3 Standard instances</a:t>
             </a:r>
           </a:p>
           <a:p>
@@ -1875,7 +1893,7 @@
           <a:p>
             <a:r>
               <a:rPr lang="en-US" dirty="0"/>
-              <a:t>- SQL Server not an option, as it as in ASP.NET 4.x</a:t>
+              <a:t>- SQL Server not an option, as it was in ASP.NET 4.x</a:t>
             </a:r>
           </a:p>
           <a:p>
@@ -1885,7 +1903,7 @@
             </a:pPr>
             <a:r>
               <a:rPr lang="en-US" dirty="0"/>
-              <a:t>- Redis acts as a backplane</a:t>
+              <a:t>- Redis = backplane</a:t>
             </a:r>
           </a:p>
           <a:p>
@@ -1895,7 +1913,7 @@
             </a:pPr>
             <a:r>
               <a:rPr lang="en-US" dirty="0"/>
-              <a:t>- You’ll have to setup your own Redis server/cluster</a:t>
+              <a:t>- Need to setup your own Redis server/cluster</a:t>
             </a:r>
           </a:p>
           <a:p>
@@ -20174,6 +20192,81 @@
   <p:transition>
     <p:fade/>
   </p:transition>
+  <p:timing>
+    <p:tnLst>
+      <p:par>
+        <p:cTn id="1" dur="indefinite" restart="never" nodeType="tmRoot">
+          <p:childTnLst>
+            <p:seq concurrent="1" nextAc="seek">
+              <p:cTn id="2" dur="indefinite" nodeType="mainSeq">
+                <p:childTnLst>
+                  <p:par>
+                    <p:cTn id="3" fill="hold">
+                      <p:stCondLst>
+                        <p:cond delay="indefinite"/>
+                      </p:stCondLst>
+                      <p:childTnLst>
+                        <p:par>
+                          <p:cTn id="4" fill="hold">
+                            <p:stCondLst>
+                              <p:cond delay="0"/>
+                            </p:stCondLst>
+                            <p:childTnLst>
+                              <p:par>
+                                <p:cTn id="5" presetID="1" presetClass="entr" presetSubtype="0" fill="hold" nodeType="clickEffect">
+                                  <p:stCondLst>
+                                    <p:cond delay="0"/>
+                                  </p:stCondLst>
+                                  <p:childTnLst>
+                                    <p:set>
+                                      <p:cBhvr>
+                                        <p:cTn id="6" dur="1" fill="hold">
+                                          <p:stCondLst>
+                                            <p:cond delay="0"/>
+                                          </p:stCondLst>
+                                        </p:cTn>
+                                        <p:tgtEl>
+                                          <p:spTgt spid="12"/>
+                                        </p:tgtEl>
+                                        <p:attrNameLst>
+                                          <p:attrName>style.visibility</p:attrName>
+                                        </p:attrNameLst>
+                                      </p:cBhvr>
+                                      <p:to>
+                                        <p:strVal val="visible"/>
+                                      </p:to>
+                                    </p:set>
+                                  </p:childTnLst>
+                                </p:cTn>
+                              </p:par>
+                            </p:childTnLst>
+                          </p:cTn>
+                        </p:par>
+                      </p:childTnLst>
+                    </p:cTn>
+                  </p:par>
+                </p:childTnLst>
+              </p:cTn>
+              <p:prevCondLst>
+                <p:cond evt="onPrev" delay="0">
+                  <p:tgtEl>
+                    <p:sldTgt/>
+                  </p:tgtEl>
+                </p:cond>
+              </p:prevCondLst>
+              <p:nextCondLst>
+                <p:cond evt="onNext" delay="0">
+                  <p:tgtEl>
+                    <p:sldTgt/>
+                  </p:tgtEl>
+                </p:cond>
+              </p:nextCondLst>
+            </p:seq>
+          </p:childTnLst>
+        </p:cTn>
+      </p:par>
+    </p:tnLst>
+  </p:timing>
 </p:sld>
 </file>
 
@@ -30691,6 +30784,46 @@
 </file>
 
 <file path=customXml/item1.xml><?xml version="1.0" encoding="utf-8"?>
+<?mso-contentType ?>
+<FormTemplates xmlns="http://schemas.microsoft.com/sharepoint/v3/contenttype/forms">
+  <Display>DocumentLibraryForm</Display>
+  <Edit>DocumentLibraryForm</Edit>
+  <New>DocumentLibraryForm</New>
+</FormTemplates>
+</file>
+
+<file path=customXml/item2.xml><?xml version="1.0" encoding="utf-8"?>
+<p:properties xmlns:p="http://schemas.microsoft.com/office/2006/metadata/properties" xmlns:xsi="http://www.w3.org/2001/XMLSchema-instance" xmlns:pc="http://schemas.microsoft.com/office/infopath/2007/PartnerControls">
+  <documentManagement>
+    <_ip_UnifiedCompliancePolicyUIAction xmlns="http://schemas.microsoft.com/sharepoint/v3" xsi:nil="true"/>
+    <IconOverlay xmlns="http://schemas.microsoft.com/sharepoint/v4" xsi:nil="true"/>
+    <Preview xmlns="15c98cf3-0896-4040-874f-f436925621df">
+      <Url xsi:nil="true"/>
+      <Description xsi:nil="true"/>
+    </Preview>
+    <_ip_UnifiedCompliancePolicyProperties xmlns="http://schemas.microsoft.com/sharepoint/v3" xsi:nil="true"/>
+    <SharedWithUsers xmlns="af610f50-4aee-43ff-9d65-64420adb70d2">
+      <UserInfo>
+        <DisplayName>Shriram Natarajan</DisplayName>
+        <AccountId>645</AccountId>
+        <AccountType/>
+      </UserInfo>
+      <UserInfo>
+        <DisplayName>Siddique Juman</DisplayName>
+        <AccountId>79219</AccountId>
+        <AccountType/>
+      </UserInfo>
+      <UserInfo>
+        <DisplayName>Tiberiu Radu</DisplayName>
+        <AccountId>42551</AccountId>
+        <AccountType/>
+      </UserInfo>
+    </SharedWithUsers>
+  </documentManagement>
+</p:properties>
+</file>
+
+<file path=customXml/item3.xml><?xml version="1.0" encoding="utf-8"?>
 <ct:contentTypeSchema xmlns:ct="http://schemas.microsoft.com/office/2006/metadata/contentType" xmlns:ma="http://schemas.microsoft.com/office/2006/metadata/properties/metaAttributes" ct:_="" ma:_="" ma:contentTypeName="Document" ma:contentTypeID="0x010100F5F187B9059DF945B25AB5B2F3BA0895" ma:contentTypeVersion="17" ma:contentTypeDescription="Create a new document." ma:contentTypeScope="" ma:versionID="454b11af52e6a4a001d7a94430b0600d">
   <xsd:schema xmlns:xsd="http://www.w3.org/2001/XMLSchema" xmlns:xs="http://www.w3.org/2001/XMLSchema" xmlns:p="http://schemas.microsoft.com/office/2006/metadata/properties" xmlns:ns1="http://schemas.microsoft.com/sharepoint/v3" xmlns:ns2="af610f50-4aee-43ff-9d65-64420adb70d2" xmlns:ns3="http://schemas.microsoft.com/sharepoint/v4" xmlns:ns4="15c98cf3-0896-4040-874f-f436925621df" targetNamespace="http://schemas.microsoft.com/office/2006/metadata/properties" ma:root="true" ma:fieldsID="94f54606d29a996f622cc5db0382967e" ns1:_="" ns2:_="" ns3:_="" ns4:_="">
     <xsd:import namespace="http://schemas.microsoft.com/sharepoint/v3"/>
@@ -30954,63 +31087,10 @@
 </ct:contentTypeSchema>
 </file>
 
-<file path=customXml/item2.xml><?xml version="1.0" encoding="utf-8"?>
-<p:properties xmlns:p="http://schemas.microsoft.com/office/2006/metadata/properties" xmlns:xsi="http://www.w3.org/2001/XMLSchema-instance" xmlns:pc="http://schemas.microsoft.com/office/infopath/2007/PartnerControls">
-  <documentManagement>
-    <_ip_UnifiedCompliancePolicyUIAction xmlns="http://schemas.microsoft.com/sharepoint/v3" xsi:nil="true"/>
-    <IconOverlay xmlns="http://schemas.microsoft.com/sharepoint/v4" xsi:nil="true"/>
-    <Preview xmlns="15c98cf3-0896-4040-874f-f436925621df">
-      <Url xsi:nil="true"/>
-      <Description xsi:nil="true"/>
-    </Preview>
-    <_ip_UnifiedCompliancePolicyProperties xmlns="http://schemas.microsoft.com/sharepoint/v3" xsi:nil="true"/>
-    <SharedWithUsers xmlns="af610f50-4aee-43ff-9d65-64420adb70d2">
-      <UserInfo>
-        <DisplayName>Shriram Natarajan</DisplayName>
-        <AccountId>645</AccountId>
-        <AccountType/>
-      </UserInfo>
-      <UserInfo>
-        <DisplayName>Siddique Juman</DisplayName>
-        <AccountId>79219</AccountId>
-        <AccountType/>
-      </UserInfo>
-      <UserInfo>
-        <DisplayName>Tiberiu Radu</DisplayName>
-        <AccountId>42551</AccountId>
-        <AccountType/>
-      </UserInfo>
-    </SharedWithUsers>
-  </documentManagement>
-</p:properties>
-</file>
-
-<file path=customXml/item3.xml><?xml version="1.0" encoding="utf-8"?>
-<?mso-contentType ?>
-<FormTemplates xmlns="http://schemas.microsoft.com/sharepoint/v3/contenttype/forms">
-  <Display>DocumentLibraryForm</Display>
-  <Edit>DocumentLibraryForm</Edit>
-  <New>DocumentLibraryForm</New>
-</FormTemplates>
-</file>
-
 <file path=customXml/itemProps1.xml><?xml version="1.0" encoding="utf-8"?>
-<ds:datastoreItem xmlns:ds="http://schemas.openxmlformats.org/officeDocument/2006/customXml" ds:itemID="{366A0CB4-B94D-48B7-AE6B-3133538C8CAA}">
+<ds:datastoreItem xmlns:ds="http://schemas.openxmlformats.org/officeDocument/2006/customXml" ds:itemID="{A0CFF515-FEE6-4B9C-8B96-C300A0063377}">
   <ds:schemaRefs>
-    <ds:schemaRef ds:uri="http://schemas.microsoft.com/office/2006/metadata/contentType"/>
-    <ds:schemaRef ds:uri="http://schemas.microsoft.com/office/2006/metadata/properties/metaAttributes"/>
-    <ds:schemaRef ds:uri="http://www.w3.org/2001/XMLSchema"/>
-    <ds:schemaRef ds:uri="http://schemas.microsoft.com/office/2006/metadata/properties"/>
-    <ds:schemaRef ds:uri="http://schemas.microsoft.com/sharepoint/v3"/>
-    <ds:schemaRef ds:uri="af610f50-4aee-43ff-9d65-64420adb70d2"/>
-    <ds:schemaRef ds:uri="http://schemas.microsoft.com/sharepoint/v4"/>
-    <ds:schemaRef ds:uri="15c98cf3-0896-4040-874f-f436925621df"/>
-    <ds:schemaRef ds:uri="http://schemas.microsoft.com/office/2006/documentManagement/types"/>
-    <ds:schemaRef ds:uri="http://schemas.microsoft.com/office/infopath/2007/PartnerControls"/>
-    <ds:schemaRef ds:uri="http://schemas.openxmlformats.org/package/2006/metadata/core-properties"/>
-    <ds:schemaRef ds:uri="http://purl.org/dc/elements/1.1/"/>
-    <ds:schemaRef ds:uri="http://purl.org/dc/terms/"/>
-    <ds:schemaRef ds:uri="http://schemas.microsoft.com/internal/obd"/>
+    <ds:schemaRef ds:uri="http://schemas.microsoft.com/sharepoint/v3/contenttype/forms"/>
   </ds:schemaRefs>
 </ds:datastoreItem>
 </file>
@@ -31035,9 +31115,22 @@
 </file>
 
 <file path=customXml/itemProps3.xml><?xml version="1.0" encoding="utf-8"?>
-<ds:datastoreItem xmlns:ds="http://schemas.openxmlformats.org/officeDocument/2006/customXml" ds:itemID="{A0CFF515-FEE6-4B9C-8B96-C300A0063377}">
+<ds:datastoreItem xmlns:ds="http://schemas.openxmlformats.org/officeDocument/2006/customXml" ds:itemID="{366A0CB4-B94D-48B7-AE6B-3133538C8CAA}">
   <ds:schemaRefs>
-    <ds:schemaRef ds:uri="http://schemas.microsoft.com/sharepoint/v3/contenttype/forms"/>
+    <ds:schemaRef ds:uri="http://schemas.microsoft.com/office/2006/metadata/contentType"/>
+    <ds:schemaRef ds:uri="http://schemas.microsoft.com/office/2006/metadata/properties/metaAttributes"/>
+    <ds:schemaRef ds:uri="http://www.w3.org/2001/XMLSchema"/>
+    <ds:schemaRef ds:uri="http://schemas.microsoft.com/office/2006/metadata/properties"/>
+    <ds:schemaRef ds:uri="http://schemas.microsoft.com/sharepoint/v3"/>
+    <ds:schemaRef ds:uri="af610f50-4aee-43ff-9d65-64420adb70d2"/>
+    <ds:schemaRef ds:uri="http://schemas.microsoft.com/sharepoint/v4"/>
+    <ds:schemaRef ds:uri="15c98cf3-0896-4040-874f-f436925621df"/>
+    <ds:schemaRef ds:uri="http://schemas.microsoft.com/office/2006/documentManagement/types"/>
+    <ds:schemaRef ds:uri="http://schemas.microsoft.com/office/infopath/2007/PartnerControls"/>
+    <ds:schemaRef ds:uri="http://schemas.openxmlformats.org/package/2006/metadata/core-properties"/>
+    <ds:schemaRef ds:uri="http://purl.org/dc/elements/1.1/"/>
+    <ds:schemaRef ds:uri="http://purl.org/dc/terms/"/>
+    <ds:schemaRef ds:uri="http://schemas.microsoft.com/internal/obd"/>
   </ds:schemaRefs>
 </ds:datastoreItem>
 </file>